--- a/Präsentation/Präsentation_V1.pptx
+++ b/Präsentation/Präsentation_V1.pptx
@@ -249,7 +249,7 @@
           <a:p>
             <a:fld id="{0AE13250-C537-B448-BED9-AF61DCF088B2}" type="datetimeFigureOut">
               <a:rPr lang="de-DE" smtClean="0"/>
-              <a:t>08.11.2018</a:t>
+              <a:t>09.11.2018</a:t>
             </a:fld>
             <a:endParaRPr lang="de-DE"/>
           </a:p>
@@ -415,7 +415,7 @@
           <a:p>
             <a:fld id="{7BF8C751-7494-BF40-8574-213D7890D13D}" type="datetimeFigureOut">
               <a:rPr lang="de-DE" smtClean="0"/>
-              <a:t>08.11.2018</a:t>
+              <a:t>09.11.2018</a:t>
             </a:fld>
             <a:endParaRPr lang="de-DE"/>
           </a:p>
@@ -13402,33 +13402,15 @@
                                   </p:childTnLst>
                                 </p:cTn>
                               </p:par>
-                            </p:childTnLst>
-                          </p:cTn>
-                        </p:par>
-                      </p:childTnLst>
-                    </p:cTn>
-                  </p:par>
-                  <p:par>
-                    <p:cTn id="27" fill="hold">
-                      <p:stCondLst>
-                        <p:cond delay="indefinite"/>
-                      </p:stCondLst>
-                      <p:childTnLst>
-                        <p:par>
-                          <p:cTn id="28" fill="hold">
-                            <p:stCondLst>
-                              <p:cond delay="0"/>
-                            </p:stCondLst>
-                            <p:childTnLst>
                               <p:par>
-                                <p:cTn id="29" presetID="1" presetClass="entr" presetSubtype="0" fill="hold" grpId="0" nodeType="clickEffect">
+                                <p:cTn id="27" presetID="1" presetClass="entr" presetSubtype="0" fill="hold" grpId="0" nodeType="withEffect">
                                   <p:stCondLst>
                                     <p:cond delay="0"/>
                                   </p:stCondLst>
                                   <p:childTnLst>
                                     <p:set>
                                       <p:cBhvr>
-                                        <p:cTn id="30" dur="1" fill="hold">
+                                        <p:cTn id="28" dur="1" fill="hold">
                                           <p:stCondLst>
                                             <p:cond delay="0"/>
                                           </p:stCondLst>
@@ -13448,14 +13430,14 @@
                                 </p:cTn>
                               </p:par>
                               <p:par>
-                                <p:cTn id="31" presetID="1" presetClass="entr" presetSubtype="0" fill="hold" grpId="0" nodeType="withEffect">
+                                <p:cTn id="29" presetID="1" presetClass="entr" presetSubtype="0" fill="hold" grpId="0" nodeType="withEffect">
                                   <p:stCondLst>
                                     <p:cond delay="0"/>
                                   </p:stCondLst>
                                   <p:childTnLst>
                                     <p:set>
                                       <p:cBhvr>
-                                        <p:cTn id="32" dur="1" fill="hold">
+                                        <p:cTn id="30" dur="1" fill="hold">
                                           <p:stCondLst>
                                             <p:cond delay="0"/>
                                           </p:stCondLst>
@@ -15125,7 +15107,7 @@
                                           </p:stCondLst>
                                         </p:cTn>
                                         <p:tgtEl>
-                                          <p:spTgt spid="21"/>
+                                          <p:spTgt spid="18"/>
                                         </p:tgtEl>
                                         <p:attrNameLst>
                                           <p:attrName>style.visibility</p:attrName>
@@ -15147,150 +15129,6 @@
                                     <p:set>
                                       <p:cBhvr>
                                         <p:cTn id="8" dur="1" fill="hold">
-                                          <p:stCondLst>
-                                            <p:cond delay="0"/>
-                                          </p:stCondLst>
-                                        </p:cTn>
-                                        <p:tgtEl>
-                                          <p:spTgt spid="12"/>
-                                        </p:tgtEl>
-                                        <p:attrNameLst>
-                                          <p:attrName>style.visibility</p:attrName>
-                                        </p:attrNameLst>
-                                      </p:cBhvr>
-                                      <p:to>
-                                        <p:strVal val="visible"/>
-                                      </p:to>
-                                    </p:set>
-                                  </p:childTnLst>
-                                </p:cTn>
-                              </p:par>
-                            </p:childTnLst>
-                          </p:cTn>
-                        </p:par>
-                      </p:childTnLst>
-                    </p:cTn>
-                  </p:par>
-                  <p:par>
-                    <p:cTn id="9" fill="hold">
-                      <p:stCondLst>
-                        <p:cond delay="indefinite"/>
-                      </p:stCondLst>
-                      <p:childTnLst>
-                        <p:par>
-                          <p:cTn id="10" fill="hold">
-                            <p:stCondLst>
-                              <p:cond delay="0"/>
-                            </p:stCondLst>
-                            <p:childTnLst>
-                              <p:par>
-                                <p:cTn id="11" presetID="1" presetClass="entr" presetSubtype="0" fill="hold" grpId="0" nodeType="clickEffect">
-                                  <p:stCondLst>
-                                    <p:cond delay="0"/>
-                                  </p:stCondLst>
-                                  <p:childTnLst>
-                                    <p:set>
-                                      <p:cBhvr>
-                                        <p:cTn id="12" dur="1" fill="hold">
-                                          <p:stCondLst>
-                                            <p:cond delay="0"/>
-                                          </p:stCondLst>
-                                        </p:cTn>
-                                        <p:tgtEl>
-                                          <p:spTgt spid="13"/>
-                                        </p:tgtEl>
-                                        <p:attrNameLst>
-                                          <p:attrName>style.visibility</p:attrName>
-                                        </p:attrNameLst>
-                                      </p:cBhvr>
-                                      <p:to>
-                                        <p:strVal val="visible"/>
-                                      </p:to>
-                                    </p:set>
-                                  </p:childTnLst>
-                                </p:cTn>
-                              </p:par>
-                              <p:par>
-                                <p:cTn id="13" presetID="1" presetClass="entr" presetSubtype="0" fill="hold" grpId="0" nodeType="withEffect">
-                                  <p:stCondLst>
-                                    <p:cond delay="0"/>
-                                  </p:stCondLst>
-                                  <p:childTnLst>
-                                    <p:set>
-                                      <p:cBhvr>
-                                        <p:cTn id="14" dur="1" fill="hold">
-                                          <p:stCondLst>
-                                            <p:cond delay="0"/>
-                                          </p:stCondLst>
-                                        </p:cTn>
-                                        <p:tgtEl>
-                                          <p:spTgt spid="22"/>
-                                        </p:tgtEl>
-                                        <p:attrNameLst>
-                                          <p:attrName>style.visibility</p:attrName>
-                                        </p:attrNameLst>
-                                      </p:cBhvr>
-                                      <p:to>
-                                        <p:strVal val="visible"/>
-                                      </p:to>
-                                    </p:set>
-                                  </p:childTnLst>
-                                </p:cTn>
-                              </p:par>
-                            </p:childTnLst>
-                          </p:cTn>
-                        </p:par>
-                      </p:childTnLst>
-                    </p:cTn>
-                  </p:par>
-                  <p:par>
-                    <p:cTn id="15" fill="hold">
-                      <p:stCondLst>
-                        <p:cond delay="indefinite"/>
-                      </p:stCondLst>
-                      <p:childTnLst>
-                        <p:par>
-                          <p:cTn id="16" fill="hold">
-                            <p:stCondLst>
-                              <p:cond delay="0"/>
-                            </p:stCondLst>
-                            <p:childTnLst>
-                              <p:par>
-                                <p:cTn id="17" presetID="1" presetClass="entr" presetSubtype="0" fill="hold" grpId="0" nodeType="clickEffect">
-                                  <p:stCondLst>
-                                    <p:cond delay="0"/>
-                                  </p:stCondLst>
-                                  <p:childTnLst>
-                                    <p:set>
-                                      <p:cBhvr>
-                                        <p:cTn id="18" dur="1" fill="hold">
-                                          <p:stCondLst>
-                                            <p:cond delay="0"/>
-                                          </p:stCondLst>
-                                        </p:cTn>
-                                        <p:tgtEl>
-                                          <p:spTgt spid="18"/>
-                                        </p:tgtEl>
-                                        <p:attrNameLst>
-                                          <p:attrName>style.visibility</p:attrName>
-                                        </p:attrNameLst>
-                                      </p:cBhvr>
-                                      <p:to>
-                                        <p:strVal val="visible"/>
-                                      </p:to>
-                                    </p:set>
-                                  </p:childTnLst>
-                                </p:cTn>
-                              </p:par>
-                              <p:par>
-                                <p:cTn id="19" presetID="1" presetClass="entr" presetSubtype="0" fill="hold" grpId="0" nodeType="withEffect">
-                                  <p:stCondLst>
-                                    <p:cond delay="0"/>
-                                  </p:stCondLst>
-                                  <p:childTnLst>
-                                    <p:set>
-                                      <p:cBhvr>
-                                        <p:cTn id="20" dur="1" fill="hold">
                                           <p:stCondLst>
                                             <p:cond delay="0"/>
                                           </p:stCondLst>
@@ -15338,10 +15176,6 @@
     </p:tnLst>
     <p:bldLst>
       <p:bldP spid="18" grpId="0" animBg="1"/>
-      <p:bldP spid="22" grpId="0" animBg="1"/>
-      <p:bldP spid="12" grpId="0" animBg="1"/>
-      <p:bldP spid="21" grpId="0" animBg="1"/>
-      <p:bldP spid="13" grpId="0" animBg="1"/>
       <p:bldP spid="19" grpId="0" animBg="1"/>
     </p:bldLst>
   </p:timing>
@@ -17093,186 +16927,6 @@
   <p:clrMapOvr>
     <a:masterClrMapping/>
   </p:clrMapOvr>
-  <p:timing>
-    <p:tnLst>
-      <p:par>
-        <p:cTn id="1" dur="indefinite" restart="never" nodeType="tmRoot">
-          <p:childTnLst>
-            <p:seq concurrent="1" nextAc="seek">
-              <p:cTn id="2" dur="indefinite" nodeType="mainSeq">
-                <p:childTnLst>
-                  <p:par>
-                    <p:cTn id="3" fill="hold">
-                      <p:stCondLst>
-                        <p:cond delay="indefinite"/>
-                      </p:stCondLst>
-                      <p:childTnLst>
-                        <p:par>
-                          <p:cTn id="4" fill="hold">
-                            <p:stCondLst>
-                              <p:cond delay="0"/>
-                            </p:stCondLst>
-                            <p:childTnLst>
-                              <p:par>
-                                <p:cTn id="5" presetID="1" presetClass="entr" presetSubtype="0" fill="hold" grpId="0" nodeType="clickEffect">
-                                  <p:stCondLst>
-                                    <p:cond delay="0"/>
-                                  </p:stCondLst>
-                                  <p:childTnLst>
-                                    <p:set>
-                                      <p:cBhvr>
-                                        <p:cTn id="6" dur="1" fill="hold">
-                                          <p:stCondLst>
-                                            <p:cond delay="0"/>
-                                          </p:stCondLst>
-                                        </p:cTn>
-                                        <p:tgtEl>
-                                          <p:spTgt spid="13"/>
-                                        </p:tgtEl>
-                                        <p:attrNameLst>
-                                          <p:attrName>style.visibility</p:attrName>
-                                        </p:attrNameLst>
-                                      </p:cBhvr>
-                                      <p:to>
-                                        <p:strVal val="visible"/>
-                                      </p:to>
-                                    </p:set>
-                                  </p:childTnLst>
-                                </p:cTn>
-                              </p:par>
-                              <p:par>
-                                <p:cTn id="7" presetID="1" presetClass="entr" presetSubtype="0" fill="hold" grpId="0" nodeType="withEffect">
-                                  <p:stCondLst>
-                                    <p:cond delay="0"/>
-                                  </p:stCondLst>
-                                  <p:childTnLst>
-                                    <p:set>
-                                      <p:cBhvr>
-                                        <p:cTn id="8" dur="1" fill="hold">
-                                          <p:stCondLst>
-                                            <p:cond delay="0"/>
-                                          </p:stCondLst>
-                                        </p:cTn>
-                                        <p:tgtEl>
-                                          <p:spTgt spid="22"/>
-                                        </p:tgtEl>
-                                        <p:attrNameLst>
-                                          <p:attrName>style.visibility</p:attrName>
-                                        </p:attrNameLst>
-                                      </p:cBhvr>
-                                      <p:to>
-                                        <p:strVal val="visible"/>
-                                      </p:to>
-                                    </p:set>
-                                  </p:childTnLst>
-                                </p:cTn>
-                              </p:par>
-                            </p:childTnLst>
-                          </p:cTn>
-                        </p:par>
-                      </p:childTnLst>
-                    </p:cTn>
-                  </p:par>
-                  <p:par>
-                    <p:cTn id="9" fill="hold">
-                      <p:stCondLst>
-                        <p:cond delay="indefinite"/>
-                      </p:stCondLst>
-                      <p:childTnLst>
-                        <p:par>
-                          <p:cTn id="10" fill="hold">
-                            <p:stCondLst>
-                              <p:cond delay="0"/>
-                            </p:stCondLst>
-                            <p:childTnLst>
-                              <p:par>
-                                <p:cTn id="11" presetID="1" presetClass="entr" presetSubtype="0" fill="hold" grpId="0" nodeType="clickEffect">
-                                  <p:stCondLst>
-                                    <p:cond delay="0"/>
-                                  </p:stCondLst>
-                                  <p:childTnLst>
-                                    <p:set>
-                                      <p:cBhvr>
-                                        <p:cTn id="12" dur="1" fill="hold">
-                                          <p:stCondLst>
-                                            <p:cond delay="0"/>
-                                          </p:stCondLst>
-                                        </p:cTn>
-                                        <p:tgtEl>
-                                          <p:spTgt spid="15"/>
-                                        </p:tgtEl>
-                                        <p:attrNameLst>
-                                          <p:attrName>style.visibility</p:attrName>
-                                        </p:attrNameLst>
-                                      </p:cBhvr>
-                                      <p:to>
-                                        <p:strVal val="visible"/>
-                                      </p:to>
-                                    </p:set>
-                                  </p:childTnLst>
-                                </p:cTn>
-                              </p:par>
-                              <p:par>
-                                <p:cTn id="13" presetID="1" presetClass="entr" presetSubtype="0" fill="hold" grpId="0" nodeType="withEffect">
-                                  <p:stCondLst>
-                                    <p:cond delay="0"/>
-                                  </p:stCondLst>
-                                  <p:childTnLst>
-                                    <p:set>
-                                      <p:cBhvr>
-                                        <p:cTn id="14" dur="1" fill="hold">
-                                          <p:stCondLst>
-                                            <p:cond delay="0"/>
-                                          </p:stCondLst>
-                                        </p:cTn>
-                                        <p:tgtEl>
-                                          <p:spTgt spid="14"/>
-                                        </p:tgtEl>
-                                        <p:attrNameLst>
-                                          <p:attrName>style.visibility</p:attrName>
-                                        </p:attrNameLst>
-                                      </p:cBhvr>
-                                      <p:to>
-                                        <p:strVal val="visible"/>
-                                      </p:to>
-                                    </p:set>
-                                  </p:childTnLst>
-                                </p:cTn>
-                              </p:par>
-                            </p:childTnLst>
-                          </p:cTn>
-                        </p:par>
-                      </p:childTnLst>
-                    </p:cTn>
-                  </p:par>
-                </p:childTnLst>
-              </p:cTn>
-              <p:prevCondLst>
-                <p:cond evt="onPrev" delay="0">
-                  <p:tgtEl>
-                    <p:sldTgt/>
-                  </p:tgtEl>
-                </p:cond>
-              </p:prevCondLst>
-              <p:nextCondLst>
-                <p:cond evt="onNext" delay="0">
-                  <p:tgtEl>
-                    <p:sldTgt/>
-                  </p:tgtEl>
-                </p:cond>
-              </p:nextCondLst>
-            </p:seq>
-          </p:childTnLst>
-        </p:cTn>
-      </p:par>
-    </p:tnLst>
-    <p:bldLst>
-      <p:bldP spid="22" grpId="0" animBg="1"/>
-      <p:bldP spid="14" grpId="0" animBg="1"/>
-      <p:bldP spid="13" grpId="0" animBg="1"/>
-      <p:bldP spid="15" grpId="0" animBg="1"/>
-    </p:bldLst>
-  </p:timing>
 </p:sld>
 </file>
 
@@ -17720,33 +17374,15 @@
                                   </p:childTnLst>
                                 </p:cTn>
                               </p:par>
-                            </p:childTnLst>
-                          </p:cTn>
-                        </p:par>
-                      </p:childTnLst>
-                    </p:cTn>
-                  </p:par>
-                  <p:par>
-                    <p:cTn id="7" fill="hold">
-                      <p:stCondLst>
-                        <p:cond delay="indefinite"/>
-                      </p:stCondLst>
-                      <p:childTnLst>
-                        <p:par>
-                          <p:cTn id="8" fill="hold">
-                            <p:stCondLst>
-                              <p:cond delay="0"/>
-                            </p:stCondLst>
-                            <p:childTnLst>
                               <p:par>
-                                <p:cTn id="9" presetID="1" presetClass="entr" presetSubtype="0" fill="hold" grpId="0" nodeType="clickEffect">
+                                <p:cTn id="7" presetID="1" presetClass="entr" presetSubtype="0" fill="hold" grpId="0" nodeType="withEffect">
                                   <p:stCondLst>
                                     <p:cond delay="0"/>
                                   </p:stCondLst>
                                   <p:childTnLst>
                                     <p:set>
                                       <p:cBhvr>
-                                        <p:cTn id="10" dur="1" fill="hold">
+                                        <p:cTn id="8" dur="1" fill="hold">
                                           <p:stCondLst>
                                             <p:cond delay="0"/>
                                           </p:stCondLst>
@@ -17765,33 +17401,15 @@
                                   </p:childTnLst>
                                 </p:cTn>
                               </p:par>
-                            </p:childTnLst>
-                          </p:cTn>
-                        </p:par>
-                      </p:childTnLst>
-                    </p:cTn>
-                  </p:par>
-                  <p:par>
-                    <p:cTn id="11" fill="hold">
-                      <p:stCondLst>
-                        <p:cond delay="indefinite"/>
-                      </p:stCondLst>
-                      <p:childTnLst>
-                        <p:par>
-                          <p:cTn id="12" fill="hold">
-                            <p:stCondLst>
-                              <p:cond delay="0"/>
-                            </p:stCondLst>
-                            <p:childTnLst>
                               <p:par>
-                                <p:cTn id="13" presetID="1" presetClass="entr" presetSubtype="0" fill="hold" grpId="0" nodeType="clickEffect">
+                                <p:cTn id="9" presetID="1" presetClass="entr" presetSubtype="0" fill="hold" grpId="0" nodeType="withEffect">
                                   <p:stCondLst>
                                     <p:cond delay="0"/>
                                   </p:stCondLst>
                                   <p:childTnLst>
                                     <p:set>
                                       <p:cBhvr>
-                                        <p:cTn id="14" dur="1" fill="hold">
+                                        <p:cTn id="10" dur="1" fill="hold">
                                           <p:stCondLst>
                                             <p:cond delay="0"/>
                                           </p:stCondLst>
@@ -17810,33 +17428,15 @@
                                   </p:childTnLst>
                                 </p:cTn>
                               </p:par>
-                            </p:childTnLst>
-                          </p:cTn>
-                        </p:par>
-                      </p:childTnLst>
-                    </p:cTn>
-                  </p:par>
-                  <p:par>
-                    <p:cTn id="15" fill="hold">
-                      <p:stCondLst>
-                        <p:cond delay="indefinite"/>
-                      </p:stCondLst>
-                      <p:childTnLst>
-                        <p:par>
-                          <p:cTn id="16" fill="hold">
-                            <p:stCondLst>
-                              <p:cond delay="0"/>
-                            </p:stCondLst>
-                            <p:childTnLst>
                               <p:par>
-                                <p:cTn id="17" presetID="1" presetClass="entr" presetSubtype="0" fill="hold" grpId="0" nodeType="clickEffect">
+                                <p:cTn id="11" presetID="1" presetClass="entr" presetSubtype="0" fill="hold" grpId="0" nodeType="withEffect">
                                   <p:stCondLst>
                                     <p:cond delay="0"/>
                                   </p:stCondLst>
                                   <p:childTnLst>
                                     <p:set>
                                       <p:cBhvr>
-                                        <p:cTn id="18" dur="1" fill="hold">
+                                        <p:cTn id="12" dur="1" fill="hold">
                                           <p:stCondLst>
                                             <p:cond delay="0"/>
                                           </p:stCondLst>
@@ -19920,6 +19520,180 @@
   <p:clrMapOvr>
     <a:masterClrMapping/>
   </p:clrMapOvr>
+  <p:timing>
+    <p:tnLst>
+      <p:par>
+        <p:cTn id="1" dur="indefinite" restart="never" nodeType="tmRoot">
+          <p:childTnLst>
+            <p:seq concurrent="1" nextAc="seek">
+              <p:cTn id="2" dur="indefinite" nodeType="mainSeq">
+                <p:childTnLst>
+                  <p:par>
+                    <p:cTn id="3" fill="hold">
+                      <p:stCondLst>
+                        <p:cond delay="indefinite"/>
+                      </p:stCondLst>
+                      <p:childTnLst>
+                        <p:par>
+                          <p:cTn id="4" fill="hold">
+                            <p:stCondLst>
+                              <p:cond delay="0"/>
+                            </p:stCondLst>
+                            <p:childTnLst>
+                              <p:par>
+                                <p:cTn id="5" presetID="1" presetClass="entr" presetSubtype="0" fill="hold" nodeType="clickEffect">
+                                  <p:stCondLst>
+                                    <p:cond delay="0"/>
+                                  </p:stCondLst>
+                                  <p:childTnLst>
+                                    <p:set>
+                                      <p:cBhvr>
+                                        <p:cTn id="6" dur="1" fill="hold">
+                                          <p:stCondLst>
+                                            <p:cond delay="0"/>
+                                          </p:stCondLst>
+                                        </p:cTn>
+                                        <p:tgtEl>
+                                          <p:spTgt spid="25"/>
+                                        </p:tgtEl>
+                                        <p:attrNameLst>
+                                          <p:attrName>style.visibility</p:attrName>
+                                        </p:attrNameLst>
+                                      </p:cBhvr>
+                                      <p:to>
+                                        <p:strVal val="visible"/>
+                                      </p:to>
+                                    </p:set>
+                                  </p:childTnLst>
+                                </p:cTn>
+                              </p:par>
+                              <p:par>
+                                <p:cTn id="7" presetID="1" presetClass="entr" presetSubtype="0" fill="hold" nodeType="withEffect">
+                                  <p:stCondLst>
+                                    <p:cond delay="0"/>
+                                  </p:stCondLst>
+                                  <p:childTnLst>
+                                    <p:set>
+                                      <p:cBhvr>
+                                        <p:cTn id="8" dur="1" fill="hold">
+                                          <p:stCondLst>
+                                            <p:cond delay="0"/>
+                                          </p:stCondLst>
+                                        </p:cTn>
+                                        <p:tgtEl>
+                                          <p:spTgt spid="13"/>
+                                        </p:tgtEl>
+                                        <p:attrNameLst>
+                                          <p:attrName>style.visibility</p:attrName>
+                                        </p:attrNameLst>
+                                      </p:cBhvr>
+                                      <p:to>
+                                        <p:strVal val="visible"/>
+                                      </p:to>
+                                    </p:set>
+                                  </p:childTnLst>
+                                </p:cTn>
+                              </p:par>
+                            </p:childTnLst>
+                          </p:cTn>
+                        </p:par>
+                      </p:childTnLst>
+                    </p:cTn>
+                  </p:par>
+                  <p:par>
+                    <p:cTn id="9" fill="hold">
+                      <p:stCondLst>
+                        <p:cond delay="indefinite"/>
+                      </p:stCondLst>
+                      <p:childTnLst>
+                        <p:par>
+                          <p:cTn id="10" fill="hold">
+                            <p:stCondLst>
+                              <p:cond delay="0"/>
+                            </p:stCondLst>
+                            <p:childTnLst>
+                              <p:par>
+                                <p:cTn id="11" presetID="1" presetClass="entr" presetSubtype="0" fill="hold" nodeType="clickEffect">
+                                  <p:stCondLst>
+                                    <p:cond delay="0"/>
+                                  </p:stCondLst>
+                                  <p:childTnLst>
+                                    <p:set>
+                                      <p:cBhvr>
+                                        <p:cTn id="12" dur="1" fill="hold">
+                                          <p:stCondLst>
+                                            <p:cond delay="0"/>
+                                          </p:stCondLst>
+                                        </p:cTn>
+                                        <p:tgtEl>
+                                          <p:spTgt spid="15"/>
+                                        </p:tgtEl>
+                                        <p:attrNameLst>
+                                          <p:attrName>style.visibility</p:attrName>
+                                        </p:attrNameLst>
+                                      </p:cBhvr>
+                                      <p:to>
+                                        <p:strVal val="visible"/>
+                                      </p:to>
+                                    </p:set>
+                                  </p:childTnLst>
+                                </p:cTn>
+                              </p:par>
+                              <p:par>
+                                <p:cTn id="13" presetID="1" presetClass="entr" presetSubtype="0" fill="hold" nodeType="withEffect">
+                                  <p:stCondLst>
+                                    <p:cond delay="0"/>
+                                  </p:stCondLst>
+                                  <p:childTnLst>
+                                    <p:set>
+                                      <p:cBhvr>
+                                        <p:cTn id="14" dur="1" fill="hold">
+                                          <p:stCondLst>
+                                            <p:cond delay="0"/>
+                                          </p:stCondLst>
+                                        </p:cTn>
+                                        <p:tgtEl>
+                                          <p:spTgt spid="26"/>
+                                        </p:tgtEl>
+                                        <p:attrNameLst>
+                                          <p:attrName>style.visibility</p:attrName>
+                                        </p:attrNameLst>
+                                      </p:cBhvr>
+                                      <p:to>
+                                        <p:strVal val="visible"/>
+                                      </p:to>
+                                    </p:set>
+                                  </p:childTnLst>
+                                </p:cTn>
+                              </p:par>
+                            </p:childTnLst>
+                          </p:cTn>
+                        </p:par>
+                      </p:childTnLst>
+                    </p:cTn>
+                  </p:par>
+                </p:childTnLst>
+              </p:cTn>
+              <p:prevCondLst>
+                <p:cond evt="onPrev" delay="0">
+                  <p:tgtEl>
+                    <p:sldTgt/>
+                  </p:tgtEl>
+                </p:cond>
+              </p:prevCondLst>
+              <p:nextCondLst>
+                <p:cond evt="onNext" delay="0">
+                  <p:tgtEl>
+                    <p:sldTgt/>
+                  </p:tgtEl>
+                </p:cond>
+              </p:nextCondLst>
+            </p:seq>
+          </p:childTnLst>
+        </p:cTn>
+      </p:par>
+    </p:tnLst>
+  </p:timing>
 </p:sld>
 </file>
 
@@ -22027,186 +21801,6 @@
   <p:clrMapOvr>
     <a:masterClrMapping/>
   </p:clrMapOvr>
-  <p:timing>
-    <p:tnLst>
-      <p:par>
-        <p:cTn id="1" dur="indefinite" restart="never" nodeType="tmRoot">
-          <p:childTnLst>
-            <p:seq concurrent="1" nextAc="seek">
-              <p:cTn id="2" dur="indefinite" nodeType="mainSeq">
-                <p:childTnLst>
-                  <p:par>
-                    <p:cTn id="3" fill="hold">
-                      <p:stCondLst>
-                        <p:cond delay="indefinite"/>
-                      </p:stCondLst>
-                      <p:childTnLst>
-                        <p:par>
-                          <p:cTn id="4" fill="hold">
-                            <p:stCondLst>
-                              <p:cond delay="0"/>
-                            </p:stCondLst>
-                            <p:childTnLst>
-                              <p:par>
-                                <p:cTn id="5" presetID="1" presetClass="entr" presetSubtype="0" fill="hold" grpId="0" nodeType="clickEffect">
-                                  <p:stCondLst>
-                                    <p:cond delay="0"/>
-                                  </p:stCondLst>
-                                  <p:childTnLst>
-                                    <p:set>
-                                      <p:cBhvr>
-                                        <p:cTn id="6" dur="1" fill="hold">
-                                          <p:stCondLst>
-                                            <p:cond delay="0"/>
-                                          </p:stCondLst>
-                                        </p:cTn>
-                                        <p:tgtEl>
-                                          <p:spTgt spid="7"/>
-                                        </p:tgtEl>
-                                        <p:attrNameLst>
-                                          <p:attrName>style.visibility</p:attrName>
-                                        </p:attrNameLst>
-                                      </p:cBhvr>
-                                      <p:to>
-                                        <p:strVal val="visible"/>
-                                      </p:to>
-                                    </p:set>
-                                  </p:childTnLst>
-                                </p:cTn>
-                              </p:par>
-                              <p:par>
-                                <p:cTn id="7" presetID="1" presetClass="entr" presetSubtype="0" fill="hold" grpId="0" nodeType="withEffect">
-                                  <p:stCondLst>
-                                    <p:cond delay="0"/>
-                                  </p:stCondLst>
-                                  <p:childTnLst>
-                                    <p:set>
-                                      <p:cBhvr>
-                                        <p:cTn id="8" dur="1" fill="hold">
-                                          <p:stCondLst>
-                                            <p:cond delay="0"/>
-                                          </p:stCondLst>
-                                        </p:cTn>
-                                        <p:tgtEl>
-                                          <p:spTgt spid="6"/>
-                                        </p:tgtEl>
-                                        <p:attrNameLst>
-                                          <p:attrName>style.visibility</p:attrName>
-                                        </p:attrNameLst>
-                                      </p:cBhvr>
-                                      <p:to>
-                                        <p:strVal val="visible"/>
-                                      </p:to>
-                                    </p:set>
-                                  </p:childTnLst>
-                                </p:cTn>
-                              </p:par>
-                            </p:childTnLst>
-                          </p:cTn>
-                        </p:par>
-                      </p:childTnLst>
-                    </p:cTn>
-                  </p:par>
-                  <p:par>
-                    <p:cTn id="9" fill="hold">
-                      <p:stCondLst>
-                        <p:cond delay="indefinite"/>
-                      </p:stCondLst>
-                      <p:childTnLst>
-                        <p:par>
-                          <p:cTn id="10" fill="hold">
-                            <p:stCondLst>
-                              <p:cond delay="0"/>
-                            </p:stCondLst>
-                            <p:childTnLst>
-                              <p:par>
-                                <p:cTn id="11" presetID="1" presetClass="entr" presetSubtype="0" fill="hold" grpId="0" nodeType="clickEffect">
-                                  <p:stCondLst>
-                                    <p:cond delay="0"/>
-                                  </p:stCondLst>
-                                  <p:childTnLst>
-                                    <p:set>
-                                      <p:cBhvr>
-                                        <p:cTn id="12" dur="1" fill="hold">
-                                          <p:stCondLst>
-                                            <p:cond delay="0"/>
-                                          </p:stCondLst>
-                                        </p:cTn>
-                                        <p:tgtEl>
-                                          <p:spTgt spid="10"/>
-                                        </p:tgtEl>
-                                        <p:attrNameLst>
-                                          <p:attrName>style.visibility</p:attrName>
-                                        </p:attrNameLst>
-                                      </p:cBhvr>
-                                      <p:to>
-                                        <p:strVal val="visible"/>
-                                      </p:to>
-                                    </p:set>
-                                  </p:childTnLst>
-                                </p:cTn>
-                              </p:par>
-                              <p:par>
-                                <p:cTn id="13" presetID="1" presetClass="entr" presetSubtype="0" fill="hold" grpId="0" nodeType="withEffect">
-                                  <p:stCondLst>
-                                    <p:cond delay="0"/>
-                                  </p:stCondLst>
-                                  <p:childTnLst>
-                                    <p:set>
-                                      <p:cBhvr>
-                                        <p:cTn id="14" dur="1" fill="hold">
-                                          <p:stCondLst>
-                                            <p:cond delay="0"/>
-                                          </p:stCondLst>
-                                        </p:cTn>
-                                        <p:tgtEl>
-                                          <p:spTgt spid="9"/>
-                                        </p:tgtEl>
-                                        <p:attrNameLst>
-                                          <p:attrName>style.visibility</p:attrName>
-                                        </p:attrNameLst>
-                                      </p:cBhvr>
-                                      <p:to>
-                                        <p:strVal val="visible"/>
-                                      </p:to>
-                                    </p:set>
-                                  </p:childTnLst>
-                                </p:cTn>
-                              </p:par>
-                            </p:childTnLst>
-                          </p:cTn>
-                        </p:par>
-                      </p:childTnLst>
-                    </p:cTn>
-                  </p:par>
-                </p:childTnLst>
-              </p:cTn>
-              <p:prevCondLst>
-                <p:cond evt="onPrev" delay="0">
-                  <p:tgtEl>
-                    <p:sldTgt/>
-                  </p:tgtEl>
-                </p:cond>
-              </p:prevCondLst>
-              <p:nextCondLst>
-                <p:cond evt="onNext" delay="0">
-                  <p:tgtEl>
-                    <p:sldTgt/>
-                  </p:tgtEl>
-                </p:cond>
-              </p:nextCondLst>
-            </p:seq>
-          </p:childTnLst>
-        </p:cTn>
-      </p:par>
-    </p:tnLst>
-    <p:bldLst>
-      <p:bldP spid="6" grpId="0" animBg="1"/>
-      <p:bldP spid="7" grpId="0" animBg="1"/>
-      <p:bldP spid="9" grpId="0" animBg="1"/>
-      <p:bldP spid="10" grpId="0" animBg="1"/>
-    </p:bldLst>
-  </p:timing>
 </p:sld>
 </file>
 
@@ -23749,7 +23343,7 @@
                                           </p:stCondLst>
                                         </p:cTn>
                                         <p:tgtEl>
-                                          <p:spTgt spid="16"/>
+                                          <p:spTgt spid="17"/>
                                         </p:tgtEl>
                                         <p:attrNameLst>
                                           <p:attrName>style.visibility</p:attrName>
@@ -23794,7 +23388,7 @@
                                           </p:stCondLst>
                                         </p:cTn>
                                         <p:tgtEl>
-                                          <p:spTgt spid="17"/>
+                                          <p:spTgt spid="18"/>
                                         </p:tgtEl>
                                         <p:attrNameLst>
                                           <p:attrName>style.visibility</p:attrName>
@@ -23834,51 +23428,6 @@
                                     <p:set>
                                       <p:cBhvr>
                                         <p:cTn id="14" dur="1" fill="hold">
-                                          <p:stCondLst>
-                                            <p:cond delay="0"/>
-                                          </p:stCondLst>
-                                        </p:cTn>
-                                        <p:tgtEl>
-                                          <p:spTgt spid="18"/>
-                                        </p:tgtEl>
-                                        <p:attrNameLst>
-                                          <p:attrName>style.visibility</p:attrName>
-                                        </p:attrNameLst>
-                                      </p:cBhvr>
-                                      <p:to>
-                                        <p:strVal val="visible"/>
-                                      </p:to>
-                                    </p:set>
-                                  </p:childTnLst>
-                                </p:cTn>
-                              </p:par>
-                            </p:childTnLst>
-                          </p:cTn>
-                        </p:par>
-                      </p:childTnLst>
-                    </p:cTn>
-                  </p:par>
-                  <p:par>
-                    <p:cTn id="15" fill="hold">
-                      <p:stCondLst>
-                        <p:cond delay="indefinite"/>
-                      </p:stCondLst>
-                      <p:childTnLst>
-                        <p:par>
-                          <p:cTn id="16" fill="hold">
-                            <p:stCondLst>
-                              <p:cond delay="0"/>
-                            </p:stCondLst>
-                            <p:childTnLst>
-                              <p:par>
-                                <p:cTn id="17" presetID="1" presetClass="entr" presetSubtype="0" fill="hold" nodeType="clickEffect">
-                                  <p:stCondLst>
-                                    <p:cond delay="0"/>
-                                  </p:stCondLst>
-                                  <p:childTnLst>
-                                    <p:set>
-                                      <p:cBhvr>
-                                        <p:cTn id="18" dur="1" fill="hold">
                                           <p:stCondLst>
                                             <p:cond delay="0"/>
                                           </p:stCondLst>
@@ -24934,7 +24483,7 @@
                 </a:solidFill>
                 <a:latin typeface="Consolas" panose="020B0609020204030204" pitchFamily="49" charset="0"/>
               </a:rPr>
-              <a:t>firstname</a:t>
+              <a:t>fname</a:t>
             </a:r>
             <a:r>
               <a:rPr lang="de-DE" sz="1600" dirty="0">
@@ -25120,7 +24669,7 @@
                                           </p:stCondLst>
                                         </p:cTn>
                                         <p:tgtEl>
-                                          <p:spTgt spid="9"/>
+                                          <p:spTgt spid="14"/>
                                         </p:tgtEl>
                                         <p:attrNameLst>
                                           <p:attrName>style.visibility</p:attrName>
@@ -25142,78 +24691,6 @@
                                     <p:set>
                                       <p:cBhvr>
                                         <p:cTn id="8" dur="1" fill="hold">
-                                          <p:stCondLst>
-                                            <p:cond delay="0"/>
-                                          </p:stCondLst>
-                                        </p:cTn>
-                                        <p:tgtEl>
-                                          <p:spTgt spid="8"/>
-                                        </p:tgtEl>
-                                        <p:attrNameLst>
-                                          <p:attrName>style.visibility</p:attrName>
-                                        </p:attrNameLst>
-                                      </p:cBhvr>
-                                      <p:to>
-                                        <p:strVal val="visible"/>
-                                      </p:to>
-                                    </p:set>
-                                  </p:childTnLst>
-                                </p:cTn>
-                              </p:par>
-                            </p:childTnLst>
-                          </p:cTn>
-                        </p:par>
-                      </p:childTnLst>
-                    </p:cTn>
-                  </p:par>
-                  <p:par>
-                    <p:cTn id="9" fill="hold">
-                      <p:stCondLst>
-                        <p:cond delay="indefinite"/>
-                      </p:stCondLst>
-                      <p:childTnLst>
-                        <p:par>
-                          <p:cTn id="10" fill="hold">
-                            <p:stCondLst>
-                              <p:cond delay="0"/>
-                            </p:stCondLst>
-                            <p:childTnLst>
-                              <p:par>
-                                <p:cTn id="11" presetID="1" presetClass="entr" presetSubtype="0" fill="hold" grpId="0" nodeType="clickEffect">
-                                  <p:stCondLst>
-                                    <p:cond delay="0"/>
-                                  </p:stCondLst>
-                                  <p:childTnLst>
-                                    <p:set>
-                                      <p:cBhvr>
-                                        <p:cTn id="12" dur="1" fill="hold">
-                                          <p:stCondLst>
-                                            <p:cond delay="0"/>
-                                          </p:stCondLst>
-                                        </p:cTn>
-                                        <p:tgtEl>
-                                          <p:spTgt spid="14"/>
-                                        </p:tgtEl>
-                                        <p:attrNameLst>
-                                          <p:attrName>style.visibility</p:attrName>
-                                        </p:attrNameLst>
-                                      </p:cBhvr>
-                                      <p:to>
-                                        <p:strVal val="visible"/>
-                                      </p:to>
-                                    </p:set>
-                                  </p:childTnLst>
-                                </p:cTn>
-                              </p:par>
-                              <p:par>
-                                <p:cTn id="13" presetID="1" presetClass="entr" presetSubtype="0" fill="hold" grpId="0" nodeType="withEffect">
-                                  <p:stCondLst>
-                                    <p:cond delay="0"/>
-                                  </p:stCondLst>
-                                  <p:childTnLst>
-                                    <p:set>
-                                      <p:cBhvr>
-                                        <p:cTn id="14" dur="1" fill="hold">
                                           <p:stCondLst>
                                             <p:cond delay="0"/>
                                           </p:stCondLst>
@@ -25260,8 +24737,6 @@
       </p:par>
     </p:tnLst>
     <p:bldLst>
-      <p:bldP spid="8" grpId="0" animBg="1"/>
-      <p:bldP spid="9" grpId="0" animBg="1"/>
       <p:bldP spid="13" grpId="0" animBg="1"/>
       <p:bldP spid="14" grpId="0" animBg="1"/>
     </p:bldLst>
@@ -25617,176 +25092,6 @@
   <p:clrMapOvr>
     <a:masterClrMapping/>
   </p:clrMapOvr>
-  <p:timing>
-    <p:tnLst>
-      <p:par>
-        <p:cTn id="1" dur="indefinite" restart="never" nodeType="tmRoot">
-          <p:childTnLst>
-            <p:seq concurrent="1" nextAc="seek">
-              <p:cTn id="2" dur="indefinite" nodeType="mainSeq">
-                <p:childTnLst>
-                  <p:par>
-                    <p:cTn id="3" fill="hold">
-                      <p:stCondLst>
-                        <p:cond delay="indefinite"/>
-                      </p:stCondLst>
-                      <p:childTnLst>
-                        <p:par>
-                          <p:cTn id="4" fill="hold">
-                            <p:stCondLst>
-                              <p:cond delay="0"/>
-                            </p:stCondLst>
-                            <p:childTnLst>
-                              <p:par>
-                                <p:cTn id="5" presetID="1" presetClass="entr" presetSubtype="0" fill="hold" grpId="0" nodeType="clickEffect">
-                                  <p:stCondLst>
-                                    <p:cond delay="0"/>
-                                  </p:stCondLst>
-                                  <p:childTnLst>
-                                    <p:set>
-                                      <p:cBhvr>
-                                        <p:cTn id="6" dur="1" fill="hold">
-                                          <p:stCondLst>
-                                            <p:cond delay="0"/>
-                                          </p:stCondLst>
-                                        </p:cTn>
-                                        <p:tgtEl>
-                                          <p:spTgt spid="6"/>
-                                        </p:tgtEl>
-                                        <p:attrNameLst>
-                                          <p:attrName>style.visibility</p:attrName>
-                                        </p:attrNameLst>
-                                      </p:cBhvr>
-                                      <p:to>
-                                        <p:strVal val="visible"/>
-                                      </p:to>
-                                    </p:set>
-                                  </p:childTnLst>
-                                </p:cTn>
-                              </p:par>
-                            </p:childTnLst>
-                          </p:cTn>
-                        </p:par>
-                      </p:childTnLst>
-                    </p:cTn>
-                  </p:par>
-                  <p:par>
-                    <p:cTn id="7" fill="hold">
-                      <p:stCondLst>
-                        <p:cond delay="indefinite"/>
-                      </p:stCondLst>
-                      <p:childTnLst>
-                        <p:par>
-                          <p:cTn id="8" fill="hold">
-                            <p:stCondLst>
-                              <p:cond delay="0"/>
-                            </p:stCondLst>
-                            <p:childTnLst>
-                              <p:par>
-                                <p:cTn id="9" presetID="1" presetClass="entr" presetSubtype="0" fill="hold" grpId="0" nodeType="clickEffect">
-                                  <p:stCondLst>
-                                    <p:cond delay="0"/>
-                                  </p:stCondLst>
-                                  <p:childTnLst>
-                                    <p:set>
-                                      <p:cBhvr>
-                                        <p:cTn id="10" dur="1" fill="hold">
-                                          <p:stCondLst>
-                                            <p:cond delay="0"/>
-                                          </p:stCondLst>
-                                        </p:cTn>
-                                        <p:tgtEl>
-                                          <p:spTgt spid="7"/>
-                                        </p:tgtEl>
-                                        <p:attrNameLst>
-                                          <p:attrName>style.visibility</p:attrName>
-                                        </p:attrNameLst>
-                                      </p:cBhvr>
-                                      <p:to>
-                                        <p:strVal val="visible"/>
-                                      </p:to>
-                                    </p:set>
-                                  </p:childTnLst>
-                                </p:cTn>
-                              </p:par>
-                            </p:childTnLst>
-                          </p:cTn>
-                        </p:par>
-                      </p:childTnLst>
-                    </p:cTn>
-                  </p:par>
-                  <p:par>
-                    <p:cTn id="11" fill="hold">
-                      <p:stCondLst>
-                        <p:cond delay="indefinite"/>
-                      </p:stCondLst>
-                      <p:childTnLst>
-                        <p:par>
-                          <p:cTn id="12" fill="hold">
-                            <p:stCondLst>
-                              <p:cond delay="0"/>
-                            </p:stCondLst>
-                            <p:childTnLst>
-                              <p:par>
-                                <p:cTn id="13" presetID="1" presetClass="entr" presetSubtype="0" fill="hold" grpId="0" nodeType="clickEffect">
-                                  <p:stCondLst>
-                                    <p:cond delay="0"/>
-                                  </p:stCondLst>
-                                  <p:childTnLst>
-                                    <p:set>
-                                      <p:cBhvr>
-                                        <p:cTn id="14" dur="1" fill="hold">
-                                          <p:stCondLst>
-                                            <p:cond delay="0"/>
-                                          </p:stCondLst>
-                                        </p:cTn>
-                                        <p:tgtEl>
-                                          <p:spTgt spid="8"/>
-                                        </p:tgtEl>
-                                        <p:attrNameLst>
-                                          <p:attrName>style.visibility</p:attrName>
-                                        </p:attrNameLst>
-                                      </p:cBhvr>
-                                      <p:to>
-                                        <p:strVal val="visible"/>
-                                      </p:to>
-                                    </p:set>
-                                  </p:childTnLst>
-                                </p:cTn>
-                              </p:par>
-                            </p:childTnLst>
-                          </p:cTn>
-                        </p:par>
-                      </p:childTnLst>
-                    </p:cTn>
-                  </p:par>
-                </p:childTnLst>
-              </p:cTn>
-              <p:prevCondLst>
-                <p:cond evt="onPrev" delay="0">
-                  <p:tgtEl>
-                    <p:sldTgt/>
-                  </p:tgtEl>
-                </p:cond>
-              </p:prevCondLst>
-              <p:nextCondLst>
-                <p:cond evt="onNext" delay="0">
-                  <p:tgtEl>
-                    <p:sldTgt/>
-                  </p:tgtEl>
-                </p:cond>
-              </p:nextCondLst>
-            </p:seq>
-          </p:childTnLst>
-        </p:cTn>
-      </p:par>
-    </p:tnLst>
-    <p:bldLst>
-      <p:bldP spid="6" grpId="0" animBg="1"/>
-      <p:bldP spid="7" grpId="0" animBg="1"/>
-      <p:bldP spid="8" grpId="0" animBg="1"/>
-    </p:bldLst>
-  </p:timing>
 </p:sld>
 </file>
 
@@ -30292,8 +29597,8 @@
         </p:nvSpPr>
         <p:spPr>
           <a:xfrm>
-            <a:off x="877779" y="2301272"/>
-            <a:ext cx="7674745" cy="646331"/>
+            <a:off x="884437" y="2168121"/>
+            <a:ext cx="7674745" cy="923330"/>
           </a:xfrm>
           <a:prstGeom prst="rect">
             <a:avLst/>
@@ -30309,18 +29614,128 @@
           <a:lstStyle/>
           <a:p>
             <a:r>
-              <a:rPr lang="de-DE" b="1" dirty="0" err="1">
+              <a:rPr lang="de-DE" dirty="0">
+                <a:solidFill>
+                  <a:srgbClr val="646464"/>
+                </a:solidFill>
+                <a:latin typeface="Consolas" panose="020B0609020204030204" pitchFamily="49" charset="0"/>
+              </a:rPr>
+              <a:t>@</a:t>
+            </a:r>
+            <a:r>
+              <a:rPr lang="de-DE" dirty="0" err="1">
+                <a:solidFill>
+                  <a:srgbClr val="646464"/>
+                </a:solidFill>
+                <a:latin typeface="Consolas" panose="020B0609020204030204" pitchFamily="49" charset="0"/>
+              </a:rPr>
+              <a:t>Resource</a:t>
+            </a:r>
+            <a:r>
+              <a:rPr lang="de-DE" dirty="0">
+                <a:solidFill>
+                  <a:schemeClr val="tx2"/>
+                </a:solidFill>
+                <a:latin typeface="Consolas" panose="020B0609020204030204" pitchFamily="49" charset="0"/>
+              </a:rPr>
+              <a:t>(</a:t>
+            </a:r>
+            <a:r>
+              <a:rPr lang="de-DE" dirty="0" err="1">
+                <a:solidFill>
+                  <a:schemeClr val="tx2"/>
+                </a:solidFill>
+                <a:latin typeface="Consolas" panose="020B0609020204030204" pitchFamily="49" charset="0"/>
+              </a:rPr>
+              <a:t>lookup</a:t>
+            </a:r>
+            <a:r>
+              <a:rPr lang="de-DE" dirty="0">
+                <a:solidFill>
+                  <a:schemeClr val="tx2"/>
+                </a:solidFill>
+                <a:latin typeface="Consolas" panose="020B0609020204030204" pitchFamily="49" charset="0"/>
+              </a:rPr>
+              <a:t>=</a:t>
+            </a:r>
+            <a:r>
+              <a:rPr lang="de-DE" dirty="0">
+                <a:solidFill>
+                  <a:srgbClr val="2A00FF"/>
+                </a:solidFill>
+                <a:latin typeface="Consolas" panose="020B0609020204030204" pitchFamily="49" charset="0"/>
+              </a:rPr>
+              <a:t>"</a:t>
+            </a:r>
+            <a:r>
+              <a:rPr lang="de-DE" dirty="0" err="1">
+                <a:solidFill>
+                  <a:srgbClr val="2A00FF"/>
+                </a:solidFill>
+                <a:latin typeface="Consolas" panose="020B0609020204030204" pitchFamily="49" charset="0"/>
+              </a:rPr>
+              <a:t>java:jboss</a:t>
+            </a:r>
+            <a:r>
+              <a:rPr lang="de-DE" dirty="0">
+                <a:solidFill>
+                  <a:srgbClr val="2A00FF"/>
+                </a:solidFill>
+                <a:latin typeface="Consolas" panose="020B0609020204030204" pitchFamily="49" charset="0"/>
+              </a:rPr>
+              <a:t>/</a:t>
+            </a:r>
+            <a:r>
+              <a:rPr lang="de-DE" dirty="0" err="1">
+                <a:solidFill>
+                  <a:srgbClr val="2A00FF"/>
+                </a:solidFill>
+                <a:latin typeface="Consolas" panose="020B0609020204030204" pitchFamily="49" charset="0"/>
+              </a:rPr>
+              <a:t>datasources</a:t>
+            </a:r>
+            <a:r>
+              <a:rPr lang="de-DE" dirty="0">
+                <a:solidFill>
+                  <a:srgbClr val="2A00FF"/>
+                </a:solidFill>
+                <a:latin typeface="Consolas" panose="020B0609020204030204" pitchFamily="49" charset="0"/>
+              </a:rPr>
+              <a:t>/Shop"</a:t>
+            </a:r>
+            <a:r>
+              <a:rPr lang="de-DE" dirty="0">
+                <a:solidFill>
+                  <a:schemeClr val="tx2"/>
+                </a:solidFill>
+                <a:latin typeface="Consolas" panose="020B0609020204030204" pitchFamily="49" charset="0"/>
+              </a:rPr>
+              <a:t>)</a:t>
+            </a:r>
+          </a:p>
+          <a:p>
+            <a:r>
+              <a:rPr lang="de-DE" b="1" dirty="0">
                 <a:solidFill>
                   <a:srgbClr val="7F0055"/>
                 </a:solidFill>
                 <a:latin typeface="Consolas" panose="020B0609020204030204" pitchFamily="49" charset="0"/>
               </a:rPr>
+              <a:t>private </a:t>
+            </a:r>
+            <a:r>
+              <a:rPr lang="de-DE" dirty="0" err="1">
+                <a:solidFill>
+                  <a:schemeClr val="tx2"/>
+                </a:solidFill>
+                <a:latin typeface="Consolas" panose="020B0609020204030204" pitchFamily="49" charset="0"/>
+              </a:rPr>
               <a:t>DataSource</a:t>
             </a:r>
             <a:r>
-              <a:rPr lang="de-DE" dirty="0">
-                <a:solidFill>
-                  <a:schemeClr val="tx2"/>
+              <a:rPr lang="de-DE" b="1" dirty="0">
+                <a:solidFill>
+                  <a:srgbClr val="7F0055"/>
                 </a:solidFill>
                 <a:latin typeface="Consolas" panose="020B0609020204030204" pitchFamily="49" charset="0"/>
               </a:rPr>
@@ -31285,176 +30700,6 @@
   <p:clrMapOvr>
     <a:masterClrMapping/>
   </p:clrMapOvr>
-  <p:timing>
-    <p:tnLst>
-      <p:par>
-        <p:cTn id="1" dur="indefinite" restart="never" nodeType="tmRoot">
-          <p:childTnLst>
-            <p:seq concurrent="1" nextAc="seek">
-              <p:cTn id="2" dur="indefinite" nodeType="mainSeq">
-                <p:childTnLst>
-                  <p:par>
-                    <p:cTn id="3" fill="hold">
-                      <p:stCondLst>
-                        <p:cond delay="indefinite"/>
-                      </p:stCondLst>
-                      <p:childTnLst>
-                        <p:par>
-                          <p:cTn id="4" fill="hold">
-                            <p:stCondLst>
-                              <p:cond delay="0"/>
-                            </p:stCondLst>
-                            <p:childTnLst>
-                              <p:par>
-                                <p:cTn id="5" presetID="1" presetClass="entr" presetSubtype="0" fill="hold" grpId="0" nodeType="clickEffect">
-                                  <p:stCondLst>
-                                    <p:cond delay="0"/>
-                                  </p:stCondLst>
-                                  <p:childTnLst>
-                                    <p:set>
-                                      <p:cBhvr>
-                                        <p:cTn id="6" dur="1" fill="hold">
-                                          <p:stCondLst>
-                                            <p:cond delay="0"/>
-                                          </p:stCondLst>
-                                        </p:cTn>
-                                        <p:tgtEl>
-                                          <p:spTgt spid="6"/>
-                                        </p:tgtEl>
-                                        <p:attrNameLst>
-                                          <p:attrName>style.visibility</p:attrName>
-                                        </p:attrNameLst>
-                                      </p:cBhvr>
-                                      <p:to>
-                                        <p:strVal val="visible"/>
-                                      </p:to>
-                                    </p:set>
-                                  </p:childTnLst>
-                                </p:cTn>
-                              </p:par>
-                            </p:childTnLst>
-                          </p:cTn>
-                        </p:par>
-                      </p:childTnLst>
-                    </p:cTn>
-                  </p:par>
-                  <p:par>
-                    <p:cTn id="7" fill="hold">
-                      <p:stCondLst>
-                        <p:cond delay="indefinite"/>
-                      </p:stCondLst>
-                      <p:childTnLst>
-                        <p:par>
-                          <p:cTn id="8" fill="hold">
-                            <p:stCondLst>
-                              <p:cond delay="0"/>
-                            </p:stCondLst>
-                            <p:childTnLst>
-                              <p:par>
-                                <p:cTn id="9" presetID="1" presetClass="entr" presetSubtype="0" fill="hold" grpId="0" nodeType="clickEffect">
-                                  <p:stCondLst>
-                                    <p:cond delay="0"/>
-                                  </p:stCondLst>
-                                  <p:childTnLst>
-                                    <p:set>
-                                      <p:cBhvr>
-                                        <p:cTn id="10" dur="1" fill="hold">
-                                          <p:stCondLst>
-                                            <p:cond delay="0"/>
-                                          </p:stCondLst>
-                                        </p:cTn>
-                                        <p:tgtEl>
-                                          <p:spTgt spid="7"/>
-                                        </p:tgtEl>
-                                        <p:attrNameLst>
-                                          <p:attrName>style.visibility</p:attrName>
-                                        </p:attrNameLst>
-                                      </p:cBhvr>
-                                      <p:to>
-                                        <p:strVal val="visible"/>
-                                      </p:to>
-                                    </p:set>
-                                  </p:childTnLst>
-                                </p:cTn>
-                              </p:par>
-                            </p:childTnLst>
-                          </p:cTn>
-                        </p:par>
-                      </p:childTnLst>
-                    </p:cTn>
-                  </p:par>
-                  <p:par>
-                    <p:cTn id="11" fill="hold">
-                      <p:stCondLst>
-                        <p:cond delay="indefinite"/>
-                      </p:stCondLst>
-                      <p:childTnLst>
-                        <p:par>
-                          <p:cTn id="12" fill="hold">
-                            <p:stCondLst>
-                              <p:cond delay="0"/>
-                            </p:stCondLst>
-                            <p:childTnLst>
-                              <p:par>
-                                <p:cTn id="13" presetID="1" presetClass="entr" presetSubtype="0" fill="hold" grpId="0" nodeType="clickEffect">
-                                  <p:stCondLst>
-                                    <p:cond delay="0"/>
-                                  </p:stCondLst>
-                                  <p:childTnLst>
-                                    <p:set>
-                                      <p:cBhvr>
-                                        <p:cTn id="14" dur="1" fill="hold">
-                                          <p:stCondLst>
-                                            <p:cond delay="0"/>
-                                          </p:stCondLst>
-                                        </p:cTn>
-                                        <p:tgtEl>
-                                          <p:spTgt spid="8"/>
-                                        </p:tgtEl>
-                                        <p:attrNameLst>
-                                          <p:attrName>style.visibility</p:attrName>
-                                        </p:attrNameLst>
-                                      </p:cBhvr>
-                                      <p:to>
-                                        <p:strVal val="visible"/>
-                                      </p:to>
-                                    </p:set>
-                                  </p:childTnLst>
-                                </p:cTn>
-                              </p:par>
-                            </p:childTnLst>
-                          </p:cTn>
-                        </p:par>
-                      </p:childTnLst>
-                    </p:cTn>
-                  </p:par>
-                </p:childTnLst>
-              </p:cTn>
-              <p:prevCondLst>
-                <p:cond evt="onPrev" delay="0">
-                  <p:tgtEl>
-                    <p:sldTgt/>
-                  </p:tgtEl>
-                </p:cond>
-              </p:prevCondLst>
-              <p:nextCondLst>
-                <p:cond evt="onNext" delay="0">
-                  <p:tgtEl>
-                    <p:sldTgt/>
-                  </p:tgtEl>
-                </p:cond>
-              </p:nextCondLst>
-            </p:seq>
-          </p:childTnLst>
-        </p:cTn>
-      </p:par>
-    </p:tnLst>
-    <p:bldLst>
-      <p:bldP spid="6" grpId="0" animBg="1"/>
-      <p:bldP spid="7" grpId="0" animBg="1"/>
-      <p:bldP spid="8" grpId="0" animBg="1"/>
-    </p:bldLst>
-  </p:timing>
 </p:sld>
 </file>
 
@@ -33577,7 +32822,7 @@
                             </p:stCondLst>
                             <p:childTnLst>
                               <p:par>
-                                <p:cTn id="5" presetID="1" presetClass="entr" presetSubtype="0" fill="hold" grpId="0" nodeType="clickEffect">
+                                <p:cTn id="5" presetID="1" presetClass="entr" presetSubtype="0" fill="hold" nodeType="clickEffect">
                                   <p:stCondLst>
                                     <p:cond delay="0"/>
                                   </p:stCondLst>
@@ -33585,51 +32830,6 @@
                                     <p:set>
                                       <p:cBhvr>
                                         <p:cTn id="6" dur="1" fill="hold">
-                                          <p:stCondLst>
-                                            <p:cond delay="0"/>
-                                          </p:stCondLst>
-                                        </p:cTn>
-                                        <p:tgtEl>
-                                          <p:spTgt spid="12"/>
-                                        </p:tgtEl>
-                                        <p:attrNameLst>
-                                          <p:attrName>style.visibility</p:attrName>
-                                        </p:attrNameLst>
-                                      </p:cBhvr>
-                                      <p:to>
-                                        <p:strVal val="visible"/>
-                                      </p:to>
-                                    </p:set>
-                                  </p:childTnLst>
-                                </p:cTn>
-                              </p:par>
-                            </p:childTnLst>
-                          </p:cTn>
-                        </p:par>
-                      </p:childTnLst>
-                    </p:cTn>
-                  </p:par>
-                  <p:par>
-                    <p:cTn id="7" fill="hold">
-                      <p:stCondLst>
-                        <p:cond delay="indefinite"/>
-                      </p:stCondLst>
-                      <p:childTnLst>
-                        <p:par>
-                          <p:cTn id="8" fill="hold">
-                            <p:stCondLst>
-                              <p:cond delay="0"/>
-                            </p:stCondLst>
-                            <p:childTnLst>
-                              <p:par>
-                                <p:cTn id="9" presetID="1" presetClass="entr" presetSubtype="0" fill="hold" nodeType="clickEffect">
-                                  <p:stCondLst>
-                                    <p:cond delay="0"/>
-                                  </p:stCondLst>
-                                  <p:childTnLst>
-                                    <p:set>
-                                      <p:cBhvr>
-                                        <p:cTn id="10" dur="1" fill="hold">
                                           <p:stCondLst>
                                             <p:cond delay="0"/>
                                           </p:stCondLst>
@@ -33649,14 +32849,14 @@
                                 </p:cTn>
                               </p:par>
                               <p:par>
-                                <p:cTn id="11" presetID="1" presetClass="entr" presetSubtype="0" fill="hold" nodeType="withEffect">
+                                <p:cTn id="7" presetID="1" presetClass="entr" presetSubtype="0" fill="hold" nodeType="withEffect">
                                   <p:stCondLst>
                                     <p:cond delay="0"/>
                                   </p:stCondLst>
                                   <p:childTnLst>
                                     <p:set>
                                       <p:cBhvr>
-                                        <p:cTn id="12" dur="1" fill="hold">
+                                        <p:cTn id="8" dur="1" fill="hold">
                                           <p:stCondLst>
                                             <p:cond delay="0"/>
                                           </p:stCondLst>
@@ -33676,7 +32876,61 @@
                                 </p:cTn>
                               </p:par>
                               <p:par>
-                                <p:cTn id="13" presetID="1" presetClass="entr" presetSubtype="0" fill="hold" nodeType="withEffect">
+                                <p:cTn id="9" presetID="1" presetClass="entr" presetSubtype="0" fill="hold" nodeType="withEffect">
+                                  <p:stCondLst>
+                                    <p:cond delay="0"/>
+                                  </p:stCondLst>
+                                  <p:childTnLst>
+                                    <p:set>
+                                      <p:cBhvr>
+                                        <p:cTn id="10" dur="1" fill="hold">
+                                          <p:stCondLst>
+                                            <p:cond delay="0"/>
+                                          </p:stCondLst>
+                                        </p:cTn>
+                                        <p:tgtEl>
+                                          <p:spTgt spid="22"/>
+                                        </p:tgtEl>
+                                        <p:attrNameLst>
+                                          <p:attrName>style.visibility</p:attrName>
+                                        </p:attrNameLst>
+                                      </p:cBhvr>
+                                      <p:to>
+                                        <p:strVal val="visible"/>
+                                      </p:to>
+                                    </p:set>
+                                  </p:childTnLst>
+                                </p:cTn>
+                              </p:par>
+                              <p:par>
+                                <p:cTn id="11" presetID="1" presetClass="entr" presetSubtype="0" fill="hold" grpId="0" nodeType="withEffect">
+                                  <p:stCondLst>
+                                    <p:cond delay="0"/>
+                                  </p:stCondLst>
+                                  <p:childTnLst>
+                                    <p:set>
+                                      <p:cBhvr>
+                                        <p:cTn id="12" dur="1" fill="hold">
+                                          <p:stCondLst>
+                                            <p:cond delay="0"/>
+                                          </p:stCondLst>
+                                        </p:cTn>
+                                        <p:tgtEl>
+                                          <p:spTgt spid="8"/>
+                                        </p:tgtEl>
+                                        <p:attrNameLst>
+                                          <p:attrName>style.visibility</p:attrName>
+                                        </p:attrNameLst>
+                                      </p:cBhvr>
+                                      <p:to>
+                                        <p:strVal val="visible"/>
+                                      </p:to>
+                                    </p:set>
+                                  </p:childTnLst>
+                                </p:cTn>
+                              </p:par>
+                              <p:par>
+                                <p:cTn id="13" presetID="1" presetClass="entr" presetSubtype="0" fill="hold" grpId="0" nodeType="withEffect">
                                   <p:stCondLst>
                                     <p:cond delay="0"/>
                                   </p:stCondLst>
@@ -33689,7 +32943,7 @@
                                           </p:stCondLst>
                                         </p:cTn>
                                         <p:tgtEl>
-                                          <p:spTgt spid="22"/>
+                                          <p:spTgt spid="15"/>
                                         </p:tgtEl>
                                         <p:attrNameLst>
                                           <p:attrName>style.visibility</p:attrName>
@@ -33711,60 +32965,6 @@
                                     <p:set>
                                       <p:cBhvr>
                                         <p:cTn id="16" dur="1" fill="hold">
-                                          <p:stCondLst>
-                                            <p:cond delay="0"/>
-                                          </p:stCondLst>
-                                        </p:cTn>
-                                        <p:tgtEl>
-                                          <p:spTgt spid="8"/>
-                                        </p:tgtEl>
-                                        <p:attrNameLst>
-                                          <p:attrName>style.visibility</p:attrName>
-                                        </p:attrNameLst>
-                                      </p:cBhvr>
-                                      <p:to>
-                                        <p:strVal val="visible"/>
-                                      </p:to>
-                                    </p:set>
-                                  </p:childTnLst>
-                                </p:cTn>
-                              </p:par>
-                              <p:par>
-                                <p:cTn id="17" presetID="1" presetClass="entr" presetSubtype="0" fill="hold" grpId="0" nodeType="withEffect">
-                                  <p:stCondLst>
-                                    <p:cond delay="0"/>
-                                  </p:stCondLst>
-                                  <p:childTnLst>
-                                    <p:set>
-                                      <p:cBhvr>
-                                        <p:cTn id="18" dur="1" fill="hold">
-                                          <p:stCondLst>
-                                            <p:cond delay="0"/>
-                                          </p:stCondLst>
-                                        </p:cTn>
-                                        <p:tgtEl>
-                                          <p:spTgt spid="15"/>
-                                        </p:tgtEl>
-                                        <p:attrNameLst>
-                                          <p:attrName>style.visibility</p:attrName>
-                                        </p:attrNameLst>
-                                      </p:cBhvr>
-                                      <p:to>
-                                        <p:strVal val="visible"/>
-                                      </p:to>
-                                    </p:set>
-                                  </p:childTnLst>
-                                </p:cTn>
-                              </p:par>
-                              <p:par>
-                                <p:cTn id="19" presetID="1" presetClass="entr" presetSubtype="0" fill="hold" grpId="0" nodeType="withEffect">
-                                  <p:stCondLst>
-                                    <p:cond delay="0"/>
-                                  </p:stCondLst>
-                                  <p:childTnLst>
-                                    <p:set>
-                                      <p:cBhvr>
-                                        <p:cTn id="20" dur="1" fill="hold">
                                           <p:stCondLst>
                                             <p:cond delay="0"/>
                                           </p:stCondLst>
@@ -33812,7 +33012,6 @@
     </p:tnLst>
     <p:bldLst>
       <p:bldP spid="8" grpId="0" animBg="1"/>
-      <p:bldP spid="12" grpId="0" animBg="1"/>
       <p:bldP spid="15" grpId="0" animBg="1"/>
       <p:bldP spid="16" grpId="0" animBg="1"/>
     </p:bldLst>

--- a/Präsentation/Präsentation_V1.pptx
+++ b/Präsentation/Präsentation_V1.pptx
@@ -7,35 +7,34 @@
     <p:sldMasterId id="2147483669" r:id="rId3"/>
   </p:sldMasterIdLst>
   <p:notesMasterIdLst>
-    <p:notesMasterId r:id="rId27"/>
+    <p:notesMasterId r:id="rId26"/>
   </p:notesMasterIdLst>
   <p:handoutMasterIdLst>
-    <p:handoutMasterId r:id="rId28"/>
+    <p:handoutMasterId r:id="rId27"/>
   </p:handoutMasterIdLst>
   <p:sldIdLst>
     <p:sldId id="256" r:id="rId4"/>
-    <p:sldId id="261" r:id="rId5"/>
-    <p:sldId id="257" r:id="rId6"/>
-    <p:sldId id="260" r:id="rId7"/>
-    <p:sldId id="262" r:id="rId8"/>
-    <p:sldId id="263" r:id="rId9"/>
-    <p:sldId id="269" r:id="rId10"/>
-    <p:sldId id="268" r:id="rId11"/>
-    <p:sldId id="270" r:id="rId12"/>
-    <p:sldId id="271" r:id="rId13"/>
-    <p:sldId id="272" r:id="rId14"/>
-    <p:sldId id="273" r:id="rId15"/>
-    <p:sldId id="275" r:id="rId16"/>
-    <p:sldId id="276" r:id="rId17"/>
-    <p:sldId id="277" r:id="rId18"/>
-    <p:sldId id="279" r:id="rId19"/>
-    <p:sldId id="280" r:id="rId20"/>
-    <p:sldId id="281" r:id="rId21"/>
-    <p:sldId id="282" r:id="rId22"/>
-    <p:sldId id="283" r:id="rId23"/>
-    <p:sldId id="284" r:id="rId24"/>
-    <p:sldId id="278" r:id="rId25"/>
-    <p:sldId id="259" r:id="rId26"/>
+    <p:sldId id="257" r:id="rId5"/>
+    <p:sldId id="260" r:id="rId6"/>
+    <p:sldId id="262" r:id="rId7"/>
+    <p:sldId id="263" r:id="rId8"/>
+    <p:sldId id="269" r:id="rId9"/>
+    <p:sldId id="268" r:id="rId10"/>
+    <p:sldId id="270" r:id="rId11"/>
+    <p:sldId id="271" r:id="rId12"/>
+    <p:sldId id="272" r:id="rId13"/>
+    <p:sldId id="273" r:id="rId14"/>
+    <p:sldId id="275" r:id="rId15"/>
+    <p:sldId id="276" r:id="rId16"/>
+    <p:sldId id="277" r:id="rId17"/>
+    <p:sldId id="279" r:id="rId18"/>
+    <p:sldId id="280" r:id="rId19"/>
+    <p:sldId id="281" r:id="rId20"/>
+    <p:sldId id="282" r:id="rId21"/>
+    <p:sldId id="283" r:id="rId22"/>
+    <p:sldId id="284" r:id="rId23"/>
+    <p:sldId id="278" r:id="rId24"/>
+    <p:sldId id="259" r:id="rId25"/>
   </p:sldIdLst>
   <p:sldSz cx="9144000" cy="6858000" type="screen4x3"/>
   <p:notesSz cx="6858000" cy="9144000"/>
@@ -249,7 +248,7 @@
           <a:p>
             <a:fld id="{0AE13250-C537-B448-BED9-AF61DCF088B2}" type="datetimeFigureOut">
               <a:rPr lang="de-DE" smtClean="0"/>
-              <a:t>09.11.2018</a:t>
+              <a:t>11.11.2018</a:t>
             </a:fld>
             <a:endParaRPr lang="de-DE"/>
           </a:p>
@@ -415,7 +414,7 @@
           <a:p>
             <a:fld id="{7BF8C751-7494-BF40-8574-213D7890D13D}" type="datetimeFigureOut">
               <a:rPr lang="de-DE" smtClean="0"/>
-              <a:t>09.11.2018</a:t>
+              <a:t>11.11.2018</a:t>
             </a:fld>
             <a:endParaRPr lang="de-DE"/>
           </a:p>
@@ -8400,7 +8399,7 @@
           <a:p>
             <a:r>
               <a:rPr lang="de-DE" dirty="0"/>
-              <a:t>10.10.18</a:t>
+              <a:t>12.11.18</a:t>
             </a:r>
           </a:p>
         </p:txBody>
@@ -8490,1895 +8489,6 @@
 </file>
 
 <file path=ppt/slides/slide10.xml><?xml version="1.0" encoding="utf-8"?>
-<p:sld xmlns:a="http://schemas.openxmlformats.org/drawingml/2006/main" xmlns:r="http://schemas.openxmlformats.org/officeDocument/2006/relationships" xmlns:p="http://schemas.openxmlformats.org/presentationml/2006/main">
-  <p:cSld>
-    <p:spTree>
-      <p:nvGrpSpPr>
-        <p:cNvPr id="1" name=""/>
-        <p:cNvGrpSpPr/>
-        <p:nvPr/>
-      </p:nvGrpSpPr>
-      <p:grpSpPr>
-        <a:xfrm>
-          <a:off x="0" y="0"/>
-          <a:ext cx="0" cy="0"/>
-          <a:chOff x="0" y="0"/>
-          <a:chExt cx="0" cy="0"/>
-        </a:xfrm>
-      </p:grpSpPr>
-      <p:sp>
-        <p:nvSpPr>
-          <p:cNvPr id="3" name="Titel 2">
-            <a:extLst>
-              <a:ext uri="{FF2B5EF4-FFF2-40B4-BE49-F238E27FC236}">
-                <a16:creationId xmlns:a16="http://schemas.microsoft.com/office/drawing/2014/main" id="{3913AE35-DE7E-4929-926F-E6416BB487FA}"/>
-              </a:ext>
-            </a:extLst>
-          </p:cNvPr>
-          <p:cNvSpPr>
-            <a:spLocks noGrp="1"/>
-          </p:cNvSpPr>
-          <p:nvPr>
-            <p:ph type="title"/>
-          </p:nvPr>
-        </p:nvSpPr>
-        <p:spPr/>
-        <p:txBody>
-          <a:bodyPr>
-            <a:normAutofit fontScale="90000"/>
-          </a:bodyPr>
-          <a:lstStyle/>
-          <a:p>
-            <a:r>
-              <a:rPr lang="de-DE" dirty="0"/>
-              <a:t>Java </a:t>
-            </a:r>
-            <a:r>
-              <a:rPr lang="de-DE" dirty="0" err="1"/>
-              <a:t>Persistence</a:t>
-            </a:r>
-            <a:r>
-              <a:rPr lang="de-DE" dirty="0"/>
-              <a:t> API</a:t>
-            </a:r>
-          </a:p>
-        </p:txBody>
-      </p:sp>
-      <p:sp>
-        <p:nvSpPr>
-          <p:cNvPr id="4" name="Untertitel 3">
-            <a:extLst>
-              <a:ext uri="{FF2B5EF4-FFF2-40B4-BE49-F238E27FC236}">
-                <a16:creationId xmlns:a16="http://schemas.microsoft.com/office/drawing/2014/main" id="{E6A8F379-B9BF-4BC3-99AB-CA73B2DD5D5C}"/>
-              </a:ext>
-            </a:extLst>
-          </p:cNvPr>
-          <p:cNvSpPr>
-            <a:spLocks noGrp="1"/>
-          </p:cNvSpPr>
-          <p:nvPr>
-            <p:ph type="subTitle" idx="1"/>
-          </p:nvPr>
-        </p:nvSpPr>
-        <p:spPr/>
-        <p:txBody>
-          <a:bodyPr/>
-          <a:lstStyle/>
-          <a:p>
-            <a:r>
-              <a:rPr lang="de-DE" dirty="0"/>
-              <a:t>Bestandteile</a:t>
-            </a:r>
-          </a:p>
-        </p:txBody>
-      </p:sp>
-      <p:sp>
-        <p:nvSpPr>
-          <p:cNvPr id="5" name="Foliennummernplatzhalter 4">
-            <a:extLst>
-              <a:ext uri="{FF2B5EF4-FFF2-40B4-BE49-F238E27FC236}">
-                <a16:creationId xmlns:a16="http://schemas.microsoft.com/office/drawing/2014/main" id="{27D18FC7-35F1-45CB-9226-7F721F313FE6}"/>
-              </a:ext>
-            </a:extLst>
-          </p:cNvPr>
-          <p:cNvSpPr>
-            <a:spLocks noGrp="1"/>
-          </p:cNvSpPr>
-          <p:nvPr>
-            <p:ph type="sldNum" sz="quarter" idx="4"/>
-          </p:nvPr>
-        </p:nvSpPr>
-        <p:spPr/>
-        <p:txBody>
-          <a:bodyPr/>
-          <a:lstStyle/>
-          <a:p>
-            <a:fld id="{F777D48D-F22C-624F-9C01-7CDA9A361691}" type="slidenum">
-              <a:rPr lang="de-DE" smtClean="0"/>
-              <a:pPr/>
-              <a:t>10</a:t>
-            </a:fld>
-            <a:endParaRPr lang="de-DE" dirty="0"/>
-          </a:p>
-        </p:txBody>
-      </p:sp>
-      <p:grpSp>
-        <p:nvGrpSpPr>
-          <p:cNvPr id="7" name="Gruppieren 6">
-            <a:extLst>
-              <a:ext uri="{FF2B5EF4-FFF2-40B4-BE49-F238E27FC236}">
-                <a16:creationId xmlns:a16="http://schemas.microsoft.com/office/drawing/2014/main" id="{238969C6-A3D7-43AE-86F4-1317DE9D157E}"/>
-              </a:ext>
-            </a:extLst>
-          </p:cNvPr>
-          <p:cNvGrpSpPr/>
-          <p:nvPr/>
-        </p:nvGrpSpPr>
-        <p:grpSpPr>
-          <a:xfrm>
-            <a:off x="4854967" y="1026225"/>
-            <a:ext cx="3298603" cy="1841257"/>
-            <a:chOff x="5396503" y="1283682"/>
-            <a:chExt cx="3298603" cy="1841257"/>
-          </a:xfrm>
-        </p:grpSpPr>
-        <p:sp>
-          <p:nvSpPr>
-            <p:cNvPr id="9" name="Rechteck: gefaltete Ecke 8">
-              <a:extLst>
-                <a:ext uri="{FF2B5EF4-FFF2-40B4-BE49-F238E27FC236}">
-                  <a16:creationId xmlns:a16="http://schemas.microsoft.com/office/drawing/2014/main" id="{E95F8893-D018-4FCC-8940-C1908A4EBC29}"/>
-                </a:ext>
-              </a:extLst>
-            </p:cNvPr>
-            <p:cNvSpPr/>
-            <p:nvPr/>
-          </p:nvSpPr>
-          <p:spPr>
-            <a:xfrm rot="10800000" flipH="1">
-              <a:off x="5396503" y="1283682"/>
-              <a:ext cx="3298603" cy="1841257"/>
-            </a:xfrm>
-            <a:prstGeom prst="foldedCorner">
-              <a:avLst>
-                <a:gd name="adj" fmla="val 20524"/>
-              </a:avLst>
-            </a:prstGeom>
-          </p:spPr>
-          <p:style>
-            <a:lnRef idx="2">
-              <a:schemeClr val="accent4"/>
-            </a:lnRef>
-            <a:fillRef idx="1">
-              <a:schemeClr val="lt1"/>
-            </a:fillRef>
-            <a:effectRef idx="0">
-              <a:schemeClr val="accent4"/>
-            </a:effectRef>
-            <a:fontRef idx="minor">
-              <a:schemeClr val="dk1"/>
-            </a:fontRef>
-          </p:style>
-          <p:txBody>
-            <a:bodyPr vert="vert" rtlCol="0" anchor="t" anchorCtr="0"/>
-            <a:lstStyle/>
-            <a:p>
-              <a:pPr algn="ctr"/>
-              <a:endParaRPr lang="de-DE" dirty="0"/>
-            </a:p>
-          </p:txBody>
-        </p:sp>
-        <p:sp>
-          <p:nvSpPr>
-            <p:cNvPr id="8" name="Rechteck 7">
-              <a:extLst>
-                <a:ext uri="{FF2B5EF4-FFF2-40B4-BE49-F238E27FC236}">
-                  <a16:creationId xmlns:a16="http://schemas.microsoft.com/office/drawing/2014/main" id="{CCB02487-8B3C-45DE-8F95-E888A510C8C4}"/>
-                </a:ext>
-              </a:extLst>
-            </p:cNvPr>
-            <p:cNvSpPr/>
-            <p:nvPr/>
-          </p:nvSpPr>
-          <p:spPr>
-            <a:xfrm>
-              <a:off x="5396503" y="1283684"/>
-              <a:ext cx="2132880" cy="461376"/>
-            </a:xfrm>
-            <a:prstGeom prst="rect">
-              <a:avLst/>
-            </a:prstGeom>
-            <a:noFill/>
-            <a:ln>
-              <a:noFill/>
-            </a:ln>
-          </p:spPr>
-          <p:style>
-            <a:lnRef idx="0">
-              <a:scrgbClr r="0" g="0" b="0"/>
-            </a:lnRef>
-            <a:fillRef idx="0">
-              <a:scrgbClr r="0" g="0" b="0"/>
-            </a:fillRef>
-            <a:effectRef idx="0">
-              <a:scrgbClr r="0" g="0" b="0"/>
-            </a:effectRef>
-            <a:fontRef idx="minor">
-              <a:schemeClr val="accent4"/>
-            </a:fontRef>
-          </p:style>
-          <p:txBody>
-            <a:bodyPr rtlCol="0" anchor="ctr"/>
-            <a:lstStyle/>
-            <a:p>
-              <a:pPr algn="ctr"/>
-              <a:r>
-                <a:rPr lang="de-DE" dirty="0">
-                  <a:solidFill>
-                    <a:srgbClr val="6D8B00"/>
-                  </a:solidFill>
-                </a:rPr>
-                <a:t>Persistenzeinheit</a:t>
-              </a:r>
-            </a:p>
-          </p:txBody>
-        </p:sp>
-      </p:grpSp>
-      <p:sp>
-        <p:nvSpPr>
-          <p:cNvPr id="10" name="Rechteck 9">
-            <a:extLst>
-              <a:ext uri="{FF2B5EF4-FFF2-40B4-BE49-F238E27FC236}">
-                <a16:creationId xmlns:a16="http://schemas.microsoft.com/office/drawing/2014/main" id="{41F53CEE-A28B-4273-96B4-9D019854C429}"/>
-              </a:ext>
-            </a:extLst>
-          </p:cNvPr>
-          <p:cNvSpPr/>
-          <p:nvPr/>
-        </p:nvSpPr>
-        <p:spPr>
-          <a:xfrm>
-            <a:off x="5162939" y="1638415"/>
-            <a:ext cx="1065320" cy="549281"/>
-          </a:xfrm>
-          <a:prstGeom prst="rect">
-            <a:avLst/>
-          </a:prstGeom>
-        </p:spPr>
-        <p:style>
-          <a:lnRef idx="2">
-            <a:schemeClr val="accent4">
-              <a:shade val="50000"/>
-            </a:schemeClr>
-          </a:lnRef>
-          <a:fillRef idx="1">
-            <a:schemeClr val="accent4"/>
-          </a:fillRef>
-          <a:effectRef idx="0">
-            <a:schemeClr val="accent4"/>
-          </a:effectRef>
-          <a:fontRef idx="minor">
-            <a:schemeClr val="lt1"/>
-          </a:fontRef>
-        </p:style>
-        <p:txBody>
-          <a:bodyPr rtlCol="0" anchor="ctr"/>
-          <a:lstStyle/>
-          <a:p>
-            <a:pPr algn="ctr"/>
-            <a:r>
-              <a:rPr lang="de-DE" dirty="0"/>
-              <a:t>Entity-Klasse</a:t>
-            </a:r>
-          </a:p>
-        </p:txBody>
-      </p:sp>
-      <p:sp>
-        <p:nvSpPr>
-          <p:cNvPr id="12" name="Rechteck 11">
-            <a:extLst>
-              <a:ext uri="{FF2B5EF4-FFF2-40B4-BE49-F238E27FC236}">
-                <a16:creationId xmlns:a16="http://schemas.microsoft.com/office/drawing/2014/main" id="{203038D1-26A6-451B-B5AE-D7D6270990FE}"/>
-              </a:ext>
-            </a:extLst>
-          </p:cNvPr>
-          <p:cNvSpPr/>
-          <p:nvPr/>
-        </p:nvSpPr>
-        <p:spPr>
-          <a:xfrm>
-            <a:off x="6380659" y="1638414"/>
-            <a:ext cx="1065320" cy="549281"/>
-          </a:xfrm>
-          <a:prstGeom prst="rect">
-            <a:avLst/>
-          </a:prstGeom>
-        </p:spPr>
-        <p:style>
-          <a:lnRef idx="2">
-            <a:schemeClr val="accent4">
-              <a:shade val="50000"/>
-            </a:schemeClr>
-          </a:lnRef>
-          <a:fillRef idx="1">
-            <a:schemeClr val="accent4"/>
-          </a:fillRef>
-          <a:effectRef idx="0">
-            <a:schemeClr val="accent4"/>
-          </a:effectRef>
-          <a:fontRef idx="minor">
-            <a:schemeClr val="lt1"/>
-          </a:fontRef>
-        </p:style>
-        <p:txBody>
-          <a:bodyPr rtlCol="0" anchor="ctr"/>
-          <a:lstStyle/>
-          <a:p>
-            <a:pPr algn="ctr"/>
-            <a:r>
-              <a:rPr lang="de-DE" dirty="0"/>
-              <a:t>Entity-Klasse</a:t>
-            </a:r>
-          </a:p>
-        </p:txBody>
-      </p:sp>
-      <p:sp>
-        <p:nvSpPr>
-          <p:cNvPr id="13" name="Rechteck 12">
-            <a:extLst>
-              <a:ext uri="{FF2B5EF4-FFF2-40B4-BE49-F238E27FC236}">
-                <a16:creationId xmlns:a16="http://schemas.microsoft.com/office/drawing/2014/main" id="{7F7456A2-85EE-420F-B3B9-E3D36BA0B953}"/>
-              </a:ext>
-            </a:extLst>
-          </p:cNvPr>
-          <p:cNvSpPr/>
-          <p:nvPr/>
-        </p:nvSpPr>
-        <p:spPr>
-          <a:xfrm>
-            <a:off x="5847999" y="2109614"/>
-            <a:ext cx="1065320" cy="549281"/>
-          </a:xfrm>
-          <a:prstGeom prst="rect">
-            <a:avLst/>
-          </a:prstGeom>
-        </p:spPr>
-        <p:style>
-          <a:lnRef idx="2">
-            <a:schemeClr val="accent4">
-              <a:shade val="50000"/>
-            </a:schemeClr>
-          </a:lnRef>
-          <a:fillRef idx="1">
-            <a:schemeClr val="accent4"/>
-          </a:fillRef>
-          <a:effectRef idx="0">
-            <a:schemeClr val="accent4"/>
-          </a:effectRef>
-          <a:fontRef idx="minor">
-            <a:schemeClr val="lt1"/>
-          </a:fontRef>
-        </p:style>
-        <p:txBody>
-          <a:bodyPr rtlCol="0" anchor="ctr"/>
-          <a:lstStyle/>
-          <a:p>
-            <a:pPr algn="ctr"/>
-            <a:r>
-              <a:rPr lang="de-DE" dirty="0"/>
-              <a:t>Entity-Klasse</a:t>
-            </a:r>
-          </a:p>
-        </p:txBody>
-      </p:sp>
-      <p:sp>
-        <p:nvSpPr>
-          <p:cNvPr id="14" name="Rechteck: abgerundete Ecken 13">
-            <a:extLst>
-              <a:ext uri="{FF2B5EF4-FFF2-40B4-BE49-F238E27FC236}">
-                <a16:creationId xmlns:a16="http://schemas.microsoft.com/office/drawing/2014/main" id="{5AFC7E1A-8918-4D50-BA93-7DAD79D043C1}"/>
-              </a:ext>
-            </a:extLst>
-          </p:cNvPr>
-          <p:cNvSpPr/>
-          <p:nvPr/>
-        </p:nvSpPr>
-        <p:spPr>
-          <a:xfrm>
-            <a:off x="4692772" y="3813546"/>
-            <a:ext cx="3610465" cy="1833896"/>
-          </a:xfrm>
-          <a:prstGeom prst="roundRect">
-            <a:avLst/>
-          </a:prstGeom>
-        </p:spPr>
-        <p:style>
-          <a:lnRef idx="2">
-            <a:schemeClr val="accent4"/>
-          </a:lnRef>
-          <a:fillRef idx="1">
-            <a:schemeClr val="lt1"/>
-          </a:fillRef>
-          <a:effectRef idx="0">
-            <a:schemeClr val="accent4"/>
-          </a:effectRef>
-          <a:fontRef idx="minor">
-            <a:schemeClr val="dk1"/>
-          </a:fontRef>
-        </p:style>
-        <p:txBody>
-          <a:bodyPr rtlCol="0" anchor="t"/>
-          <a:lstStyle/>
-          <a:p>
-            <a:r>
-              <a:rPr lang="de-DE" dirty="0">
-                <a:solidFill>
-                  <a:srgbClr val="6D8B00"/>
-                </a:solidFill>
-              </a:rPr>
-              <a:t>Persistenzkontext</a:t>
-            </a:r>
-          </a:p>
-        </p:txBody>
-      </p:sp>
-      <p:sp>
-        <p:nvSpPr>
-          <p:cNvPr id="16" name="Rechteck: abgerundete Ecken 15">
-            <a:extLst>
-              <a:ext uri="{FF2B5EF4-FFF2-40B4-BE49-F238E27FC236}">
-                <a16:creationId xmlns:a16="http://schemas.microsoft.com/office/drawing/2014/main" id="{DD91E350-41AF-4DC0-8786-47502ADB1C38}"/>
-              </a:ext>
-            </a:extLst>
-          </p:cNvPr>
-          <p:cNvSpPr/>
-          <p:nvPr/>
-        </p:nvSpPr>
-        <p:spPr>
-          <a:xfrm>
-            <a:off x="5272493" y="4375832"/>
-            <a:ext cx="1154942" cy="595666"/>
-          </a:xfrm>
-          <a:prstGeom prst="roundRect">
-            <a:avLst/>
-          </a:prstGeom>
-        </p:spPr>
-        <p:style>
-          <a:lnRef idx="2">
-            <a:schemeClr val="accent4">
-              <a:shade val="50000"/>
-            </a:schemeClr>
-          </a:lnRef>
-          <a:fillRef idx="1">
-            <a:schemeClr val="accent4"/>
-          </a:fillRef>
-          <a:effectRef idx="0">
-            <a:schemeClr val="accent4"/>
-          </a:effectRef>
-          <a:fontRef idx="minor">
-            <a:schemeClr val="lt1"/>
-          </a:fontRef>
-        </p:style>
-        <p:txBody>
-          <a:bodyPr rtlCol="0" anchor="ctr"/>
-          <a:lstStyle/>
-          <a:p>
-            <a:pPr algn="ctr"/>
-            <a:r>
-              <a:rPr lang="de-DE" dirty="0"/>
-              <a:t>Entity-Instanz</a:t>
-            </a:r>
-          </a:p>
-        </p:txBody>
-      </p:sp>
-      <p:sp>
-        <p:nvSpPr>
-          <p:cNvPr id="18" name="Rechteck: abgerundete Ecken 17">
-            <a:extLst>
-              <a:ext uri="{FF2B5EF4-FFF2-40B4-BE49-F238E27FC236}">
-                <a16:creationId xmlns:a16="http://schemas.microsoft.com/office/drawing/2014/main" id="{F275D77B-4298-4E0F-8016-8E6EAB998B19}"/>
-              </a:ext>
-            </a:extLst>
-          </p:cNvPr>
-          <p:cNvSpPr/>
-          <p:nvPr/>
-        </p:nvSpPr>
-        <p:spPr>
-          <a:xfrm>
-            <a:off x="6732235" y="4468016"/>
-            <a:ext cx="1155600" cy="597600"/>
-          </a:xfrm>
-          <a:prstGeom prst="roundRect">
-            <a:avLst/>
-          </a:prstGeom>
-        </p:spPr>
-        <p:style>
-          <a:lnRef idx="2">
-            <a:schemeClr val="accent4">
-              <a:shade val="50000"/>
-            </a:schemeClr>
-          </a:lnRef>
-          <a:fillRef idx="1">
-            <a:schemeClr val="accent4"/>
-          </a:fillRef>
-          <a:effectRef idx="0">
-            <a:schemeClr val="accent4"/>
-          </a:effectRef>
-          <a:fontRef idx="minor">
-            <a:schemeClr val="lt1"/>
-          </a:fontRef>
-        </p:style>
-        <p:txBody>
-          <a:bodyPr rtlCol="0" anchor="ctr"/>
-          <a:lstStyle/>
-          <a:p>
-            <a:pPr algn="ctr"/>
-            <a:r>
-              <a:rPr lang="de-DE" dirty="0"/>
-              <a:t>Entity-Instanz</a:t>
-            </a:r>
-          </a:p>
-        </p:txBody>
-      </p:sp>
-      <p:sp>
-        <p:nvSpPr>
-          <p:cNvPr id="19" name="Rechteck: abgerundete Ecken 18">
-            <a:extLst>
-              <a:ext uri="{FF2B5EF4-FFF2-40B4-BE49-F238E27FC236}">
-                <a16:creationId xmlns:a16="http://schemas.microsoft.com/office/drawing/2014/main" id="{534A4C8C-E0CF-479B-A3CC-9C30E4651CEE}"/>
-              </a:ext>
-            </a:extLst>
-          </p:cNvPr>
-          <p:cNvSpPr/>
-          <p:nvPr/>
-        </p:nvSpPr>
-        <p:spPr>
-          <a:xfrm>
-            <a:off x="6042736" y="4866443"/>
-            <a:ext cx="1155600" cy="597600"/>
-          </a:xfrm>
-          <a:prstGeom prst="roundRect">
-            <a:avLst/>
-          </a:prstGeom>
-        </p:spPr>
-        <p:style>
-          <a:lnRef idx="2">
-            <a:schemeClr val="accent4">
-              <a:shade val="50000"/>
-            </a:schemeClr>
-          </a:lnRef>
-          <a:fillRef idx="1">
-            <a:schemeClr val="accent4"/>
-          </a:fillRef>
-          <a:effectRef idx="0">
-            <a:schemeClr val="accent4"/>
-          </a:effectRef>
-          <a:fontRef idx="minor">
-            <a:schemeClr val="lt1"/>
-          </a:fontRef>
-        </p:style>
-        <p:txBody>
-          <a:bodyPr rtlCol="0" anchor="ctr"/>
-          <a:lstStyle/>
-          <a:p>
-            <a:pPr algn="ctr"/>
-            <a:r>
-              <a:rPr lang="de-DE" dirty="0"/>
-              <a:t>Entity-Instanz</a:t>
-            </a:r>
-          </a:p>
-        </p:txBody>
-      </p:sp>
-      <p:sp>
-        <p:nvSpPr>
-          <p:cNvPr id="24" name="Rechteck 23">
-            <a:extLst>
-              <a:ext uri="{FF2B5EF4-FFF2-40B4-BE49-F238E27FC236}">
-                <a16:creationId xmlns:a16="http://schemas.microsoft.com/office/drawing/2014/main" id="{6773C0D5-CA28-4D76-92DD-3FF3092DD609}"/>
-              </a:ext>
-            </a:extLst>
-          </p:cNvPr>
-          <p:cNvSpPr/>
-          <p:nvPr/>
-        </p:nvSpPr>
-        <p:spPr>
-          <a:xfrm>
-            <a:off x="540270" y="4391868"/>
-            <a:ext cx="2299317" cy="677251"/>
-          </a:xfrm>
-          <a:prstGeom prst="rect">
-            <a:avLst/>
-          </a:prstGeom>
-        </p:spPr>
-        <p:style>
-          <a:lnRef idx="2">
-            <a:schemeClr val="accent4">
-              <a:shade val="50000"/>
-            </a:schemeClr>
-          </a:lnRef>
-          <a:fillRef idx="1">
-            <a:schemeClr val="accent4"/>
-          </a:fillRef>
-          <a:effectRef idx="0">
-            <a:schemeClr val="accent4"/>
-          </a:effectRef>
-          <a:fontRef idx="minor">
-            <a:schemeClr val="lt1"/>
-          </a:fontRef>
-        </p:style>
-        <p:txBody>
-          <a:bodyPr rtlCol="0" anchor="ctr"/>
-          <a:lstStyle/>
-          <a:p>
-            <a:pPr algn="ctr"/>
-            <a:r>
-              <a:rPr lang="de-DE" dirty="0"/>
-              <a:t>Entity-Manager</a:t>
-            </a:r>
-          </a:p>
-        </p:txBody>
-      </p:sp>
-      <p:grpSp>
-        <p:nvGrpSpPr>
-          <p:cNvPr id="62" name="Gruppieren 61">
-            <a:extLst>
-              <a:ext uri="{FF2B5EF4-FFF2-40B4-BE49-F238E27FC236}">
-                <a16:creationId xmlns:a16="http://schemas.microsoft.com/office/drawing/2014/main" id="{55712512-D110-4F01-9DC2-C667C7E910C3}"/>
-              </a:ext>
-            </a:extLst>
-          </p:cNvPr>
-          <p:cNvGrpSpPr/>
-          <p:nvPr/>
-        </p:nvGrpSpPr>
-        <p:grpSpPr>
-          <a:xfrm>
-            <a:off x="2839574" y="4391868"/>
-            <a:ext cx="1853198" cy="697856"/>
-            <a:chOff x="2839574" y="4391868"/>
-            <a:chExt cx="1853198" cy="697856"/>
-          </a:xfrm>
-        </p:grpSpPr>
-        <p:cxnSp>
-          <p:nvCxnSpPr>
-            <p:cNvPr id="26" name="Gerade Verbindung mit Pfeil 25">
-              <a:extLst>
-                <a:ext uri="{FF2B5EF4-FFF2-40B4-BE49-F238E27FC236}">
-                  <a16:creationId xmlns:a16="http://schemas.microsoft.com/office/drawing/2014/main" id="{FA94A5AA-A86D-467C-9060-99535B8E6A36}"/>
-                </a:ext>
-              </a:extLst>
-            </p:cNvPr>
-            <p:cNvCxnSpPr>
-              <a:stCxn id="24" idx="3"/>
-              <a:endCxn id="14" idx="1"/>
-            </p:cNvCxnSpPr>
-            <p:nvPr/>
-          </p:nvCxnSpPr>
-          <p:spPr>
-            <a:xfrm>
-              <a:off x="2839587" y="4730494"/>
-              <a:ext cx="1853185" cy="0"/>
-            </a:xfrm>
-            <a:prstGeom prst="straightConnector1">
-              <a:avLst/>
-            </a:prstGeom>
-            <a:ln>
-              <a:solidFill>
-                <a:srgbClr val="6D8B00"/>
-              </a:solidFill>
-              <a:tailEnd type="triangle"/>
-            </a:ln>
-            <a:effectLst/>
-          </p:spPr>
-          <p:style>
-            <a:lnRef idx="2">
-              <a:schemeClr val="accent1"/>
-            </a:lnRef>
-            <a:fillRef idx="0">
-              <a:schemeClr val="accent1"/>
-            </a:fillRef>
-            <a:effectRef idx="1">
-              <a:schemeClr val="accent1"/>
-            </a:effectRef>
-            <a:fontRef idx="minor">
-              <a:schemeClr val="tx1"/>
-            </a:fontRef>
-          </p:style>
-        </p:cxnSp>
-        <p:sp>
-          <p:nvSpPr>
-            <p:cNvPr id="27" name="Textfeld 26">
-              <a:extLst>
-                <a:ext uri="{FF2B5EF4-FFF2-40B4-BE49-F238E27FC236}">
-                  <a16:creationId xmlns:a16="http://schemas.microsoft.com/office/drawing/2014/main" id="{E54F6C1B-5792-48C3-8210-331045AD4A74}"/>
-                </a:ext>
-              </a:extLst>
-            </p:cNvPr>
-            <p:cNvSpPr txBox="1"/>
-            <p:nvPr/>
-          </p:nvSpPr>
-          <p:spPr>
-            <a:xfrm>
-              <a:off x="3183178" y="4720392"/>
-              <a:ext cx="1107996" cy="369332"/>
-            </a:xfrm>
-            <a:prstGeom prst="rect">
-              <a:avLst/>
-            </a:prstGeom>
-            <a:noFill/>
-          </p:spPr>
-          <p:txBody>
-            <a:bodyPr wrap="none" rtlCol="0">
-              <a:spAutoFit/>
-            </a:bodyPr>
-            <a:lstStyle/>
-            <a:p>
-              <a:r>
-                <a:rPr lang="de-DE" dirty="0">
-                  <a:solidFill>
-                    <a:srgbClr val="6D8B00"/>
-                  </a:solidFill>
-                </a:rPr>
-                <a:t>verwaltet</a:t>
-              </a:r>
-            </a:p>
-          </p:txBody>
-        </p:sp>
-        <p:sp>
-          <p:nvSpPr>
-            <p:cNvPr id="28" name="Textfeld 27">
-              <a:extLst>
-                <a:ext uri="{FF2B5EF4-FFF2-40B4-BE49-F238E27FC236}">
-                  <a16:creationId xmlns:a16="http://schemas.microsoft.com/office/drawing/2014/main" id="{C4D15E50-BE1C-4DA9-B335-ECCF44206325}"/>
-                </a:ext>
-              </a:extLst>
-            </p:cNvPr>
-            <p:cNvSpPr txBox="1"/>
-            <p:nvPr/>
-          </p:nvSpPr>
-          <p:spPr>
-            <a:xfrm>
-              <a:off x="2839574" y="4397484"/>
-              <a:ext cx="312906" cy="369332"/>
-            </a:xfrm>
-            <a:prstGeom prst="rect">
-              <a:avLst/>
-            </a:prstGeom>
-            <a:noFill/>
-          </p:spPr>
-          <p:txBody>
-            <a:bodyPr wrap="none" rtlCol="0">
-              <a:spAutoFit/>
-            </a:bodyPr>
-            <a:lstStyle/>
-            <a:p>
-              <a:r>
-                <a:rPr lang="de-DE" dirty="0">
-                  <a:solidFill>
-                    <a:srgbClr val="6D8B00"/>
-                  </a:solidFill>
-                </a:rPr>
-                <a:t>1</a:t>
-              </a:r>
-            </a:p>
-          </p:txBody>
-        </p:sp>
-        <p:sp>
-          <p:nvSpPr>
-            <p:cNvPr id="29" name="Textfeld 28">
-              <a:extLst>
-                <a:ext uri="{FF2B5EF4-FFF2-40B4-BE49-F238E27FC236}">
-                  <a16:creationId xmlns:a16="http://schemas.microsoft.com/office/drawing/2014/main" id="{D7BED014-7D28-47DC-8AF4-266CB9869DA7}"/>
-                </a:ext>
-              </a:extLst>
-            </p:cNvPr>
-            <p:cNvSpPr txBox="1"/>
-            <p:nvPr/>
-          </p:nvSpPr>
-          <p:spPr>
-            <a:xfrm>
-              <a:off x="4375813" y="4391868"/>
-              <a:ext cx="312906" cy="369332"/>
-            </a:xfrm>
-            <a:prstGeom prst="rect">
-              <a:avLst/>
-            </a:prstGeom>
-            <a:noFill/>
-          </p:spPr>
-          <p:txBody>
-            <a:bodyPr wrap="none" rtlCol="0">
-              <a:spAutoFit/>
-            </a:bodyPr>
-            <a:lstStyle/>
-            <a:p>
-              <a:r>
-                <a:rPr lang="de-DE" dirty="0">
-                  <a:solidFill>
-                    <a:srgbClr val="6D8B00"/>
-                  </a:solidFill>
-                </a:rPr>
-                <a:t>1</a:t>
-              </a:r>
-            </a:p>
-          </p:txBody>
-        </p:sp>
-      </p:grpSp>
-      <p:grpSp>
-        <p:nvGrpSpPr>
-          <p:cNvPr id="63" name="Gruppieren 62">
-            <a:extLst>
-              <a:ext uri="{FF2B5EF4-FFF2-40B4-BE49-F238E27FC236}">
-                <a16:creationId xmlns:a16="http://schemas.microsoft.com/office/drawing/2014/main" id="{A6B2BD0F-E624-48F2-AFC0-1C1F236706C2}"/>
-              </a:ext>
-            </a:extLst>
-          </p:cNvPr>
-          <p:cNvGrpSpPr/>
-          <p:nvPr/>
-        </p:nvGrpSpPr>
-        <p:grpSpPr>
-          <a:xfrm>
-            <a:off x="5565682" y="2867482"/>
-            <a:ext cx="1228928" cy="970866"/>
-            <a:chOff x="5565682" y="2867482"/>
-            <a:chExt cx="1228928" cy="970866"/>
-          </a:xfrm>
-        </p:grpSpPr>
-        <p:cxnSp>
-          <p:nvCxnSpPr>
-            <p:cNvPr id="21" name="Gerade Verbindung mit Pfeil 20">
-              <a:extLst>
-                <a:ext uri="{FF2B5EF4-FFF2-40B4-BE49-F238E27FC236}">
-                  <a16:creationId xmlns:a16="http://schemas.microsoft.com/office/drawing/2014/main" id="{8C3A4228-2278-4A4C-9ECF-4ACE18CA3E86}"/>
-                </a:ext>
-              </a:extLst>
-            </p:cNvPr>
-            <p:cNvCxnSpPr>
-              <a:stCxn id="9" idx="0"/>
-              <a:endCxn id="14" idx="0"/>
-            </p:cNvCxnSpPr>
-            <p:nvPr/>
-          </p:nvCxnSpPr>
-          <p:spPr>
-            <a:xfrm flipH="1">
-              <a:off x="6498005" y="2867482"/>
-              <a:ext cx="6264" cy="946064"/>
-            </a:xfrm>
-            <a:prstGeom prst="straightConnector1">
-              <a:avLst/>
-            </a:prstGeom>
-            <a:ln>
-              <a:solidFill>
-                <a:srgbClr val="6D8B00"/>
-              </a:solidFill>
-              <a:tailEnd type="triangle"/>
-            </a:ln>
-            <a:effectLst/>
-          </p:spPr>
-          <p:style>
-            <a:lnRef idx="2">
-              <a:schemeClr val="accent1"/>
-            </a:lnRef>
-            <a:fillRef idx="0">
-              <a:schemeClr val="accent1"/>
-            </a:fillRef>
-            <a:effectRef idx="1">
-              <a:schemeClr val="accent1"/>
-            </a:effectRef>
-            <a:fontRef idx="minor">
-              <a:schemeClr val="tx1"/>
-            </a:fontRef>
-          </p:style>
-        </p:cxnSp>
-        <p:sp>
-          <p:nvSpPr>
-            <p:cNvPr id="22" name="Textfeld 21">
-              <a:extLst>
-                <a:ext uri="{FF2B5EF4-FFF2-40B4-BE49-F238E27FC236}">
-                  <a16:creationId xmlns:a16="http://schemas.microsoft.com/office/drawing/2014/main" id="{D9CBC8F4-ADE5-4DB9-9BA4-065F965EB9C4}"/>
-                </a:ext>
-              </a:extLst>
-            </p:cNvPr>
-            <p:cNvSpPr txBox="1"/>
-            <p:nvPr/>
-          </p:nvSpPr>
-          <p:spPr>
-            <a:xfrm>
-              <a:off x="5565682" y="3155255"/>
-              <a:ext cx="954107" cy="369332"/>
-            </a:xfrm>
-            <a:prstGeom prst="rect">
-              <a:avLst/>
-            </a:prstGeom>
-            <a:noFill/>
-          </p:spPr>
-          <p:txBody>
-            <a:bodyPr wrap="none" rtlCol="0">
-              <a:spAutoFit/>
-            </a:bodyPr>
-            <a:lstStyle/>
-            <a:p>
-              <a:r>
-                <a:rPr lang="de-DE" dirty="0">
-                  <a:solidFill>
-                    <a:srgbClr val="6D8B00"/>
-                  </a:solidFill>
-                </a:rPr>
-                <a:t>erzeugt</a:t>
-              </a:r>
-            </a:p>
-          </p:txBody>
-        </p:sp>
-        <p:sp>
-          <p:nvSpPr>
-            <p:cNvPr id="31" name="Textfeld 30">
-              <a:extLst>
-                <a:ext uri="{FF2B5EF4-FFF2-40B4-BE49-F238E27FC236}">
-                  <a16:creationId xmlns:a16="http://schemas.microsoft.com/office/drawing/2014/main" id="{969AAA3D-3A15-4B58-A78B-77F8A9BA00DB}"/>
-                </a:ext>
-              </a:extLst>
-            </p:cNvPr>
-            <p:cNvSpPr txBox="1"/>
-            <p:nvPr/>
-          </p:nvSpPr>
-          <p:spPr>
-            <a:xfrm>
-              <a:off x="6481704" y="2891403"/>
-              <a:ext cx="312906" cy="369332"/>
-            </a:xfrm>
-            <a:prstGeom prst="rect">
-              <a:avLst/>
-            </a:prstGeom>
-            <a:noFill/>
-          </p:spPr>
-          <p:txBody>
-            <a:bodyPr wrap="none" rtlCol="0">
-              <a:spAutoFit/>
-            </a:bodyPr>
-            <a:lstStyle/>
-            <a:p>
-              <a:r>
-                <a:rPr lang="de-DE" dirty="0">
-                  <a:solidFill>
-                    <a:srgbClr val="6D8B00"/>
-                  </a:solidFill>
-                </a:rPr>
-                <a:t>1</a:t>
-              </a:r>
-            </a:p>
-          </p:txBody>
-        </p:sp>
-        <p:sp>
-          <p:nvSpPr>
-            <p:cNvPr id="32" name="Textfeld 31">
-              <a:extLst>
-                <a:ext uri="{FF2B5EF4-FFF2-40B4-BE49-F238E27FC236}">
-                  <a16:creationId xmlns:a16="http://schemas.microsoft.com/office/drawing/2014/main" id="{5307DC9C-8FCC-4AB4-A6CC-CB9D6C2A2D24}"/>
-                </a:ext>
-              </a:extLst>
-            </p:cNvPr>
-            <p:cNvSpPr txBox="1"/>
-            <p:nvPr/>
-          </p:nvSpPr>
-          <p:spPr>
-            <a:xfrm>
-              <a:off x="6498004" y="3469016"/>
-              <a:ext cx="274434" cy="369332"/>
-            </a:xfrm>
-            <a:prstGeom prst="rect">
-              <a:avLst/>
-            </a:prstGeom>
-            <a:noFill/>
-          </p:spPr>
-          <p:txBody>
-            <a:bodyPr wrap="none" rtlCol="0">
-              <a:spAutoFit/>
-            </a:bodyPr>
-            <a:lstStyle/>
-            <a:p>
-              <a:r>
-                <a:rPr lang="de-DE" dirty="0">
-                  <a:solidFill>
-                    <a:srgbClr val="6D8B00"/>
-                  </a:solidFill>
-                </a:rPr>
-                <a:t>*</a:t>
-              </a:r>
-            </a:p>
-          </p:txBody>
-        </p:sp>
-      </p:grpSp>
-      <p:sp>
-        <p:nvSpPr>
-          <p:cNvPr id="33" name="Flussdiagramm: Magnetplattenspeicher 32">
-            <a:extLst>
-              <a:ext uri="{FF2B5EF4-FFF2-40B4-BE49-F238E27FC236}">
-                <a16:creationId xmlns:a16="http://schemas.microsoft.com/office/drawing/2014/main" id="{F1DDA473-9EBF-470B-8DF7-4A9C5D3C1D6C}"/>
-              </a:ext>
-            </a:extLst>
-          </p:cNvPr>
-          <p:cNvSpPr/>
-          <p:nvPr/>
-        </p:nvSpPr>
-        <p:spPr>
-          <a:xfrm>
-            <a:off x="1010787" y="5460760"/>
-            <a:ext cx="1358284" cy="939554"/>
-          </a:xfrm>
-          <a:prstGeom prst="flowChartMagneticDisk">
-            <a:avLst/>
-          </a:prstGeom>
-        </p:spPr>
-        <p:style>
-          <a:lnRef idx="2">
-            <a:schemeClr val="accent4">
-              <a:shade val="50000"/>
-            </a:schemeClr>
-          </a:lnRef>
-          <a:fillRef idx="1">
-            <a:schemeClr val="accent4"/>
-          </a:fillRef>
-          <a:effectRef idx="0">
-            <a:schemeClr val="accent4"/>
-          </a:effectRef>
-          <a:fontRef idx="minor">
-            <a:schemeClr val="lt1"/>
-          </a:fontRef>
-        </p:style>
-        <p:txBody>
-          <a:bodyPr rtlCol="0" anchor="ctr"/>
-          <a:lstStyle/>
-          <a:p>
-            <a:pPr algn="ctr"/>
-            <a:r>
-              <a:rPr lang="de-DE" dirty="0"/>
-              <a:t>DB</a:t>
-            </a:r>
-          </a:p>
-        </p:txBody>
-      </p:sp>
-      <p:cxnSp>
-        <p:nvCxnSpPr>
-          <p:cNvPr id="35" name="Gerade Verbindung mit Pfeil 34">
-            <a:extLst>
-              <a:ext uri="{FF2B5EF4-FFF2-40B4-BE49-F238E27FC236}">
-                <a16:creationId xmlns:a16="http://schemas.microsoft.com/office/drawing/2014/main" id="{B86A4F70-B82C-4232-A178-402D71237D00}"/>
-              </a:ext>
-            </a:extLst>
-          </p:cNvPr>
-          <p:cNvCxnSpPr>
-            <a:cxnSpLocks/>
-            <a:stCxn id="24" idx="2"/>
-            <a:endCxn id="33" idx="1"/>
-          </p:cNvCxnSpPr>
-          <p:nvPr/>
-        </p:nvCxnSpPr>
-        <p:spPr>
-          <a:xfrm>
-            <a:off x="1689929" y="5069119"/>
-            <a:ext cx="0" cy="391641"/>
-          </a:xfrm>
-          <a:prstGeom prst="straightConnector1">
-            <a:avLst/>
-          </a:prstGeom>
-          <a:ln>
-            <a:solidFill>
-              <a:srgbClr val="6D8B00"/>
-            </a:solidFill>
-            <a:tailEnd type="triangle"/>
-          </a:ln>
-          <a:effectLst/>
-        </p:spPr>
-        <p:style>
-          <a:lnRef idx="2">
-            <a:schemeClr val="accent1"/>
-          </a:lnRef>
-          <a:fillRef idx="0">
-            <a:schemeClr val="accent1"/>
-          </a:fillRef>
-          <a:effectRef idx="1">
-            <a:schemeClr val="accent1"/>
-          </a:effectRef>
-          <a:fontRef idx="minor">
-            <a:schemeClr val="tx1"/>
-          </a:fontRef>
-        </p:style>
-      </p:cxnSp>
-      <p:sp>
-        <p:nvSpPr>
-          <p:cNvPr id="38" name="Rechteck 37">
-            <a:extLst>
-              <a:ext uri="{FF2B5EF4-FFF2-40B4-BE49-F238E27FC236}">
-                <a16:creationId xmlns:a16="http://schemas.microsoft.com/office/drawing/2014/main" id="{1EA8D63A-1512-4014-800F-29B1F7330E55}"/>
-              </a:ext>
-            </a:extLst>
-          </p:cNvPr>
-          <p:cNvSpPr/>
-          <p:nvPr/>
-        </p:nvSpPr>
-        <p:spPr>
-          <a:xfrm>
-            <a:off x="540270" y="1617210"/>
-            <a:ext cx="2299304" cy="677251"/>
-          </a:xfrm>
-          <a:prstGeom prst="rect">
-            <a:avLst/>
-          </a:prstGeom>
-        </p:spPr>
-        <p:style>
-          <a:lnRef idx="2">
-            <a:schemeClr val="accent4">
-              <a:shade val="50000"/>
-            </a:schemeClr>
-          </a:lnRef>
-          <a:fillRef idx="1">
-            <a:schemeClr val="accent4"/>
-          </a:fillRef>
-          <a:effectRef idx="0">
-            <a:schemeClr val="accent4"/>
-          </a:effectRef>
-          <a:fontRef idx="minor">
-            <a:schemeClr val="lt1"/>
-          </a:fontRef>
-        </p:style>
-        <p:txBody>
-          <a:bodyPr rtlCol="0" anchor="ctr"/>
-          <a:lstStyle/>
-          <a:p>
-            <a:pPr algn="ctr"/>
-            <a:r>
-              <a:rPr lang="de-DE" dirty="0"/>
-              <a:t>Entity-Manager-Factory</a:t>
-            </a:r>
-          </a:p>
-        </p:txBody>
-      </p:sp>
-      <p:grpSp>
-        <p:nvGrpSpPr>
-          <p:cNvPr id="58" name="Gruppieren 57">
-            <a:extLst>
-              <a:ext uri="{FF2B5EF4-FFF2-40B4-BE49-F238E27FC236}">
-                <a16:creationId xmlns:a16="http://schemas.microsoft.com/office/drawing/2014/main" id="{949AC87A-960A-455E-AB01-4D9362E24A48}"/>
-              </a:ext>
-            </a:extLst>
-          </p:cNvPr>
-          <p:cNvGrpSpPr/>
-          <p:nvPr/>
-        </p:nvGrpSpPr>
-        <p:grpSpPr>
-          <a:xfrm>
-            <a:off x="1359821" y="2294461"/>
-            <a:ext cx="1274624" cy="2097407"/>
-            <a:chOff x="1901357" y="2294461"/>
-            <a:chExt cx="1274624" cy="2097407"/>
-          </a:xfrm>
-        </p:grpSpPr>
-        <p:sp>
-          <p:nvSpPr>
-            <p:cNvPr id="30" name="Textfeld 29">
-              <a:extLst>
-                <a:ext uri="{FF2B5EF4-FFF2-40B4-BE49-F238E27FC236}">
-                  <a16:creationId xmlns:a16="http://schemas.microsoft.com/office/drawing/2014/main" id="{3BA1264D-4EBE-43CC-AA53-DC3D21254B22}"/>
-                </a:ext>
-              </a:extLst>
-            </p:cNvPr>
-            <p:cNvSpPr txBox="1"/>
-            <p:nvPr/>
-          </p:nvSpPr>
-          <p:spPr>
-            <a:xfrm>
-              <a:off x="1901357" y="2316770"/>
-              <a:ext cx="312906" cy="369332"/>
-            </a:xfrm>
-            <a:prstGeom prst="rect">
-              <a:avLst/>
-            </a:prstGeom>
-            <a:noFill/>
-          </p:spPr>
-          <p:txBody>
-            <a:bodyPr wrap="none" rtlCol="0">
-              <a:spAutoFit/>
-            </a:bodyPr>
-            <a:lstStyle/>
-            <a:p>
-              <a:r>
-                <a:rPr lang="de-DE" dirty="0">
-                  <a:solidFill>
-                    <a:srgbClr val="6D8B00"/>
-                  </a:solidFill>
-                </a:rPr>
-                <a:t>1</a:t>
-              </a:r>
-            </a:p>
-          </p:txBody>
-        </p:sp>
-        <p:cxnSp>
-          <p:nvCxnSpPr>
-            <p:cNvPr id="40" name="Gerade Verbindung mit Pfeil 39">
-              <a:extLst>
-                <a:ext uri="{FF2B5EF4-FFF2-40B4-BE49-F238E27FC236}">
-                  <a16:creationId xmlns:a16="http://schemas.microsoft.com/office/drawing/2014/main" id="{8E0C90A6-4707-4DB3-BD71-FF7854239ABA}"/>
-                </a:ext>
-              </a:extLst>
-            </p:cNvPr>
-            <p:cNvCxnSpPr>
-              <a:stCxn id="38" idx="2"/>
-              <a:endCxn id="24" idx="0"/>
-            </p:cNvCxnSpPr>
-            <p:nvPr/>
-          </p:nvCxnSpPr>
-          <p:spPr>
-            <a:xfrm>
-              <a:off x="2231458" y="2294461"/>
-              <a:ext cx="7" cy="2097407"/>
-            </a:xfrm>
-            <a:prstGeom prst="straightConnector1">
-              <a:avLst/>
-            </a:prstGeom>
-            <a:ln>
-              <a:solidFill>
-                <a:srgbClr val="6D8B00"/>
-              </a:solidFill>
-              <a:tailEnd type="triangle"/>
-            </a:ln>
-            <a:effectLst/>
-          </p:spPr>
-          <p:style>
-            <a:lnRef idx="2">
-              <a:schemeClr val="accent1"/>
-            </a:lnRef>
-            <a:fillRef idx="0">
-              <a:schemeClr val="accent1"/>
-            </a:fillRef>
-            <a:effectRef idx="1">
-              <a:schemeClr val="accent1"/>
-            </a:effectRef>
-            <a:fontRef idx="minor">
-              <a:schemeClr val="tx1"/>
-            </a:fontRef>
-          </p:style>
-        </p:cxnSp>
-        <p:sp>
-          <p:nvSpPr>
-            <p:cNvPr id="42" name="Textfeld 41">
-              <a:extLst>
-                <a:ext uri="{FF2B5EF4-FFF2-40B4-BE49-F238E27FC236}">
-                  <a16:creationId xmlns:a16="http://schemas.microsoft.com/office/drawing/2014/main" id="{C7861A9D-774D-46AA-AD25-18F473AEE183}"/>
-                </a:ext>
-              </a:extLst>
-            </p:cNvPr>
-            <p:cNvSpPr txBox="1"/>
-            <p:nvPr/>
-          </p:nvSpPr>
-          <p:spPr>
-            <a:xfrm>
-              <a:off x="1939829" y="4022536"/>
-              <a:ext cx="274434" cy="369332"/>
-            </a:xfrm>
-            <a:prstGeom prst="rect">
-              <a:avLst/>
-            </a:prstGeom>
-            <a:noFill/>
-          </p:spPr>
-          <p:txBody>
-            <a:bodyPr wrap="none" rtlCol="0">
-              <a:spAutoFit/>
-            </a:bodyPr>
-            <a:lstStyle/>
-            <a:p>
-              <a:r>
-                <a:rPr lang="de-DE" dirty="0">
-                  <a:solidFill>
-                    <a:srgbClr val="6D8B00"/>
-                  </a:solidFill>
-                </a:rPr>
-                <a:t>*</a:t>
-              </a:r>
-            </a:p>
-          </p:txBody>
-        </p:sp>
-        <p:sp>
-          <p:nvSpPr>
-            <p:cNvPr id="47" name="Textfeld 46">
-              <a:extLst>
-                <a:ext uri="{FF2B5EF4-FFF2-40B4-BE49-F238E27FC236}">
-                  <a16:creationId xmlns:a16="http://schemas.microsoft.com/office/drawing/2014/main" id="{ED5DB970-75D1-47F4-851E-69E68015B82C}"/>
-                </a:ext>
-              </a:extLst>
-            </p:cNvPr>
-            <p:cNvSpPr txBox="1"/>
-            <p:nvPr/>
-          </p:nvSpPr>
-          <p:spPr>
-            <a:xfrm>
-              <a:off x="2221874" y="3155920"/>
-              <a:ext cx="954107" cy="369332"/>
-            </a:xfrm>
-            <a:prstGeom prst="rect">
-              <a:avLst/>
-            </a:prstGeom>
-            <a:noFill/>
-          </p:spPr>
-          <p:txBody>
-            <a:bodyPr wrap="none" rtlCol="0">
-              <a:spAutoFit/>
-            </a:bodyPr>
-            <a:lstStyle/>
-            <a:p>
-              <a:r>
-                <a:rPr lang="de-DE" dirty="0">
-                  <a:solidFill>
-                    <a:srgbClr val="6D8B00"/>
-                  </a:solidFill>
-                </a:rPr>
-                <a:t>erzeugt</a:t>
-              </a:r>
-            </a:p>
-          </p:txBody>
-        </p:sp>
-      </p:grpSp>
-      <p:grpSp>
-        <p:nvGrpSpPr>
-          <p:cNvPr id="57" name="Gruppieren 56">
-            <a:extLst>
-              <a:ext uri="{FF2B5EF4-FFF2-40B4-BE49-F238E27FC236}">
-                <a16:creationId xmlns:a16="http://schemas.microsoft.com/office/drawing/2014/main" id="{4C785FA6-7F50-4CDF-9FC1-CD087ECC35BA}"/>
-              </a:ext>
-            </a:extLst>
-          </p:cNvPr>
-          <p:cNvGrpSpPr/>
-          <p:nvPr/>
-        </p:nvGrpSpPr>
-        <p:grpSpPr>
-          <a:xfrm>
-            <a:off x="2839574" y="1623687"/>
-            <a:ext cx="2015393" cy="646331"/>
-            <a:chOff x="2839574" y="1881144"/>
-            <a:chExt cx="2015393" cy="646331"/>
-          </a:xfrm>
-        </p:grpSpPr>
-        <p:cxnSp>
-          <p:nvCxnSpPr>
-            <p:cNvPr id="67" name="Gerade Verbindung mit Pfeil 66">
-              <a:extLst>
-                <a:ext uri="{FF2B5EF4-FFF2-40B4-BE49-F238E27FC236}">
-                  <a16:creationId xmlns:a16="http://schemas.microsoft.com/office/drawing/2014/main" id="{F97A06AE-E51C-4C4F-82B2-F110AB95768F}"/>
-                </a:ext>
-              </a:extLst>
-            </p:cNvPr>
-            <p:cNvCxnSpPr>
-              <a:stCxn id="38" idx="3"/>
-              <a:endCxn id="9" idx="1"/>
-            </p:cNvCxnSpPr>
-            <p:nvPr/>
-          </p:nvCxnSpPr>
-          <p:spPr>
-            <a:xfrm flipV="1">
-              <a:off x="2839574" y="2213188"/>
-              <a:ext cx="2015393" cy="8983"/>
-            </a:xfrm>
-            <a:prstGeom prst="straightConnector1">
-              <a:avLst/>
-            </a:prstGeom>
-            <a:ln>
-              <a:solidFill>
-                <a:srgbClr val="6D8B00"/>
-              </a:solidFill>
-              <a:tailEnd type="triangle"/>
-            </a:ln>
-            <a:effectLst/>
-          </p:spPr>
-          <p:style>
-            <a:lnRef idx="2">
-              <a:schemeClr val="accent1"/>
-            </a:lnRef>
-            <a:fillRef idx="0">
-              <a:schemeClr val="accent1"/>
-            </a:fillRef>
-            <a:effectRef idx="1">
-              <a:schemeClr val="accent1"/>
-            </a:effectRef>
-            <a:fontRef idx="minor">
-              <a:schemeClr val="tx1"/>
-            </a:fontRef>
-          </p:style>
-        </p:cxnSp>
-        <p:sp>
-          <p:nvSpPr>
-            <p:cNvPr id="68" name="Textfeld 67">
-              <a:extLst>
-                <a:ext uri="{FF2B5EF4-FFF2-40B4-BE49-F238E27FC236}">
-                  <a16:creationId xmlns:a16="http://schemas.microsoft.com/office/drawing/2014/main" id="{50B5F9A2-21F5-4DCB-80EE-04F25CF8E166}"/>
-                </a:ext>
-              </a:extLst>
-            </p:cNvPr>
-            <p:cNvSpPr txBox="1"/>
-            <p:nvPr/>
-          </p:nvSpPr>
-          <p:spPr>
-            <a:xfrm>
-              <a:off x="3110331" y="1881144"/>
-              <a:ext cx="1411555" cy="646331"/>
-            </a:xfrm>
-            <a:prstGeom prst="rect">
-              <a:avLst/>
-            </a:prstGeom>
-            <a:noFill/>
-          </p:spPr>
-          <p:txBody>
-            <a:bodyPr wrap="square" rtlCol="0">
-              <a:spAutoFit/>
-            </a:bodyPr>
-            <a:lstStyle/>
-            <a:p>
-              <a:pPr algn="ctr"/>
-              <a:r>
-                <a:rPr lang="de-DE" dirty="0">
-                  <a:solidFill>
-                    <a:srgbClr val="6D8B00"/>
-                  </a:solidFill>
-                </a:rPr>
-                <a:t>Konfiguriert durch</a:t>
-              </a:r>
-            </a:p>
-          </p:txBody>
-        </p:sp>
-      </p:grpSp>
-    </p:spTree>
-    <p:extLst>
-      <p:ext uri="{BB962C8B-B14F-4D97-AF65-F5344CB8AC3E}">
-        <p14:creationId xmlns:p14="http://schemas.microsoft.com/office/powerpoint/2010/main" val="3600066435"/>
-      </p:ext>
-    </p:extLst>
-  </p:cSld>
-  <p:clrMapOvr>
-    <a:masterClrMapping/>
-  </p:clrMapOvr>
-  <p:timing>
-    <p:tnLst>
-      <p:par>
-        <p:cTn id="1" dur="indefinite" restart="never" nodeType="tmRoot">
-          <p:childTnLst>
-            <p:seq concurrent="1" nextAc="seek">
-              <p:cTn id="2" dur="indefinite" nodeType="mainSeq">
-                <p:childTnLst>
-                  <p:par>
-                    <p:cTn id="3" fill="hold">
-                      <p:stCondLst>
-                        <p:cond delay="indefinite"/>
-                      </p:stCondLst>
-                      <p:childTnLst>
-                        <p:par>
-                          <p:cTn id="4" fill="hold">
-                            <p:stCondLst>
-                              <p:cond delay="0"/>
-                            </p:stCondLst>
-                            <p:childTnLst>
-                              <p:par>
-                                <p:cTn id="5" presetID="1" presetClass="entr" presetSubtype="0" fill="hold" nodeType="clickEffect">
-                                  <p:stCondLst>
-                                    <p:cond delay="0"/>
-                                  </p:stCondLst>
-                                  <p:childTnLst>
-                                    <p:set>
-                                      <p:cBhvr>
-                                        <p:cTn id="6" dur="1" fill="hold">
-                                          <p:stCondLst>
-                                            <p:cond delay="0"/>
-                                          </p:stCondLst>
-                                        </p:cTn>
-                                        <p:tgtEl>
-                                          <p:spTgt spid="7"/>
-                                        </p:tgtEl>
-                                        <p:attrNameLst>
-                                          <p:attrName>style.visibility</p:attrName>
-                                        </p:attrNameLst>
-                                      </p:cBhvr>
-                                      <p:to>
-                                        <p:strVal val="visible"/>
-                                      </p:to>
-                                    </p:set>
-                                  </p:childTnLst>
-                                </p:cTn>
-                              </p:par>
-                            </p:childTnLst>
-                          </p:cTn>
-                        </p:par>
-                      </p:childTnLst>
-                    </p:cTn>
-                  </p:par>
-                  <p:par>
-                    <p:cTn id="7" fill="hold">
-                      <p:stCondLst>
-                        <p:cond delay="indefinite"/>
-                      </p:stCondLst>
-                      <p:childTnLst>
-                        <p:par>
-                          <p:cTn id="8" fill="hold">
-                            <p:stCondLst>
-                              <p:cond delay="0"/>
-                            </p:stCondLst>
-                            <p:childTnLst>
-                              <p:par>
-                                <p:cTn id="9" presetID="1" presetClass="entr" presetSubtype="0" fill="hold" grpId="0" nodeType="clickEffect">
-                                  <p:stCondLst>
-                                    <p:cond delay="0"/>
-                                  </p:stCondLst>
-                                  <p:childTnLst>
-                                    <p:set>
-                                      <p:cBhvr>
-                                        <p:cTn id="10" dur="1" fill="hold">
-                                          <p:stCondLst>
-                                            <p:cond delay="0"/>
-                                          </p:stCondLst>
-                                        </p:cTn>
-                                        <p:tgtEl>
-                                          <p:spTgt spid="24"/>
-                                        </p:tgtEl>
-                                        <p:attrNameLst>
-                                          <p:attrName>style.visibility</p:attrName>
-                                        </p:attrNameLst>
-                                      </p:cBhvr>
-                                      <p:to>
-                                        <p:strVal val="visible"/>
-                                      </p:to>
-                                    </p:set>
-                                  </p:childTnLst>
-                                </p:cTn>
-                              </p:par>
-                              <p:par>
-                                <p:cTn id="11" presetID="1" presetClass="entr" presetSubtype="0" fill="hold" nodeType="withEffect">
-                                  <p:stCondLst>
-                                    <p:cond delay="0"/>
-                                  </p:stCondLst>
-                                  <p:childTnLst>
-                                    <p:set>
-                                      <p:cBhvr>
-                                        <p:cTn id="12" dur="1" fill="hold">
-                                          <p:stCondLst>
-                                            <p:cond delay="0"/>
-                                          </p:stCondLst>
-                                        </p:cTn>
-                                        <p:tgtEl>
-                                          <p:spTgt spid="35"/>
-                                        </p:tgtEl>
-                                        <p:attrNameLst>
-                                          <p:attrName>style.visibility</p:attrName>
-                                        </p:attrNameLst>
-                                      </p:cBhvr>
-                                      <p:to>
-                                        <p:strVal val="visible"/>
-                                      </p:to>
-                                    </p:set>
-                                  </p:childTnLst>
-                                </p:cTn>
-                              </p:par>
-                              <p:par>
-                                <p:cTn id="13" presetID="1" presetClass="entr" presetSubtype="0" fill="hold" grpId="0" nodeType="withEffect">
-                                  <p:stCondLst>
-                                    <p:cond delay="0"/>
-                                  </p:stCondLst>
-                                  <p:childTnLst>
-                                    <p:set>
-                                      <p:cBhvr>
-                                        <p:cTn id="14" dur="1" fill="hold">
-                                          <p:stCondLst>
-                                            <p:cond delay="0"/>
-                                          </p:stCondLst>
-                                        </p:cTn>
-                                        <p:tgtEl>
-                                          <p:spTgt spid="33"/>
-                                        </p:tgtEl>
-                                        <p:attrNameLst>
-                                          <p:attrName>style.visibility</p:attrName>
-                                        </p:attrNameLst>
-                                      </p:cBhvr>
-                                      <p:to>
-                                        <p:strVal val="visible"/>
-                                      </p:to>
-                                    </p:set>
-                                  </p:childTnLst>
-                                </p:cTn>
-                              </p:par>
-                              <p:par>
-                                <p:cTn id="15" presetID="1" presetClass="entr" presetSubtype="0" fill="hold" grpId="0" nodeType="withEffect">
-                                  <p:stCondLst>
-                                    <p:cond delay="0"/>
-                                  </p:stCondLst>
-                                  <p:childTnLst>
-                                    <p:set>
-                                      <p:cBhvr>
-                                        <p:cTn id="16" dur="1" fill="hold">
-                                          <p:stCondLst>
-                                            <p:cond delay="0"/>
-                                          </p:stCondLst>
-                                        </p:cTn>
-                                        <p:tgtEl>
-                                          <p:spTgt spid="38"/>
-                                        </p:tgtEl>
-                                        <p:attrNameLst>
-                                          <p:attrName>style.visibility</p:attrName>
-                                        </p:attrNameLst>
-                                      </p:cBhvr>
-                                      <p:to>
-                                        <p:strVal val="visible"/>
-                                      </p:to>
-                                    </p:set>
-                                  </p:childTnLst>
-                                </p:cTn>
-                              </p:par>
-                              <p:par>
-                                <p:cTn id="17" presetID="1" presetClass="entr" presetSubtype="0" fill="hold" nodeType="withEffect">
-                                  <p:stCondLst>
-                                    <p:cond delay="0"/>
-                                  </p:stCondLst>
-                                  <p:childTnLst>
-                                    <p:set>
-                                      <p:cBhvr>
-                                        <p:cTn id="18" dur="1" fill="hold">
-                                          <p:stCondLst>
-                                            <p:cond delay="0"/>
-                                          </p:stCondLst>
-                                        </p:cTn>
-                                        <p:tgtEl>
-                                          <p:spTgt spid="58"/>
-                                        </p:tgtEl>
-                                        <p:attrNameLst>
-                                          <p:attrName>style.visibility</p:attrName>
-                                        </p:attrNameLst>
-                                      </p:cBhvr>
-                                      <p:to>
-                                        <p:strVal val="visible"/>
-                                      </p:to>
-                                    </p:set>
-                                  </p:childTnLst>
-                                </p:cTn>
-                              </p:par>
-                              <p:par>
-                                <p:cTn id="19" presetID="1" presetClass="entr" presetSubtype="0" fill="hold" nodeType="withEffect">
-                                  <p:stCondLst>
-                                    <p:cond delay="0"/>
-                                  </p:stCondLst>
-                                  <p:childTnLst>
-                                    <p:set>
-                                      <p:cBhvr>
-                                        <p:cTn id="20" dur="1" fill="hold">
-                                          <p:stCondLst>
-                                            <p:cond delay="0"/>
-                                          </p:stCondLst>
-                                        </p:cTn>
-                                        <p:tgtEl>
-                                          <p:spTgt spid="57"/>
-                                        </p:tgtEl>
-                                        <p:attrNameLst>
-                                          <p:attrName>style.visibility</p:attrName>
-                                        </p:attrNameLst>
-                                      </p:cBhvr>
-                                      <p:to>
-                                        <p:strVal val="visible"/>
-                                      </p:to>
-                                    </p:set>
-                                  </p:childTnLst>
-                                </p:cTn>
-                              </p:par>
-                            </p:childTnLst>
-                          </p:cTn>
-                        </p:par>
-                      </p:childTnLst>
-                    </p:cTn>
-                  </p:par>
-                  <p:par>
-                    <p:cTn id="21" fill="hold">
-                      <p:stCondLst>
-                        <p:cond delay="indefinite"/>
-                      </p:stCondLst>
-                      <p:childTnLst>
-                        <p:par>
-                          <p:cTn id="22" fill="hold">
-                            <p:stCondLst>
-                              <p:cond delay="0"/>
-                            </p:stCondLst>
-                            <p:childTnLst>
-                              <p:par>
-                                <p:cTn id="23" presetID="1" presetClass="entr" presetSubtype="0" fill="hold" nodeType="clickEffect">
-                                  <p:stCondLst>
-                                    <p:cond delay="0"/>
-                                  </p:stCondLst>
-                                  <p:childTnLst>
-                                    <p:set>
-                                      <p:cBhvr>
-                                        <p:cTn id="24" dur="1" fill="hold">
-                                          <p:stCondLst>
-                                            <p:cond delay="0"/>
-                                          </p:stCondLst>
-                                        </p:cTn>
-                                        <p:tgtEl>
-                                          <p:spTgt spid="63"/>
-                                        </p:tgtEl>
-                                        <p:attrNameLst>
-                                          <p:attrName>style.visibility</p:attrName>
-                                        </p:attrNameLst>
-                                      </p:cBhvr>
-                                      <p:to>
-                                        <p:strVal val="visible"/>
-                                      </p:to>
-                                    </p:set>
-                                  </p:childTnLst>
-                                </p:cTn>
-                              </p:par>
-                              <p:par>
-                                <p:cTn id="25" presetID="1" presetClass="entr" presetSubtype="0" fill="hold" grpId="0" nodeType="withEffect">
-                                  <p:stCondLst>
-                                    <p:cond delay="0"/>
-                                  </p:stCondLst>
-                                  <p:childTnLst>
-                                    <p:set>
-                                      <p:cBhvr>
-                                        <p:cTn id="26" dur="1" fill="hold">
-                                          <p:stCondLst>
-                                            <p:cond delay="0"/>
-                                          </p:stCondLst>
-                                        </p:cTn>
-                                        <p:tgtEl>
-                                          <p:spTgt spid="14"/>
-                                        </p:tgtEl>
-                                        <p:attrNameLst>
-                                          <p:attrName>style.visibility</p:attrName>
-                                        </p:attrNameLst>
-                                      </p:cBhvr>
-                                      <p:to>
-                                        <p:strVal val="visible"/>
-                                      </p:to>
-                                    </p:set>
-                                  </p:childTnLst>
-                                </p:cTn>
-                              </p:par>
-                              <p:par>
-                                <p:cTn id="27" presetID="1" presetClass="entr" presetSubtype="0" fill="hold" grpId="0" nodeType="withEffect">
-                                  <p:stCondLst>
-                                    <p:cond delay="0"/>
-                                  </p:stCondLst>
-                                  <p:childTnLst>
-                                    <p:set>
-                                      <p:cBhvr>
-                                        <p:cTn id="28" dur="1" fill="hold">
-                                          <p:stCondLst>
-                                            <p:cond delay="0"/>
-                                          </p:stCondLst>
-                                        </p:cTn>
-                                        <p:tgtEl>
-                                          <p:spTgt spid="16"/>
-                                        </p:tgtEl>
-                                        <p:attrNameLst>
-                                          <p:attrName>style.visibility</p:attrName>
-                                        </p:attrNameLst>
-                                      </p:cBhvr>
-                                      <p:to>
-                                        <p:strVal val="visible"/>
-                                      </p:to>
-                                    </p:set>
-                                  </p:childTnLst>
-                                </p:cTn>
-                              </p:par>
-                              <p:par>
-                                <p:cTn id="29" presetID="1" presetClass="entr" presetSubtype="0" fill="hold" grpId="0" nodeType="withEffect">
-                                  <p:stCondLst>
-                                    <p:cond delay="0"/>
-                                  </p:stCondLst>
-                                  <p:childTnLst>
-                                    <p:set>
-                                      <p:cBhvr>
-                                        <p:cTn id="30" dur="1" fill="hold">
-                                          <p:stCondLst>
-                                            <p:cond delay="0"/>
-                                          </p:stCondLst>
-                                        </p:cTn>
-                                        <p:tgtEl>
-                                          <p:spTgt spid="19"/>
-                                        </p:tgtEl>
-                                        <p:attrNameLst>
-                                          <p:attrName>style.visibility</p:attrName>
-                                        </p:attrNameLst>
-                                      </p:cBhvr>
-                                      <p:to>
-                                        <p:strVal val="visible"/>
-                                      </p:to>
-                                    </p:set>
-                                  </p:childTnLst>
-                                </p:cTn>
-                              </p:par>
-                              <p:par>
-                                <p:cTn id="31" presetID="1" presetClass="entr" presetSubtype="0" fill="hold" grpId="0" nodeType="withEffect">
-                                  <p:stCondLst>
-                                    <p:cond delay="0"/>
-                                  </p:stCondLst>
-                                  <p:childTnLst>
-                                    <p:set>
-                                      <p:cBhvr>
-                                        <p:cTn id="32" dur="1" fill="hold">
-                                          <p:stCondLst>
-                                            <p:cond delay="0"/>
-                                          </p:stCondLst>
-                                        </p:cTn>
-                                        <p:tgtEl>
-                                          <p:spTgt spid="18"/>
-                                        </p:tgtEl>
-                                        <p:attrNameLst>
-                                          <p:attrName>style.visibility</p:attrName>
-                                        </p:attrNameLst>
-                                      </p:cBhvr>
-                                      <p:to>
-                                        <p:strVal val="visible"/>
-                                      </p:to>
-                                    </p:set>
-                                  </p:childTnLst>
-                                </p:cTn>
-                              </p:par>
-                              <p:par>
-                                <p:cTn id="33" presetID="1" presetClass="entr" presetSubtype="0" fill="hold" nodeType="withEffect">
-                                  <p:stCondLst>
-                                    <p:cond delay="0"/>
-                                  </p:stCondLst>
-                                  <p:childTnLst>
-                                    <p:set>
-                                      <p:cBhvr>
-                                        <p:cTn id="34" dur="1" fill="hold">
-                                          <p:stCondLst>
-                                            <p:cond delay="0"/>
-                                          </p:stCondLst>
-                                        </p:cTn>
-                                        <p:tgtEl>
-                                          <p:spTgt spid="62"/>
-                                        </p:tgtEl>
-                                        <p:attrNameLst>
-                                          <p:attrName>style.visibility</p:attrName>
-                                        </p:attrNameLst>
-                                      </p:cBhvr>
-                                      <p:to>
-                                        <p:strVal val="visible"/>
-                                      </p:to>
-                                    </p:set>
-                                  </p:childTnLst>
-                                </p:cTn>
-                              </p:par>
-                            </p:childTnLst>
-                          </p:cTn>
-                        </p:par>
-                      </p:childTnLst>
-                    </p:cTn>
-                  </p:par>
-                </p:childTnLst>
-              </p:cTn>
-              <p:prevCondLst>
-                <p:cond evt="onPrev" delay="0">
-                  <p:tgtEl>
-                    <p:sldTgt/>
-                  </p:tgtEl>
-                </p:cond>
-              </p:prevCondLst>
-              <p:nextCondLst>
-                <p:cond evt="onNext" delay="0">
-                  <p:tgtEl>
-                    <p:sldTgt/>
-                  </p:tgtEl>
-                </p:cond>
-              </p:nextCondLst>
-            </p:seq>
-          </p:childTnLst>
-        </p:cTn>
-      </p:par>
-    </p:tnLst>
-    <p:bldLst>
-      <p:bldP spid="14" grpId="0" animBg="1"/>
-      <p:bldP spid="16" grpId="0" animBg="1"/>
-      <p:bldP spid="18" grpId="0" animBg="1"/>
-      <p:bldP spid="19" grpId="0" animBg="1"/>
-      <p:bldP spid="24" grpId="0" animBg="1"/>
-      <p:bldP spid="33" grpId="0" animBg="1"/>
-      <p:bldP spid="38" grpId="0" animBg="1"/>
-    </p:bldLst>
-  </p:timing>
-</p:sld>
-</file>
-
-<file path=ppt/slides/slide11.xml><?xml version="1.0" encoding="utf-8"?>
 <p:sld xmlns:a="http://schemas.openxmlformats.org/drawingml/2006/main" xmlns:r="http://schemas.openxmlformats.org/officeDocument/2006/relationships" xmlns:p="http://schemas.openxmlformats.org/presentationml/2006/main">
   <p:cSld>
     <p:spTree>
@@ -10490,7 +8600,7 @@
             <a:fld id="{F777D48D-F22C-624F-9C01-7CDA9A361691}" type="slidenum">
               <a:rPr lang="de-DE" smtClean="0"/>
               <a:pPr/>
-              <a:t>11</a:t>
+              <a:t>10</a:t>
             </a:fld>
             <a:endParaRPr lang="de-DE" dirty="0"/>
           </a:p>
@@ -11557,7 +9667,7 @@
 </p:sld>
 </file>
 
-<file path=ppt/slides/slide12.xml><?xml version="1.0" encoding="utf-8"?>
+<file path=ppt/slides/slide11.xml><?xml version="1.0" encoding="utf-8"?>
 <p:sld xmlns:a="http://schemas.openxmlformats.org/drawingml/2006/main" xmlns:r="http://schemas.openxmlformats.org/officeDocument/2006/relationships" xmlns:p="http://schemas.openxmlformats.org/presentationml/2006/main">
   <p:cSld>
     <p:spTree>
@@ -12756,7 +10866,7 @@
             <a:fld id="{F777D48D-F22C-624F-9C01-7CDA9A361691}" type="slidenum">
               <a:rPr lang="de-DE" smtClean="0"/>
               <a:pPr/>
-              <a:t>12</a:t>
+              <a:t>11</a:t>
             </a:fld>
             <a:endParaRPr lang="de-DE" dirty="0"/>
           </a:p>
@@ -13499,7 +11609,7 @@
 </p:sld>
 </file>
 
-<file path=ppt/slides/slide13.xml><?xml version="1.0" encoding="utf-8"?>
+<file path=ppt/slides/slide12.xml><?xml version="1.0" encoding="utf-8"?>
 <p:sld xmlns:a="http://schemas.openxmlformats.org/drawingml/2006/main" xmlns:r="http://schemas.openxmlformats.org/officeDocument/2006/relationships" xmlns:p="http://schemas.openxmlformats.org/presentationml/2006/main">
   <p:cSld>
     <p:spTree>
@@ -13530,7 +11640,7 @@
         </p:nvSpPr>
         <p:spPr>
           <a:xfrm>
-            <a:off x="2520249" y="5490839"/>
+            <a:off x="2520249" y="5508465"/>
             <a:ext cx="6328559" cy="1169551"/>
           </a:xfrm>
           <a:prstGeom prst="rect">
@@ -13559,6 +11669,23 @@
           <a:lstStyle/>
           <a:p>
             <a:r>
+              <a:rPr lang="en-US" sz="1400" dirty="0">
+                <a:solidFill>
+                  <a:srgbClr val="646464"/>
+                </a:solidFill>
+                <a:latin typeface="Consolas" panose="020B0609020204030204" pitchFamily="49" charset="0"/>
+              </a:rPr>
+              <a:t>@Override</a:t>
+            </a:r>
+            <a:endParaRPr lang="de-DE" sz="1400" dirty="0">
+              <a:solidFill>
+                <a:srgbClr val="646464"/>
+              </a:solidFill>
+              <a:latin typeface="Consolas" panose="020B0609020204030204" pitchFamily="49" charset="0"/>
+            </a:endParaRPr>
+          </a:p>
+          <a:p>
+            <a:r>
               <a:rPr lang="de-DE" sz="1400" b="1" dirty="0" err="1">
                 <a:solidFill>
                   <a:srgbClr val="7F0055"/>
@@ -13624,82 +11751,211 @@
                 <a:latin typeface="Consolas" panose="020B0609020204030204" pitchFamily="49" charset="0"/>
                 <a:cs typeface="Consolas-Bold"/>
               </a:rPr>
-              <a:t>return</a:t>
-            </a:r>
-            <a:r>
-              <a:rPr lang="en-US" sz="1400" b="1" dirty="0">
+              <a:t>	return</a:t>
+            </a:r>
+            <a:r>
+              <a:rPr lang="en-US" sz="1400" dirty="0">
+                <a:latin typeface="Consolas" panose="020B0609020204030204" pitchFamily="49" charset="0"/>
+              </a:rPr>
+              <a:t> </a:t>
+            </a:r>
+            <a:r>
+              <a:rPr lang="en-US" sz="1400" dirty="0">
+                <a:solidFill>
+                  <a:srgbClr val="2A00FF"/>
+                </a:solidFill>
+                <a:latin typeface="Consolas" panose="020B0609020204030204" pitchFamily="49" charset="0"/>
+              </a:rPr>
+              <a:t>“Customer [id=" </a:t>
+            </a:r>
+            <a:r>
+              <a:rPr lang="en-US" sz="1400" dirty="0">
                 <a:solidFill>
                   <a:schemeClr val="tx2"/>
                 </a:solidFill>
                 <a:latin typeface="Consolas" panose="020B0609020204030204" pitchFamily="49" charset="0"/>
               </a:rPr>
+              <a:t>+</a:t>
+            </a:r>
+            <a:r>
+              <a:rPr lang="en-US" sz="1400" dirty="0">
+                <a:latin typeface="Consolas" panose="020B0609020204030204" pitchFamily="49" charset="0"/>
+              </a:rPr>
               <a:t> </a:t>
             </a:r>
             <a:r>
               <a:rPr lang="en-US" sz="1400" dirty="0">
                 <a:solidFill>
+                  <a:srgbClr val="0000C1"/>
+                </a:solidFill>
+                <a:latin typeface="Consolas" panose="020B0609020204030204" pitchFamily="49" charset="0"/>
+              </a:rPr>
+              <a:t>id</a:t>
+            </a:r>
+            <a:r>
+              <a:rPr lang="en-US" sz="1400" dirty="0">
+                <a:latin typeface="Consolas" panose="020B0609020204030204" pitchFamily="49" charset="0"/>
+              </a:rPr>
+              <a:t> </a:t>
+            </a:r>
+            <a:r>
+              <a:rPr lang="en-US" sz="1400" dirty="0">
+                <a:solidFill>
+                  <a:schemeClr val="tx2"/>
+                </a:solidFill>
+                <a:latin typeface="Consolas" panose="020B0609020204030204" pitchFamily="49" charset="0"/>
+              </a:rPr>
+              <a:t>+</a:t>
+            </a:r>
+            <a:r>
+              <a:rPr lang="en-US" sz="1400" dirty="0">
+                <a:latin typeface="Consolas" panose="020B0609020204030204" pitchFamily="49" charset="0"/>
+              </a:rPr>
+              <a:t> </a:t>
+            </a:r>
+            <a:r>
+              <a:rPr lang="en-US" sz="1400" dirty="0">
+                <a:solidFill>
                   <a:srgbClr val="2A00FF"/>
                 </a:solidFill>
                 <a:latin typeface="Consolas" panose="020B0609020204030204" pitchFamily="49" charset="0"/>
               </a:rPr>
-              <a:t>“Customer with id “ </a:t>
+              <a:t>", </a:t>
+            </a:r>
+            <a:r>
+              <a:rPr lang="en-US" sz="1400" dirty="0" err="1">
+                <a:solidFill>
+                  <a:srgbClr val="2A00FF"/>
+                </a:solidFill>
+                <a:latin typeface="Consolas" panose="020B0609020204030204" pitchFamily="49" charset="0"/>
+              </a:rPr>
+              <a:t>firstname</a:t>
             </a:r>
             <a:r>
               <a:rPr lang="en-US" sz="1400" dirty="0">
                 <a:solidFill>
+                  <a:srgbClr val="2A00FF"/>
+                </a:solidFill>
+                <a:latin typeface="Consolas" panose="020B0609020204030204" pitchFamily="49" charset="0"/>
+              </a:rPr>
+              <a:t>=" </a:t>
+            </a:r>
+            <a:r>
+              <a:rPr lang="en-US" sz="1400" dirty="0">
+                <a:solidFill>
                   <a:schemeClr val="tx2"/>
                 </a:solidFill>
                 <a:latin typeface="Consolas" panose="020B0609020204030204" pitchFamily="49" charset="0"/>
               </a:rPr>
-              <a:t>+ </a:t>
-            </a:r>
-            <a:r>
-              <a:rPr lang="en-US" sz="1400" b="1" dirty="0">
-                <a:solidFill>
-                  <a:srgbClr val="7F0055"/>
-                </a:solidFill>
-                <a:latin typeface="Consolas" panose="020B0609020204030204" pitchFamily="49" charset="0"/>
-                <a:cs typeface="Consolas-Bold"/>
-              </a:rPr>
-              <a:t>this</a:t>
+              <a:t>+</a:t>
             </a:r>
             <a:r>
               <a:rPr lang="en-US" sz="1400" dirty="0">
+                <a:latin typeface="Consolas" panose="020B0609020204030204" pitchFamily="49" charset="0"/>
+              </a:rPr>
+              <a:t> </a:t>
+            </a:r>
+            <a:r>
+              <a:rPr lang="en-US" sz="1400" dirty="0" err="1">
+                <a:solidFill>
+                  <a:srgbClr val="0000C1"/>
+                </a:solidFill>
+                <a:latin typeface="Consolas" panose="020B0609020204030204" pitchFamily="49" charset="0"/>
+              </a:rPr>
+              <a:t>firstname</a:t>
+            </a:r>
+            <a:r>
+              <a:rPr lang="en-US" sz="1400" dirty="0">
                 <a:solidFill>
                   <a:schemeClr val="tx2"/>
                 </a:solidFill>
                 <a:latin typeface="Consolas" panose="020B0609020204030204" pitchFamily="49" charset="0"/>
               </a:rPr>
-              <a:t>.</a:t>
+              <a:t>+</a:t>
             </a:r>
             <a:r>
               <a:rPr lang="en-US" sz="1400" dirty="0">
+                <a:latin typeface="Consolas" panose="020B0609020204030204" pitchFamily="49" charset="0"/>
+              </a:rPr>
+              <a:t>  	</a:t>
+            </a:r>
+            <a:r>
+              <a:rPr lang="en-US" sz="1400" dirty="0">
+                <a:solidFill>
+                  <a:srgbClr val="2A00FF"/>
+                </a:solidFill>
+                <a:latin typeface="Consolas" panose="020B0609020204030204" pitchFamily="49" charset="0"/>
+              </a:rPr>
+              <a:t>", </a:t>
+            </a:r>
+            <a:r>
+              <a:rPr lang="en-US" sz="1400" dirty="0" err="1">
+                <a:solidFill>
+                  <a:srgbClr val="2A00FF"/>
+                </a:solidFill>
+                <a:latin typeface="Consolas" panose="020B0609020204030204" pitchFamily="49" charset="0"/>
+              </a:rPr>
+              <a:t>lastname</a:t>
+            </a:r>
+            <a:r>
+              <a:rPr lang="en-US" sz="1400" dirty="0">
+                <a:solidFill>
+                  <a:srgbClr val="2A00FF"/>
+                </a:solidFill>
+                <a:latin typeface="Consolas" panose="020B0609020204030204" pitchFamily="49" charset="0"/>
+              </a:rPr>
+              <a:t>="</a:t>
+            </a:r>
+            <a:r>
+              <a:rPr lang="en-US" sz="1400" dirty="0">
+                <a:latin typeface="Consolas" panose="020B0609020204030204" pitchFamily="49" charset="0"/>
+              </a:rPr>
+              <a:t> </a:t>
+            </a:r>
+            <a:r>
+              <a:rPr lang="en-US" sz="1400" dirty="0">
+                <a:solidFill>
+                  <a:schemeClr val="tx2"/>
+                </a:solidFill>
+                <a:latin typeface="Consolas" panose="020B0609020204030204" pitchFamily="49" charset="0"/>
+              </a:rPr>
+              <a:t>+</a:t>
+            </a:r>
+            <a:r>
+              <a:rPr lang="en-US" sz="1400" dirty="0">
+                <a:latin typeface="Consolas" panose="020B0609020204030204" pitchFamily="49" charset="0"/>
+              </a:rPr>
+              <a:t> </a:t>
+            </a:r>
+            <a:r>
+              <a:rPr lang="en-US" sz="1400" dirty="0" err="1">
                 <a:solidFill>
                   <a:srgbClr val="0000C1"/>
                 </a:solidFill>
                 <a:latin typeface="Consolas" panose="020B0609020204030204" pitchFamily="49" charset="0"/>
               </a:rPr>
-              <a:t>id</a:t>
+              <a:t>lastname</a:t>
             </a:r>
             <a:r>
               <a:rPr lang="en-US" sz="1400" dirty="0">
+                <a:latin typeface="Consolas" panose="020B0609020204030204" pitchFamily="49" charset="0"/>
+              </a:rPr>
+              <a:t> </a:t>
+            </a:r>
+            <a:r>
+              <a:rPr lang="en-US" sz="1400" dirty="0">
                 <a:solidFill>
                   <a:schemeClr val="tx2"/>
                 </a:solidFill>
                 <a:latin typeface="Consolas" panose="020B0609020204030204" pitchFamily="49" charset="0"/>
               </a:rPr>
-              <a:t> + </a:t>
-            </a:r>
-          </a:p>
-          <a:p>
+              <a:t>+</a:t>
+            </a:r>
             <a:r>
               <a:rPr lang="en-US" sz="1400" dirty="0">
-                <a:solidFill>
-                  <a:schemeClr val="tx2"/>
-                </a:solidFill>
-                <a:latin typeface="Consolas" panose="020B0609020204030204" pitchFamily="49" charset="0"/>
-              </a:rPr>
-              <a:t>	</a:t>
+                <a:latin typeface="Consolas" panose="020B0609020204030204" pitchFamily="49" charset="0"/>
+              </a:rPr>
+              <a:t> </a:t>
             </a:r>
             <a:r>
               <a:rPr lang="en-US" sz="1400" dirty="0">
@@ -13708,165 +11964,7 @@
                 </a:solidFill>
                 <a:latin typeface="Consolas" panose="020B0609020204030204" pitchFamily="49" charset="0"/>
               </a:rPr>
-              <a:t>“: name = “ </a:t>
-            </a:r>
-            <a:r>
-              <a:rPr lang="en-US" sz="1400" dirty="0">
-                <a:solidFill>
-                  <a:schemeClr val="tx2"/>
-                </a:solidFill>
-                <a:latin typeface="Consolas" panose="020B0609020204030204" pitchFamily="49" charset="0"/>
-              </a:rPr>
-              <a:t>+ </a:t>
-            </a:r>
-            <a:r>
-              <a:rPr lang="en-US" sz="1400" b="1" dirty="0" err="1">
-                <a:solidFill>
-                  <a:srgbClr val="7F0055"/>
-                </a:solidFill>
-                <a:latin typeface="Consolas" panose="020B0609020204030204" pitchFamily="49" charset="0"/>
-                <a:cs typeface="Consolas-Bold"/>
-              </a:rPr>
-              <a:t>this</a:t>
-            </a:r>
-            <a:r>
-              <a:rPr lang="en-US" sz="1400" dirty="0" err="1">
-                <a:solidFill>
-                  <a:schemeClr val="tx2"/>
-                </a:solidFill>
-                <a:latin typeface="Consolas" panose="020B0609020204030204" pitchFamily="49" charset="0"/>
-              </a:rPr>
-              <a:t>.</a:t>
-            </a:r>
-            <a:r>
-              <a:rPr lang="en-US" sz="1400" dirty="0" err="1">
-                <a:solidFill>
-                  <a:srgbClr val="0000C1"/>
-                </a:solidFill>
-                <a:latin typeface="Consolas" panose="020B0609020204030204" pitchFamily="49" charset="0"/>
-              </a:rPr>
-              <a:t>firstname</a:t>
-            </a:r>
-            <a:r>
-              <a:rPr lang="en-US" sz="1400" dirty="0">
-                <a:solidFill>
-                  <a:schemeClr val="tx2"/>
-                </a:solidFill>
-                <a:latin typeface="Consolas" panose="020B0609020204030204" pitchFamily="49" charset="0"/>
-              </a:rPr>
-              <a:t> + </a:t>
-            </a:r>
-            <a:r>
-              <a:rPr lang="en-US" sz="1400" dirty="0">
-                <a:solidFill>
-                  <a:srgbClr val="2A00FF"/>
-                </a:solidFill>
-                <a:latin typeface="Consolas" panose="020B0609020204030204" pitchFamily="49" charset="0"/>
-              </a:rPr>
-              <a:t>“ “</a:t>
-            </a:r>
-            <a:r>
-              <a:rPr lang="en-US" sz="1400" dirty="0">
-                <a:solidFill>
-                  <a:schemeClr val="tx2"/>
-                </a:solidFill>
-                <a:latin typeface="Consolas" panose="020B0609020204030204" pitchFamily="49" charset="0"/>
-              </a:rPr>
-              <a:t> +</a:t>
-            </a:r>
-          </a:p>
-          <a:p>
-            <a:r>
-              <a:rPr lang="en-US" sz="1400" dirty="0">
-                <a:solidFill>
-                  <a:schemeClr val="tx2"/>
-                </a:solidFill>
-                <a:latin typeface="Consolas" panose="020B0609020204030204" pitchFamily="49" charset="0"/>
-              </a:rPr>
-              <a:t>	</a:t>
-            </a:r>
-            <a:r>
-              <a:rPr lang="en-US" sz="1400" b="1" dirty="0" err="1">
-                <a:solidFill>
-                  <a:srgbClr val="7F0055"/>
-                </a:solidFill>
-                <a:latin typeface="Consolas" panose="020B0609020204030204" pitchFamily="49" charset="0"/>
-                <a:cs typeface="Consolas-Bold"/>
-              </a:rPr>
-              <a:t>this</a:t>
-            </a:r>
-            <a:r>
-              <a:rPr lang="en-US" sz="1400" dirty="0" err="1">
-                <a:solidFill>
-                  <a:schemeClr val="tx2"/>
-                </a:solidFill>
-                <a:latin typeface="Consolas" panose="020B0609020204030204" pitchFamily="49" charset="0"/>
-              </a:rPr>
-              <a:t>.</a:t>
-            </a:r>
-            <a:r>
-              <a:rPr lang="en-US" sz="1400" dirty="0" err="1">
-                <a:solidFill>
-                  <a:srgbClr val="0000C1"/>
-                </a:solidFill>
-                <a:latin typeface="Consolas" panose="020B0609020204030204" pitchFamily="49" charset="0"/>
-              </a:rPr>
-              <a:t>lastname</a:t>
-            </a:r>
-            <a:r>
-              <a:rPr lang="en-US" sz="1400" dirty="0">
-                <a:solidFill>
-                  <a:schemeClr val="tx2"/>
-                </a:solidFill>
-                <a:latin typeface="Consolas" panose="020B0609020204030204" pitchFamily="49" charset="0"/>
-              </a:rPr>
-              <a:t> + </a:t>
-            </a:r>
-            <a:r>
-              <a:rPr lang="en-US" sz="1400" dirty="0">
-                <a:solidFill>
-                  <a:srgbClr val="2A00FF"/>
-                </a:solidFill>
-                <a:latin typeface="Consolas" panose="020B0609020204030204" pitchFamily="49" charset="0"/>
-              </a:rPr>
-              <a:t>“; comment = “</a:t>
-            </a:r>
-            <a:r>
-              <a:rPr lang="en-US" sz="1400" dirty="0">
-                <a:solidFill>
-                  <a:schemeClr val="tx2"/>
-                </a:solidFill>
-                <a:latin typeface="Consolas" panose="020B0609020204030204" pitchFamily="49" charset="0"/>
-              </a:rPr>
-              <a:t> + </a:t>
-            </a:r>
-            <a:r>
-              <a:rPr lang="en-US" sz="1400" b="1" dirty="0" err="1">
-                <a:solidFill>
-                  <a:srgbClr val="7F0055"/>
-                </a:solidFill>
-                <a:latin typeface="Consolas" panose="020B0609020204030204" pitchFamily="49" charset="0"/>
-                <a:cs typeface="Consolas-Bold"/>
-              </a:rPr>
-              <a:t>this</a:t>
-            </a:r>
-            <a:r>
-              <a:rPr lang="en-US" sz="1400" dirty="0" err="1">
-                <a:solidFill>
-                  <a:schemeClr val="tx2"/>
-                </a:solidFill>
-                <a:latin typeface="Consolas" panose="020B0609020204030204" pitchFamily="49" charset="0"/>
-              </a:rPr>
-              <a:t>.</a:t>
-            </a:r>
-            <a:r>
-              <a:rPr lang="en-US" sz="1400" dirty="0" err="1">
-                <a:solidFill>
-                  <a:srgbClr val="0000C1"/>
-                </a:solidFill>
-                <a:latin typeface="Consolas" panose="020B0609020204030204" pitchFamily="49" charset="0"/>
-              </a:rPr>
-              <a:t>comment</a:t>
+              <a:t>"]"</a:t>
             </a:r>
             <a:r>
               <a:rPr lang="en-US" sz="1400" dirty="0">
@@ -14856,7 +12954,7 @@
             <a:fld id="{F777D48D-F22C-624F-9C01-7CDA9A361691}" type="slidenum">
               <a:rPr lang="de-DE" smtClean="0"/>
               <a:pPr/>
-              <a:t>13</a:t>
+              <a:t>12</a:t>
             </a:fld>
             <a:endParaRPr lang="de-DE" dirty="0"/>
           </a:p>
@@ -15182,7 +13280,7 @@
 </p:sld>
 </file>
 
-<file path=ppt/slides/slide14.xml><?xml version="1.0" encoding="utf-8"?>
+<file path=ppt/slides/slide13.xml><?xml version="1.0" encoding="utf-8"?>
 <p:sld xmlns:a="http://schemas.openxmlformats.org/drawingml/2006/main" xmlns:r="http://schemas.openxmlformats.org/officeDocument/2006/relationships" xmlns:p="http://schemas.openxmlformats.org/presentationml/2006/main">
   <p:cSld>
     <p:spTree>
@@ -16722,7 +14820,7 @@
             <a:fld id="{F777D48D-F22C-624F-9C01-7CDA9A361691}" type="slidenum">
               <a:rPr lang="de-DE" smtClean="0"/>
               <a:pPr/>
-              <a:t>14</a:t>
+              <a:t>13</a:t>
             </a:fld>
             <a:endParaRPr lang="de-DE" dirty="0"/>
           </a:p>
@@ -16930,7 +15028,7 @@
 </p:sld>
 </file>
 
-<file path=ppt/slides/slide15.xml><?xml version="1.0" encoding="utf-8"?>
+<file path=ppt/slides/slide14.xml><?xml version="1.0" encoding="utf-8"?>
 <p:sld xmlns:a="http://schemas.openxmlformats.org/drawingml/2006/main" xmlns:r="http://schemas.openxmlformats.org/officeDocument/2006/relationships" xmlns:p="http://schemas.openxmlformats.org/presentationml/2006/main">
   <p:cSld>
     <p:spTree>
@@ -16949,10 +15047,10 @@
       </p:grpSpPr>
       <p:pic>
         <p:nvPicPr>
-          <p:cNvPr id="7" name="Grafik 6">
+          <p:cNvPr id="6" name="Grafik 5">
             <a:extLst>
               <a:ext uri="{FF2B5EF4-FFF2-40B4-BE49-F238E27FC236}">
-                <a16:creationId xmlns:a16="http://schemas.microsoft.com/office/drawing/2014/main" id="{AB2349BE-D91D-4638-AE72-A994FC3AD722}"/>
+                <a16:creationId xmlns:a16="http://schemas.microsoft.com/office/drawing/2014/main" id="{B8EB546E-4180-4086-B63E-720AD29ED4AC}"/>
               </a:ext>
             </a:extLst>
           </p:cNvPr>
@@ -16969,8 +15067,8 @@
         </p:blipFill>
         <p:spPr>
           <a:xfrm>
-            <a:off x="545976" y="1824962"/>
-            <a:ext cx="8034291" cy="4047125"/>
+            <a:off x="522908" y="1828220"/>
+            <a:ext cx="8099824" cy="4080136"/>
           </a:xfrm>
           <a:prstGeom prst="rect">
             <a:avLst/>
@@ -17067,7 +15165,7 @@
             <a:fld id="{F777D48D-F22C-624F-9C01-7CDA9A361691}" type="slidenum">
               <a:rPr lang="de-DE" smtClean="0"/>
               <a:pPr/>
-              <a:t>15</a:t>
+              <a:t>14</a:t>
             </a:fld>
             <a:endParaRPr lang="de-DE" dirty="0"/>
           </a:p>
@@ -17361,7 +15459,7 @@
                                           </p:stCondLst>
                                         </p:cTn>
                                         <p:tgtEl>
-                                          <p:spTgt spid="9"/>
+                                          <p:spTgt spid="11"/>
                                         </p:tgtEl>
                                         <p:attrNameLst>
                                           <p:attrName>style.visibility</p:attrName>
@@ -17388,7 +15486,7 @@
                                           </p:stCondLst>
                                         </p:cTn>
                                         <p:tgtEl>
-                                          <p:spTgt spid="11"/>
+                                          <p:spTgt spid="12"/>
                                         </p:tgtEl>
                                         <p:attrNameLst>
                                           <p:attrName>style.visibility</p:attrName>
@@ -17415,7 +15513,7 @@
                                           </p:stCondLst>
                                         </p:cTn>
                                         <p:tgtEl>
-                                          <p:spTgt spid="12"/>
+                                          <p:spTgt spid="10"/>
                                         </p:tgtEl>
                                         <p:attrNameLst>
                                           <p:attrName>style.visibility</p:attrName>
@@ -17442,7 +15540,7 @@
                                           </p:stCondLst>
                                         </p:cTn>
                                         <p:tgtEl>
-                                          <p:spTgt spid="10"/>
+                                          <p:spTgt spid="9"/>
                                         </p:tgtEl>
                                         <p:attrNameLst>
                                           <p:attrName>style.visibility</p:attrName>
@@ -17492,7 +15590,7 @@
 </p:sld>
 </file>
 
-<file path=ppt/slides/slide16.xml><?xml version="1.0" encoding="utf-8"?>
+<file path=ppt/slides/slide15.xml><?xml version="1.0" encoding="utf-8"?>
 <p:sld xmlns:a="http://schemas.openxmlformats.org/drawingml/2006/main" xmlns:r="http://schemas.openxmlformats.org/officeDocument/2006/relationships" xmlns:p="http://schemas.openxmlformats.org/presentationml/2006/main">
   <p:cSld>
     <p:spTree>
@@ -17599,7 +15697,7 @@
             <a:fld id="{F777D48D-F22C-624F-9C01-7CDA9A361691}" type="slidenum">
               <a:rPr lang="de-DE" smtClean="0"/>
               <a:pPr/>
-              <a:t>16</a:t>
+              <a:t>15</a:t>
             </a:fld>
             <a:endParaRPr lang="de-DE" dirty="0"/>
           </a:p>
@@ -18759,7 +16857,7 @@
 </p:sld>
 </file>
 
-<file path=ppt/slides/slide17.xml><?xml version="1.0" encoding="utf-8"?>
+<file path=ppt/slides/slide16.xml><?xml version="1.0" encoding="utf-8"?>
 <p:sld xmlns:a="http://schemas.openxmlformats.org/drawingml/2006/main" xmlns:r="http://schemas.openxmlformats.org/officeDocument/2006/relationships" xmlns:p="http://schemas.openxmlformats.org/presentationml/2006/main">
   <p:cSld>
     <p:spTree>
@@ -18866,7 +16964,7 @@
             <a:fld id="{F777D48D-F22C-624F-9C01-7CDA9A361691}" type="slidenum">
               <a:rPr lang="de-DE" smtClean="0"/>
               <a:pPr/>
-              <a:t>17</a:t>
+              <a:t>16</a:t>
             </a:fld>
             <a:endParaRPr lang="de-DE" dirty="0"/>
           </a:p>
@@ -19697,7 +17795,7 @@
 </p:sld>
 </file>
 
-<file path=ppt/slides/slide18.xml><?xml version="1.0" encoding="utf-8"?>
+<file path=ppt/slides/slide17.xml><?xml version="1.0" encoding="utf-8"?>
 <p:sld xmlns:a="http://schemas.openxmlformats.org/drawingml/2006/main" xmlns:r="http://schemas.openxmlformats.org/officeDocument/2006/relationships" xmlns:p="http://schemas.openxmlformats.org/presentationml/2006/main">
   <p:cSld>
     <p:spTree>
@@ -19817,7 +17915,7 @@
             <a:fld id="{F777D48D-F22C-624F-9C01-7CDA9A361691}" type="slidenum">
               <a:rPr lang="de-DE" smtClean="0"/>
               <a:pPr/>
-              <a:t>18</a:t>
+              <a:t>17</a:t>
             </a:fld>
             <a:endParaRPr lang="de-DE" dirty="0"/>
           </a:p>
@@ -21296,7 +19394,7 @@
 </p:sld>
 </file>
 
-<file path=ppt/slides/slide19.xml><?xml version="1.0" encoding="utf-8"?>
+<file path=ppt/slides/slide18.xml><?xml version="1.0" encoding="utf-8"?>
 <p:sld xmlns:a="http://schemas.openxmlformats.org/drawingml/2006/main" xmlns:r="http://schemas.openxmlformats.org/officeDocument/2006/relationships" xmlns:p="http://schemas.openxmlformats.org/presentationml/2006/main">
   <p:cSld>
     <p:spTree>
@@ -21410,7 +19508,7 @@
             <a:fld id="{F777D48D-F22C-624F-9C01-7CDA9A361691}" type="slidenum">
               <a:rPr lang="de-DE" smtClean="0"/>
               <a:pPr/>
-              <a:t>19</a:t>
+              <a:t>18</a:t>
             </a:fld>
             <a:endParaRPr lang="de-DE" dirty="0"/>
           </a:p>
@@ -21804,132 +19902,7 @@
 </p:sld>
 </file>
 
-<file path=ppt/slides/slide2.xml><?xml version="1.0" encoding="utf-8"?>
-<p:sld xmlns:a="http://schemas.openxmlformats.org/drawingml/2006/main" xmlns:r="http://schemas.openxmlformats.org/officeDocument/2006/relationships" xmlns:p="http://schemas.openxmlformats.org/presentationml/2006/main">
-  <p:cSld>
-    <p:spTree>
-      <p:nvGrpSpPr>
-        <p:cNvPr id="1" name=""/>
-        <p:cNvGrpSpPr/>
-        <p:nvPr/>
-      </p:nvGrpSpPr>
-      <p:grpSpPr>
-        <a:xfrm>
-          <a:off x="0" y="0"/>
-          <a:ext cx="0" cy="0"/>
-          <a:chOff x="0" y="0"/>
-          <a:chExt cx="0" cy="0"/>
-        </a:xfrm>
-      </p:grpSpPr>
-      <p:sp>
-        <p:nvSpPr>
-          <p:cNvPr id="8" name="Textplatzhalter 7">
-            <a:extLst>
-              <a:ext uri="{FF2B5EF4-FFF2-40B4-BE49-F238E27FC236}">
-                <a16:creationId xmlns:a16="http://schemas.microsoft.com/office/drawing/2014/main" id="{104CE74D-CF9A-45F2-894F-DF927EF038B2}"/>
-              </a:ext>
-            </a:extLst>
-          </p:cNvPr>
-          <p:cNvSpPr>
-            <a:spLocks noGrp="1"/>
-          </p:cNvSpPr>
-          <p:nvPr>
-            <p:ph type="body" sz="quarter" idx="19"/>
-          </p:nvPr>
-        </p:nvSpPr>
-        <p:spPr/>
-        <p:txBody>
-          <a:bodyPr/>
-          <a:lstStyle/>
-          <a:p>
-            <a:r>
-              <a:rPr lang="de-DE" dirty="0"/>
-              <a:t>Persistenz Allgemein</a:t>
-            </a:r>
-          </a:p>
-          <a:p>
-            <a:r>
-              <a:rPr lang="de-DE" dirty="0"/>
-              <a:t>JDBC</a:t>
-            </a:r>
-          </a:p>
-          <a:p>
-            <a:r>
-              <a:rPr lang="de-DE" dirty="0"/>
-              <a:t>JPA</a:t>
-            </a:r>
-          </a:p>
-        </p:txBody>
-      </p:sp>
-      <p:sp>
-        <p:nvSpPr>
-          <p:cNvPr id="6" name="Titel 5">
-            <a:extLst>
-              <a:ext uri="{FF2B5EF4-FFF2-40B4-BE49-F238E27FC236}">
-                <a16:creationId xmlns:a16="http://schemas.microsoft.com/office/drawing/2014/main" id="{FF24E7B6-7938-4DF0-8FFA-DE87D5799BA9}"/>
-              </a:ext>
-            </a:extLst>
-          </p:cNvPr>
-          <p:cNvSpPr>
-            <a:spLocks noGrp="1"/>
-          </p:cNvSpPr>
-          <p:nvPr>
-            <p:ph type="title"/>
-          </p:nvPr>
-        </p:nvSpPr>
-        <p:spPr/>
-        <p:txBody>
-          <a:bodyPr>
-            <a:normAutofit fontScale="90000"/>
-          </a:bodyPr>
-          <a:lstStyle/>
-          <a:p>
-            <a:r>
-              <a:rPr lang="de-DE" dirty="0"/>
-              <a:t>Inhalt</a:t>
-            </a:r>
-          </a:p>
-        </p:txBody>
-      </p:sp>
-      <p:sp>
-        <p:nvSpPr>
-          <p:cNvPr id="7" name="Untertitel 6">
-            <a:extLst>
-              <a:ext uri="{FF2B5EF4-FFF2-40B4-BE49-F238E27FC236}">
-                <a16:creationId xmlns:a16="http://schemas.microsoft.com/office/drawing/2014/main" id="{6C8B758C-D5DE-4F65-BF46-866310EE9B7B}"/>
-              </a:ext>
-            </a:extLst>
-          </p:cNvPr>
-          <p:cNvSpPr>
-            <a:spLocks noGrp="1"/>
-          </p:cNvSpPr>
-          <p:nvPr>
-            <p:ph type="subTitle" idx="1"/>
-          </p:nvPr>
-        </p:nvSpPr>
-        <p:spPr/>
-        <p:txBody>
-          <a:bodyPr/>
-          <a:lstStyle/>
-          <a:p>
-            <a:endParaRPr lang="de-DE"/>
-          </a:p>
-        </p:txBody>
-      </p:sp>
-    </p:spTree>
-    <p:extLst>
-      <p:ext uri="{BB962C8B-B14F-4D97-AF65-F5344CB8AC3E}">
-        <p14:creationId xmlns:p14="http://schemas.microsoft.com/office/powerpoint/2010/main" val="2910423578"/>
-      </p:ext>
-    </p:extLst>
-  </p:cSld>
-  <p:clrMapOvr>
-    <a:masterClrMapping/>
-  </p:clrMapOvr>
-</p:sld>
-</file>
-
-<file path=ppt/slides/slide20.xml><?xml version="1.0" encoding="utf-8"?>
+<file path=ppt/slides/slide19.xml><?xml version="1.0" encoding="utf-8"?>
 <p:sld xmlns:a="http://schemas.openxmlformats.org/drawingml/2006/main" xmlns:r="http://schemas.openxmlformats.org/officeDocument/2006/relationships" xmlns:p="http://schemas.openxmlformats.org/presentationml/2006/main">
   <p:cSld>
     <p:spTree>
@@ -22036,7 +20009,7 @@
             <a:fld id="{F777D48D-F22C-624F-9C01-7CDA9A361691}" type="slidenum">
               <a:rPr lang="de-DE" smtClean="0"/>
               <a:pPr/>
-              <a:t>20</a:t>
+              <a:t>19</a:t>
             </a:fld>
             <a:endParaRPr lang="de-DE" dirty="0"/>
           </a:p>
@@ -23477,2042 +21450,7 @@
 </p:sld>
 </file>
 
-<file path=ppt/slides/slide21.xml><?xml version="1.0" encoding="utf-8"?>
-<p:sld xmlns:a="http://schemas.openxmlformats.org/drawingml/2006/main" xmlns:r="http://schemas.openxmlformats.org/officeDocument/2006/relationships" xmlns:p="http://schemas.openxmlformats.org/presentationml/2006/main">
-  <p:cSld>
-    <p:spTree>
-      <p:nvGrpSpPr>
-        <p:cNvPr id="1" name=""/>
-        <p:cNvGrpSpPr/>
-        <p:nvPr/>
-      </p:nvGrpSpPr>
-      <p:grpSpPr>
-        <a:xfrm>
-          <a:off x="0" y="0"/>
-          <a:ext cx="0" cy="0"/>
-          <a:chOff x="0" y="0"/>
-          <a:chExt cx="0" cy="0"/>
-        </a:xfrm>
-      </p:grpSpPr>
-      <p:sp>
-        <p:nvSpPr>
-          <p:cNvPr id="3" name="Titel 2">
-            <a:extLst>
-              <a:ext uri="{FF2B5EF4-FFF2-40B4-BE49-F238E27FC236}">
-                <a16:creationId xmlns:a16="http://schemas.microsoft.com/office/drawing/2014/main" id="{FE2A3965-C99A-48D3-944B-29A3953B665A}"/>
-              </a:ext>
-            </a:extLst>
-          </p:cNvPr>
-          <p:cNvSpPr>
-            <a:spLocks noGrp="1"/>
-          </p:cNvSpPr>
-          <p:nvPr>
-            <p:ph type="title"/>
-          </p:nvPr>
-        </p:nvSpPr>
-        <p:spPr/>
-        <p:txBody>
-          <a:bodyPr>
-            <a:normAutofit fontScale="90000"/>
-          </a:bodyPr>
-          <a:lstStyle/>
-          <a:p>
-            <a:r>
-              <a:rPr lang="de-DE" dirty="0"/>
-              <a:t>Java </a:t>
-            </a:r>
-            <a:r>
-              <a:rPr lang="de-DE" dirty="0" err="1"/>
-              <a:t>Persistence</a:t>
-            </a:r>
-            <a:r>
-              <a:rPr lang="de-DE" dirty="0"/>
-              <a:t> API</a:t>
-            </a:r>
-          </a:p>
-        </p:txBody>
-      </p:sp>
-      <p:sp>
-        <p:nvSpPr>
-          <p:cNvPr id="4" name="Untertitel 3">
-            <a:extLst>
-              <a:ext uri="{FF2B5EF4-FFF2-40B4-BE49-F238E27FC236}">
-                <a16:creationId xmlns:a16="http://schemas.microsoft.com/office/drawing/2014/main" id="{58CE2D61-2997-4556-AE55-EB489F5CF29B}"/>
-              </a:ext>
-            </a:extLst>
-          </p:cNvPr>
-          <p:cNvSpPr>
-            <a:spLocks noGrp="1"/>
-          </p:cNvSpPr>
-          <p:nvPr>
-            <p:ph type="subTitle" idx="1"/>
-          </p:nvPr>
-        </p:nvSpPr>
-        <p:spPr/>
-        <p:txBody>
-          <a:bodyPr/>
-          <a:lstStyle/>
-          <a:p>
-            <a:r>
-              <a:rPr lang="de-DE" dirty="0"/>
-              <a:t>Java </a:t>
-            </a:r>
-            <a:r>
-              <a:rPr lang="de-DE" dirty="0" err="1"/>
-              <a:t>Persistence</a:t>
-            </a:r>
-            <a:r>
-              <a:rPr lang="de-DE" dirty="0"/>
-              <a:t> Query Language (JPQL)</a:t>
-            </a:r>
-          </a:p>
-        </p:txBody>
-      </p:sp>
-      <p:sp>
-        <p:nvSpPr>
-          <p:cNvPr id="5" name="Foliennummernplatzhalter 4">
-            <a:extLst>
-              <a:ext uri="{FF2B5EF4-FFF2-40B4-BE49-F238E27FC236}">
-                <a16:creationId xmlns:a16="http://schemas.microsoft.com/office/drawing/2014/main" id="{281CD762-9E8C-4CDD-A49C-9328308B4B0E}"/>
-              </a:ext>
-            </a:extLst>
-          </p:cNvPr>
-          <p:cNvSpPr>
-            <a:spLocks noGrp="1"/>
-          </p:cNvSpPr>
-          <p:nvPr>
-            <p:ph type="sldNum" sz="quarter" idx="4"/>
-          </p:nvPr>
-        </p:nvSpPr>
-        <p:spPr/>
-        <p:txBody>
-          <a:bodyPr/>
-          <a:lstStyle/>
-          <a:p>
-            <a:fld id="{F777D48D-F22C-624F-9C01-7CDA9A361691}" type="slidenum">
-              <a:rPr lang="de-DE" smtClean="0"/>
-              <a:pPr/>
-              <a:t>21</a:t>
-            </a:fld>
-            <a:endParaRPr lang="de-DE" dirty="0"/>
-          </a:p>
-        </p:txBody>
-      </p:sp>
-      <p:sp>
-        <p:nvSpPr>
-          <p:cNvPr id="6" name="Textfeld 4">
-            <a:extLst>
-              <a:ext uri="{FF2B5EF4-FFF2-40B4-BE49-F238E27FC236}">
-                <a16:creationId xmlns:a16="http://schemas.microsoft.com/office/drawing/2014/main" id="{4A931FB3-98DA-499C-A016-864C990F963D}"/>
-              </a:ext>
-            </a:extLst>
-          </p:cNvPr>
-          <p:cNvSpPr txBox="1">
-            <a:spLocks noChangeArrowheads="1"/>
-          </p:cNvSpPr>
-          <p:nvPr/>
-        </p:nvSpPr>
-        <p:spPr bwMode="auto">
-          <a:xfrm>
-            <a:off x="1917579" y="1629046"/>
-            <a:ext cx="6927441" cy="624534"/>
-          </a:xfrm>
-          <a:prstGeom prst="rect">
-            <a:avLst/>
-          </a:prstGeom>
-          <a:ln>
-            <a:headEnd/>
-            <a:tailEnd/>
-          </a:ln>
-        </p:spPr>
-        <p:style>
-          <a:lnRef idx="2">
-            <a:schemeClr val="accent4"/>
-          </a:lnRef>
-          <a:fillRef idx="1">
-            <a:schemeClr val="lt1"/>
-          </a:fillRef>
-          <a:effectRef idx="0">
-            <a:schemeClr val="accent4"/>
-          </a:effectRef>
-          <a:fontRef idx="minor">
-            <a:schemeClr val="dk1"/>
-          </a:fontRef>
-        </p:style>
-        <p:txBody>
-          <a:bodyPr rot="0" vert="horz" wrap="square" lIns="91440" tIns="45720" rIns="91440" bIns="72000" anchor="t" anchorCtr="0">
-            <a:noAutofit/>
-          </a:bodyPr>
-          <a:lstStyle/>
-          <a:p>
-            <a:pPr lvl="0" defTabSz="914400" eaLnBrk="0" fontAlgn="base" hangingPunct="0">
-              <a:spcBef>
-                <a:spcPct val="0"/>
-              </a:spcBef>
-              <a:spcAft>
-                <a:spcPct val="0"/>
-              </a:spcAft>
-            </a:pPr>
-            <a:r>
-              <a:rPr lang="de-DE" altLang="de-DE" sz="1600" dirty="0">
-                <a:solidFill>
-                  <a:srgbClr val="646464"/>
-                </a:solidFill>
-                <a:latin typeface="Consolas" panose="020B0609020204030204" pitchFamily="49" charset="0"/>
-                <a:ea typeface="Calibri" panose="020F0502020204030204" pitchFamily="34" charset="0"/>
-                <a:cs typeface="Consolas" panose="020B0609020204030204" pitchFamily="49" charset="0"/>
-              </a:rPr>
-              <a:t>@</a:t>
-            </a:r>
-            <a:r>
-              <a:rPr lang="de-DE" altLang="de-DE" sz="1600" dirty="0" err="1">
-                <a:solidFill>
-                  <a:srgbClr val="646464"/>
-                </a:solidFill>
-                <a:latin typeface="Consolas" panose="020B0609020204030204" pitchFamily="49" charset="0"/>
-              </a:rPr>
-              <a:t>PersistenceContext</a:t>
-            </a:r>
-            <a:endParaRPr lang="de-DE" altLang="de-DE" sz="1600" dirty="0">
-              <a:solidFill>
-                <a:srgbClr val="646464"/>
-              </a:solidFill>
-              <a:latin typeface="Consolas" panose="020B0609020204030204" pitchFamily="49" charset="0"/>
-            </a:endParaRPr>
-          </a:p>
-          <a:p>
-            <a:pPr lvl="0" defTabSz="914400" eaLnBrk="0" fontAlgn="base" hangingPunct="0">
-              <a:spcBef>
-                <a:spcPct val="0"/>
-              </a:spcBef>
-              <a:spcAft>
-                <a:spcPct val="0"/>
-              </a:spcAft>
-            </a:pPr>
-            <a:r>
-              <a:rPr lang="de-DE" altLang="de-DE" sz="1600" b="1" dirty="0">
-                <a:solidFill>
-                  <a:srgbClr val="7F0055"/>
-                </a:solidFill>
-                <a:latin typeface="Consolas" panose="020B0609020204030204" pitchFamily="49" charset="0"/>
-                <a:ea typeface="Times New Roman" panose="02020603050405020304" pitchFamily="18" charset="0"/>
-                <a:cs typeface="Consolas-Bold" charset="0"/>
-              </a:rPr>
-              <a:t>private </a:t>
-            </a:r>
-            <a:r>
-              <a:rPr lang="de-DE" altLang="de-DE" sz="1600" dirty="0" err="1">
-                <a:solidFill>
-                  <a:srgbClr val="000000"/>
-                </a:solidFill>
-                <a:latin typeface="Consolas" panose="020B0609020204030204" pitchFamily="49" charset="0"/>
-                <a:ea typeface="Times New Roman" panose="02020603050405020304" pitchFamily="18" charset="0"/>
-                <a:cs typeface="Consolas" panose="020B0609020204030204" pitchFamily="49" charset="0"/>
-              </a:rPr>
-              <a:t>EntityManager</a:t>
-            </a:r>
-            <a:r>
-              <a:rPr lang="de-DE" altLang="de-DE" sz="1600" dirty="0">
-                <a:solidFill>
-                  <a:srgbClr val="000000"/>
-                </a:solidFill>
-                <a:latin typeface="Consolas" panose="020B0609020204030204" pitchFamily="49" charset="0"/>
-                <a:ea typeface="Times New Roman" panose="02020603050405020304" pitchFamily="18" charset="0"/>
-                <a:cs typeface="Consolas" panose="020B0609020204030204" pitchFamily="49" charset="0"/>
-              </a:rPr>
-              <a:t> </a:t>
-            </a:r>
-            <a:r>
-              <a:rPr lang="de-DE" altLang="de-DE" sz="1600" dirty="0" err="1">
-                <a:solidFill>
-                  <a:srgbClr val="0000C1"/>
-                </a:solidFill>
-                <a:latin typeface="Consolas" panose="020B0609020204030204" pitchFamily="49" charset="0"/>
-                <a:ea typeface="Times New Roman" panose="02020603050405020304" pitchFamily="18" charset="0"/>
-                <a:cs typeface="Consolas" panose="020B0609020204030204" pitchFamily="49" charset="0"/>
-              </a:rPr>
-              <a:t>em</a:t>
-            </a:r>
-            <a:r>
-              <a:rPr lang="de-DE" altLang="de-DE" sz="1600" dirty="0">
-                <a:solidFill>
-                  <a:srgbClr val="000000"/>
-                </a:solidFill>
-                <a:latin typeface="Consolas" panose="020B0609020204030204" pitchFamily="49" charset="0"/>
-                <a:ea typeface="Times New Roman" panose="02020603050405020304" pitchFamily="18" charset="0"/>
-                <a:cs typeface="Consolas" panose="020B0609020204030204" pitchFamily="49" charset="0"/>
-              </a:rPr>
-              <a:t>;</a:t>
-            </a:r>
-            <a:endParaRPr lang="de-DE" altLang="de-DE" sz="1600" dirty="0">
-              <a:solidFill>
-                <a:schemeClr val="tx1"/>
-              </a:solidFill>
-              <a:latin typeface="Consolas" panose="020B0609020204030204" pitchFamily="49" charset="0"/>
-            </a:endParaRPr>
-          </a:p>
-        </p:txBody>
-      </p:sp>
-      <p:sp>
-        <p:nvSpPr>
-          <p:cNvPr id="8" name="Textfeld 4">
-            <a:extLst>
-              <a:ext uri="{FF2B5EF4-FFF2-40B4-BE49-F238E27FC236}">
-                <a16:creationId xmlns:a16="http://schemas.microsoft.com/office/drawing/2014/main" id="{E4D330BF-EF6D-4981-89FB-A46B1FC34FF8}"/>
-              </a:ext>
-            </a:extLst>
-          </p:cNvPr>
-          <p:cNvSpPr txBox="1">
-            <a:spLocks noChangeArrowheads="1"/>
-          </p:cNvSpPr>
-          <p:nvPr/>
-        </p:nvSpPr>
-        <p:spPr bwMode="auto">
-          <a:xfrm>
-            <a:off x="1917579" y="2611701"/>
-            <a:ext cx="6927440" cy="1099165"/>
-          </a:xfrm>
-          <a:prstGeom prst="rect">
-            <a:avLst/>
-          </a:prstGeom>
-          <a:ln>
-            <a:headEnd/>
-            <a:tailEnd/>
-          </a:ln>
-        </p:spPr>
-        <p:style>
-          <a:lnRef idx="2">
-            <a:schemeClr val="accent4"/>
-          </a:lnRef>
-          <a:fillRef idx="1">
-            <a:schemeClr val="lt1"/>
-          </a:fillRef>
-          <a:effectRef idx="0">
-            <a:schemeClr val="accent4"/>
-          </a:effectRef>
-          <a:fontRef idx="minor">
-            <a:schemeClr val="dk1"/>
-          </a:fontRef>
-        </p:style>
-        <p:txBody>
-          <a:bodyPr rot="0" vert="horz" wrap="square" lIns="91440" tIns="45720" rIns="91440" bIns="72000" anchor="t" anchorCtr="0">
-            <a:noAutofit/>
-          </a:bodyPr>
-          <a:lstStyle/>
-          <a:p>
-            <a:pPr lvl="0" defTabSz="914400" eaLnBrk="0" fontAlgn="base" hangingPunct="0">
-              <a:spcBef>
-                <a:spcPct val="0"/>
-              </a:spcBef>
-              <a:spcAft>
-                <a:spcPct val="0"/>
-              </a:spcAft>
-            </a:pPr>
-            <a:r>
-              <a:rPr lang="de-DE" sz="1600" dirty="0">
-                <a:solidFill>
-                  <a:schemeClr val="tx2"/>
-                </a:solidFill>
-                <a:latin typeface="Consolas" panose="020B0609020204030204" pitchFamily="49" charset="0"/>
-              </a:rPr>
-              <a:t>String </a:t>
-            </a:r>
-            <a:r>
-              <a:rPr lang="de-DE" sz="1600" dirty="0" err="1">
-                <a:solidFill>
-                  <a:srgbClr val="6A3E3E"/>
-                </a:solidFill>
-                <a:latin typeface="Consolas" panose="020B0609020204030204" pitchFamily="49" charset="0"/>
-              </a:rPr>
-              <a:t>psql</a:t>
-            </a:r>
-            <a:r>
-              <a:rPr lang="de-DE" sz="1600" dirty="0">
-                <a:solidFill>
-                  <a:schemeClr val="tx2"/>
-                </a:solidFill>
-                <a:latin typeface="Consolas" panose="020B0609020204030204" pitchFamily="49" charset="0"/>
-              </a:rPr>
-              <a:t> = </a:t>
-            </a:r>
-            <a:r>
-              <a:rPr lang="de-DE" sz="1600" dirty="0">
-                <a:solidFill>
-                  <a:srgbClr val="2A00FF"/>
-                </a:solidFill>
-                <a:latin typeface="Consolas" panose="020B0609020204030204" pitchFamily="49" charset="0"/>
-              </a:rPr>
-              <a:t>“SELECT c FROM CUSTOMER c“</a:t>
-            </a:r>
-            <a:r>
-              <a:rPr lang="de-DE" sz="1600" dirty="0">
-                <a:solidFill>
-                  <a:schemeClr val="tx2"/>
-                </a:solidFill>
-                <a:latin typeface="Consolas" panose="020B0609020204030204" pitchFamily="49" charset="0"/>
-              </a:rPr>
-              <a:t>;</a:t>
-            </a:r>
-          </a:p>
-          <a:p>
-            <a:pPr lvl="0" defTabSz="914400" eaLnBrk="0" fontAlgn="base" hangingPunct="0">
-              <a:spcBef>
-                <a:spcPct val="0"/>
-              </a:spcBef>
-              <a:spcAft>
-                <a:spcPct val="0"/>
-              </a:spcAft>
-            </a:pPr>
-            <a:r>
-              <a:rPr lang="de-DE" sz="1400" dirty="0" err="1">
-                <a:solidFill>
-                  <a:schemeClr val="tx2"/>
-                </a:solidFill>
-                <a:latin typeface="Consolas" panose="020B0609020204030204" pitchFamily="49" charset="0"/>
-              </a:rPr>
-              <a:t>TypedQuery</a:t>
-            </a:r>
-            <a:r>
-              <a:rPr lang="de-DE" sz="1400" dirty="0">
-                <a:solidFill>
-                  <a:schemeClr val="tx2"/>
-                </a:solidFill>
-                <a:latin typeface="Consolas" panose="020B0609020204030204" pitchFamily="49" charset="0"/>
-              </a:rPr>
-              <a:t>&lt;Customer&gt; </a:t>
-            </a:r>
-            <a:r>
-              <a:rPr lang="de-DE" sz="1400" dirty="0" err="1">
-                <a:solidFill>
-                  <a:srgbClr val="6A3E3E"/>
-                </a:solidFill>
-                <a:latin typeface="Consolas" panose="020B0609020204030204" pitchFamily="49" charset="0"/>
-              </a:rPr>
-              <a:t>query</a:t>
-            </a:r>
-            <a:r>
-              <a:rPr lang="de-DE" sz="1400" dirty="0">
-                <a:solidFill>
-                  <a:schemeClr val="tx2"/>
-                </a:solidFill>
-                <a:latin typeface="Consolas" panose="020B0609020204030204" pitchFamily="49" charset="0"/>
-              </a:rPr>
-              <a:t> = </a:t>
-            </a:r>
-            <a:r>
-              <a:rPr lang="de-DE" sz="1400" dirty="0" err="1">
-                <a:solidFill>
-                  <a:srgbClr val="0000C0"/>
-                </a:solidFill>
-                <a:latin typeface="Consolas" panose="020B0609020204030204" pitchFamily="49" charset="0"/>
-              </a:rPr>
-              <a:t>em</a:t>
-            </a:r>
-            <a:r>
-              <a:rPr lang="de-DE" sz="1400" dirty="0" err="1">
-                <a:solidFill>
-                  <a:schemeClr val="tx2"/>
-                </a:solidFill>
-                <a:latin typeface="Consolas" panose="020B0609020204030204" pitchFamily="49" charset="0"/>
-              </a:rPr>
-              <a:t>.createQuery</a:t>
-            </a:r>
-            <a:r>
-              <a:rPr lang="de-DE" sz="1400" dirty="0">
-                <a:solidFill>
-                  <a:schemeClr val="tx2"/>
-                </a:solidFill>
-                <a:latin typeface="Consolas" panose="020B0609020204030204" pitchFamily="49" charset="0"/>
-              </a:rPr>
-              <a:t>(</a:t>
-            </a:r>
-            <a:r>
-              <a:rPr lang="de-DE" altLang="de-DE" sz="1400" dirty="0" err="1">
-                <a:solidFill>
-                  <a:srgbClr val="6A3E3E"/>
-                </a:solidFill>
-                <a:latin typeface="Consolas" panose="020B0609020204030204" pitchFamily="49" charset="0"/>
-                <a:cs typeface="Consolas" panose="020B0609020204030204" pitchFamily="49" charset="0"/>
-              </a:rPr>
-              <a:t>psql</a:t>
-            </a:r>
-            <a:r>
-              <a:rPr lang="de-DE" altLang="de-DE" sz="1400" dirty="0">
-                <a:solidFill>
-                  <a:schemeClr val="tx2"/>
-                </a:solidFill>
-                <a:latin typeface="Consolas" panose="020B0609020204030204" pitchFamily="49" charset="0"/>
-                <a:cs typeface="Consolas" panose="020B0609020204030204" pitchFamily="49" charset="0"/>
-              </a:rPr>
-              <a:t>, </a:t>
-            </a:r>
-            <a:r>
-              <a:rPr lang="de-DE" altLang="de-DE" sz="1400" dirty="0" err="1">
-                <a:solidFill>
-                  <a:schemeClr val="tx2"/>
-                </a:solidFill>
-                <a:latin typeface="Consolas" panose="020B0609020204030204" pitchFamily="49" charset="0"/>
-                <a:cs typeface="Consolas" panose="020B0609020204030204" pitchFamily="49" charset="0"/>
-              </a:rPr>
-              <a:t>Customer.</a:t>
-            </a:r>
-            <a:r>
-              <a:rPr lang="de-DE" altLang="de-DE" sz="1400" b="1" dirty="0" err="1">
-                <a:solidFill>
-                  <a:srgbClr val="7F0055"/>
-                </a:solidFill>
-                <a:latin typeface="Consolas" panose="020B0609020204030204" pitchFamily="49" charset="0"/>
-              </a:rPr>
-              <a:t>class</a:t>
-            </a:r>
-            <a:r>
-              <a:rPr lang="de-DE" sz="1400" dirty="0">
-                <a:solidFill>
-                  <a:schemeClr val="tx2"/>
-                </a:solidFill>
-                <a:latin typeface="Consolas" panose="020B0609020204030204" pitchFamily="49" charset="0"/>
-              </a:rPr>
-              <a:t>);	</a:t>
-            </a:r>
-            <a:endParaRPr lang="de-DE" sz="1400" dirty="0">
-              <a:solidFill>
-                <a:srgbClr val="3F7F5F"/>
-              </a:solidFill>
-              <a:latin typeface="Consolas" panose="020B0609020204030204" pitchFamily="49" charset="0"/>
-              <a:cs typeface="Consolas" panose="020B0609020204030204" pitchFamily="49" charset="0"/>
-            </a:endParaRPr>
-          </a:p>
-          <a:p>
-            <a:pPr lvl="0" defTabSz="914400" eaLnBrk="0" fontAlgn="base" hangingPunct="0">
-              <a:spcBef>
-                <a:spcPct val="0"/>
-              </a:spcBef>
-              <a:spcAft>
-                <a:spcPct val="0"/>
-              </a:spcAft>
-            </a:pPr>
-            <a:r>
-              <a:rPr lang="de-DE" sz="1600" dirty="0">
-                <a:solidFill>
-                  <a:schemeClr val="tx2"/>
-                </a:solidFill>
-                <a:latin typeface="Consolas" panose="020B0609020204030204" pitchFamily="49" charset="0"/>
-              </a:rPr>
-              <a:t>List&lt;Customer&gt; = </a:t>
-            </a:r>
-            <a:r>
-              <a:rPr lang="de-DE" sz="1600" dirty="0" err="1">
-                <a:solidFill>
-                  <a:srgbClr val="6A3E3E"/>
-                </a:solidFill>
-                <a:latin typeface="Consolas" panose="020B0609020204030204" pitchFamily="49" charset="0"/>
-              </a:rPr>
-              <a:t>query</a:t>
-            </a:r>
-            <a:r>
-              <a:rPr lang="de-DE" sz="1600" dirty="0" err="1">
-                <a:solidFill>
-                  <a:schemeClr val="tx2"/>
-                </a:solidFill>
-                <a:latin typeface="Consolas" panose="020B0609020204030204" pitchFamily="49" charset="0"/>
-              </a:rPr>
-              <a:t>.getResultList</a:t>
-            </a:r>
-            <a:r>
-              <a:rPr lang="de-DE" sz="1600" dirty="0">
-                <a:solidFill>
-                  <a:schemeClr val="tx2"/>
-                </a:solidFill>
-                <a:latin typeface="Consolas" panose="020B0609020204030204" pitchFamily="49" charset="0"/>
-              </a:rPr>
-              <a:t>();</a:t>
-            </a:r>
-            <a:endParaRPr lang="de-DE" altLang="de-DE" sz="1600" dirty="0">
-              <a:solidFill>
-                <a:schemeClr val="tx2"/>
-              </a:solidFill>
-              <a:latin typeface="Consolas" panose="020B0609020204030204" pitchFamily="49" charset="0"/>
-              <a:cs typeface="Consolas" panose="020B0609020204030204" pitchFamily="49" charset="0"/>
-            </a:endParaRPr>
-          </a:p>
-        </p:txBody>
-      </p:sp>
-      <p:sp>
-        <p:nvSpPr>
-          <p:cNvPr id="9" name="Rechteck 8">
-            <a:extLst>
-              <a:ext uri="{FF2B5EF4-FFF2-40B4-BE49-F238E27FC236}">
-                <a16:creationId xmlns:a16="http://schemas.microsoft.com/office/drawing/2014/main" id="{5B5EDEEE-E0E5-47DE-B41E-45A721950DA0}"/>
-              </a:ext>
-            </a:extLst>
-          </p:cNvPr>
-          <p:cNvSpPr/>
-          <p:nvPr/>
-        </p:nvSpPr>
-        <p:spPr>
-          <a:xfrm>
-            <a:off x="391298" y="2611702"/>
-            <a:ext cx="1526280" cy="342054"/>
-          </a:xfrm>
-          <a:prstGeom prst="rect">
-            <a:avLst/>
-          </a:prstGeom>
-        </p:spPr>
-        <p:style>
-          <a:lnRef idx="2">
-            <a:schemeClr val="accent4">
-              <a:shade val="50000"/>
-            </a:schemeClr>
-          </a:lnRef>
-          <a:fillRef idx="1">
-            <a:schemeClr val="accent4"/>
-          </a:fillRef>
-          <a:effectRef idx="0">
-            <a:schemeClr val="accent4"/>
-          </a:effectRef>
-          <a:fontRef idx="minor">
-            <a:schemeClr val="lt1"/>
-          </a:fontRef>
-        </p:style>
-        <p:txBody>
-          <a:bodyPr rtlCol="0" anchor="t"/>
-          <a:lstStyle/>
-          <a:p>
-            <a:r>
-              <a:rPr lang="de-DE" dirty="0"/>
-              <a:t>SELECT all</a:t>
-            </a:r>
-          </a:p>
-        </p:txBody>
-      </p:sp>
-      <p:sp>
-        <p:nvSpPr>
-          <p:cNvPr id="13" name="Textfeld 4">
-            <a:extLst>
-              <a:ext uri="{FF2B5EF4-FFF2-40B4-BE49-F238E27FC236}">
-                <a16:creationId xmlns:a16="http://schemas.microsoft.com/office/drawing/2014/main" id="{4A15F182-5722-4EE0-8153-0ECA03920B50}"/>
-              </a:ext>
-            </a:extLst>
-          </p:cNvPr>
-          <p:cNvSpPr txBox="1">
-            <a:spLocks noChangeArrowheads="1"/>
-          </p:cNvSpPr>
-          <p:nvPr/>
-        </p:nvSpPr>
-        <p:spPr bwMode="auto">
-          <a:xfrm>
-            <a:off x="1917578" y="4054838"/>
-            <a:ext cx="6927440" cy="2221675"/>
-          </a:xfrm>
-          <a:prstGeom prst="rect">
-            <a:avLst/>
-          </a:prstGeom>
-          <a:ln>
-            <a:headEnd/>
-            <a:tailEnd/>
-          </a:ln>
-        </p:spPr>
-        <p:style>
-          <a:lnRef idx="2">
-            <a:schemeClr val="accent4"/>
-          </a:lnRef>
-          <a:fillRef idx="1">
-            <a:schemeClr val="lt1"/>
-          </a:fillRef>
-          <a:effectRef idx="0">
-            <a:schemeClr val="accent4"/>
-          </a:effectRef>
-          <a:fontRef idx="minor">
-            <a:schemeClr val="dk1"/>
-          </a:fontRef>
-        </p:style>
-        <p:txBody>
-          <a:bodyPr rot="0" vert="horz" wrap="square" lIns="91440" tIns="45720" rIns="91440" bIns="72000" anchor="t" anchorCtr="0">
-            <a:noAutofit/>
-          </a:bodyPr>
-          <a:lstStyle/>
-          <a:p>
-            <a:pPr lvl="0" defTabSz="914400" eaLnBrk="0" fontAlgn="base" hangingPunct="0">
-              <a:spcBef>
-                <a:spcPct val="0"/>
-              </a:spcBef>
-              <a:spcAft>
-                <a:spcPct val="0"/>
-              </a:spcAft>
-            </a:pPr>
-            <a:r>
-              <a:rPr lang="de-DE" sz="1600" dirty="0">
-                <a:solidFill>
-                  <a:schemeClr val="tx2"/>
-                </a:solidFill>
-                <a:latin typeface="Consolas" panose="020B0609020204030204" pitchFamily="49" charset="0"/>
-              </a:rPr>
-              <a:t>String </a:t>
-            </a:r>
-            <a:r>
-              <a:rPr lang="de-DE" sz="1600" dirty="0" err="1">
-                <a:solidFill>
-                  <a:srgbClr val="6A3E3E"/>
-                </a:solidFill>
-                <a:latin typeface="Consolas" panose="020B0609020204030204" pitchFamily="49" charset="0"/>
-              </a:rPr>
-              <a:t>fname</a:t>
-            </a:r>
-            <a:r>
-              <a:rPr lang="de-DE" sz="1600" dirty="0">
-                <a:solidFill>
-                  <a:schemeClr val="tx2"/>
-                </a:solidFill>
-                <a:latin typeface="Consolas" panose="020B0609020204030204" pitchFamily="49" charset="0"/>
-              </a:rPr>
-              <a:t> = </a:t>
-            </a:r>
-            <a:r>
-              <a:rPr lang="de-DE" sz="1600" dirty="0">
-                <a:solidFill>
-                  <a:srgbClr val="2A00FF"/>
-                </a:solidFill>
-                <a:latin typeface="Consolas" panose="020B0609020204030204" pitchFamily="49" charset="0"/>
-              </a:rPr>
-              <a:t>“Peter“</a:t>
-            </a:r>
-            <a:r>
-              <a:rPr lang="de-DE" sz="1600" dirty="0">
-                <a:solidFill>
-                  <a:schemeClr val="tx2"/>
-                </a:solidFill>
-                <a:latin typeface="Consolas" panose="020B0609020204030204" pitchFamily="49" charset="0"/>
-              </a:rPr>
-              <a:t>;</a:t>
-            </a:r>
-          </a:p>
-          <a:p>
-            <a:pPr lvl="0" defTabSz="914400" eaLnBrk="0" fontAlgn="base" hangingPunct="0">
-              <a:spcBef>
-                <a:spcPct val="0"/>
-              </a:spcBef>
-              <a:spcAft>
-                <a:spcPct val="0"/>
-              </a:spcAft>
-            </a:pPr>
-            <a:r>
-              <a:rPr lang="de-DE" sz="1400" dirty="0">
-                <a:solidFill>
-                  <a:schemeClr val="tx2"/>
-                </a:solidFill>
-                <a:latin typeface="Consolas" panose="020B0609020204030204" pitchFamily="49" charset="0"/>
-              </a:rPr>
-              <a:t>String </a:t>
-            </a:r>
-            <a:r>
-              <a:rPr lang="de-DE" sz="1400" dirty="0" err="1">
-                <a:solidFill>
-                  <a:srgbClr val="6A3E3E"/>
-                </a:solidFill>
-                <a:latin typeface="Consolas" panose="020B0609020204030204" pitchFamily="49" charset="0"/>
-              </a:rPr>
-              <a:t>psql</a:t>
-            </a:r>
-            <a:r>
-              <a:rPr lang="de-DE" sz="1400" dirty="0">
-                <a:solidFill>
-                  <a:schemeClr val="tx2"/>
-                </a:solidFill>
-                <a:latin typeface="Consolas" panose="020B0609020204030204" pitchFamily="49" charset="0"/>
-              </a:rPr>
-              <a:t> = </a:t>
-            </a:r>
-            <a:r>
-              <a:rPr lang="de-DE" sz="1400" dirty="0">
-                <a:solidFill>
-                  <a:srgbClr val="2A00FF"/>
-                </a:solidFill>
-                <a:latin typeface="Consolas" panose="020B0609020204030204" pitchFamily="49" charset="0"/>
-              </a:rPr>
-              <a:t>“SELECT c FROM CUSTOMER c WHERE </a:t>
-            </a:r>
-            <a:r>
-              <a:rPr lang="de-DE" sz="1400" dirty="0" err="1">
-                <a:solidFill>
-                  <a:srgbClr val="2A00FF"/>
-                </a:solidFill>
-                <a:latin typeface="Consolas" panose="020B0609020204030204" pitchFamily="49" charset="0"/>
-              </a:rPr>
-              <a:t>c.firstname</a:t>
-            </a:r>
-            <a:r>
-              <a:rPr lang="de-DE" sz="1400" dirty="0">
-                <a:solidFill>
-                  <a:srgbClr val="2A00FF"/>
-                </a:solidFill>
-                <a:latin typeface="Consolas" panose="020B0609020204030204" pitchFamily="49" charset="0"/>
-              </a:rPr>
-              <a:t> = :</a:t>
-            </a:r>
-            <a:r>
-              <a:rPr lang="de-DE" sz="1400" dirty="0" err="1">
-                <a:solidFill>
-                  <a:srgbClr val="2A00FF"/>
-                </a:solidFill>
-                <a:latin typeface="Consolas" panose="020B0609020204030204" pitchFamily="49" charset="0"/>
-              </a:rPr>
-              <a:t>fname</a:t>
-            </a:r>
-            <a:r>
-              <a:rPr lang="de-DE" sz="1400" dirty="0">
-                <a:solidFill>
-                  <a:srgbClr val="2A00FF"/>
-                </a:solidFill>
-                <a:latin typeface="Consolas" panose="020B0609020204030204" pitchFamily="49" charset="0"/>
-              </a:rPr>
-              <a:t>“</a:t>
-            </a:r>
-            <a:r>
-              <a:rPr lang="de-DE" sz="1400" dirty="0">
-                <a:solidFill>
-                  <a:schemeClr val="tx2"/>
-                </a:solidFill>
-                <a:latin typeface="Consolas" panose="020B0609020204030204" pitchFamily="49" charset="0"/>
-              </a:rPr>
-              <a:t>;</a:t>
-            </a:r>
-          </a:p>
-          <a:p>
-            <a:pPr lvl="0" defTabSz="914400" eaLnBrk="0" fontAlgn="base" hangingPunct="0">
-              <a:spcBef>
-                <a:spcPct val="0"/>
-              </a:spcBef>
-              <a:spcAft>
-                <a:spcPct val="0"/>
-              </a:spcAft>
-            </a:pPr>
-            <a:endParaRPr lang="de-DE" sz="1000" dirty="0">
-              <a:solidFill>
-                <a:schemeClr val="tx2"/>
-              </a:solidFill>
-              <a:latin typeface="Consolas" panose="020B0609020204030204" pitchFamily="49" charset="0"/>
-            </a:endParaRPr>
-          </a:p>
-          <a:p>
-            <a:pPr lvl="0" defTabSz="914400" eaLnBrk="0" fontAlgn="base" hangingPunct="0">
-              <a:spcBef>
-                <a:spcPct val="0"/>
-              </a:spcBef>
-              <a:spcAft>
-                <a:spcPct val="0"/>
-              </a:spcAft>
-            </a:pPr>
-            <a:r>
-              <a:rPr lang="de-DE" sz="1400" dirty="0" err="1">
-                <a:solidFill>
-                  <a:schemeClr val="tx2"/>
-                </a:solidFill>
-                <a:latin typeface="Consolas" panose="020B0609020204030204" pitchFamily="49" charset="0"/>
-              </a:rPr>
-              <a:t>TypedQuery</a:t>
-            </a:r>
-            <a:r>
-              <a:rPr lang="de-DE" sz="1400" dirty="0">
-                <a:solidFill>
-                  <a:schemeClr val="tx2"/>
-                </a:solidFill>
-                <a:latin typeface="Consolas" panose="020B0609020204030204" pitchFamily="49" charset="0"/>
-              </a:rPr>
-              <a:t>&lt;Customer&gt; </a:t>
-            </a:r>
-            <a:r>
-              <a:rPr lang="de-DE" sz="1400" dirty="0" err="1">
-                <a:solidFill>
-                  <a:srgbClr val="6A3E3E"/>
-                </a:solidFill>
-                <a:latin typeface="Consolas" panose="020B0609020204030204" pitchFamily="49" charset="0"/>
-              </a:rPr>
-              <a:t>query</a:t>
-            </a:r>
-            <a:r>
-              <a:rPr lang="de-DE" sz="1400" dirty="0">
-                <a:solidFill>
-                  <a:schemeClr val="tx2"/>
-                </a:solidFill>
-                <a:latin typeface="Consolas" panose="020B0609020204030204" pitchFamily="49" charset="0"/>
-              </a:rPr>
-              <a:t> = </a:t>
-            </a:r>
-            <a:r>
-              <a:rPr lang="de-DE" sz="1400" dirty="0" err="1">
-                <a:solidFill>
-                  <a:srgbClr val="0000C0"/>
-                </a:solidFill>
-                <a:latin typeface="Consolas" panose="020B0609020204030204" pitchFamily="49" charset="0"/>
-              </a:rPr>
-              <a:t>em</a:t>
-            </a:r>
-            <a:r>
-              <a:rPr lang="de-DE" sz="1400" dirty="0" err="1">
-                <a:solidFill>
-                  <a:schemeClr val="tx2"/>
-                </a:solidFill>
-                <a:latin typeface="Consolas" panose="020B0609020204030204" pitchFamily="49" charset="0"/>
-              </a:rPr>
-              <a:t>.createQuery</a:t>
-            </a:r>
-            <a:r>
-              <a:rPr lang="de-DE" sz="1400" dirty="0">
-                <a:solidFill>
-                  <a:schemeClr val="tx2"/>
-                </a:solidFill>
-                <a:latin typeface="Consolas" panose="020B0609020204030204" pitchFamily="49" charset="0"/>
-              </a:rPr>
-              <a:t>(</a:t>
-            </a:r>
-            <a:r>
-              <a:rPr lang="de-DE" altLang="de-DE" sz="1400" dirty="0" err="1">
-                <a:solidFill>
-                  <a:srgbClr val="6A3E3E"/>
-                </a:solidFill>
-                <a:latin typeface="Consolas" panose="020B0609020204030204" pitchFamily="49" charset="0"/>
-                <a:cs typeface="Consolas" panose="020B0609020204030204" pitchFamily="49" charset="0"/>
-              </a:rPr>
-              <a:t>psql</a:t>
-            </a:r>
-            <a:r>
-              <a:rPr lang="de-DE" altLang="de-DE" sz="1400" dirty="0">
-                <a:solidFill>
-                  <a:srgbClr val="6A3E3E"/>
-                </a:solidFill>
-                <a:latin typeface="Consolas" panose="020B0609020204030204" pitchFamily="49" charset="0"/>
-                <a:cs typeface="Consolas" panose="020B0609020204030204" pitchFamily="49" charset="0"/>
-              </a:rPr>
-              <a:t>, </a:t>
-            </a:r>
-            <a:r>
-              <a:rPr lang="de-DE" altLang="de-DE" sz="1400" dirty="0" err="1">
-                <a:solidFill>
-                  <a:schemeClr val="tx2"/>
-                </a:solidFill>
-                <a:latin typeface="Consolas" panose="020B0609020204030204" pitchFamily="49" charset="0"/>
-                <a:cs typeface="Consolas" panose="020B0609020204030204" pitchFamily="49" charset="0"/>
-              </a:rPr>
-              <a:t>Customer.</a:t>
-            </a:r>
-            <a:r>
-              <a:rPr lang="de-DE" altLang="de-DE" sz="1400" b="1" dirty="0" err="1">
-                <a:solidFill>
-                  <a:srgbClr val="7F0055"/>
-                </a:solidFill>
-                <a:latin typeface="Consolas" panose="020B0609020204030204" pitchFamily="49" charset="0"/>
-              </a:rPr>
-              <a:t>class</a:t>
-            </a:r>
-            <a:r>
-              <a:rPr lang="de-DE" sz="1400" dirty="0">
-                <a:solidFill>
-                  <a:schemeClr val="tx2"/>
-                </a:solidFill>
-                <a:latin typeface="Consolas" panose="020B0609020204030204" pitchFamily="49" charset="0"/>
-              </a:rPr>
-              <a:t>);	</a:t>
-            </a:r>
-          </a:p>
-          <a:p>
-            <a:pPr lvl="0" defTabSz="914400" eaLnBrk="0" fontAlgn="base" hangingPunct="0">
-              <a:spcBef>
-                <a:spcPct val="0"/>
-              </a:spcBef>
-              <a:spcAft>
-                <a:spcPct val="0"/>
-              </a:spcAft>
-            </a:pPr>
-            <a:endParaRPr lang="de-DE" sz="1100" dirty="0">
-              <a:solidFill>
-                <a:srgbClr val="3F7F5F"/>
-              </a:solidFill>
-              <a:latin typeface="Consolas" panose="020B0609020204030204" pitchFamily="49" charset="0"/>
-              <a:cs typeface="Consolas" panose="020B0609020204030204" pitchFamily="49" charset="0"/>
-            </a:endParaRPr>
-          </a:p>
-          <a:p>
-            <a:pPr lvl="0" defTabSz="914400" eaLnBrk="0" fontAlgn="base" hangingPunct="0">
-              <a:spcBef>
-                <a:spcPct val="0"/>
-              </a:spcBef>
-              <a:spcAft>
-                <a:spcPct val="0"/>
-              </a:spcAft>
-            </a:pPr>
-            <a:r>
-              <a:rPr lang="de-DE" sz="1600" dirty="0" err="1">
-                <a:solidFill>
-                  <a:srgbClr val="6A3E3E"/>
-                </a:solidFill>
-                <a:latin typeface="Consolas" panose="020B0609020204030204" pitchFamily="49" charset="0"/>
-              </a:rPr>
-              <a:t>query</a:t>
-            </a:r>
-            <a:r>
-              <a:rPr lang="de-DE" sz="1600" dirty="0" err="1">
-                <a:solidFill>
-                  <a:schemeClr val="tx2"/>
-                </a:solidFill>
-                <a:latin typeface="Consolas" panose="020B0609020204030204" pitchFamily="49" charset="0"/>
-              </a:rPr>
-              <a:t>.setParameter</a:t>
-            </a:r>
-            <a:r>
-              <a:rPr lang="de-DE" sz="1600" dirty="0">
-                <a:solidFill>
-                  <a:schemeClr val="tx2"/>
-                </a:solidFill>
-                <a:latin typeface="Consolas" panose="020B0609020204030204" pitchFamily="49" charset="0"/>
-              </a:rPr>
-              <a:t>(</a:t>
-            </a:r>
-            <a:r>
-              <a:rPr lang="de-DE" sz="1600" dirty="0">
-                <a:solidFill>
-                  <a:srgbClr val="2A00FF"/>
-                </a:solidFill>
-                <a:latin typeface="Consolas" panose="020B0609020204030204" pitchFamily="49" charset="0"/>
-              </a:rPr>
-              <a:t>“</a:t>
-            </a:r>
-            <a:r>
-              <a:rPr lang="de-DE" sz="1600" dirty="0" err="1">
-                <a:solidFill>
-                  <a:srgbClr val="2A00FF"/>
-                </a:solidFill>
-                <a:latin typeface="Consolas" panose="020B0609020204030204" pitchFamily="49" charset="0"/>
-              </a:rPr>
-              <a:t>fname</a:t>
-            </a:r>
-            <a:r>
-              <a:rPr lang="de-DE" sz="1600" dirty="0">
-                <a:solidFill>
-                  <a:srgbClr val="2A00FF"/>
-                </a:solidFill>
-                <a:latin typeface="Consolas" panose="020B0609020204030204" pitchFamily="49" charset="0"/>
-              </a:rPr>
-              <a:t>“</a:t>
-            </a:r>
-            <a:r>
-              <a:rPr lang="de-DE" sz="1600" dirty="0">
-                <a:solidFill>
-                  <a:schemeClr val="tx2"/>
-                </a:solidFill>
-                <a:latin typeface="Consolas" panose="020B0609020204030204" pitchFamily="49" charset="0"/>
-              </a:rPr>
-              <a:t>, </a:t>
-            </a:r>
-            <a:r>
-              <a:rPr lang="de-DE" sz="1600" dirty="0" err="1">
-                <a:solidFill>
-                  <a:srgbClr val="6A3E3E"/>
-                </a:solidFill>
-                <a:latin typeface="Consolas" panose="020B0609020204030204" pitchFamily="49" charset="0"/>
-              </a:rPr>
-              <a:t>fname</a:t>
-            </a:r>
-            <a:r>
-              <a:rPr lang="de-DE" sz="1600" dirty="0">
-                <a:solidFill>
-                  <a:schemeClr val="tx2"/>
-                </a:solidFill>
-                <a:latin typeface="Consolas" panose="020B0609020204030204" pitchFamily="49" charset="0"/>
-              </a:rPr>
-              <a:t>);</a:t>
-            </a:r>
-          </a:p>
-          <a:p>
-            <a:pPr lvl="0" defTabSz="914400" eaLnBrk="0" fontAlgn="base" hangingPunct="0">
-              <a:spcBef>
-                <a:spcPct val="0"/>
-              </a:spcBef>
-              <a:spcAft>
-                <a:spcPct val="0"/>
-              </a:spcAft>
-            </a:pPr>
-            <a:r>
-              <a:rPr lang="de-DE" sz="1600" dirty="0">
-                <a:solidFill>
-                  <a:schemeClr val="tx2"/>
-                </a:solidFill>
-                <a:latin typeface="Consolas" panose="020B0609020204030204" pitchFamily="49" charset="0"/>
-              </a:rPr>
-              <a:t>List&lt;Customer&gt; = </a:t>
-            </a:r>
-            <a:r>
-              <a:rPr lang="de-DE" sz="1600" dirty="0" err="1">
-                <a:solidFill>
-                  <a:srgbClr val="6A3E3E"/>
-                </a:solidFill>
-                <a:latin typeface="Consolas" panose="020B0609020204030204" pitchFamily="49" charset="0"/>
-              </a:rPr>
-              <a:t>query</a:t>
-            </a:r>
-            <a:r>
-              <a:rPr lang="de-DE" sz="1600" dirty="0" err="1">
-                <a:solidFill>
-                  <a:schemeClr val="tx2"/>
-                </a:solidFill>
-                <a:latin typeface="Consolas" panose="020B0609020204030204" pitchFamily="49" charset="0"/>
-              </a:rPr>
-              <a:t>.getResultList</a:t>
-            </a:r>
-            <a:r>
-              <a:rPr lang="de-DE" sz="1600" dirty="0">
-                <a:solidFill>
-                  <a:schemeClr val="tx2"/>
-                </a:solidFill>
-                <a:latin typeface="Consolas" panose="020B0609020204030204" pitchFamily="49" charset="0"/>
-              </a:rPr>
-              <a:t>();</a:t>
-            </a:r>
-            <a:endParaRPr lang="de-DE" altLang="de-DE" sz="1600" dirty="0">
-              <a:solidFill>
-                <a:schemeClr val="tx2"/>
-              </a:solidFill>
-              <a:latin typeface="Consolas" panose="020B0609020204030204" pitchFamily="49" charset="0"/>
-              <a:cs typeface="Consolas" panose="020B0609020204030204" pitchFamily="49" charset="0"/>
-            </a:endParaRPr>
-          </a:p>
-        </p:txBody>
-      </p:sp>
-      <p:sp>
-        <p:nvSpPr>
-          <p:cNvPr id="14" name="Rechteck 13">
-            <a:extLst>
-              <a:ext uri="{FF2B5EF4-FFF2-40B4-BE49-F238E27FC236}">
-                <a16:creationId xmlns:a16="http://schemas.microsoft.com/office/drawing/2014/main" id="{5536CF90-23CC-47F1-8A51-F2406A7B512D}"/>
-              </a:ext>
-            </a:extLst>
-          </p:cNvPr>
-          <p:cNvSpPr/>
-          <p:nvPr/>
-        </p:nvSpPr>
-        <p:spPr>
-          <a:xfrm>
-            <a:off x="391298" y="4053877"/>
-            <a:ext cx="1526280" cy="342054"/>
-          </a:xfrm>
-          <a:prstGeom prst="rect">
-            <a:avLst/>
-          </a:prstGeom>
-        </p:spPr>
-        <p:style>
-          <a:lnRef idx="2">
-            <a:schemeClr val="accent4">
-              <a:shade val="50000"/>
-            </a:schemeClr>
-          </a:lnRef>
-          <a:fillRef idx="1">
-            <a:schemeClr val="accent4"/>
-          </a:fillRef>
-          <a:effectRef idx="0">
-            <a:schemeClr val="accent4"/>
-          </a:effectRef>
-          <a:fontRef idx="minor">
-            <a:schemeClr val="lt1"/>
-          </a:fontRef>
-        </p:style>
-        <p:txBody>
-          <a:bodyPr rtlCol="0" anchor="t"/>
-          <a:lstStyle/>
-          <a:p>
-            <a:r>
-              <a:rPr lang="de-DE" dirty="0"/>
-              <a:t>WHERE</a:t>
-            </a:r>
-          </a:p>
-        </p:txBody>
-      </p:sp>
-    </p:spTree>
-    <p:extLst>
-      <p:ext uri="{BB962C8B-B14F-4D97-AF65-F5344CB8AC3E}">
-        <p14:creationId xmlns:p14="http://schemas.microsoft.com/office/powerpoint/2010/main" val="3649005868"/>
-      </p:ext>
-    </p:extLst>
-  </p:cSld>
-  <p:clrMapOvr>
-    <a:masterClrMapping/>
-  </p:clrMapOvr>
-  <p:timing>
-    <p:tnLst>
-      <p:par>
-        <p:cTn id="1" dur="indefinite" restart="never" nodeType="tmRoot">
-          <p:childTnLst>
-            <p:seq concurrent="1" nextAc="seek">
-              <p:cTn id="2" dur="indefinite" nodeType="mainSeq">
-                <p:childTnLst>
-                  <p:par>
-                    <p:cTn id="3" fill="hold">
-                      <p:stCondLst>
-                        <p:cond delay="indefinite"/>
-                      </p:stCondLst>
-                      <p:childTnLst>
-                        <p:par>
-                          <p:cTn id="4" fill="hold">
-                            <p:stCondLst>
-                              <p:cond delay="0"/>
-                            </p:stCondLst>
-                            <p:childTnLst>
-                              <p:par>
-                                <p:cTn id="5" presetID="1" presetClass="entr" presetSubtype="0" fill="hold" grpId="0" nodeType="clickEffect">
-                                  <p:stCondLst>
-                                    <p:cond delay="0"/>
-                                  </p:stCondLst>
-                                  <p:childTnLst>
-                                    <p:set>
-                                      <p:cBhvr>
-                                        <p:cTn id="6" dur="1" fill="hold">
-                                          <p:stCondLst>
-                                            <p:cond delay="0"/>
-                                          </p:stCondLst>
-                                        </p:cTn>
-                                        <p:tgtEl>
-                                          <p:spTgt spid="14"/>
-                                        </p:tgtEl>
-                                        <p:attrNameLst>
-                                          <p:attrName>style.visibility</p:attrName>
-                                        </p:attrNameLst>
-                                      </p:cBhvr>
-                                      <p:to>
-                                        <p:strVal val="visible"/>
-                                      </p:to>
-                                    </p:set>
-                                  </p:childTnLst>
-                                </p:cTn>
-                              </p:par>
-                              <p:par>
-                                <p:cTn id="7" presetID="1" presetClass="entr" presetSubtype="0" fill="hold" grpId="0" nodeType="withEffect">
-                                  <p:stCondLst>
-                                    <p:cond delay="0"/>
-                                  </p:stCondLst>
-                                  <p:childTnLst>
-                                    <p:set>
-                                      <p:cBhvr>
-                                        <p:cTn id="8" dur="1" fill="hold">
-                                          <p:stCondLst>
-                                            <p:cond delay="0"/>
-                                          </p:stCondLst>
-                                        </p:cTn>
-                                        <p:tgtEl>
-                                          <p:spTgt spid="13"/>
-                                        </p:tgtEl>
-                                        <p:attrNameLst>
-                                          <p:attrName>style.visibility</p:attrName>
-                                        </p:attrNameLst>
-                                      </p:cBhvr>
-                                      <p:to>
-                                        <p:strVal val="visible"/>
-                                      </p:to>
-                                    </p:set>
-                                  </p:childTnLst>
-                                </p:cTn>
-                              </p:par>
-                            </p:childTnLst>
-                          </p:cTn>
-                        </p:par>
-                      </p:childTnLst>
-                    </p:cTn>
-                  </p:par>
-                </p:childTnLst>
-              </p:cTn>
-              <p:prevCondLst>
-                <p:cond evt="onPrev" delay="0">
-                  <p:tgtEl>
-                    <p:sldTgt/>
-                  </p:tgtEl>
-                </p:cond>
-              </p:prevCondLst>
-              <p:nextCondLst>
-                <p:cond evt="onNext" delay="0">
-                  <p:tgtEl>
-                    <p:sldTgt/>
-                  </p:tgtEl>
-                </p:cond>
-              </p:nextCondLst>
-            </p:seq>
-          </p:childTnLst>
-        </p:cTn>
-      </p:par>
-    </p:tnLst>
-    <p:bldLst>
-      <p:bldP spid="13" grpId="0" animBg="1"/>
-      <p:bldP spid="14" grpId="0" animBg="1"/>
-    </p:bldLst>
-  </p:timing>
-</p:sld>
-</file>
-
-<file path=ppt/slides/slide22.xml><?xml version="1.0" encoding="utf-8"?>
-<p:sld xmlns:a="http://schemas.openxmlformats.org/drawingml/2006/main" xmlns:r="http://schemas.openxmlformats.org/officeDocument/2006/relationships" xmlns:p="http://schemas.openxmlformats.org/presentationml/2006/main">
-  <p:cSld>
-    <p:spTree>
-      <p:nvGrpSpPr>
-        <p:cNvPr id="1" name=""/>
-        <p:cNvGrpSpPr/>
-        <p:nvPr/>
-      </p:nvGrpSpPr>
-      <p:grpSpPr>
-        <a:xfrm>
-          <a:off x="0" y="0"/>
-          <a:ext cx="0" cy="0"/>
-          <a:chOff x="0" y="0"/>
-          <a:chExt cx="0" cy="0"/>
-        </a:xfrm>
-      </p:grpSpPr>
-      <p:sp>
-        <p:nvSpPr>
-          <p:cNvPr id="3" name="Titel 2">
-            <a:extLst>
-              <a:ext uri="{FF2B5EF4-FFF2-40B4-BE49-F238E27FC236}">
-                <a16:creationId xmlns:a16="http://schemas.microsoft.com/office/drawing/2014/main" id="{51042E82-7C59-4B6F-88B5-879B20CCF766}"/>
-              </a:ext>
-            </a:extLst>
-          </p:cNvPr>
-          <p:cNvSpPr>
-            <a:spLocks noGrp="1"/>
-          </p:cNvSpPr>
-          <p:nvPr>
-            <p:ph type="title"/>
-          </p:nvPr>
-        </p:nvSpPr>
-        <p:spPr/>
-        <p:txBody>
-          <a:bodyPr>
-            <a:normAutofit fontScale="90000"/>
-          </a:bodyPr>
-          <a:lstStyle/>
-          <a:p>
-            <a:r>
-              <a:rPr lang="de-DE" dirty="0"/>
-              <a:t>Java </a:t>
-            </a:r>
-            <a:r>
-              <a:rPr lang="de-DE" dirty="0" err="1"/>
-              <a:t>Persistence</a:t>
-            </a:r>
-            <a:r>
-              <a:rPr lang="de-DE" dirty="0"/>
-              <a:t> API</a:t>
-            </a:r>
-          </a:p>
-        </p:txBody>
-      </p:sp>
-      <p:sp>
-        <p:nvSpPr>
-          <p:cNvPr id="4" name="Untertitel 3">
-            <a:extLst>
-              <a:ext uri="{FF2B5EF4-FFF2-40B4-BE49-F238E27FC236}">
-                <a16:creationId xmlns:a16="http://schemas.microsoft.com/office/drawing/2014/main" id="{B6AC6BC2-F0E9-4CA0-B701-88323A07254A}"/>
-              </a:ext>
-            </a:extLst>
-          </p:cNvPr>
-          <p:cNvSpPr>
-            <a:spLocks noGrp="1"/>
-          </p:cNvSpPr>
-          <p:nvPr>
-            <p:ph type="subTitle" idx="1"/>
-          </p:nvPr>
-        </p:nvSpPr>
-        <p:spPr/>
-        <p:txBody>
-          <a:bodyPr>
-            <a:normAutofit/>
-          </a:bodyPr>
-          <a:lstStyle/>
-          <a:p>
-            <a:r>
-              <a:rPr lang="de-DE" dirty="0"/>
-              <a:t>Ausblick</a:t>
-            </a:r>
-          </a:p>
-        </p:txBody>
-      </p:sp>
-      <p:sp>
-        <p:nvSpPr>
-          <p:cNvPr id="5" name="Foliennummernplatzhalter 4">
-            <a:extLst>
-              <a:ext uri="{FF2B5EF4-FFF2-40B4-BE49-F238E27FC236}">
-                <a16:creationId xmlns:a16="http://schemas.microsoft.com/office/drawing/2014/main" id="{83081605-EF58-4912-9A6F-F23D9BBF053F}"/>
-              </a:ext>
-            </a:extLst>
-          </p:cNvPr>
-          <p:cNvSpPr>
-            <a:spLocks noGrp="1"/>
-          </p:cNvSpPr>
-          <p:nvPr>
-            <p:ph type="sldNum" sz="quarter" idx="4"/>
-          </p:nvPr>
-        </p:nvSpPr>
-        <p:spPr/>
-        <p:txBody>
-          <a:bodyPr/>
-          <a:lstStyle/>
-          <a:p>
-            <a:fld id="{F777D48D-F22C-624F-9C01-7CDA9A361691}" type="slidenum">
-              <a:rPr lang="de-DE" smtClean="0"/>
-              <a:pPr/>
-              <a:t>22</a:t>
-            </a:fld>
-            <a:endParaRPr lang="de-DE" dirty="0"/>
-          </a:p>
-        </p:txBody>
-      </p:sp>
-      <p:sp>
-        <p:nvSpPr>
-          <p:cNvPr id="6" name="Rechteck: abgerundete Ecken 5">
-            <a:extLst>
-              <a:ext uri="{FF2B5EF4-FFF2-40B4-BE49-F238E27FC236}">
-                <a16:creationId xmlns:a16="http://schemas.microsoft.com/office/drawing/2014/main" id="{F61F32B4-4DBE-49D0-BEBD-9C23A6A18693}"/>
-              </a:ext>
-            </a:extLst>
-          </p:cNvPr>
-          <p:cNvSpPr/>
-          <p:nvPr/>
-        </p:nvSpPr>
-        <p:spPr>
-          <a:xfrm>
-            <a:off x="1398233" y="1575758"/>
-            <a:ext cx="6347534" cy="1260000"/>
-          </a:xfrm>
-          <a:prstGeom prst="roundRect">
-            <a:avLst/>
-          </a:prstGeom>
-        </p:spPr>
-        <p:style>
-          <a:lnRef idx="2">
-            <a:schemeClr val="accent4">
-              <a:shade val="50000"/>
-            </a:schemeClr>
-          </a:lnRef>
-          <a:fillRef idx="1">
-            <a:schemeClr val="accent4"/>
-          </a:fillRef>
-          <a:effectRef idx="0">
-            <a:schemeClr val="accent4"/>
-          </a:effectRef>
-          <a:fontRef idx="minor">
-            <a:schemeClr val="lt1"/>
-          </a:fontRef>
-        </p:style>
-        <p:txBody>
-          <a:bodyPr rtlCol="0" anchor="ctr"/>
-          <a:lstStyle/>
-          <a:p>
-            <a:r>
-              <a:rPr lang="de-DE" b="1" dirty="0"/>
-              <a:t>Bidirektionale Beziehungen</a:t>
-            </a:r>
-          </a:p>
-          <a:p>
-            <a:endParaRPr lang="de-DE" sz="1200" i="1" dirty="0"/>
-          </a:p>
-          <a:p>
-            <a:r>
-              <a:rPr lang="de-DE" sz="1200" i="1" dirty="0"/>
-              <a:t>https://www.javaworld.com/article/2077819/java-se/understanding-jpa-part-2-relationships-the-jpa-way.html</a:t>
-            </a:r>
-          </a:p>
-        </p:txBody>
-      </p:sp>
-      <p:sp>
-        <p:nvSpPr>
-          <p:cNvPr id="7" name="Rechteck: abgerundete Ecken 6">
-            <a:extLst>
-              <a:ext uri="{FF2B5EF4-FFF2-40B4-BE49-F238E27FC236}">
-                <a16:creationId xmlns:a16="http://schemas.microsoft.com/office/drawing/2014/main" id="{7AA322D6-38C4-40A0-A705-34B40A53BEF0}"/>
-              </a:ext>
-            </a:extLst>
-          </p:cNvPr>
-          <p:cNvSpPr/>
-          <p:nvPr/>
-        </p:nvSpPr>
-        <p:spPr>
-          <a:xfrm>
-            <a:off x="1398233" y="3229451"/>
-            <a:ext cx="6347534" cy="1260000"/>
-          </a:xfrm>
-          <a:prstGeom prst="roundRect">
-            <a:avLst/>
-          </a:prstGeom>
-        </p:spPr>
-        <p:style>
-          <a:lnRef idx="2">
-            <a:schemeClr val="accent4">
-              <a:shade val="50000"/>
-            </a:schemeClr>
-          </a:lnRef>
-          <a:fillRef idx="1">
-            <a:schemeClr val="accent4"/>
-          </a:fillRef>
-          <a:effectRef idx="0">
-            <a:schemeClr val="accent4"/>
-          </a:effectRef>
-          <a:fontRef idx="minor">
-            <a:schemeClr val="lt1"/>
-          </a:fontRef>
-        </p:style>
-        <p:txBody>
-          <a:bodyPr rtlCol="0" anchor="ctr"/>
-          <a:lstStyle/>
-          <a:p>
-            <a:r>
-              <a:rPr lang="de-DE" b="1" dirty="0"/>
-              <a:t>JPQL weiterführend</a:t>
-            </a:r>
-          </a:p>
-          <a:p>
-            <a:r>
-              <a:rPr lang="de-DE" sz="1600" i="1" dirty="0" err="1"/>
-              <a:t>NamedQueries</a:t>
-            </a:r>
-            <a:r>
-              <a:rPr lang="de-DE" sz="1600" i="1" dirty="0"/>
-              <a:t>, </a:t>
-            </a:r>
-            <a:r>
-              <a:rPr lang="de-DE" sz="1600" i="1" dirty="0" err="1"/>
-              <a:t>NativeQueries</a:t>
-            </a:r>
-            <a:r>
-              <a:rPr lang="de-DE" sz="1600" i="1" dirty="0"/>
-              <a:t>, JOIN, Datenaggregation</a:t>
-            </a:r>
-          </a:p>
-          <a:p>
-            <a:r>
-              <a:rPr lang="de-DE" sz="1200" i="1" dirty="0"/>
-              <a:t>Müller, Wehr (2012): Java </a:t>
-            </a:r>
-            <a:r>
-              <a:rPr lang="de-DE" sz="1200" i="1" dirty="0" err="1"/>
-              <a:t>Persistence</a:t>
-            </a:r>
-            <a:r>
-              <a:rPr lang="de-DE" sz="1200" i="1" dirty="0"/>
-              <a:t> API 2, Kapitel 7</a:t>
-            </a:r>
-            <a:endParaRPr lang="de-DE" sz="1000" i="1" dirty="0"/>
-          </a:p>
-        </p:txBody>
-      </p:sp>
-      <p:sp>
-        <p:nvSpPr>
-          <p:cNvPr id="8" name="Rechteck: abgerundete Ecken 7">
-            <a:extLst>
-              <a:ext uri="{FF2B5EF4-FFF2-40B4-BE49-F238E27FC236}">
-                <a16:creationId xmlns:a16="http://schemas.microsoft.com/office/drawing/2014/main" id="{9106F891-C394-427C-969F-F365EEFA469C}"/>
-              </a:ext>
-            </a:extLst>
-          </p:cNvPr>
-          <p:cNvSpPr/>
-          <p:nvPr/>
-        </p:nvSpPr>
-        <p:spPr>
-          <a:xfrm>
-            <a:off x="1398233" y="4883144"/>
-            <a:ext cx="6347534" cy="1260000"/>
-          </a:xfrm>
-          <a:prstGeom prst="roundRect">
-            <a:avLst/>
-          </a:prstGeom>
-        </p:spPr>
-        <p:style>
-          <a:lnRef idx="2">
-            <a:schemeClr val="accent4">
-              <a:shade val="50000"/>
-            </a:schemeClr>
-          </a:lnRef>
-          <a:fillRef idx="1">
-            <a:schemeClr val="accent4"/>
-          </a:fillRef>
-          <a:effectRef idx="0">
-            <a:schemeClr val="accent4"/>
-          </a:effectRef>
-          <a:fontRef idx="minor">
-            <a:schemeClr val="lt1"/>
-          </a:fontRef>
-        </p:style>
-        <p:txBody>
-          <a:bodyPr rtlCol="0" anchor="ctr"/>
-          <a:lstStyle/>
-          <a:p>
-            <a:r>
-              <a:rPr lang="de-DE" b="1" dirty="0"/>
-              <a:t>Zusammengesetzte Primärschlüssel</a:t>
-            </a:r>
-          </a:p>
-          <a:p>
-            <a:r>
-              <a:rPr lang="de-DE" sz="1600" i="1" dirty="0"/>
-              <a:t>Mit @</a:t>
-            </a:r>
-            <a:r>
-              <a:rPr lang="de-DE" sz="1600" i="1" dirty="0" err="1"/>
-              <a:t>EmbeddedId</a:t>
-            </a:r>
-            <a:r>
-              <a:rPr lang="de-DE" sz="1600" i="1" dirty="0"/>
-              <a:t> und @</a:t>
-            </a:r>
-            <a:r>
-              <a:rPr lang="de-DE" sz="1600" i="1" dirty="0" err="1"/>
-              <a:t>Embeddable</a:t>
-            </a:r>
-            <a:r>
-              <a:rPr lang="de-DE" sz="1600" i="1" dirty="0"/>
-              <a:t> Spaltenfelder auf Klassen verteilen</a:t>
-            </a:r>
-          </a:p>
-          <a:p>
-            <a:r>
-              <a:rPr lang="de-DE" sz="1200" i="1" dirty="0"/>
-              <a:t>Müller, Wehr (2012): Java </a:t>
-            </a:r>
-            <a:r>
-              <a:rPr lang="de-DE" sz="1200" i="1" dirty="0" err="1"/>
-              <a:t>Persistence</a:t>
-            </a:r>
-            <a:r>
-              <a:rPr lang="de-DE" sz="1200" i="1" dirty="0"/>
-              <a:t> API 2, Kapitel 2</a:t>
-            </a:r>
-            <a:endParaRPr lang="de-DE" sz="1000" i="1" dirty="0"/>
-          </a:p>
-        </p:txBody>
-      </p:sp>
-    </p:spTree>
-    <p:extLst>
-      <p:ext uri="{BB962C8B-B14F-4D97-AF65-F5344CB8AC3E}">
-        <p14:creationId xmlns:p14="http://schemas.microsoft.com/office/powerpoint/2010/main" val="3771963693"/>
-      </p:ext>
-    </p:extLst>
-  </p:cSld>
-  <p:clrMapOvr>
-    <a:masterClrMapping/>
-  </p:clrMapOvr>
-</p:sld>
-</file>
-
-<file path=ppt/slides/slide23.xml><?xml version="1.0" encoding="utf-8"?>
-<p:sld xmlns:a="http://schemas.openxmlformats.org/drawingml/2006/main" xmlns:r="http://schemas.openxmlformats.org/officeDocument/2006/relationships" xmlns:p="http://schemas.openxmlformats.org/presentationml/2006/main">
-  <p:cSld>
-    <p:spTree>
-      <p:nvGrpSpPr>
-        <p:cNvPr id="1" name=""/>
-        <p:cNvGrpSpPr/>
-        <p:nvPr/>
-      </p:nvGrpSpPr>
-      <p:grpSpPr>
-        <a:xfrm>
-          <a:off x="0" y="0"/>
-          <a:ext cx="0" cy="0"/>
-          <a:chOff x="0" y="0"/>
-          <a:chExt cx="0" cy="0"/>
-        </a:xfrm>
-      </p:grpSpPr>
-      <p:sp>
-        <p:nvSpPr>
-          <p:cNvPr id="8" name="Textplatzhalter 7">
-            <a:extLst>
-              <a:ext uri="{FF2B5EF4-FFF2-40B4-BE49-F238E27FC236}">
-                <a16:creationId xmlns:a16="http://schemas.microsoft.com/office/drawing/2014/main" id="{952BFFBC-EBAB-4F4F-8BD2-7DD91A5C48A3}"/>
-              </a:ext>
-            </a:extLst>
-          </p:cNvPr>
-          <p:cNvSpPr>
-            <a:spLocks noGrp="1"/>
-          </p:cNvSpPr>
-          <p:nvPr>
-            <p:ph type="body" sz="quarter" idx="15"/>
-          </p:nvPr>
-        </p:nvSpPr>
-        <p:spPr>
-          <a:xfrm>
-            <a:off x="473149" y="1770959"/>
-            <a:ext cx="8298000" cy="4740451"/>
-          </a:xfrm>
-        </p:spPr>
-        <p:txBody>
-          <a:bodyPr/>
-          <a:lstStyle/>
-          <a:p>
-            <a:r>
-              <a:rPr lang="de-DE" b="1" dirty="0" err="1"/>
-              <a:t>Laudon</a:t>
-            </a:r>
-            <a:r>
-              <a:rPr lang="de-DE" b="1" dirty="0"/>
-              <a:t>, </a:t>
-            </a:r>
-            <a:r>
-              <a:rPr lang="de-DE" b="1" dirty="0" err="1"/>
-              <a:t>Laudon</a:t>
-            </a:r>
-            <a:r>
-              <a:rPr lang="de-DE" b="1" dirty="0"/>
-              <a:t>, </a:t>
-            </a:r>
-            <a:r>
-              <a:rPr lang="de-DE" b="1" dirty="0" err="1"/>
-              <a:t>Schoder</a:t>
-            </a:r>
-            <a:r>
-              <a:rPr lang="de-DE" dirty="0"/>
-              <a:t>: </a:t>
-            </a:r>
-            <a:r>
-              <a:rPr lang="de-DE" i="1"/>
-              <a:t>Wirtschaftsinformatik – Eine </a:t>
-            </a:r>
-            <a:r>
-              <a:rPr lang="de-DE" i="1" dirty="0"/>
-              <a:t>Einführung.</a:t>
-            </a:r>
-            <a:r>
-              <a:rPr lang="de-DE" dirty="0"/>
-              <a:t> 3. Auflage</a:t>
-            </a:r>
-          </a:p>
-          <a:p>
-            <a:r>
-              <a:rPr lang="de-DE" b="1" dirty="0"/>
-              <a:t>Abts, D</a:t>
-            </a:r>
-            <a:r>
-              <a:rPr lang="de-DE" dirty="0"/>
-              <a:t>. (2016): </a:t>
-            </a:r>
-            <a:r>
-              <a:rPr lang="de-DE" i="1" dirty="0"/>
-              <a:t>Grundkurs Java. Von den Grundlagen bis zu Datenbank- und Netzanwendungen</a:t>
-            </a:r>
-            <a:r>
-              <a:rPr lang="de-DE" dirty="0"/>
-              <a:t>. Wiesbaden : Springer Fachmedien</a:t>
-            </a:r>
-          </a:p>
-          <a:p>
-            <a:r>
-              <a:rPr lang="de-DE" b="1" dirty="0"/>
-              <a:t>Adams, R</a:t>
-            </a:r>
-            <a:r>
-              <a:rPr lang="de-DE" dirty="0"/>
-              <a:t>. (2016): SQL. </a:t>
-            </a:r>
-            <a:r>
-              <a:rPr lang="de-DE" i="1" dirty="0"/>
-              <a:t>Der Grundkurs für Ausbildung und Praxis. Mit Beispielen in MySQL/</a:t>
-            </a:r>
-            <a:r>
-              <a:rPr lang="de-DE" i="1" dirty="0" err="1"/>
-              <a:t>MariaDB</a:t>
-            </a:r>
-            <a:r>
-              <a:rPr lang="de-DE" dirty="0"/>
-              <a:t>. Carl Hanser Verlag GmbH &amp; Co. KG</a:t>
-            </a:r>
-          </a:p>
-          <a:p>
-            <a:r>
-              <a:rPr lang="de-DE" b="1" dirty="0" err="1"/>
-              <a:t>Kleuker</a:t>
-            </a:r>
-            <a:r>
-              <a:rPr lang="de-DE" b="1" dirty="0"/>
-              <a:t>, S</a:t>
-            </a:r>
-            <a:r>
-              <a:rPr lang="de-DE" dirty="0"/>
-              <a:t>. (2013): </a:t>
-            </a:r>
-            <a:r>
-              <a:rPr lang="de-DE" i="1" dirty="0"/>
-              <a:t>Grundkurs Datenbankentwicklung. Von der Anforderungsanalyse zur komplexen Datenbankabfrage</a:t>
-            </a:r>
-            <a:r>
-              <a:rPr lang="de-DE" dirty="0"/>
-              <a:t>. Wiesbaden: Springer Fachmedien, 3. Auflage</a:t>
-            </a:r>
-          </a:p>
-          <a:p>
-            <a:r>
-              <a:rPr lang="de-DE" b="1" dirty="0"/>
-              <a:t>Unterstein, </a:t>
-            </a:r>
-            <a:r>
-              <a:rPr lang="de-DE" b="1" dirty="0" err="1"/>
-              <a:t>Matthiessen</a:t>
-            </a:r>
-            <a:r>
-              <a:rPr lang="de-DE" b="1" dirty="0"/>
-              <a:t> </a:t>
-            </a:r>
-            <a:r>
-              <a:rPr lang="de-DE" dirty="0"/>
-              <a:t>(2013): Anwendungsentwicklung mit Datenbanken. Heidelberg: Springer, 5.Auflage</a:t>
-            </a:r>
-          </a:p>
-          <a:p>
-            <a:r>
-              <a:rPr lang="de-DE" b="1" dirty="0"/>
-              <a:t>Sharan, K. </a:t>
-            </a:r>
-            <a:r>
-              <a:rPr lang="de-DE" dirty="0"/>
-              <a:t>(2018): </a:t>
-            </a:r>
-            <a:r>
-              <a:rPr lang="de-DE" i="1" dirty="0"/>
-              <a:t>Java APIs, </a:t>
-            </a:r>
-            <a:r>
-              <a:rPr lang="de-DE" i="1" dirty="0" err="1"/>
-              <a:t>Extensions</a:t>
-            </a:r>
-            <a:r>
-              <a:rPr lang="de-DE" i="1" dirty="0"/>
-              <a:t> and Libraries. </a:t>
-            </a:r>
-            <a:r>
-              <a:rPr lang="de-DE" i="1" dirty="0" err="1"/>
-              <a:t>With</a:t>
-            </a:r>
-            <a:r>
-              <a:rPr lang="de-DE" i="1" dirty="0"/>
-              <a:t> JavaFX, JDBC, </a:t>
-            </a:r>
-            <a:r>
-              <a:rPr lang="de-DE" i="1" dirty="0" err="1"/>
-              <a:t>jmod</a:t>
-            </a:r>
-            <a:r>
-              <a:rPr lang="de-DE" i="1" dirty="0"/>
-              <a:t>, </a:t>
-            </a:r>
-            <a:r>
-              <a:rPr lang="de-DE" i="1" dirty="0" err="1"/>
-              <a:t>jlink</a:t>
-            </a:r>
-            <a:r>
-              <a:rPr lang="de-DE" i="1" dirty="0"/>
-              <a:t>, Networking, and </a:t>
-            </a:r>
-            <a:r>
-              <a:rPr lang="de-DE" i="1" dirty="0" err="1"/>
-              <a:t>the</a:t>
-            </a:r>
-            <a:r>
-              <a:rPr lang="de-DE" i="1" dirty="0"/>
-              <a:t> </a:t>
-            </a:r>
-            <a:r>
-              <a:rPr lang="de-DE" i="1" dirty="0" err="1"/>
-              <a:t>Process</a:t>
-            </a:r>
-            <a:r>
-              <a:rPr lang="de-DE" i="1" dirty="0"/>
-              <a:t> API</a:t>
-            </a:r>
-            <a:r>
-              <a:rPr lang="de-DE" dirty="0"/>
-              <a:t>. New York: Springer Science + Business.</a:t>
-            </a:r>
-            <a:endParaRPr lang="de-DE" b="1" dirty="0"/>
-          </a:p>
-          <a:p>
-            <a:r>
-              <a:rPr lang="de-DE" b="1" dirty="0"/>
-              <a:t>Müller, Wehr </a:t>
-            </a:r>
-            <a:r>
-              <a:rPr lang="de-DE" dirty="0"/>
-              <a:t>(2012): </a:t>
-            </a:r>
-            <a:r>
-              <a:rPr lang="de-DE" i="1" dirty="0"/>
-              <a:t>Java </a:t>
-            </a:r>
-            <a:r>
-              <a:rPr lang="de-DE" i="1" dirty="0" err="1"/>
-              <a:t>Peristence</a:t>
-            </a:r>
-            <a:r>
-              <a:rPr lang="de-DE" i="1" dirty="0"/>
-              <a:t> API 2. </a:t>
-            </a:r>
-            <a:r>
-              <a:rPr lang="de-DE" i="1" dirty="0" err="1"/>
-              <a:t>Hibernate</a:t>
-            </a:r>
-            <a:r>
-              <a:rPr lang="de-DE" i="1" dirty="0"/>
-              <a:t>, </a:t>
-            </a:r>
-            <a:r>
-              <a:rPr lang="de-DE" i="1" dirty="0" err="1"/>
-              <a:t>EclipseLink</a:t>
-            </a:r>
-            <a:r>
-              <a:rPr lang="de-DE" i="1" dirty="0"/>
-              <a:t>, </a:t>
-            </a:r>
-            <a:r>
-              <a:rPr lang="de-DE" i="1" dirty="0" err="1"/>
-              <a:t>OpenJPA</a:t>
-            </a:r>
-            <a:r>
-              <a:rPr lang="de-DE" i="1" dirty="0"/>
-              <a:t> und Erweiterungen.</a:t>
-            </a:r>
-            <a:r>
-              <a:rPr lang="de-DE" dirty="0"/>
-              <a:t> München: Carl Hanser Verlag.</a:t>
-            </a:r>
-          </a:p>
-          <a:p>
-            <a:endParaRPr lang="de-DE" dirty="0"/>
-          </a:p>
-          <a:p>
-            <a:r>
-              <a:rPr lang="de-DE" b="1" dirty="0"/>
-              <a:t>Java </a:t>
-            </a:r>
-            <a:r>
-              <a:rPr lang="de-DE" b="1" dirty="0" err="1"/>
-              <a:t>Documentation</a:t>
-            </a:r>
-            <a:r>
-              <a:rPr lang="de-DE" dirty="0"/>
-              <a:t>: </a:t>
-            </a:r>
-            <a:r>
-              <a:rPr lang="de-DE" dirty="0">
-                <a:hlinkClick r:id="rId2"/>
-              </a:rPr>
-              <a:t>https://docs.oracle.com/javase/tutorial/jdbc/overview/index.html</a:t>
-            </a:r>
-            <a:r>
-              <a:rPr lang="de-DE" dirty="0"/>
-              <a:t>, </a:t>
-            </a:r>
-            <a:r>
-              <a:rPr lang="de-DE" u="sng" dirty="0">
-                <a:hlinkClick r:id="rId3"/>
-              </a:rPr>
-              <a:t>https://docs.oracle.com/javase/tutorial/jdbc/basics/index.html</a:t>
-            </a:r>
-            <a:endParaRPr lang="de-DE" dirty="0"/>
-          </a:p>
-          <a:p>
-            <a:r>
-              <a:rPr lang="de-DE" dirty="0"/>
-              <a:t> </a:t>
-            </a:r>
-          </a:p>
-        </p:txBody>
-      </p:sp>
-      <p:sp>
-        <p:nvSpPr>
-          <p:cNvPr id="6" name="Titel 5">
-            <a:extLst>
-              <a:ext uri="{FF2B5EF4-FFF2-40B4-BE49-F238E27FC236}">
-                <a16:creationId xmlns:a16="http://schemas.microsoft.com/office/drawing/2014/main" id="{91531F08-8E57-457B-B64E-3A379920FD02}"/>
-              </a:ext>
-            </a:extLst>
-          </p:cNvPr>
-          <p:cNvSpPr>
-            <a:spLocks noGrp="1"/>
-          </p:cNvSpPr>
-          <p:nvPr>
-            <p:ph type="title"/>
-          </p:nvPr>
-        </p:nvSpPr>
-        <p:spPr/>
-        <p:txBody>
-          <a:bodyPr>
-            <a:normAutofit fontScale="90000"/>
-          </a:bodyPr>
-          <a:lstStyle/>
-          <a:p>
-            <a:r>
-              <a:rPr lang="de-DE" dirty="0"/>
-              <a:t>Quellen</a:t>
-            </a:r>
-          </a:p>
-        </p:txBody>
-      </p:sp>
-      <p:sp>
-        <p:nvSpPr>
-          <p:cNvPr id="7" name="Untertitel 6">
-            <a:extLst>
-              <a:ext uri="{FF2B5EF4-FFF2-40B4-BE49-F238E27FC236}">
-                <a16:creationId xmlns:a16="http://schemas.microsoft.com/office/drawing/2014/main" id="{BC757534-3B9B-4A08-B1F6-0D6167876BE4}"/>
-              </a:ext>
-            </a:extLst>
-          </p:cNvPr>
-          <p:cNvSpPr>
-            <a:spLocks noGrp="1"/>
-          </p:cNvSpPr>
-          <p:nvPr>
-            <p:ph type="subTitle" idx="1"/>
-          </p:nvPr>
-        </p:nvSpPr>
-        <p:spPr/>
-        <p:txBody>
-          <a:bodyPr/>
-          <a:lstStyle/>
-          <a:p>
-            <a:endParaRPr lang="de-DE" dirty="0"/>
-          </a:p>
-        </p:txBody>
-      </p:sp>
-      <p:sp>
-        <p:nvSpPr>
-          <p:cNvPr id="5" name="Foliennummernplatzhalter 4">
-            <a:extLst>
-              <a:ext uri="{FF2B5EF4-FFF2-40B4-BE49-F238E27FC236}">
-                <a16:creationId xmlns:a16="http://schemas.microsoft.com/office/drawing/2014/main" id="{B3F38894-2F49-4CC3-A5AE-32730CE176F1}"/>
-              </a:ext>
-            </a:extLst>
-          </p:cNvPr>
-          <p:cNvSpPr>
-            <a:spLocks noGrp="1"/>
-          </p:cNvSpPr>
-          <p:nvPr>
-            <p:ph type="sldNum" sz="quarter" idx="4"/>
-          </p:nvPr>
-        </p:nvSpPr>
-        <p:spPr/>
-        <p:txBody>
-          <a:bodyPr/>
-          <a:lstStyle/>
-          <a:p>
-            <a:fld id="{F777D48D-F22C-624F-9C01-7CDA9A361691}" type="slidenum">
-              <a:rPr lang="de-DE" smtClean="0"/>
-              <a:pPr/>
-              <a:t>23</a:t>
-            </a:fld>
-            <a:endParaRPr lang="de-DE" dirty="0"/>
-          </a:p>
-        </p:txBody>
-      </p:sp>
-    </p:spTree>
-    <p:extLst>
-      <p:ext uri="{BB962C8B-B14F-4D97-AF65-F5344CB8AC3E}">
-        <p14:creationId xmlns:p14="http://schemas.microsoft.com/office/powerpoint/2010/main" val="2162899132"/>
-      </p:ext>
-    </p:extLst>
-  </p:cSld>
-  <p:clrMapOvr>
-    <a:masterClrMapping/>
-  </p:clrMapOvr>
-</p:sld>
-</file>
-
-<file path=ppt/slides/slide3.xml><?xml version="1.0" encoding="utf-8"?>
+<file path=ppt/slides/slide2.xml><?xml version="1.0" encoding="utf-8"?>
 <p:sld xmlns:a="http://schemas.openxmlformats.org/drawingml/2006/main" xmlns:r="http://schemas.openxmlformats.org/officeDocument/2006/relationships" xmlns:p="http://schemas.openxmlformats.org/presentationml/2006/main">
   <p:cSld>
     <p:spTree>
@@ -25665,7 +21603,7 @@
             <a:fld id="{F777D48D-F22C-624F-9C01-7CDA9A361691}" type="slidenum">
               <a:rPr lang="de-DE" smtClean="0"/>
               <a:pPr/>
-              <a:t>3</a:t>
+              <a:t>2</a:t>
             </a:fld>
             <a:endParaRPr lang="de-DE" dirty="0"/>
           </a:p>
@@ -26993,7 +22931,2042 @@
 </p:sld>
 </file>
 
-<file path=ppt/slides/slide4.xml><?xml version="1.0" encoding="utf-8"?>
+<file path=ppt/slides/slide20.xml><?xml version="1.0" encoding="utf-8"?>
+<p:sld xmlns:a="http://schemas.openxmlformats.org/drawingml/2006/main" xmlns:r="http://schemas.openxmlformats.org/officeDocument/2006/relationships" xmlns:p="http://schemas.openxmlformats.org/presentationml/2006/main">
+  <p:cSld>
+    <p:spTree>
+      <p:nvGrpSpPr>
+        <p:cNvPr id="1" name=""/>
+        <p:cNvGrpSpPr/>
+        <p:nvPr/>
+      </p:nvGrpSpPr>
+      <p:grpSpPr>
+        <a:xfrm>
+          <a:off x="0" y="0"/>
+          <a:ext cx="0" cy="0"/>
+          <a:chOff x="0" y="0"/>
+          <a:chExt cx="0" cy="0"/>
+        </a:xfrm>
+      </p:grpSpPr>
+      <p:sp>
+        <p:nvSpPr>
+          <p:cNvPr id="3" name="Titel 2">
+            <a:extLst>
+              <a:ext uri="{FF2B5EF4-FFF2-40B4-BE49-F238E27FC236}">
+                <a16:creationId xmlns:a16="http://schemas.microsoft.com/office/drawing/2014/main" id="{FE2A3965-C99A-48D3-944B-29A3953B665A}"/>
+              </a:ext>
+            </a:extLst>
+          </p:cNvPr>
+          <p:cNvSpPr>
+            <a:spLocks noGrp="1"/>
+          </p:cNvSpPr>
+          <p:nvPr>
+            <p:ph type="title"/>
+          </p:nvPr>
+        </p:nvSpPr>
+        <p:spPr/>
+        <p:txBody>
+          <a:bodyPr>
+            <a:normAutofit fontScale="90000"/>
+          </a:bodyPr>
+          <a:lstStyle/>
+          <a:p>
+            <a:r>
+              <a:rPr lang="de-DE" dirty="0"/>
+              <a:t>Java </a:t>
+            </a:r>
+            <a:r>
+              <a:rPr lang="de-DE" dirty="0" err="1"/>
+              <a:t>Persistence</a:t>
+            </a:r>
+            <a:r>
+              <a:rPr lang="de-DE" dirty="0"/>
+              <a:t> API</a:t>
+            </a:r>
+          </a:p>
+        </p:txBody>
+      </p:sp>
+      <p:sp>
+        <p:nvSpPr>
+          <p:cNvPr id="4" name="Untertitel 3">
+            <a:extLst>
+              <a:ext uri="{FF2B5EF4-FFF2-40B4-BE49-F238E27FC236}">
+                <a16:creationId xmlns:a16="http://schemas.microsoft.com/office/drawing/2014/main" id="{58CE2D61-2997-4556-AE55-EB489F5CF29B}"/>
+              </a:ext>
+            </a:extLst>
+          </p:cNvPr>
+          <p:cNvSpPr>
+            <a:spLocks noGrp="1"/>
+          </p:cNvSpPr>
+          <p:nvPr>
+            <p:ph type="subTitle" idx="1"/>
+          </p:nvPr>
+        </p:nvSpPr>
+        <p:spPr/>
+        <p:txBody>
+          <a:bodyPr/>
+          <a:lstStyle/>
+          <a:p>
+            <a:r>
+              <a:rPr lang="de-DE" dirty="0"/>
+              <a:t>Java </a:t>
+            </a:r>
+            <a:r>
+              <a:rPr lang="de-DE" dirty="0" err="1"/>
+              <a:t>Persistence</a:t>
+            </a:r>
+            <a:r>
+              <a:rPr lang="de-DE" dirty="0"/>
+              <a:t> Query Language (JPQL)</a:t>
+            </a:r>
+          </a:p>
+        </p:txBody>
+      </p:sp>
+      <p:sp>
+        <p:nvSpPr>
+          <p:cNvPr id="5" name="Foliennummernplatzhalter 4">
+            <a:extLst>
+              <a:ext uri="{FF2B5EF4-FFF2-40B4-BE49-F238E27FC236}">
+                <a16:creationId xmlns:a16="http://schemas.microsoft.com/office/drawing/2014/main" id="{281CD762-9E8C-4CDD-A49C-9328308B4B0E}"/>
+              </a:ext>
+            </a:extLst>
+          </p:cNvPr>
+          <p:cNvSpPr>
+            <a:spLocks noGrp="1"/>
+          </p:cNvSpPr>
+          <p:nvPr>
+            <p:ph type="sldNum" sz="quarter" idx="4"/>
+          </p:nvPr>
+        </p:nvSpPr>
+        <p:spPr/>
+        <p:txBody>
+          <a:bodyPr/>
+          <a:lstStyle/>
+          <a:p>
+            <a:fld id="{F777D48D-F22C-624F-9C01-7CDA9A361691}" type="slidenum">
+              <a:rPr lang="de-DE" smtClean="0"/>
+              <a:pPr/>
+              <a:t>20</a:t>
+            </a:fld>
+            <a:endParaRPr lang="de-DE" dirty="0"/>
+          </a:p>
+        </p:txBody>
+      </p:sp>
+      <p:sp>
+        <p:nvSpPr>
+          <p:cNvPr id="6" name="Textfeld 4">
+            <a:extLst>
+              <a:ext uri="{FF2B5EF4-FFF2-40B4-BE49-F238E27FC236}">
+                <a16:creationId xmlns:a16="http://schemas.microsoft.com/office/drawing/2014/main" id="{4A931FB3-98DA-499C-A016-864C990F963D}"/>
+              </a:ext>
+            </a:extLst>
+          </p:cNvPr>
+          <p:cNvSpPr txBox="1">
+            <a:spLocks noChangeArrowheads="1"/>
+          </p:cNvSpPr>
+          <p:nvPr/>
+        </p:nvSpPr>
+        <p:spPr bwMode="auto">
+          <a:xfrm>
+            <a:off x="1917579" y="1629046"/>
+            <a:ext cx="6927441" cy="624534"/>
+          </a:xfrm>
+          <a:prstGeom prst="rect">
+            <a:avLst/>
+          </a:prstGeom>
+          <a:ln>
+            <a:headEnd/>
+            <a:tailEnd/>
+          </a:ln>
+        </p:spPr>
+        <p:style>
+          <a:lnRef idx="2">
+            <a:schemeClr val="accent4"/>
+          </a:lnRef>
+          <a:fillRef idx="1">
+            <a:schemeClr val="lt1"/>
+          </a:fillRef>
+          <a:effectRef idx="0">
+            <a:schemeClr val="accent4"/>
+          </a:effectRef>
+          <a:fontRef idx="minor">
+            <a:schemeClr val="dk1"/>
+          </a:fontRef>
+        </p:style>
+        <p:txBody>
+          <a:bodyPr rot="0" vert="horz" wrap="square" lIns="91440" tIns="45720" rIns="91440" bIns="72000" anchor="t" anchorCtr="0">
+            <a:noAutofit/>
+          </a:bodyPr>
+          <a:lstStyle/>
+          <a:p>
+            <a:pPr lvl="0" defTabSz="914400" eaLnBrk="0" fontAlgn="base" hangingPunct="0">
+              <a:spcBef>
+                <a:spcPct val="0"/>
+              </a:spcBef>
+              <a:spcAft>
+                <a:spcPct val="0"/>
+              </a:spcAft>
+            </a:pPr>
+            <a:r>
+              <a:rPr lang="de-DE" altLang="de-DE" sz="1600" dirty="0">
+                <a:solidFill>
+                  <a:srgbClr val="646464"/>
+                </a:solidFill>
+                <a:latin typeface="Consolas" panose="020B0609020204030204" pitchFamily="49" charset="0"/>
+                <a:ea typeface="Calibri" panose="020F0502020204030204" pitchFamily="34" charset="0"/>
+                <a:cs typeface="Consolas" panose="020B0609020204030204" pitchFamily="49" charset="0"/>
+              </a:rPr>
+              <a:t>@</a:t>
+            </a:r>
+            <a:r>
+              <a:rPr lang="de-DE" altLang="de-DE" sz="1600" dirty="0" err="1">
+                <a:solidFill>
+                  <a:srgbClr val="646464"/>
+                </a:solidFill>
+                <a:latin typeface="Consolas" panose="020B0609020204030204" pitchFamily="49" charset="0"/>
+              </a:rPr>
+              <a:t>PersistenceContext</a:t>
+            </a:r>
+            <a:endParaRPr lang="de-DE" altLang="de-DE" sz="1600" dirty="0">
+              <a:solidFill>
+                <a:srgbClr val="646464"/>
+              </a:solidFill>
+              <a:latin typeface="Consolas" panose="020B0609020204030204" pitchFamily="49" charset="0"/>
+            </a:endParaRPr>
+          </a:p>
+          <a:p>
+            <a:pPr lvl="0" defTabSz="914400" eaLnBrk="0" fontAlgn="base" hangingPunct="0">
+              <a:spcBef>
+                <a:spcPct val="0"/>
+              </a:spcBef>
+              <a:spcAft>
+                <a:spcPct val="0"/>
+              </a:spcAft>
+            </a:pPr>
+            <a:r>
+              <a:rPr lang="de-DE" altLang="de-DE" sz="1600" b="1" dirty="0">
+                <a:solidFill>
+                  <a:srgbClr val="7F0055"/>
+                </a:solidFill>
+                <a:latin typeface="Consolas" panose="020B0609020204030204" pitchFamily="49" charset="0"/>
+                <a:ea typeface="Times New Roman" panose="02020603050405020304" pitchFamily="18" charset="0"/>
+                <a:cs typeface="Consolas-Bold" charset="0"/>
+              </a:rPr>
+              <a:t>private </a:t>
+            </a:r>
+            <a:r>
+              <a:rPr lang="de-DE" altLang="de-DE" sz="1600" dirty="0" err="1">
+                <a:solidFill>
+                  <a:srgbClr val="000000"/>
+                </a:solidFill>
+                <a:latin typeface="Consolas" panose="020B0609020204030204" pitchFamily="49" charset="0"/>
+                <a:ea typeface="Times New Roman" panose="02020603050405020304" pitchFamily="18" charset="0"/>
+                <a:cs typeface="Consolas" panose="020B0609020204030204" pitchFamily="49" charset="0"/>
+              </a:rPr>
+              <a:t>EntityManager</a:t>
+            </a:r>
+            <a:r>
+              <a:rPr lang="de-DE" altLang="de-DE" sz="1600" dirty="0">
+                <a:solidFill>
+                  <a:srgbClr val="000000"/>
+                </a:solidFill>
+                <a:latin typeface="Consolas" panose="020B0609020204030204" pitchFamily="49" charset="0"/>
+                <a:ea typeface="Times New Roman" panose="02020603050405020304" pitchFamily="18" charset="0"/>
+                <a:cs typeface="Consolas" panose="020B0609020204030204" pitchFamily="49" charset="0"/>
+              </a:rPr>
+              <a:t> </a:t>
+            </a:r>
+            <a:r>
+              <a:rPr lang="de-DE" altLang="de-DE" sz="1600" dirty="0" err="1">
+                <a:solidFill>
+                  <a:srgbClr val="0000C1"/>
+                </a:solidFill>
+                <a:latin typeface="Consolas" panose="020B0609020204030204" pitchFamily="49" charset="0"/>
+                <a:ea typeface="Times New Roman" panose="02020603050405020304" pitchFamily="18" charset="0"/>
+                <a:cs typeface="Consolas" panose="020B0609020204030204" pitchFamily="49" charset="0"/>
+              </a:rPr>
+              <a:t>em</a:t>
+            </a:r>
+            <a:r>
+              <a:rPr lang="de-DE" altLang="de-DE" sz="1600" dirty="0">
+                <a:solidFill>
+                  <a:srgbClr val="000000"/>
+                </a:solidFill>
+                <a:latin typeface="Consolas" panose="020B0609020204030204" pitchFamily="49" charset="0"/>
+                <a:ea typeface="Times New Roman" panose="02020603050405020304" pitchFamily="18" charset="0"/>
+                <a:cs typeface="Consolas" panose="020B0609020204030204" pitchFamily="49" charset="0"/>
+              </a:rPr>
+              <a:t>;</a:t>
+            </a:r>
+            <a:endParaRPr lang="de-DE" altLang="de-DE" sz="1600" dirty="0">
+              <a:solidFill>
+                <a:schemeClr val="tx1"/>
+              </a:solidFill>
+              <a:latin typeface="Consolas" panose="020B0609020204030204" pitchFamily="49" charset="0"/>
+            </a:endParaRPr>
+          </a:p>
+        </p:txBody>
+      </p:sp>
+      <p:sp>
+        <p:nvSpPr>
+          <p:cNvPr id="8" name="Textfeld 4">
+            <a:extLst>
+              <a:ext uri="{FF2B5EF4-FFF2-40B4-BE49-F238E27FC236}">
+                <a16:creationId xmlns:a16="http://schemas.microsoft.com/office/drawing/2014/main" id="{E4D330BF-EF6D-4981-89FB-A46B1FC34FF8}"/>
+              </a:ext>
+            </a:extLst>
+          </p:cNvPr>
+          <p:cNvSpPr txBox="1">
+            <a:spLocks noChangeArrowheads="1"/>
+          </p:cNvSpPr>
+          <p:nvPr/>
+        </p:nvSpPr>
+        <p:spPr bwMode="auto">
+          <a:xfrm>
+            <a:off x="1917579" y="2611701"/>
+            <a:ext cx="6927440" cy="1099165"/>
+          </a:xfrm>
+          <a:prstGeom prst="rect">
+            <a:avLst/>
+          </a:prstGeom>
+          <a:ln>
+            <a:headEnd/>
+            <a:tailEnd/>
+          </a:ln>
+        </p:spPr>
+        <p:style>
+          <a:lnRef idx="2">
+            <a:schemeClr val="accent4"/>
+          </a:lnRef>
+          <a:fillRef idx="1">
+            <a:schemeClr val="lt1"/>
+          </a:fillRef>
+          <a:effectRef idx="0">
+            <a:schemeClr val="accent4"/>
+          </a:effectRef>
+          <a:fontRef idx="minor">
+            <a:schemeClr val="dk1"/>
+          </a:fontRef>
+        </p:style>
+        <p:txBody>
+          <a:bodyPr rot="0" vert="horz" wrap="square" lIns="91440" tIns="45720" rIns="91440" bIns="72000" anchor="t" anchorCtr="0">
+            <a:noAutofit/>
+          </a:bodyPr>
+          <a:lstStyle/>
+          <a:p>
+            <a:pPr lvl="0" defTabSz="914400" eaLnBrk="0" fontAlgn="base" hangingPunct="0">
+              <a:spcBef>
+                <a:spcPct val="0"/>
+              </a:spcBef>
+              <a:spcAft>
+                <a:spcPct val="0"/>
+              </a:spcAft>
+            </a:pPr>
+            <a:r>
+              <a:rPr lang="de-DE" sz="1600" dirty="0">
+                <a:solidFill>
+                  <a:schemeClr val="tx2"/>
+                </a:solidFill>
+                <a:latin typeface="Consolas" panose="020B0609020204030204" pitchFamily="49" charset="0"/>
+              </a:rPr>
+              <a:t>String </a:t>
+            </a:r>
+            <a:r>
+              <a:rPr lang="de-DE" sz="1600" dirty="0" err="1">
+                <a:solidFill>
+                  <a:srgbClr val="6A3E3E"/>
+                </a:solidFill>
+                <a:latin typeface="Consolas" panose="020B0609020204030204" pitchFamily="49" charset="0"/>
+              </a:rPr>
+              <a:t>psql</a:t>
+            </a:r>
+            <a:r>
+              <a:rPr lang="de-DE" sz="1600" dirty="0">
+                <a:solidFill>
+                  <a:schemeClr val="tx2"/>
+                </a:solidFill>
+                <a:latin typeface="Consolas" panose="020B0609020204030204" pitchFamily="49" charset="0"/>
+              </a:rPr>
+              <a:t> = </a:t>
+            </a:r>
+            <a:r>
+              <a:rPr lang="de-DE" sz="1600" dirty="0">
+                <a:solidFill>
+                  <a:srgbClr val="2A00FF"/>
+                </a:solidFill>
+                <a:latin typeface="Consolas" panose="020B0609020204030204" pitchFamily="49" charset="0"/>
+              </a:rPr>
+              <a:t>“SELECT c FROM Customer c“</a:t>
+            </a:r>
+            <a:r>
+              <a:rPr lang="de-DE" sz="1600" dirty="0">
+                <a:solidFill>
+                  <a:schemeClr val="tx2"/>
+                </a:solidFill>
+                <a:latin typeface="Consolas" panose="020B0609020204030204" pitchFamily="49" charset="0"/>
+              </a:rPr>
+              <a:t>;</a:t>
+            </a:r>
+          </a:p>
+          <a:p>
+            <a:pPr lvl="0" defTabSz="914400" eaLnBrk="0" fontAlgn="base" hangingPunct="0">
+              <a:spcBef>
+                <a:spcPct val="0"/>
+              </a:spcBef>
+              <a:spcAft>
+                <a:spcPct val="0"/>
+              </a:spcAft>
+            </a:pPr>
+            <a:r>
+              <a:rPr lang="de-DE" sz="1400" dirty="0" err="1">
+                <a:solidFill>
+                  <a:schemeClr val="tx2"/>
+                </a:solidFill>
+                <a:latin typeface="Consolas" panose="020B0609020204030204" pitchFamily="49" charset="0"/>
+              </a:rPr>
+              <a:t>TypedQuery</a:t>
+            </a:r>
+            <a:r>
+              <a:rPr lang="de-DE" sz="1400" dirty="0">
+                <a:solidFill>
+                  <a:schemeClr val="tx2"/>
+                </a:solidFill>
+                <a:latin typeface="Consolas" panose="020B0609020204030204" pitchFamily="49" charset="0"/>
+              </a:rPr>
+              <a:t>&lt;Customer&gt; </a:t>
+            </a:r>
+            <a:r>
+              <a:rPr lang="de-DE" sz="1400" dirty="0" err="1">
+                <a:solidFill>
+                  <a:srgbClr val="6A3E3E"/>
+                </a:solidFill>
+                <a:latin typeface="Consolas" panose="020B0609020204030204" pitchFamily="49" charset="0"/>
+              </a:rPr>
+              <a:t>query</a:t>
+            </a:r>
+            <a:r>
+              <a:rPr lang="de-DE" sz="1400" dirty="0">
+                <a:solidFill>
+                  <a:schemeClr val="tx2"/>
+                </a:solidFill>
+                <a:latin typeface="Consolas" panose="020B0609020204030204" pitchFamily="49" charset="0"/>
+              </a:rPr>
+              <a:t> = </a:t>
+            </a:r>
+            <a:r>
+              <a:rPr lang="de-DE" sz="1400" dirty="0" err="1">
+                <a:solidFill>
+                  <a:srgbClr val="0000C0"/>
+                </a:solidFill>
+                <a:latin typeface="Consolas" panose="020B0609020204030204" pitchFamily="49" charset="0"/>
+              </a:rPr>
+              <a:t>em</a:t>
+            </a:r>
+            <a:r>
+              <a:rPr lang="de-DE" sz="1400" dirty="0" err="1">
+                <a:solidFill>
+                  <a:schemeClr val="tx2"/>
+                </a:solidFill>
+                <a:latin typeface="Consolas" panose="020B0609020204030204" pitchFamily="49" charset="0"/>
+              </a:rPr>
+              <a:t>.createQuery</a:t>
+            </a:r>
+            <a:r>
+              <a:rPr lang="de-DE" sz="1400" dirty="0">
+                <a:solidFill>
+                  <a:schemeClr val="tx2"/>
+                </a:solidFill>
+                <a:latin typeface="Consolas" panose="020B0609020204030204" pitchFamily="49" charset="0"/>
+              </a:rPr>
+              <a:t>(</a:t>
+            </a:r>
+            <a:r>
+              <a:rPr lang="de-DE" altLang="de-DE" sz="1400" dirty="0" err="1">
+                <a:solidFill>
+                  <a:srgbClr val="6A3E3E"/>
+                </a:solidFill>
+                <a:latin typeface="Consolas" panose="020B0609020204030204" pitchFamily="49" charset="0"/>
+                <a:cs typeface="Consolas" panose="020B0609020204030204" pitchFamily="49" charset="0"/>
+              </a:rPr>
+              <a:t>psql</a:t>
+            </a:r>
+            <a:r>
+              <a:rPr lang="de-DE" altLang="de-DE" sz="1400" dirty="0">
+                <a:solidFill>
+                  <a:schemeClr val="tx2"/>
+                </a:solidFill>
+                <a:latin typeface="Consolas" panose="020B0609020204030204" pitchFamily="49" charset="0"/>
+                <a:cs typeface="Consolas" panose="020B0609020204030204" pitchFamily="49" charset="0"/>
+              </a:rPr>
+              <a:t>, </a:t>
+            </a:r>
+            <a:r>
+              <a:rPr lang="de-DE" altLang="de-DE" sz="1400" dirty="0" err="1">
+                <a:solidFill>
+                  <a:schemeClr val="tx2"/>
+                </a:solidFill>
+                <a:latin typeface="Consolas" panose="020B0609020204030204" pitchFamily="49" charset="0"/>
+                <a:cs typeface="Consolas" panose="020B0609020204030204" pitchFamily="49" charset="0"/>
+              </a:rPr>
+              <a:t>Customer.</a:t>
+            </a:r>
+            <a:r>
+              <a:rPr lang="de-DE" altLang="de-DE" sz="1400" b="1" dirty="0" err="1">
+                <a:solidFill>
+                  <a:srgbClr val="7F0055"/>
+                </a:solidFill>
+                <a:latin typeface="Consolas" panose="020B0609020204030204" pitchFamily="49" charset="0"/>
+              </a:rPr>
+              <a:t>class</a:t>
+            </a:r>
+            <a:r>
+              <a:rPr lang="de-DE" sz="1400" dirty="0">
+                <a:solidFill>
+                  <a:schemeClr val="tx2"/>
+                </a:solidFill>
+                <a:latin typeface="Consolas" panose="020B0609020204030204" pitchFamily="49" charset="0"/>
+              </a:rPr>
+              <a:t>);	</a:t>
+            </a:r>
+            <a:endParaRPr lang="de-DE" sz="1400" dirty="0">
+              <a:solidFill>
+                <a:srgbClr val="3F7F5F"/>
+              </a:solidFill>
+              <a:latin typeface="Consolas" panose="020B0609020204030204" pitchFamily="49" charset="0"/>
+              <a:cs typeface="Consolas" panose="020B0609020204030204" pitchFamily="49" charset="0"/>
+            </a:endParaRPr>
+          </a:p>
+          <a:p>
+            <a:pPr lvl="0" defTabSz="914400" eaLnBrk="0" fontAlgn="base" hangingPunct="0">
+              <a:spcBef>
+                <a:spcPct val="0"/>
+              </a:spcBef>
+              <a:spcAft>
+                <a:spcPct val="0"/>
+              </a:spcAft>
+            </a:pPr>
+            <a:r>
+              <a:rPr lang="de-DE" sz="1600" dirty="0">
+                <a:solidFill>
+                  <a:schemeClr val="tx2"/>
+                </a:solidFill>
+                <a:latin typeface="Consolas" panose="020B0609020204030204" pitchFamily="49" charset="0"/>
+              </a:rPr>
+              <a:t>List&lt;Customer&gt; = </a:t>
+            </a:r>
+            <a:r>
+              <a:rPr lang="de-DE" sz="1600" dirty="0" err="1">
+                <a:solidFill>
+                  <a:srgbClr val="6A3E3E"/>
+                </a:solidFill>
+                <a:latin typeface="Consolas" panose="020B0609020204030204" pitchFamily="49" charset="0"/>
+              </a:rPr>
+              <a:t>query</a:t>
+            </a:r>
+            <a:r>
+              <a:rPr lang="de-DE" sz="1600" dirty="0" err="1">
+                <a:solidFill>
+                  <a:schemeClr val="tx2"/>
+                </a:solidFill>
+                <a:latin typeface="Consolas" panose="020B0609020204030204" pitchFamily="49" charset="0"/>
+              </a:rPr>
+              <a:t>.getResultList</a:t>
+            </a:r>
+            <a:r>
+              <a:rPr lang="de-DE" sz="1600" dirty="0">
+                <a:solidFill>
+                  <a:schemeClr val="tx2"/>
+                </a:solidFill>
+                <a:latin typeface="Consolas" panose="020B0609020204030204" pitchFamily="49" charset="0"/>
+              </a:rPr>
+              <a:t>();</a:t>
+            </a:r>
+            <a:endParaRPr lang="de-DE" altLang="de-DE" sz="1600" dirty="0">
+              <a:solidFill>
+                <a:schemeClr val="tx2"/>
+              </a:solidFill>
+              <a:latin typeface="Consolas" panose="020B0609020204030204" pitchFamily="49" charset="0"/>
+              <a:cs typeface="Consolas" panose="020B0609020204030204" pitchFamily="49" charset="0"/>
+            </a:endParaRPr>
+          </a:p>
+        </p:txBody>
+      </p:sp>
+      <p:sp>
+        <p:nvSpPr>
+          <p:cNvPr id="9" name="Rechteck 8">
+            <a:extLst>
+              <a:ext uri="{FF2B5EF4-FFF2-40B4-BE49-F238E27FC236}">
+                <a16:creationId xmlns:a16="http://schemas.microsoft.com/office/drawing/2014/main" id="{5B5EDEEE-E0E5-47DE-B41E-45A721950DA0}"/>
+              </a:ext>
+            </a:extLst>
+          </p:cNvPr>
+          <p:cNvSpPr/>
+          <p:nvPr/>
+        </p:nvSpPr>
+        <p:spPr>
+          <a:xfrm>
+            <a:off x="391298" y="2611702"/>
+            <a:ext cx="1526280" cy="342054"/>
+          </a:xfrm>
+          <a:prstGeom prst="rect">
+            <a:avLst/>
+          </a:prstGeom>
+        </p:spPr>
+        <p:style>
+          <a:lnRef idx="2">
+            <a:schemeClr val="accent4">
+              <a:shade val="50000"/>
+            </a:schemeClr>
+          </a:lnRef>
+          <a:fillRef idx="1">
+            <a:schemeClr val="accent4"/>
+          </a:fillRef>
+          <a:effectRef idx="0">
+            <a:schemeClr val="accent4"/>
+          </a:effectRef>
+          <a:fontRef idx="minor">
+            <a:schemeClr val="lt1"/>
+          </a:fontRef>
+        </p:style>
+        <p:txBody>
+          <a:bodyPr rtlCol="0" anchor="t"/>
+          <a:lstStyle/>
+          <a:p>
+            <a:r>
+              <a:rPr lang="de-DE" dirty="0"/>
+              <a:t>SELECT all</a:t>
+            </a:r>
+          </a:p>
+        </p:txBody>
+      </p:sp>
+      <p:sp>
+        <p:nvSpPr>
+          <p:cNvPr id="13" name="Textfeld 4">
+            <a:extLst>
+              <a:ext uri="{FF2B5EF4-FFF2-40B4-BE49-F238E27FC236}">
+                <a16:creationId xmlns:a16="http://schemas.microsoft.com/office/drawing/2014/main" id="{4A15F182-5722-4EE0-8153-0ECA03920B50}"/>
+              </a:ext>
+            </a:extLst>
+          </p:cNvPr>
+          <p:cNvSpPr txBox="1">
+            <a:spLocks noChangeArrowheads="1"/>
+          </p:cNvSpPr>
+          <p:nvPr/>
+        </p:nvSpPr>
+        <p:spPr bwMode="auto">
+          <a:xfrm>
+            <a:off x="1917578" y="4054838"/>
+            <a:ext cx="6927440" cy="2221675"/>
+          </a:xfrm>
+          <a:prstGeom prst="rect">
+            <a:avLst/>
+          </a:prstGeom>
+          <a:ln>
+            <a:headEnd/>
+            <a:tailEnd/>
+          </a:ln>
+        </p:spPr>
+        <p:style>
+          <a:lnRef idx="2">
+            <a:schemeClr val="accent4"/>
+          </a:lnRef>
+          <a:fillRef idx="1">
+            <a:schemeClr val="lt1"/>
+          </a:fillRef>
+          <a:effectRef idx="0">
+            <a:schemeClr val="accent4"/>
+          </a:effectRef>
+          <a:fontRef idx="minor">
+            <a:schemeClr val="dk1"/>
+          </a:fontRef>
+        </p:style>
+        <p:txBody>
+          <a:bodyPr rot="0" vert="horz" wrap="square" lIns="91440" tIns="45720" rIns="91440" bIns="72000" anchor="t" anchorCtr="0">
+            <a:noAutofit/>
+          </a:bodyPr>
+          <a:lstStyle/>
+          <a:p>
+            <a:pPr lvl="0" defTabSz="914400" eaLnBrk="0" fontAlgn="base" hangingPunct="0">
+              <a:spcBef>
+                <a:spcPct val="0"/>
+              </a:spcBef>
+              <a:spcAft>
+                <a:spcPct val="0"/>
+              </a:spcAft>
+            </a:pPr>
+            <a:r>
+              <a:rPr lang="de-DE" sz="1600" dirty="0">
+                <a:solidFill>
+                  <a:schemeClr val="tx2"/>
+                </a:solidFill>
+                <a:latin typeface="Consolas" panose="020B0609020204030204" pitchFamily="49" charset="0"/>
+              </a:rPr>
+              <a:t>String </a:t>
+            </a:r>
+            <a:r>
+              <a:rPr lang="de-DE" sz="1600" dirty="0" err="1">
+                <a:solidFill>
+                  <a:srgbClr val="6A3E3E"/>
+                </a:solidFill>
+                <a:latin typeface="Consolas" panose="020B0609020204030204" pitchFamily="49" charset="0"/>
+              </a:rPr>
+              <a:t>fname</a:t>
+            </a:r>
+            <a:r>
+              <a:rPr lang="de-DE" sz="1600" dirty="0">
+                <a:solidFill>
+                  <a:schemeClr val="tx2"/>
+                </a:solidFill>
+                <a:latin typeface="Consolas" panose="020B0609020204030204" pitchFamily="49" charset="0"/>
+              </a:rPr>
+              <a:t> = </a:t>
+            </a:r>
+            <a:r>
+              <a:rPr lang="de-DE" sz="1600" dirty="0">
+                <a:solidFill>
+                  <a:srgbClr val="2A00FF"/>
+                </a:solidFill>
+                <a:latin typeface="Consolas" panose="020B0609020204030204" pitchFamily="49" charset="0"/>
+              </a:rPr>
+              <a:t>“Peter“</a:t>
+            </a:r>
+            <a:r>
+              <a:rPr lang="de-DE" sz="1600" dirty="0">
+                <a:solidFill>
+                  <a:schemeClr val="tx2"/>
+                </a:solidFill>
+                <a:latin typeface="Consolas" panose="020B0609020204030204" pitchFamily="49" charset="0"/>
+              </a:rPr>
+              <a:t>;</a:t>
+            </a:r>
+          </a:p>
+          <a:p>
+            <a:pPr lvl="0" defTabSz="914400" eaLnBrk="0" fontAlgn="base" hangingPunct="0">
+              <a:spcBef>
+                <a:spcPct val="0"/>
+              </a:spcBef>
+              <a:spcAft>
+                <a:spcPct val="0"/>
+              </a:spcAft>
+            </a:pPr>
+            <a:r>
+              <a:rPr lang="de-DE" sz="1400" dirty="0">
+                <a:solidFill>
+                  <a:schemeClr val="tx2"/>
+                </a:solidFill>
+                <a:latin typeface="Consolas" panose="020B0609020204030204" pitchFamily="49" charset="0"/>
+              </a:rPr>
+              <a:t>String </a:t>
+            </a:r>
+            <a:r>
+              <a:rPr lang="de-DE" sz="1400" dirty="0" err="1">
+                <a:solidFill>
+                  <a:srgbClr val="6A3E3E"/>
+                </a:solidFill>
+                <a:latin typeface="Consolas" panose="020B0609020204030204" pitchFamily="49" charset="0"/>
+              </a:rPr>
+              <a:t>psql</a:t>
+            </a:r>
+            <a:r>
+              <a:rPr lang="de-DE" sz="1400" dirty="0">
+                <a:solidFill>
+                  <a:schemeClr val="tx2"/>
+                </a:solidFill>
+                <a:latin typeface="Consolas" panose="020B0609020204030204" pitchFamily="49" charset="0"/>
+              </a:rPr>
+              <a:t> = </a:t>
+            </a:r>
+            <a:r>
+              <a:rPr lang="de-DE" sz="1400" dirty="0">
+                <a:solidFill>
+                  <a:srgbClr val="2A00FF"/>
+                </a:solidFill>
+                <a:latin typeface="Consolas" panose="020B0609020204030204" pitchFamily="49" charset="0"/>
+              </a:rPr>
+              <a:t>“SELECT c FROM Customer c WHERE </a:t>
+            </a:r>
+            <a:r>
+              <a:rPr lang="de-DE" sz="1400" dirty="0" err="1">
+                <a:solidFill>
+                  <a:srgbClr val="2A00FF"/>
+                </a:solidFill>
+                <a:latin typeface="Consolas" panose="020B0609020204030204" pitchFamily="49" charset="0"/>
+              </a:rPr>
+              <a:t>c.firstname</a:t>
+            </a:r>
+            <a:r>
+              <a:rPr lang="de-DE" sz="1400" dirty="0">
+                <a:solidFill>
+                  <a:srgbClr val="2A00FF"/>
+                </a:solidFill>
+                <a:latin typeface="Consolas" panose="020B0609020204030204" pitchFamily="49" charset="0"/>
+              </a:rPr>
+              <a:t> = :</a:t>
+            </a:r>
+            <a:r>
+              <a:rPr lang="de-DE" sz="1400" dirty="0" err="1">
+                <a:solidFill>
+                  <a:srgbClr val="2A00FF"/>
+                </a:solidFill>
+                <a:latin typeface="Consolas" panose="020B0609020204030204" pitchFamily="49" charset="0"/>
+              </a:rPr>
+              <a:t>fname</a:t>
+            </a:r>
+            <a:r>
+              <a:rPr lang="de-DE" sz="1400" dirty="0">
+                <a:solidFill>
+                  <a:srgbClr val="2A00FF"/>
+                </a:solidFill>
+                <a:latin typeface="Consolas" panose="020B0609020204030204" pitchFamily="49" charset="0"/>
+              </a:rPr>
+              <a:t>“</a:t>
+            </a:r>
+            <a:r>
+              <a:rPr lang="de-DE" sz="1400" dirty="0">
+                <a:solidFill>
+                  <a:schemeClr val="tx2"/>
+                </a:solidFill>
+                <a:latin typeface="Consolas" panose="020B0609020204030204" pitchFamily="49" charset="0"/>
+              </a:rPr>
+              <a:t>;</a:t>
+            </a:r>
+          </a:p>
+          <a:p>
+            <a:pPr lvl="0" defTabSz="914400" eaLnBrk="0" fontAlgn="base" hangingPunct="0">
+              <a:spcBef>
+                <a:spcPct val="0"/>
+              </a:spcBef>
+              <a:spcAft>
+                <a:spcPct val="0"/>
+              </a:spcAft>
+            </a:pPr>
+            <a:endParaRPr lang="de-DE" sz="1000" dirty="0">
+              <a:solidFill>
+                <a:schemeClr val="tx2"/>
+              </a:solidFill>
+              <a:latin typeface="Consolas" panose="020B0609020204030204" pitchFamily="49" charset="0"/>
+            </a:endParaRPr>
+          </a:p>
+          <a:p>
+            <a:pPr lvl="0" defTabSz="914400" eaLnBrk="0" fontAlgn="base" hangingPunct="0">
+              <a:spcBef>
+                <a:spcPct val="0"/>
+              </a:spcBef>
+              <a:spcAft>
+                <a:spcPct val="0"/>
+              </a:spcAft>
+            </a:pPr>
+            <a:r>
+              <a:rPr lang="de-DE" sz="1400" dirty="0" err="1">
+                <a:solidFill>
+                  <a:schemeClr val="tx2"/>
+                </a:solidFill>
+                <a:latin typeface="Consolas" panose="020B0609020204030204" pitchFamily="49" charset="0"/>
+              </a:rPr>
+              <a:t>TypedQuery</a:t>
+            </a:r>
+            <a:r>
+              <a:rPr lang="de-DE" sz="1400" dirty="0">
+                <a:solidFill>
+                  <a:schemeClr val="tx2"/>
+                </a:solidFill>
+                <a:latin typeface="Consolas" panose="020B0609020204030204" pitchFamily="49" charset="0"/>
+              </a:rPr>
+              <a:t>&lt;Customer&gt; </a:t>
+            </a:r>
+            <a:r>
+              <a:rPr lang="de-DE" sz="1400" dirty="0" err="1">
+                <a:solidFill>
+                  <a:srgbClr val="6A3E3E"/>
+                </a:solidFill>
+                <a:latin typeface="Consolas" panose="020B0609020204030204" pitchFamily="49" charset="0"/>
+              </a:rPr>
+              <a:t>query</a:t>
+            </a:r>
+            <a:r>
+              <a:rPr lang="de-DE" sz="1400" dirty="0">
+                <a:solidFill>
+                  <a:schemeClr val="tx2"/>
+                </a:solidFill>
+                <a:latin typeface="Consolas" panose="020B0609020204030204" pitchFamily="49" charset="0"/>
+              </a:rPr>
+              <a:t> = </a:t>
+            </a:r>
+            <a:r>
+              <a:rPr lang="de-DE" sz="1400" dirty="0" err="1">
+                <a:solidFill>
+                  <a:srgbClr val="0000C0"/>
+                </a:solidFill>
+                <a:latin typeface="Consolas" panose="020B0609020204030204" pitchFamily="49" charset="0"/>
+              </a:rPr>
+              <a:t>em</a:t>
+            </a:r>
+            <a:r>
+              <a:rPr lang="de-DE" sz="1400" dirty="0" err="1">
+                <a:solidFill>
+                  <a:schemeClr val="tx2"/>
+                </a:solidFill>
+                <a:latin typeface="Consolas" panose="020B0609020204030204" pitchFamily="49" charset="0"/>
+              </a:rPr>
+              <a:t>.createQuery</a:t>
+            </a:r>
+            <a:r>
+              <a:rPr lang="de-DE" sz="1400" dirty="0">
+                <a:solidFill>
+                  <a:schemeClr val="tx2"/>
+                </a:solidFill>
+                <a:latin typeface="Consolas" panose="020B0609020204030204" pitchFamily="49" charset="0"/>
+              </a:rPr>
+              <a:t>(</a:t>
+            </a:r>
+            <a:r>
+              <a:rPr lang="de-DE" altLang="de-DE" sz="1400" dirty="0" err="1">
+                <a:solidFill>
+                  <a:srgbClr val="6A3E3E"/>
+                </a:solidFill>
+                <a:latin typeface="Consolas" panose="020B0609020204030204" pitchFamily="49" charset="0"/>
+                <a:cs typeface="Consolas" panose="020B0609020204030204" pitchFamily="49" charset="0"/>
+              </a:rPr>
+              <a:t>psql</a:t>
+            </a:r>
+            <a:r>
+              <a:rPr lang="de-DE" altLang="de-DE" sz="1400" dirty="0">
+                <a:solidFill>
+                  <a:srgbClr val="6A3E3E"/>
+                </a:solidFill>
+                <a:latin typeface="Consolas" panose="020B0609020204030204" pitchFamily="49" charset="0"/>
+                <a:cs typeface="Consolas" panose="020B0609020204030204" pitchFamily="49" charset="0"/>
+              </a:rPr>
+              <a:t>, </a:t>
+            </a:r>
+            <a:r>
+              <a:rPr lang="de-DE" altLang="de-DE" sz="1400" dirty="0" err="1">
+                <a:solidFill>
+                  <a:schemeClr val="tx2"/>
+                </a:solidFill>
+                <a:latin typeface="Consolas" panose="020B0609020204030204" pitchFamily="49" charset="0"/>
+                <a:cs typeface="Consolas" panose="020B0609020204030204" pitchFamily="49" charset="0"/>
+              </a:rPr>
+              <a:t>Customer.</a:t>
+            </a:r>
+            <a:r>
+              <a:rPr lang="de-DE" altLang="de-DE" sz="1400" b="1" dirty="0" err="1">
+                <a:solidFill>
+                  <a:srgbClr val="7F0055"/>
+                </a:solidFill>
+                <a:latin typeface="Consolas" panose="020B0609020204030204" pitchFamily="49" charset="0"/>
+              </a:rPr>
+              <a:t>class</a:t>
+            </a:r>
+            <a:r>
+              <a:rPr lang="de-DE" sz="1400" dirty="0">
+                <a:solidFill>
+                  <a:schemeClr val="tx2"/>
+                </a:solidFill>
+                <a:latin typeface="Consolas" panose="020B0609020204030204" pitchFamily="49" charset="0"/>
+              </a:rPr>
+              <a:t>);	</a:t>
+            </a:r>
+          </a:p>
+          <a:p>
+            <a:pPr lvl="0" defTabSz="914400" eaLnBrk="0" fontAlgn="base" hangingPunct="0">
+              <a:spcBef>
+                <a:spcPct val="0"/>
+              </a:spcBef>
+              <a:spcAft>
+                <a:spcPct val="0"/>
+              </a:spcAft>
+            </a:pPr>
+            <a:endParaRPr lang="de-DE" sz="1100" dirty="0">
+              <a:solidFill>
+                <a:srgbClr val="3F7F5F"/>
+              </a:solidFill>
+              <a:latin typeface="Consolas" panose="020B0609020204030204" pitchFamily="49" charset="0"/>
+              <a:cs typeface="Consolas" panose="020B0609020204030204" pitchFamily="49" charset="0"/>
+            </a:endParaRPr>
+          </a:p>
+          <a:p>
+            <a:pPr lvl="0" defTabSz="914400" eaLnBrk="0" fontAlgn="base" hangingPunct="0">
+              <a:spcBef>
+                <a:spcPct val="0"/>
+              </a:spcBef>
+              <a:spcAft>
+                <a:spcPct val="0"/>
+              </a:spcAft>
+            </a:pPr>
+            <a:r>
+              <a:rPr lang="de-DE" sz="1600" dirty="0" err="1">
+                <a:solidFill>
+                  <a:srgbClr val="6A3E3E"/>
+                </a:solidFill>
+                <a:latin typeface="Consolas" panose="020B0609020204030204" pitchFamily="49" charset="0"/>
+              </a:rPr>
+              <a:t>query</a:t>
+            </a:r>
+            <a:r>
+              <a:rPr lang="de-DE" sz="1600" dirty="0" err="1">
+                <a:solidFill>
+                  <a:schemeClr val="tx2"/>
+                </a:solidFill>
+                <a:latin typeface="Consolas" panose="020B0609020204030204" pitchFamily="49" charset="0"/>
+              </a:rPr>
+              <a:t>.setParameter</a:t>
+            </a:r>
+            <a:r>
+              <a:rPr lang="de-DE" sz="1600" dirty="0">
+                <a:solidFill>
+                  <a:schemeClr val="tx2"/>
+                </a:solidFill>
+                <a:latin typeface="Consolas" panose="020B0609020204030204" pitchFamily="49" charset="0"/>
+              </a:rPr>
+              <a:t>(</a:t>
+            </a:r>
+            <a:r>
+              <a:rPr lang="de-DE" sz="1600" dirty="0">
+                <a:solidFill>
+                  <a:srgbClr val="2A00FF"/>
+                </a:solidFill>
+                <a:latin typeface="Consolas" panose="020B0609020204030204" pitchFamily="49" charset="0"/>
+              </a:rPr>
+              <a:t>“</a:t>
+            </a:r>
+            <a:r>
+              <a:rPr lang="de-DE" sz="1600" dirty="0" err="1">
+                <a:solidFill>
+                  <a:srgbClr val="2A00FF"/>
+                </a:solidFill>
+                <a:latin typeface="Consolas" panose="020B0609020204030204" pitchFamily="49" charset="0"/>
+              </a:rPr>
+              <a:t>fname</a:t>
+            </a:r>
+            <a:r>
+              <a:rPr lang="de-DE" sz="1600" dirty="0">
+                <a:solidFill>
+                  <a:srgbClr val="2A00FF"/>
+                </a:solidFill>
+                <a:latin typeface="Consolas" panose="020B0609020204030204" pitchFamily="49" charset="0"/>
+              </a:rPr>
+              <a:t>“</a:t>
+            </a:r>
+            <a:r>
+              <a:rPr lang="de-DE" sz="1600" dirty="0">
+                <a:solidFill>
+                  <a:schemeClr val="tx2"/>
+                </a:solidFill>
+                <a:latin typeface="Consolas" panose="020B0609020204030204" pitchFamily="49" charset="0"/>
+              </a:rPr>
+              <a:t>, </a:t>
+            </a:r>
+            <a:r>
+              <a:rPr lang="de-DE" sz="1600" dirty="0" err="1">
+                <a:solidFill>
+                  <a:srgbClr val="6A3E3E"/>
+                </a:solidFill>
+                <a:latin typeface="Consolas" panose="020B0609020204030204" pitchFamily="49" charset="0"/>
+              </a:rPr>
+              <a:t>fname</a:t>
+            </a:r>
+            <a:r>
+              <a:rPr lang="de-DE" sz="1600" dirty="0">
+                <a:solidFill>
+                  <a:schemeClr val="tx2"/>
+                </a:solidFill>
+                <a:latin typeface="Consolas" panose="020B0609020204030204" pitchFamily="49" charset="0"/>
+              </a:rPr>
+              <a:t>);</a:t>
+            </a:r>
+          </a:p>
+          <a:p>
+            <a:pPr lvl="0" defTabSz="914400" eaLnBrk="0" fontAlgn="base" hangingPunct="0">
+              <a:spcBef>
+                <a:spcPct val="0"/>
+              </a:spcBef>
+              <a:spcAft>
+                <a:spcPct val="0"/>
+              </a:spcAft>
+            </a:pPr>
+            <a:r>
+              <a:rPr lang="de-DE" sz="1600" dirty="0">
+                <a:solidFill>
+                  <a:schemeClr val="tx2"/>
+                </a:solidFill>
+                <a:latin typeface="Consolas" panose="020B0609020204030204" pitchFamily="49" charset="0"/>
+              </a:rPr>
+              <a:t>List&lt;Customer&gt; = </a:t>
+            </a:r>
+            <a:r>
+              <a:rPr lang="de-DE" sz="1600" dirty="0" err="1">
+                <a:solidFill>
+                  <a:srgbClr val="6A3E3E"/>
+                </a:solidFill>
+                <a:latin typeface="Consolas" panose="020B0609020204030204" pitchFamily="49" charset="0"/>
+              </a:rPr>
+              <a:t>query</a:t>
+            </a:r>
+            <a:r>
+              <a:rPr lang="de-DE" sz="1600" dirty="0" err="1">
+                <a:solidFill>
+                  <a:schemeClr val="tx2"/>
+                </a:solidFill>
+                <a:latin typeface="Consolas" panose="020B0609020204030204" pitchFamily="49" charset="0"/>
+              </a:rPr>
+              <a:t>.getResultList</a:t>
+            </a:r>
+            <a:r>
+              <a:rPr lang="de-DE" sz="1600" dirty="0">
+                <a:solidFill>
+                  <a:schemeClr val="tx2"/>
+                </a:solidFill>
+                <a:latin typeface="Consolas" panose="020B0609020204030204" pitchFamily="49" charset="0"/>
+              </a:rPr>
+              <a:t>();</a:t>
+            </a:r>
+            <a:endParaRPr lang="de-DE" altLang="de-DE" sz="1600" dirty="0">
+              <a:solidFill>
+                <a:schemeClr val="tx2"/>
+              </a:solidFill>
+              <a:latin typeface="Consolas" panose="020B0609020204030204" pitchFamily="49" charset="0"/>
+              <a:cs typeface="Consolas" panose="020B0609020204030204" pitchFamily="49" charset="0"/>
+            </a:endParaRPr>
+          </a:p>
+        </p:txBody>
+      </p:sp>
+      <p:sp>
+        <p:nvSpPr>
+          <p:cNvPr id="14" name="Rechteck 13">
+            <a:extLst>
+              <a:ext uri="{FF2B5EF4-FFF2-40B4-BE49-F238E27FC236}">
+                <a16:creationId xmlns:a16="http://schemas.microsoft.com/office/drawing/2014/main" id="{5536CF90-23CC-47F1-8A51-F2406A7B512D}"/>
+              </a:ext>
+            </a:extLst>
+          </p:cNvPr>
+          <p:cNvSpPr/>
+          <p:nvPr/>
+        </p:nvSpPr>
+        <p:spPr>
+          <a:xfrm>
+            <a:off x="391298" y="4053877"/>
+            <a:ext cx="1526280" cy="342054"/>
+          </a:xfrm>
+          <a:prstGeom prst="rect">
+            <a:avLst/>
+          </a:prstGeom>
+        </p:spPr>
+        <p:style>
+          <a:lnRef idx="2">
+            <a:schemeClr val="accent4">
+              <a:shade val="50000"/>
+            </a:schemeClr>
+          </a:lnRef>
+          <a:fillRef idx="1">
+            <a:schemeClr val="accent4"/>
+          </a:fillRef>
+          <a:effectRef idx="0">
+            <a:schemeClr val="accent4"/>
+          </a:effectRef>
+          <a:fontRef idx="minor">
+            <a:schemeClr val="lt1"/>
+          </a:fontRef>
+        </p:style>
+        <p:txBody>
+          <a:bodyPr rtlCol="0" anchor="t"/>
+          <a:lstStyle/>
+          <a:p>
+            <a:r>
+              <a:rPr lang="de-DE" dirty="0"/>
+              <a:t>WHERE</a:t>
+            </a:r>
+          </a:p>
+        </p:txBody>
+      </p:sp>
+    </p:spTree>
+    <p:extLst>
+      <p:ext uri="{BB962C8B-B14F-4D97-AF65-F5344CB8AC3E}">
+        <p14:creationId xmlns:p14="http://schemas.microsoft.com/office/powerpoint/2010/main" val="3649005868"/>
+      </p:ext>
+    </p:extLst>
+  </p:cSld>
+  <p:clrMapOvr>
+    <a:masterClrMapping/>
+  </p:clrMapOvr>
+  <p:timing>
+    <p:tnLst>
+      <p:par>
+        <p:cTn id="1" dur="indefinite" restart="never" nodeType="tmRoot">
+          <p:childTnLst>
+            <p:seq concurrent="1" nextAc="seek">
+              <p:cTn id="2" dur="indefinite" nodeType="mainSeq">
+                <p:childTnLst>
+                  <p:par>
+                    <p:cTn id="3" fill="hold">
+                      <p:stCondLst>
+                        <p:cond delay="indefinite"/>
+                      </p:stCondLst>
+                      <p:childTnLst>
+                        <p:par>
+                          <p:cTn id="4" fill="hold">
+                            <p:stCondLst>
+                              <p:cond delay="0"/>
+                            </p:stCondLst>
+                            <p:childTnLst>
+                              <p:par>
+                                <p:cTn id="5" presetID="1" presetClass="entr" presetSubtype="0" fill="hold" grpId="0" nodeType="clickEffect">
+                                  <p:stCondLst>
+                                    <p:cond delay="0"/>
+                                  </p:stCondLst>
+                                  <p:childTnLst>
+                                    <p:set>
+                                      <p:cBhvr>
+                                        <p:cTn id="6" dur="1" fill="hold">
+                                          <p:stCondLst>
+                                            <p:cond delay="0"/>
+                                          </p:stCondLst>
+                                        </p:cTn>
+                                        <p:tgtEl>
+                                          <p:spTgt spid="14"/>
+                                        </p:tgtEl>
+                                        <p:attrNameLst>
+                                          <p:attrName>style.visibility</p:attrName>
+                                        </p:attrNameLst>
+                                      </p:cBhvr>
+                                      <p:to>
+                                        <p:strVal val="visible"/>
+                                      </p:to>
+                                    </p:set>
+                                  </p:childTnLst>
+                                </p:cTn>
+                              </p:par>
+                              <p:par>
+                                <p:cTn id="7" presetID="1" presetClass="entr" presetSubtype="0" fill="hold" grpId="0" nodeType="withEffect">
+                                  <p:stCondLst>
+                                    <p:cond delay="0"/>
+                                  </p:stCondLst>
+                                  <p:childTnLst>
+                                    <p:set>
+                                      <p:cBhvr>
+                                        <p:cTn id="8" dur="1" fill="hold">
+                                          <p:stCondLst>
+                                            <p:cond delay="0"/>
+                                          </p:stCondLst>
+                                        </p:cTn>
+                                        <p:tgtEl>
+                                          <p:spTgt spid="13"/>
+                                        </p:tgtEl>
+                                        <p:attrNameLst>
+                                          <p:attrName>style.visibility</p:attrName>
+                                        </p:attrNameLst>
+                                      </p:cBhvr>
+                                      <p:to>
+                                        <p:strVal val="visible"/>
+                                      </p:to>
+                                    </p:set>
+                                  </p:childTnLst>
+                                </p:cTn>
+                              </p:par>
+                            </p:childTnLst>
+                          </p:cTn>
+                        </p:par>
+                      </p:childTnLst>
+                    </p:cTn>
+                  </p:par>
+                </p:childTnLst>
+              </p:cTn>
+              <p:prevCondLst>
+                <p:cond evt="onPrev" delay="0">
+                  <p:tgtEl>
+                    <p:sldTgt/>
+                  </p:tgtEl>
+                </p:cond>
+              </p:prevCondLst>
+              <p:nextCondLst>
+                <p:cond evt="onNext" delay="0">
+                  <p:tgtEl>
+                    <p:sldTgt/>
+                  </p:tgtEl>
+                </p:cond>
+              </p:nextCondLst>
+            </p:seq>
+          </p:childTnLst>
+        </p:cTn>
+      </p:par>
+    </p:tnLst>
+    <p:bldLst>
+      <p:bldP spid="13" grpId="0" animBg="1"/>
+      <p:bldP spid="14" grpId="0" animBg="1"/>
+    </p:bldLst>
+  </p:timing>
+</p:sld>
+</file>
+
+<file path=ppt/slides/slide21.xml><?xml version="1.0" encoding="utf-8"?>
+<p:sld xmlns:a="http://schemas.openxmlformats.org/drawingml/2006/main" xmlns:r="http://schemas.openxmlformats.org/officeDocument/2006/relationships" xmlns:p="http://schemas.openxmlformats.org/presentationml/2006/main">
+  <p:cSld>
+    <p:spTree>
+      <p:nvGrpSpPr>
+        <p:cNvPr id="1" name=""/>
+        <p:cNvGrpSpPr/>
+        <p:nvPr/>
+      </p:nvGrpSpPr>
+      <p:grpSpPr>
+        <a:xfrm>
+          <a:off x="0" y="0"/>
+          <a:ext cx="0" cy="0"/>
+          <a:chOff x="0" y="0"/>
+          <a:chExt cx="0" cy="0"/>
+        </a:xfrm>
+      </p:grpSpPr>
+      <p:sp>
+        <p:nvSpPr>
+          <p:cNvPr id="3" name="Titel 2">
+            <a:extLst>
+              <a:ext uri="{FF2B5EF4-FFF2-40B4-BE49-F238E27FC236}">
+                <a16:creationId xmlns:a16="http://schemas.microsoft.com/office/drawing/2014/main" id="{51042E82-7C59-4B6F-88B5-879B20CCF766}"/>
+              </a:ext>
+            </a:extLst>
+          </p:cNvPr>
+          <p:cNvSpPr>
+            <a:spLocks noGrp="1"/>
+          </p:cNvSpPr>
+          <p:nvPr>
+            <p:ph type="title"/>
+          </p:nvPr>
+        </p:nvSpPr>
+        <p:spPr/>
+        <p:txBody>
+          <a:bodyPr>
+            <a:normAutofit fontScale="90000"/>
+          </a:bodyPr>
+          <a:lstStyle/>
+          <a:p>
+            <a:r>
+              <a:rPr lang="de-DE" dirty="0"/>
+              <a:t>Java </a:t>
+            </a:r>
+            <a:r>
+              <a:rPr lang="de-DE" dirty="0" err="1"/>
+              <a:t>Persistence</a:t>
+            </a:r>
+            <a:r>
+              <a:rPr lang="de-DE" dirty="0"/>
+              <a:t> API</a:t>
+            </a:r>
+          </a:p>
+        </p:txBody>
+      </p:sp>
+      <p:sp>
+        <p:nvSpPr>
+          <p:cNvPr id="4" name="Untertitel 3">
+            <a:extLst>
+              <a:ext uri="{FF2B5EF4-FFF2-40B4-BE49-F238E27FC236}">
+                <a16:creationId xmlns:a16="http://schemas.microsoft.com/office/drawing/2014/main" id="{B6AC6BC2-F0E9-4CA0-B701-88323A07254A}"/>
+              </a:ext>
+            </a:extLst>
+          </p:cNvPr>
+          <p:cNvSpPr>
+            <a:spLocks noGrp="1"/>
+          </p:cNvSpPr>
+          <p:nvPr>
+            <p:ph type="subTitle" idx="1"/>
+          </p:nvPr>
+        </p:nvSpPr>
+        <p:spPr/>
+        <p:txBody>
+          <a:bodyPr>
+            <a:normAutofit/>
+          </a:bodyPr>
+          <a:lstStyle/>
+          <a:p>
+            <a:r>
+              <a:rPr lang="de-DE" dirty="0"/>
+              <a:t>Ausblick</a:t>
+            </a:r>
+          </a:p>
+        </p:txBody>
+      </p:sp>
+      <p:sp>
+        <p:nvSpPr>
+          <p:cNvPr id="5" name="Foliennummernplatzhalter 4">
+            <a:extLst>
+              <a:ext uri="{FF2B5EF4-FFF2-40B4-BE49-F238E27FC236}">
+                <a16:creationId xmlns:a16="http://schemas.microsoft.com/office/drawing/2014/main" id="{83081605-EF58-4912-9A6F-F23D9BBF053F}"/>
+              </a:ext>
+            </a:extLst>
+          </p:cNvPr>
+          <p:cNvSpPr>
+            <a:spLocks noGrp="1"/>
+          </p:cNvSpPr>
+          <p:nvPr>
+            <p:ph type="sldNum" sz="quarter" idx="4"/>
+          </p:nvPr>
+        </p:nvSpPr>
+        <p:spPr/>
+        <p:txBody>
+          <a:bodyPr/>
+          <a:lstStyle/>
+          <a:p>
+            <a:fld id="{F777D48D-F22C-624F-9C01-7CDA9A361691}" type="slidenum">
+              <a:rPr lang="de-DE" smtClean="0"/>
+              <a:pPr/>
+              <a:t>21</a:t>
+            </a:fld>
+            <a:endParaRPr lang="de-DE" dirty="0"/>
+          </a:p>
+        </p:txBody>
+      </p:sp>
+      <p:sp>
+        <p:nvSpPr>
+          <p:cNvPr id="6" name="Rechteck: abgerundete Ecken 5">
+            <a:extLst>
+              <a:ext uri="{FF2B5EF4-FFF2-40B4-BE49-F238E27FC236}">
+                <a16:creationId xmlns:a16="http://schemas.microsoft.com/office/drawing/2014/main" id="{F61F32B4-4DBE-49D0-BEBD-9C23A6A18693}"/>
+              </a:ext>
+            </a:extLst>
+          </p:cNvPr>
+          <p:cNvSpPr/>
+          <p:nvPr/>
+        </p:nvSpPr>
+        <p:spPr>
+          <a:xfrm>
+            <a:off x="1398233" y="1575758"/>
+            <a:ext cx="6347534" cy="1260000"/>
+          </a:xfrm>
+          <a:prstGeom prst="roundRect">
+            <a:avLst/>
+          </a:prstGeom>
+        </p:spPr>
+        <p:style>
+          <a:lnRef idx="2">
+            <a:schemeClr val="accent4">
+              <a:shade val="50000"/>
+            </a:schemeClr>
+          </a:lnRef>
+          <a:fillRef idx="1">
+            <a:schemeClr val="accent4"/>
+          </a:fillRef>
+          <a:effectRef idx="0">
+            <a:schemeClr val="accent4"/>
+          </a:effectRef>
+          <a:fontRef idx="minor">
+            <a:schemeClr val="lt1"/>
+          </a:fontRef>
+        </p:style>
+        <p:txBody>
+          <a:bodyPr rtlCol="0" anchor="ctr"/>
+          <a:lstStyle/>
+          <a:p>
+            <a:r>
+              <a:rPr lang="de-DE" b="1" dirty="0"/>
+              <a:t>Bidirektionale Beziehungen</a:t>
+            </a:r>
+          </a:p>
+          <a:p>
+            <a:endParaRPr lang="de-DE" sz="1200" i="1" dirty="0"/>
+          </a:p>
+          <a:p>
+            <a:r>
+              <a:rPr lang="de-DE" sz="1200" i="1" dirty="0"/>
+              <a:t>https://www.javaworld.com/article/2077819/java-se/understanding-jpa-part-2-relationships-the-jpa-way.html</a:t>
+            </a:r>
+          </a:p>
+        </p:txBody>
+      </p:sp>
+      <p:sp>
+        <p:nvSpPr>
+          <p:cNvPr id="7" name="Rechteck: abgerundete Ecken 6">
+            <a:extLst>
+              <a:ext uri="{FF2B5EF4-FFF2-40B4-BE49-F238E27FC236}">
+                <a16:creationId xmlns:a16="http://schemas.microsoft.com/office/drawing/2014/main" id="{7AA322D6-38C4-40A0-A705-34B40A53BEF0}"/>
+              </a:ext>
+            </a:extLst>
+          </p:cNvPr>
+          <p:cNvSpPr/>
+          <p:nvPr/>
+        </p:nvSpPr>
+        <p:spPr>
+          <a:xfrm>
+            <a:off x="1398233" y="3229451"/>
+            <a:ext cx="6347534" cy="1260000"/>
+          </a:xfrm>
+          <a:prstGeom prst="roundRect">
+            <a:avLst/>
+          </a:prstGeom>
+        </p:spPr>
+        <p:style>
+          <a:lnRef idx="2">
+            <a:schemeClr val="accent4">
+              <a:shade val="50000"/>
+            </a:schemeClr>
+          </a:lnRef>
+          <a:fillRef idx="1">
+            <a:schemeClr val="accent4"/>
+          </a:fillRef>
+          <a:effectRef idx="0">
+            <a:schemeClr val="accent4"/>
+          </a:effectRef>
+          <a:fontRef idx="minor">
+            <a:schemeClr val="lt1"/>
+          </a:fontRef>
+        </p:style>
+        <p:txBody>
+          <a:bodyPr rtlCol="0" anchor="ctr"/>
+          <a:lstStyle/>
+          <a:p>
+            <a:r>
+              <a:rPr lang="de-DE" b="1" dirty="0"/>
+              <a:t>JPQL weiterführend</a:t>
+            </a:r>
+          </a:p>
+          <a:p>
+            <a:r>
+              <a:rPr lang="de-DE" sz="1600" i="1" dirty="0" err="1"/>
+              <a:t>NamedQueries</a:t>
+            </a:r>
+            <a:r>
+              <a:rPr lang="de-DE" sz="1600" i="1" dirty="0"/>
+              <a:t>, </a:t>
+            </a:r>
+            <a:r>
+              <a:rPr lang="de-DE" sz="1600" i="1" dirty="0" err="1"/>
+              <a:t>NativeQueries</a:t>
+            </a:r>
+            <a:r>
+              <a:rPr lang="de-DE" sz="1600" i="1" dirty="0"/>
+              <a:t>, JOIN, Datenaggregation</a:t>
+            </a:r>
+          </a:p>
+          <a:p>
+            <a:r>
+              <a:rPr lang="de-DE" sz="1200" i="1" dirty="0"/>
+              <a:t>Müller, Wehr (2012): Java </a:t>
+            </a:r>
+            <a:r>
+              <a:rPr lang="de-DE" sz="1200" i="1" dirty="0" err="1"/>
+              <a:t>Persistence</a:t>
+            </a:r>
+            <a:r>
+              <a:rPr lang="de-DE" sz="1200" i="1" dirty="0"/>
+              <a:t> API 2, Kapitel 7</a:t>
+            </a:r>
+            <a:endParaRPr lang="de-DE" sz="1000" i="1" dirty="0"/>
+          </a:p>
+        </p:txBody>
+      </p:sp>
+      <p:sp>
+        <p:nvSpPr>
+          <p:cNvPr id="8" name="Rechteck: abgerundete Ecken 7">
+            <a:extLst>
+              <a:ext uri="{FF2B5EF4-FFF2-40B4-BE49-F238E27FC236}">
+                <a16:creationId xmlns:a16="http://schemas.microsoft.com/office/drawing/2014/main" id="{9106F891-C394-427C-969F-F365EEFA469C}"/>
+              </a:ext>
+            </a:extLst>
+          </p:cNvPr>
+          <p:cNvSpPr/>
+          <p:nvPr/>
+        </p:nvSpPr>
+        <p:spPr>
+          <a:xfrm>
+            <a:off x="1398233" y="4883144"/>
+            <a:ext cx="6347534" cy="1260000"/>
+          </a:xfrm>
+          <a:prstGeom prst="roundRect">
+            <a:avLst/>
+          </a:prstGeom>
+        </p:spPr>
+        <p:style>
+          <a:lnRef idx="2">
+            <a:schemeClr val="accent4">
+              <a:shade val="50000"/>
+            </a:schemeClr>
+          </a:lnRef>
+          <a:fillRef idx="1">
+            <a:schemeClr val="accent4"/>
+          </a:fillRef>
+          <a:effectRef idx="0">
+            <a:schemeClr val="accent4"/>
+          </a:effectRef>
+          <a:fontRef idx="minor">
+            <a:schemeClr val="lt1"/>
+          </a:fontRef>
+        </p:style>
+        <p:txBody>
+          <a:bodyPr rtlCol="0" anchor="ctr"/>
+          <a:lstStyle/>
+          <a:p>
+            <a:r>
+              <a:rPr lang="de-DE" b="1" dirty="0"/>
+              <a:t>Zusammengesetzte Primärschlüssel</a:t>
+            </a:r>
+          </a:p>
+          <a:p>
+            <a:r>
+              <a:rPr lang="de-DE" sz="1600" i="1" dirty="0"/>
+              <a:t>Mit @</a:t>
+            </a:r>
+            <a:r>
+              <a:rPr lang="de-DE" sz="1600" i="1" dirty="0" err="1"/>
+              <a:t>EmbeddedId</a:t>
+            </a:r>
+            <a:r>
+              <a:rPr lang="de-DE" sz="1600" i="1" dirty="0"/>
+              <a:t> und @</a:t>
+            </a:r>
+            <a:r>
+              <a:rPr lang="de-DE" sz="1600" i="1" dirty="0" err="1"/>
+              <a:t>Embeddable</a:t>
+            </a:r>
+            <a:r>
+              <a:rPr lang="de-DE" sz="1600" i="1" dirty="0"/>
+              <a:t> Spaltenfelder auf Klassen verteilen</a:t>
+            </a:r>
+          </a:p>
+          <a:p>
+            <a:r>
+              <a:rPr lang="de-DE" sz="1200" i="1" dirty="0"/>
+              <a:t>Müller, Wehr (2012): Java </a:t>
+            </a:r>
+            <a:r>
+              <a:rPr lang="de-DE" sz="1200" i="1" dirty="0" err="1"/>
+              <a:t>Persistence</a:t>
+            </a:r>
+            <a:r>
+              <a:rPr lang="de-DE" sz="1200" i="1" dirty="0"/>
+              <a:t> API 2, Kapitel 2</a:t>
+            </a:r>
+            <a:endParaRPr lang="de-DE" sz="1000" i="1" dirty="0"/>
+          </a:p>
+        </p:txBody>
+      </p:sp>
+    </p:spTree>
+    <p:extLst>
+      <p:ext uri="{BB962C8B-B14F-4D97-AF65-F5344CB8AC3E}">
+        <p14:creationId xmlns:p14="http://schemas.microsoft.com/office/powerpoint/2010/main" val="3771963693"/>
+      </p:ext>
+    </p:extLst>
+  </p:cSld>
+  <p:clrMapOvr>
+    <a:masterClrMapping/>
+  </p:clrMapOvr>
+</p:sld>
+</file>
+
+<file path=ppt/slides/slide22.xml><?xml version="1.0" encoding="utf-8"?>
+<p:sld xmlns:a="http://schemas.openxmlformats.org/drawingml/2006/main" xmlns:r="http://schemas.openxmlformats.org/officeDocument/2006/relationships" xmlns:p="http://schemas.openxmlformats.org/presentationml/2006/main">
+  <p:cSld>
+    <p:spTree>
+      <p:nvGrpSpPr>
+        <p:cNvPr id="1" name=""/>
+        <p:cNvGrpSpPr/>
+        <p:nvPr/>
+      </p:nvGrpSpPr>
+      <p:grpSpPr>
+        <a:xfrm>
+          <a:off x="0" y="0"/>
+          <a:ext cx="0" cy="0"/>
+          <a:chOff x="0" y="0"/>
+          <a:chExt cx="0" cy="0"/>
+        </a:xfrm>
+      </p:grpSpPr>
+      <p:sp>
+        <p:nvSpPr>
+          <p:cNvPr id="8" name="Textplatzhalter 7">
+            <a:extLst>
+              <a:ext uri="{FF2B5EF4-FFF2-40B4-BE49-F238E27FC236}">
+                <a16:creationId xmlns:a16="http://schemas.microsoft.com/office/drawing/2014/main" id="{952BFFBC-EBAB-4F4F-8BD2-7DD91A5C48A3}"/>
+              </a:ext>
+            </a:extLst>
+          </p:cNvPr>
+          <p:cNvSpPr>
+            <a:spLocks noGrp="1"/>
+          </p:cNvSpPr>
+          <p:nvPr>
+            <p:ph type="body" sz="quarter" idx="15"/>
+          </p:nvPr>
+        </p:nvSpPr>
+        <p:spPr>
+          <a:xfrm>
+            <a:off x="473149" y="1770959"/>
+            <a:ext cx="8298000" cy="4740451"/>
+          </a:xfrm>
+        </p:spPr>
+        <p:txBody>
+          <a:bodyPr/>
+          <a:lstStyle/>
+          <a:p>
+            <a:r>
+              <a:rPr lang="de-DE" b="1" dirty="0" err="1"/>
+              <a:t>Laudon</a:t>
+            </a:r>
+            <a:r>
+              <a:rPr lang="de-DE" b="1" dirty="0"/>
+              <a:t>, </a:t>
+            </a:r>
+            <a:r>
+              <a:rPr lang="de-DE" b="1" dirty="0" err="1"/>
+              <a:t>Laudon</a:t>
+            </a:r>
+            <a:r>
+              <a:rPr lang="de-DE" b="1" dirty="0"/>
+              <a:t>, </a:t>
+            </a:r>
+            <a:r>
+              <a:rPr lang="de-DE" b="1" dirty="0" err="1"/>
+              <a:t>Schoder</a:t>
+            </a:r>
+            <a:r>
+              <a:rPr lang="de-DE" dirty="0"/>
+              <a:t>: </a:t>
+            </a:r>
+            <a:r>
+              <a:rPr lang="de-DE" i="1"/>
+              <a:t>Wirtschaftsinformatik – Eine </a:t>
+            </a:r>
+            <a:r>
+              <a:rPr lang="de-DE" i="1" dirty="0"/>
+              <a:t>Einführung.</a:t>
+            </a:r>
+            <a:r>
+              <a:rPr lang="de-DE" dirty="0"/>
+              <a:t> 3. Auflage</a:t>
+            </a:r>
+          </a:p>
+          <a:p>
+            <a:r>
+              <a:rPr lang="de-DE" b="1" dirty="0"/>
+              <a:t>Abts, D</a:t>
+            </a:r>
+            <a:r>
+              <a:rPr lang="de-DE" dirty="0"/>
+              <a:t>. (2016): </a:t>
+            </a:r>
+            <a:r>
+              <a:rPr lang="de-DE" i="1" dirty="0"/>
+              <a:t>Grundkurs Java. Von den Grundlagen bis zu Datenbank- und Netzanwendungen</a:t>
+            </a:r>
+            <a:r>
+              <a:rPr lang="de-DE" dirty="0"/>
+              <a:t>. Wiesbaden : Springer Fachmedien</a:t>
+            </a:r>
+          </a:p>
+          <a:p>
+            <a:r>
+              <a:rPr lang="de-DE" b="1" dirty="0"/>
+              <a:t>Adams, R</a:t>
+            </a:r>
+            <a:r>
+              <a:rPr lang="de-DE" dirty="0"/>
+              <a:t>. (2016): SQL. </a:t>
+            </a:r>
+            <a:r>
+              <a:rPr lang="de-DE" i="1" dirty="0"/>
+              <a:t>Der Grundkurs für Ausbildung und Praxis. Mit Beispielen in MySQL/</a:t>
+            </a:r>
+            <a:r>
+              <a:rPr lang="de-DE" i="1" dirty="0" err="1"/>
+              <a:t>MariaDB</a:t>
+            </a:r>
+            <a:r>
+              <a:rPr lang="de-DE" dirty="0"/>
+              <a:t>. Carl Hanser Verlag GmbH &amp; Co. KG</a:t>
+            </a:r>
+          </a:p>
+          <a:p>
+            <a:r>
+              <a:rPr lang="de-DE" b="1" dirty="0" err="1"/>
+              <a:t>Kleuker</a:t>
+            </a:r>
+            <a:r>
+              <a:rPr lang="de-DE" b="1" dirty="0"/>
+              <a:t>, S</a:t>
+            </a:r>
+            <a:r>
+              <a:rPr lang="de-DE" dirty="0"/>
+              <a:t>. (2013): </a:t>
+            </a:r>
+            <a:r>
+              <a:rPr lang="de-DE" i="1" dirty="0"/>
+              <a:t>Grundkurs Datenbankentwicklung. Von der Anforderungsanalyse zur komplexen Datenbankabfrage</a:t>
+            </a:r>
+            <a:r>
+              <a:rPr lang="de-DE" dirty="0"/>
+              <a:t>. Wiesbaden: Springer Fachmedien, 3. Auflage</a:t>
+            </a:r>
+          </a:p>
+          <a:p>
+            <a:r>
+              <a:rPr lang="de-DE" b="1" dirty="0"/>
+              <a:t>Unterstein, </a:t>
+            </a:r>
+            <a:r>
+              <a:rPr lang="de-DE" b="1" dirty="0" err="1"/>
+              <a:t>Matthiessen</a:t>
+            </a:r>
+            <a:r>
+              <a:rPr lang="de-DE" b="1" dirty="0"/>
+              <a:t> </a:t>
+            </a:r>
+            <a:r>
+              <a:rPr lang="de-DE" dirty="0"/>
+              <a:t>(2013): Anwendungsentwicklung mit Datenbanken. Heidelberg: Springer, 5.Auflage</a:t>
+            </a:r>
+          </a:p>
+          <a:p>
+            <a:r>
+              <a:rPr lang="de-DE" b="1" dirty="0"/>
+              <a:t>Sharan, K. </a:t>
+            </a:r>
+            <a:r>
+              <a:rPr lang="de-DE" dirty="0"/>
+              <a:t>(2018): </a:t>
+            </a:r>
+            <a:r>
+              <a:rPr lang="de-DE" i="1" dirty="0"/>
+              <a:t>Java APIs, </a:t>
+            </a:r>
+            <a:r>
+              <a:rPr lang="de-DE" i="1" dirty="0" err="1"/>
+              <a:t>Extensions</a:t>
+            </a:r>
+            <a:r>
+              <a:rPr lang="de-DE" i="1" dirty="0"/>
+              <a:t> and Libraries. </a:t>
+            </a:r>
+            <a:r>
+              <a:rPr lang="de-DE" i="1" dirty="0" err="1"/>
+              <a:t>With</a:t>
+            </a:r>
+            <a:r>
+              <a:rPr lang="de-DE" i="1" dirty="0"/>
+              <a:t> JavaFX, JDBC, </a:t>
+            </a:r>
+            <a:r>
+              <a:rPr lang="de-DE" i="1" dirty="0" err="1"/>
+              <a:t>jmod</a:t>
+            </a:r>
+            <a:r>
+              <a:rPr lang="de-DE" i="1" dirty="0"/>
+              <a:t>, </a:t>
+            </a:r>
+            <a:r>
+              <a:rPr lang="de-DE" i="1" dirty="0" err="1"/>
+              <a:t>jlink</a:t>
+            </a:r>
+            <a:r>
+              <a:rPr lang="de-DE" i="1" dirty="0"/>
+              <a:t>, Networking, and </a:t>
+            </a:r>
+            <a:r>
+              <a:rPr lang="de-DE" i="1" dirty="0" err="1"/>
+              <a:t>the</a:t>
+            </a:r>
+            <a:r>
+              <a:rPr lang="de-DE" i="1" dirty="0"/>
+              <a:t> </a:t>
+            </a:r>
+            <a:r>
+              <a:rPr lang="de-DE" i="1" dirty="0" err="1"/>
+              <a:t>Process</a:t>
+            </a:r>
+            <a:r>
+              <a:rPr lang="de-DE" i="1" dirty="0"/>
+              <a:t> API</a:t>
+            </a:r>
+            <a:r>
+              <a:rPr lang="de-DE" dirty="0"/>
+              <a:t>. New York: Springer Science + Business.</a:t>
+            </a:r>
+            <a:endParaRPr lang="de-DE" b="1" dirty="0"/>
+          </a:p>
+          <a:p>
+            <a:r>
+              <a:rPr lang="de-DE" b="1" dirty="0"/>
+              <a:t>Müller, Wehr </a:t>
+            </a:r>
+            <a:r>
+              <a:rPr lang="de-DE" dirty="0"/>
+              <a:t>(2012): </a:t>
+            </a:r>
+            <a:r>
+              <a:rPr lang="de-DE" i="1" dirty="0"/>
+              <a:t>Java </a:t>
+            </a:r>
+            <a:r>
+              <a:rPr lang="de-DE" i="1" dirty="0" err="1"/>
+              <a:t>Peristence</a:t>
+            </a:r>
+            <a:r>
+              <a:rPr lang="de-DE" i="1" dirty="0"/>
+              <a:t> API 2. </a:t>
+            </a:r>
+            <a:r>
+              <a:rPr lang="de-DE" i="1" dirty="0" err="1"/>
+              <a:t>Hibernate</a:t>
+            </a:r>
+            <a:r>
+              <a:rPr lang="de-DE" i="1" dirty="0"/>
+              <a:t>, </a:t>
+            </a:r>
+            <a:r>
+              <a:rPr lang="de-DE" i="1" dirty="0" err="1"/>
+              <a:t>EclipseLink</a:t>
+            </a:r>
+            <a:r>
+              <a:rPr lang="de-DE" i="1" dirty="0"/>
+              <a:t>, </a:t>
+            </a:r>
+            <a:r>
+              <a:rPr lang="de-DE" i="1" dirty="0" err="1"/>
+              <a:t>OpenJPA</a:t>
+            </a:r>
+            <a:r>
+              <a:rPr lang="de-DE" i="1" dirty="0"/>
+              <a:t> und Erweiterungen.</a:t>
+            </a:r>
+            <a:r>
+              <a:rPr lang="de-DE" dirty="0"/>
+              <a:t> München: Carl Hanser Verlag.</a:t>
+            </a:r>
+          </a:p>
+          <a:p>
+            <a:endParaRPr lang="de-DE" dirty="0"/>
+          </a:p>
+          <a:p>
+            <a:r>
+              <a:rPr lang="de-DE" b="1" dirty="0"/>
+              <a:t>Java </a:t>
+            </a:r>
+            <a:r>
+              <a:rPr lang="de-DE" b="1" dirty="0" err="1"/>
+              <a:t>Documentation</a:t>
+            </a:r>
+            <a:r>
+              <a:rPr lang="de-DE" dirty="0"/>
+              <a:t>: </a:t>
+            </a:r>
+            <a:r>
+              <a:rPr lang="de-DE" dirty="0">
+                <a:hlinkClick r:id="rId2"/>
+              </a:rPr>
+              <a:t>https://docs.oracle.com/javase/tutorial/jdbc/overview/index.html</a:t>
+            </a:r>
+            <a:r>
+              <a:rPr lang="de-DE" dirty="0"/>
+              <a:t>, </a:t>
+            </a:r>
+            <a:r>
+              <a:rPr lang="de-DE" u="sng" dirty="0">
+                <a:hlinkClick r:id="rId3"/>
+              </a:rPr>
+              <a:t>https://docs.oracle.com/javase/tutorial/jdbc/basics/index.html</a:t>
+            </a:r>
+            <a:endParaRPr lang="de-DE" dirty="0"/>
+          </a:p>
+          <a:p>
+            <a:r>
+              <a:rPr lang="de-DE" dirty="0"/>
+              <a:t> </a:t>
+            </a:r>
+          </a:p>
+        </p:txBody>
+      </p:sp>
+      <p:sp>
+        <p:nvSpPr>
+          <p:cNvPr id="6" name="Titel 5">
+            <a:extLst>
+              <a:ext uri="{FF2B5EF4-FFF2-40B4-BE49-F238E27FC236}">
+                <a16:creationId xmlns:a16="http://schemas.microsoft.com/office/drawing/2014/main" id="{91531F08-8E57-457B-B64E-3A379920FD02}"/>
+              </a:ext>
+            </a:extLst>
+          </p:cNvPr>
+          <p:cNvSpPr>
+            <a:spLocks noGrp="1"/>
+          </p:cNvSpPr>
+          <p:nvPr>
+            <p:ph type="title"/>
+          </p:nvPr>
+        </p:nvSpPr>
+        <p:spPr/>
+        <p:txBody>
+          <a:bodyPr>
+            <a:normAutofit fontScale="90000"/>
+          </a:bodyPr>
+          <a:lstStyle/>
+          <a:p>
+            <a:r>
+              <a:rPr lang="de-DE" dirty="0"/>
+              <a:t>Quellen</a:t>
+            </a:r>
+          </a:p>
+        </p:txBody>
+      </p:sp>
+      <p:sp>
+        <p:nvSpPr>
+          <p:cNvPr id="7" name="Untertitel 6">
+            <a:extLst>
+              <a:ext uri="{FF2B5EF4-FFF2-40B4-BE49-F238E27FC236}">
+                <a16:creationId xmlns:a16="http://schemas.microsoft.com/office/drawing/2014/main" id="{BC757534-3B9B-4A08-B1F6-0D6167876BE4}"/>
+              </a:ext>
+            </a:extLst>
+          </p:cNvPr>
+          <p:cNvSpPr>
+            <a:spLocks noGrp="1"/>
+          </p:cNvSpPr>
+          <p:nvPr>
+            <p:ph type="subTitle" idx="1"/>
+          </p:nvPr>
+        </p:nvSpPr>
+        <p:spPr/>
+        <p:txBody>
+          <a:bodyPr/>
+          <a:lstStyle/>
+          <a:p>
+            <a:endParaRPr lang="de-DE" dirty="0"/>
+          </a:p>
+        </p:txBody>
+      </p:sp>
+      <p:sp>
+        <p:nvSpPr>
+          <p:cNvPr id="5" name="Foliennummernplatzhalter 4">
+            <a:extLst>
+              <a:ext uri="{FF2B5EF4-FFF2-40B4-BE49-F238E27FC236}">
+                <a16:creationId xmlns:a16="http://schemas.microsoft.com/office/drawing/2014/main" id="{B3F38894-2F49-4CC3-A5AE-32730CE176F1}"/>
+              </a:ext>
+            </a:extLst>
+          </p:cNvPr>
+          <p:cNvSpPr>
+            <a:spLocks noGrp="1"/>
+          </p:cNvSpPr>
+          <p:nvPr>
+            <p:ph type="sldNum" sz="quarter" idx="4"/>
+          </p:nvPr>
+        </p:nvSpPr>
+        <p:spPr/>
+        <p:txBody>
+          <a:bodyPr/>
+          <a:lstStyle/>
+          <a:p>
+            <a:fld id="{F777D48D-F22C-624F-9C01-7CDA9A361691}" type="slidenum">
+              <a:rPr lang="de-DE" smtClean="0"/>
+              <a:pPr/>
+              <a:t>22</a:t>
+            </a:fld>
+            <a:endParaRPr lang="de-DE" dirty="0"/>
+          </a:p>
+        </p:txBody>
+      </p:sp>
+    </p:spTree>
+    <p:extLst>
+      <p:ext uri="{BB962C8B-B14F-4D97-AF65-F5344CB8AC3E}">
+        <p14:creationId xmlns:p14="http://schemas.microsoft.com/office/powerpoint/2010/main" val="2162899132"/>
+      </p:ext>
+    </p:extLst>
+  </p:cSld>
+  <p:clrMapOvr>
+    <a:masterClrMapping/>
+  </p:clrMapOvr>
+</p:sld>
+</file>
+
+<file path=ppt/slides/slide3.xml><?xml version="1.0" encoding="utf-8"?>
 <p:sld xmlns:a="http://schemas.openxmlformats.org/drawingml/2006/main" xmlns:r="http://schemas.openxmlformats.org/officeDocument/2006/relationships" xmlns:p="http://schemas.openxmlformats.org/presentationml/2006/main">
   <p:cSld>
     <p:spTree>
@@ -27148,7 +25121,7 @@
           <a:p>
             <a:r>
               <a:rPr lang="de-DE" dirty="0"/>
-              <a:t>Datenbank-Systeme</a:t>
+              <a:t>Drei Schichten Architektur</a:t>
             </a:r>
           </a:p>
         </p:txBody>
@@ -27177,7 +25150,7 @@
             <a:fld id="{F777D48D-F22C-624F-9C01-7CDA9A361691}" type="slidenum">
               <a:rPr lang="de-DE" smtClean="0"/>
               <a:pPr/>
-              <a:t>4</a:t>
+              <a:t>3</a:t>
             </a:fld>
             <a:endParaRPr lang="de-DE" dirty="0"/>
           </a:p>
@@ -27881,96 +25854,6 @@
           </a:p>
         </p:txBody>
       </p:sp>
-      <p:sp>
-        <p:nvSpPr>
-          <p:cNvPr id="2" name="Ellipse 1">
-            <a:extLst>
-              <a:ext uri="{FF2B5EF4-FFF2-40B4-BE49-F238E27FC236}">
-                <a16:creationId xmlns:a16="http://schemas.microsoft.com/office/drawing/2014/main" id="{10585044-FB1A-4908-85ED-951FA2C0FBC8}"/>
-              </a:ext>
-            </a:extLst>
-          </p:cNvPr>
-          <p:cNvSpPr/>
-          <p:nvPr/>
-        </p:nvSpPr>
-        <p:spPr>
-          <a:xfrm>
-            <a:off x="5982249" y="3219647"/>
-            <a:ext cx="854206" cy="413050"/>
-          </a:xfrm>
-          <a:prstGeom prst="ellipse">
-            <a:avLst/>
-          </a:prstGeom>
-          <a:noFill/>
-        </p:spPr>
-        <p:style>
-          <a:lnRef idx="2">
-            <a:schemeClr val="accent6"/>
-          </a:lnRef>
-          <a:fillRef idx="1">
-            <a:schemeClr val="lt1"/>
-          </a:fillRef>
-          <a:effectRef idx="0">
-            <a:schemeClr val="accent6"/>
-          </a:effectRef>
-          <a:fontRef idx="minor">
-            <a:schemeClr val="dk1"/>
-          </a:fontRef>
-        </p:style>
-        <p:txBody>
-          <a:bodyPr rtlCol="0" anchor="ctr"/>
-          <a:lstStyle/>
-          <a:p>
-            <a:pPr algn="ctr"/>
-            <a:endParaRPr lang="de-DE"/>
-          </a:p>
-        </p:txBody>
-      </p:sp>
-      <p:sp>
-        <p:nvSpPr>
-          <p:cNvPr id="28" name="Ellipse 27">
-            <a:extLst>
-              <a:ext uri="{FF2B5EF4-FFF2-40B4-BE49-F238E27FC236}">
-                <a16:creationId xmlns:a16="http://schemas.microsoft.com/office/drawing/2014/main" id="{AA7E6EC4-01CC-4B52-ABA1-2FB7226585C7}"/>
-              </a:ext>
-            </a:extLst>
-          </p:cNvPr>
-          <p:cNvSpPr/>
-          <p:nvPr/>
-        </p:nvSpPr>
-        <p:spPr>
-          <a:xfrm>
-            <a:off x="5709141" y="2603532"/>
-            <a:ext cx="854206" cy="413050"/>
-          </a:xfrm>
-          <a:prstGeom prst="ellipse">
-            <a:avLst/>
-          </a:prstGeom>
-          <a:noFill/>
-        </p:spPr>
-        <p:style>
-          <a:lnRef idx="2">
-            <a:schemeClr val="accent6"/>
-          </a:lnRef>
-          <a:fillRef idx="1">
-            <a:schemeClr val="lt1"/>
-          </a:fillRef>
-          <a:effectRef idx="0">
-            <a:schemeClr val="accent6"/>
-          </a:effectRef>
-          <a:fontRef idx="minor">
-            <a:schemeClr val="dk1"/>
-          </a:fontRef>
-        </p:style>
-        <p:txBody>
-          <a:bodyPr rtlCol="0" anchor="ctr"/>
-          <a:lstStyle/>
-          <a:p>
-            <a:pPr algn="ctr"/>
-            <a:endParaRPr lang="de-DE"/>
-          </a:p>
-        </p:txBody>
-      </p:sp>
     </p:spTree>
     <p:extLst>
       <p:ext uri="{BB962C8B-B14F-4D97-AF65-F5344CB8AC3E}">
@@ -28304,78 +26187,6 @@
                       </p:childTnLst>
                     </p:cTn>
                   </p:par>
-                  <p:par>
-                    <p:cTn id="29" fill="hold">
-                      <p:stCondLst>
-                        <p:cond delay="indefinite"/>
-                      </p:stCondLst>
-                      <p:childTnLst>
-                        <p:par>
-                          <p:cTn id="30" fill="hold">
-                            <p:stCondLst>
-                              <p:cond delay="0"/>
-                            </p:stCondLst>
-                            <p:childTnLst>
-                              <p:par>
-                                <p:cTn id="31" presetID="1" presetClass="entr" presetSubtype="0" fill="hold" grpId="0" nodeType="clickEffect">
-                                  <p:stCondLst>
-                                    <p:cond delay="0"/>
-                                  </p:stCondLst>
-                                  <p:childTnLst>
-                                    <p:set>
-                                      <p:cBhvr>
-                                        <p:cTn id="32" dur="1" fill="hold">
-                                          <p:stCondLst>
-                                            <p:cond delay="0"/>
-                                          </p:stCondLst>
-                                        </p:cTn>
-                                        <p:tgtEl>
-                                          <p:spTgt spid="28"/>
-                                        </p:tgtEl>
-                                        <p:attrNameLst>
-                                          <p:attrName>style.visibility</p:attrName>
-                                        </p:attrNameLst>
-                                      </p:cBhvr>
-                                      <p:to>
-                                        <p:strVal val="visible"/>
-                                      </p:to>
-                                    </p:set>
-                                  </p:childTnLst>
-                                </p:cTn>
-                              </p:par>
-                              <p:par>
-                                <p:cTn id="33" presetID="1" presetClass="entr" presetSubtype="0" fill="hold" grpId="0" nodeType="withEffect">
-                                  <p:stCondLst>
-                                    <p:cond delay="0"/>
-                                  </p:stCondLst>
-                                  <p:childTnLst>
-                                    <p:set>
-                                      <p:cBhvr>
-                                        <p:cTn id="34" dur="1" fill="hold">
-                                          <p:stCondLst>
-                                            <p:cond delay="0"/>
-                                          </p:stCondLst>
-                                        </p:cTn>
-                                        <p:tgtEl>
-                                          <p:spTgt spid="2"/>
-                                        </p:tgtEl>
-                                        <p:attrNameLst>
-                                          <p:attrName>style.visibility</p:attrName>
-                                        </p:attrNameLst>
-                                      </p:cBhvr>
-                                      <p:to>
-                                        <p:strVal val="visible"/>
-                                      </p:to>
-                                    </p:set>
-                                  </p:childTnLst>
-                                </p:cTn>
-                              </p:par>
-                            </p:childTnLst>
-                          </p:cTn>
-                        </p:par>
-                      </p:childTnLst>
-                    </p:cTn>
-                  </p:par>
                 </p:childTnLst>
               </p:cTn>
               <p:prevCondLst>
@@ -28404,14 +26215,12 @@
       <p:bldP spid="25" grpId="0" animBg="1"/>
       <p:bldP spid="34" grpId="0"/>
       <p:bldP spid="36" grpId="0" animBg="1"/>
-      <p:bldP spid="2" grpId="0" animBg="1"/>
-      <p:bldP spid="28" grpId="0" animBg="1"/>
     </p:bldLst>
   </p:timing>
 </p:sld>
 </file>
 
-<file path=ppt/slides/slide5.xml><?xml version="1.0" encoding="utf-8"?>
+<file path=ppt/slides/slide4.xml><?xml version="1.0" encoding="utf-8"?>
 <p:sld xmlns:a="http://schemas.openxmlformats.org/drawingml/2006/main" xmlns:r="http://schemas.openxmlformats.org/officeDocument/2006/relationships" xmlns:p="http://schemas.openxmlformats.org/presentationml/2006/main">
   <p:cSld>
     <p:spTree>
@@ -28510,7 +26319,7 @@
             <a:fld id="{F777D48D-F22C-624F-9C01-7CDA9A361691}" type="slidenum">
               <a:rPr lang="de-DE" smtClean="0"/>
               <a:pPr/>
-              <a:t>5</a:t>
+              <a:t>4</a:t>
             </a:fld>
             <a:endParaRPr lang="de-DE" dirty="0"/>
           </a:p>
@@ -29290,7 +27099,7 @@
 </p:sld>
 </file>
 
-<file path=ppt/slides/slide6.xml><?xml version="1.0" encoding="utf-8"?>
+<file path=ppt/slides/slide5.xml><?xml version="1.0" encoding="utf-8"?>
 <p:sld xmlns:a="http://schemas.openxmlformats.org/drawingml/2006/main" xmlns:r="http://schemas.openxmlformats.org/officeDocument/2006/relationships" xmlns:p="http://schemas.openxmlformats.org/presentationml/2006/main">
   <p:cSld>
     <p:spTree>
@@ -29389,7 +27198,7 @@
             <a:fld id="{F777D48D-F22C-624F-9C01-7CDA9A361691}" type="slidenum">
               <a:rPr lang="de-DE" smtClean="0"/>
               <a:pPr/>
-              <a:t>6</a:t>
+              <a:t>5</a:t>
             </a:fld>
             <a:endParaRPr lang="de-DE" dirty="0"/>
           </a:p>
@@ -30383,7 +28192,7 @@
 </p:sld>
 </file>
 
-<file path=ppt/slides/slide7.xml><?xml version="1.0" encoding="utf-8"?>
+<file path=ppt/slides/slide6.xml><?xml version="1.0" encoding="utf-8"?>
 <p:sld xmlns:a="http://schemas.openxmlformats.org/drawingml/2006/main" xmlns:r="http://schemas.openxmlformats.org/officeDocument/2006/relationships" xmlns:p="http://schemas.openxmlformats.org/presentationml/2006/main">
   <p:cSld>
     <p:spTree>
@@ -30482,7 +28291,7 @@
             <a:fld id="{F777D48D-F22C-624F-9C01-7CDA9A361691}" type="slidenum">
               <a:rPr lang="de-DE" smtClean="0"/>
               <a:pPr/>
-              <a:t>7</a:t>
+              <a:t>6</a:t>
             </a:fld>
             <a:endParaRPr lang="de-DE" dirty="0"/>
           </a:p>
@@ -30703,7 +28512,7 @@
 </p:sld>
 </file>
 
-<file path=ppt/slides/slide8.xml><?xml version="1.0" encoding="utf-8"?>
+<file path=ppt/slides/slide7.xml><?xml version="1.0" encoding="utf-8"?>
 <p:sld xmlns:a="http://schemas.openxmlformats.org/drawingml/2006/main" xmlns:r="http://schemas.openxmlformats.org/officeDocument/2006/relationships" xmlns:p="http://schemas.openxmlformats.org/presentationml/2006/main">
   <p:cSld>
     <p:spTree>
@@ -30774,7 +28583,7 @@
             <a:fld id="{F777D48D-F22C-624F-9C01-7CDA9A361691}" type="slidenum">
               <a:rPr lang="de-DE" smtClean="0"/>
               <a:pPr/>
-              <a:t>8</a:t>
+              <a:t>7</a:t>
             </a:fld>
             <a:endParaRPr lang="de-DE" dirty="0"/>
           </a:p>
@@ -32192,7 +30001,7 @@
 </p:sld>
 </file>
 
-<file path=ppt/slides/slide9.xml><?xml version="1.0" encoding="utf-8"?>
+<file path=ppt/slides/slide8.xml><?xml version="1.0" encoding="utf-8"?>
 <p:sld xmlns:a="http://schemas.openxmlformats.org/drawingml/2006/main" xmlns:r="http://schemas.openxmlformats.org/officeDocument/2006/relationships" xmlns:p="http://schemas.openxmlformats.org/presentationml/2006/main">
   <p:cSld>
     <p:spTree>
@@ -32304,7 +30113,7 @@
             <a:fld id="{F777D48D-F22C-624F-9C01-7CDA9A361691}" type="slidenum">
               <a:rPr lang="de-DE" smtClean="0"/>
               <a:pPr/>
-              <a:t>9</a:t>
+              <a:t>8</a:t>
             </a:fld>
             <a:endParaRPr lang="de-DE" dirty="0"/>
           </a:p>
@@ -33014,6 +30823,1895 @@
       <p:bldP spid="8" grpId="0" animBg="1"/>
       <p:bldP spid="15" grpId="0" animBg="1"/>
       <p:bldP spid="16" grpId="0" animBg="1"/>
+    </p:bldLst>
+  </p:timing>
+</p:sld>
+</file>
+
+<file path=ppt/slides/slide9.xml><?xml version="1.0" encoding="utf-8"?>
+<p:sld xmlns:a="http://schemas.openxmlformats.org/drawingml/2006/main" xmlns:r="http://schemas.openxmlformats.org/officeDocument/2006/relationships" xmlns:p="http://schemas.openxmlformats.org/presentationml/2006/main">
+  <p:cSld>
+    <p:spTree>
+      <p:nvGrpSpPr>
+        <p:cNvPr id="1" name=""/>
+        <p:cNvGrpSpPr/>
+        <p:nvPr/>
+      </p:nvGrpSpPr>
+      <p:grpSpPr>
+        <a:xfrm>
+          <a:off x="0" y="0"/>
+          <a:ext cx="0" cy="0"/>
+          <a:chOff x="0" y="0"/>
+          <a:chExt cx="0" cy="0"/>
+        </a:xfrm>
+      </p:grpSpPr>
+      <p:sp>
+        <p:nvSpPr>
+          <p:cNvPr id="3" name="Titel 2">
+            <a:extLst>
+              <a:ext uri="{FF2B5EF4-FFF2-40B4-BE49-F238E27FC236}">
+                <a16:creationId xmlns:a16="http://schemas.microsoft.com/office/drawing/2014/main" id="{3913AE35-DE7E-4929-926F-E6416BB487FA}"/>
+              </a:ext>
+            </a:extLst>
+          </p:cNvPr>
+          <p:cNvSpPr>
+            <a:spLocks noGrp="1"/>
+          </p:cNvSpPr>
+          <p:nvPr>
+            <p:ph type="title"/>
+          </p:nvPr>
+        </p:nvSpPr>
+        <p:spPr/>
+        <p:txBody>
+          <a:bodyPr>
+            <a:normAutofit fontScale="90000"/>
+          </a:bodyPr>
+          <a:lstStyle/>
+          <a:p>
+            <a:r>
+              <a:rPr lang="de-DE" dirty="0"/>
+              <a:t>Java </a:t>
+            </a:r>
+            <a:r>
+              <a:rPr lang="de-DE" dirty="0" err="1"/>
+              <a:t>Persistence</a:t>
+            </a:r>
+            <a:r>
+              <a:rPr lang="de-DE" dirty="0"/>
+              <a:t> API</a:t>
+            </a:r>
+          </a:p>
+        </p:txBody>
+      </p:sp>
+      <p:sp>
+        <p:nvSpPr>
+          <p:cNvPr id="4" name="Untertitel 3">
+            <a:extLst>
+              <a:ext uri="{FF2B5EF4-FFF2-40B4-BE49-F238E27FC236}">
+                <a16:creationId xmlns:a16="http://schemas.microsoft.com/office/drawing/2014/main" id="{E6A8F379-B9BF-4BC3-99AB-CA73B2DD5D5C}"/>
+              </a:ext>
+            </a:extLst>
+          </p:cNvPr>
+          <p:cNvSpPr>
+            <a:spLocks noGrp="1"/>
+          </p:cNvSpPr>
+          <p:nvPr>
+            <p:ph type="subTitle" idx="1"/>
+          </p:nvPr>
+        </p:nvSpPr>
+        <p:spPr/>
+        <p:txBody>
+          <a:bodyPr/>
+          <a:lstStyle/>
+          <a:p>
+            <a:r>
+              <a:rPr lang="de-DE" dirty="0"/>
+              <a:t>Bestandteile</a:t>
+            </a:r>
+          </a:p>
+        </p:txBody>
+      </p:sp>
+      <p:sp>
+        <p:nvSpPr>
+          <p:cNvPr id="5" name="Foliennummernplatzhalter 4">
+            <a:extLst>
+              <a:ext uri="{FF2B5EF4-FFF2-40B4-BE49-F238E27FC236}">
+                <a16:creationId xmlns:a16="http://schemas.microsoft.com/office/drawing/2014/main" id="{27D18FC7-35F1-45CB-9226-7F721F313FE6}"/>
+              </a:ext>
+            </a:extLst>
+          </p:cNvPr>
+          <p:cNvSpPr>
+            <a:spLocks noGrp="1"/>
+          </p:cNvSpPr>
+          <p:nvPr>
+            <p:ph type="sldNum" sz="quarter" idx="4"/>
+          </p:nvPr>
+        </p:nvSpPr>
+        <p:spPr/>
+        <p:txBody>
+          <a:bodyPr/>
+          <a:lstStyle/>
+          <a:p>
+            <a:fld id="{F777D48D-F22C-624F-9C01-7CDA9A361691}" type="slidenum">
+              <a:rPr lang="de-DE" smtClean="0"/>
+              <a:pPr/>
+              <a:t>9</a:t>
+            </a:fld>
+            <a:endParaRPr lang="de-DE" dirty="0"/>
+          </a:p>
+        </p:txBody>
+      </p:sp>
+      <p:grpSp>
+        <p:nvGrpSpPr>
+          <p:cNvPr id="7" name="Gruppieren 6">
+            <a:extLst>
+              <a:ext uri="{FF2B5EF4-FFF2-40B4-BE49-F238E27FC236}">
+                <a16:creationId xmlns:a16="http://schemas.microsoft.com/office/drawing/2014/main" id="{238969C6-A3D7-43AE-86F4-1317DE9D157E}"/>
+              </a:ext>
+            </a:extLst>
+          </p:cNvPr>
+          <p:cNvGrpSpPr/>
+          <p:nvPr/>
+        </p:nvGrpSpPr>
+        <p:grpSpPr>
+          <a:xfrm>
+            <a:off x="4854967" y="1026225"/>
+            <a:ext cx="3298603" cy="1841257"/>
+            <a:chOff x="5396503" y="1283682"/>
+            <a:chExt cx="3298603" cy="1841257"/>
+          </a:xfrm>
+        </p:grpSpPr>
+        <p:sp>
+          <p:nvSpPr>
+            <p:cNvPr id="9" name="Rechteck: gefaltete Ecke 8">
+              <a:extLst>
+                <a:ext uri="{FF2B5EF4-FFF2-40B4-BE49-F238E27FC236}">
+                  <a16:creationId xmlns:a16="http://schemas.microsoft.com/office/drawing/2014/main" id="{E95F8893-D018-4FCC-8940-C1908A4EBC29}"/>
+                </a:ext>
+              </a:extLst>
+            </p:cNvPr>
+            <p:cNvSpPr/>
+            <p:nvPr/>
+          </p:nvSpPr>
+          <p:spPr>
+            <a:xfrm rot="10800000" flipH="1">
+              <a:off x="5396503" y="1283682"/>
+              <a:ext cx="3298603" cy="1841257"/>
+            </a:xfrm>
+            <a:prstGeom prst="foldedCorner">
+              <a:avLst>
+                <a:gd name="adj" fmla="val 20524"/>
+              </a:avLst>
+            </a:prstGeom>
+          </p:spPr>
+          <p:style>
+            <a:lnRef idx="2">
+              <a:schemeClr val="accent4"/>
+            </a:lnRef>
+            <a:fillRef idx="1">
+              <a:schemeClr val="lt1"/>
+            </a:fillRef>
+            <a:effectRef idx="0">
+              <a:schemeClr val="accent4"/>
+            </a:effectRef>
+            <a:fontRef idx="minor">
+              <a:schemeClr val="dk1"/>
+            </a:fontRef>
+          </p:style>
+          <p:txBody>
+            <a:bodyPr vert="vert" rtlCol="0" anchor="t" anchorCtr="0"/>
+            <a:lstStyle/>
+            <a:p>
+              <a:pPr algn="ctr"/>
+              <a:endParaRPr lang="de-DE" dirty="0"/>
+            </a:p>
+          </p:txBody>
+        </p:sp>
+        <p:sp>
+          <p:nvSpPr>
+            <p:cNvPr id="8" name="Rechteck 7">
+              <a:extLst>
+                <a:ext uri="{FF2B5EF4-FFF2-40B4-BE49-F238E27FC236}">
+                  <a16:creationId xmlns:a16="http://schemas.microsoft.com/office/drawing/2014/main" id="{CCB02487-8B3C-45DE-8F95-E888A510C8C4}"/>
+                </a:ext>
+              </a:extLst>
+            </p:cNvPr>
+            <p:cNvSpPr/>
+            <p:nvPr/>
+          </p:nvSpPr>
+          <p:spPr>
+            <a:xfrm>
+              <a:off x="5396503" y="1283684"/>
+              <a:ext cx="2132880" cy="461376"/>
+            </a:xfrm>
+            <a:prstGeom prst="rect">
+              <a:avLst/>
+            </a:prstGeom>
+            <a:noFill/>
+            <a:ln>
+              <a:noFill/>
+            </a:ln>
+          </p:spPr>
+          <p:style>
+            <a:lnRef idx="0">
+              <a:scrgbClr r="0" g="0" b="0"/>
+            </a:lnRef>
+            <a:fillRef idx="0">
+              <a:scrgbClr r="0" g="0" b="0"/>
+            </a:fillRef>
+            <a:effectRef idx="0">
+              <a:scrgbClr r="0" g="0" b="0"/>
+            </a:effectRef>
+            <a:fontRef idx="minor">
+              <a:schemeClr val="accent4"/>
+            </a:fontRef>
+          </p:style>
+          <p:txBody>
+            <a:bodyPr rtlCol="0" anchor="ctr"/>
+            <a:lstStyle/>
+            <a:p>
+              <a:pPr algn="ctr"/>
+              <a:r>
+                <a:rPr lang="de-DE" dirty="0">
+                  <a:solidFill>
+                    <a:srgbClr val="6D8B00"/>
+                  </a:solidFill>
+                </a:rPr>
+                <a:t>Persistenzeinheit</a:t>
+              </a:r>
+            </a:p>
+          </p:txBody>
+        </p:sp>
+      </p:grpSp>
+      <p:sp>
+        <p:nvSpPr>
+          <p:cNvPr id="10" name="Rechteck 9">
+            <a:extLst>
+              <a:ext uri="{FF2B5EF4-FFF2-40B4-BE49-F238E27FC236}">
+                <a16:creationId xmlns:a16="http://schemas.microsoft.com/office/drawing/2014/main" id="{41F53CEE-A28B-4273-96B4-9D019854C429}"/>
+              </a:ext>
+            </a:extLst>
+          </p:cNvPr>
+          <p:cNvSpPr/>
+          <p:nvPr/>
+        </p:nvSpPr>
+        <p:spPr>
+          <a:xfrm>
+            <a:off x="5162939" y="1638415"/>
+            <a:ext cx="1065320" cy="549281"/>
+          </a:xfrm>
+          <a:prstGeom prst="rect">
+            <a:avLst/>
+          </a:prstGeom>
+        </p:spPr>
+        <p:style>
+          <a:lnRef idx="2">
+            <a:schemeClr val="accent4">
+              <a:shade val="50000"/>
+            </a:schemeClr>
+          </a:lnRef>
+          <a:fillRef idx="1">
+            <a:schemeClr val="accent4"/>
+          </a:fillRef>
+          <a:effectRef idx="0">
+            <a:schemeClr val="accent4"/>
+          </a:effectRef>
+          <a:fontRef idx="minor">
+            <a:schemeClr val="lt1"/>
+          </a:fontRef>
+        </p:style>
+        <p:txBody>
+          <a:bodyPr rtlCol="0" anchor="ctr"/>
+          <a:lstStyle/>
+          <a:p>
+            <a:pPr algn="ctr"/>
+            <a:r>
+              <a:rPr lang="de-DE" dirty="0"/>
+              <a:t>Entity-Klasse</a:t>
+            </a:r>
+          </a:p>
+        </p:txBody>
+      </p:sp>
+      <p:sp>
+        <p:nvSpPr>
+          <p:cNvPr id="12" name="Rechteck 11">
+            <a:extLst>
+              <a:ext uri="{FF2B5EF4-FFF2-40B4-BE49-F238E27FC236}">
+                <a16:creationId xmlns:a16="http://schemas.microsoft.com/office/drawing/2014/main" id="{203038D1-26A6-451B-B5AE-D7D6270990FE}"/>
+              </a:ext>
+            </a:extLst>
+          </p:cNvPr>
+          <p:cNvSpPr/>
+          <p:nvPr/>
+        </p:nvSpPr>
+        <p:spPr>
+          <a:xfrm>
+            <a:off x="6380659" y="1638414"/>
+            <a:ext cx="1065320" cy="549281"/>
+          </a:xfrm>
+          <a:prstGeom prst="rect">
+            <a:avLst/>
+          </a:prstGeom>
+        </p:spPr>
+        <p:style>
+          <a:lnRef idx="2">
+            <a:schemeClr val="accent4">
+              <a:shade val="50000"/>
+            </a:schemeClr>
+          </a:lnRef>
+          <a:fillRef idx="1">
+            <a:schemeClr val="accent4"/>
+          </a:fillRef>
+          <a:effectRef idx="0">
+            <a:schemeClr val="accent4"/>
+          </a:effectRef>
+          <a:fontRef idx="minor">
+            <a:schemeClr val="lt1"/>
+          </a:fontRef>
+        </p:style>
+        <p:txBody>
+          <a:bodyPr rtlCol="0" anchor="ctr"/>
+          <a:lstStyle/>
+          <a:p>
+            <a:pPr algn="ctr"/>
+            <a:r>
+              <a:rPr lang="de-DE" dirty="0"/>
+              <a:t>Entity-Klasse</a:t>
+            </a:r>
+          </a:p>
+        </p:txBody>
+      </p:sp>
+      <p:sp>
+        <p:nvSpPr>
+          <p:cNvPr id="13" name="Rechteck 12">
+            <a:extLst>
+              <a:ext uri="{FF2B5EF4-FFF2-40B4-BE49-F238E27FC236}">
+                <a16:creationId xmlns:a16="http://schemas.microsoft.com/office/drawing/2014/main" id="{7F7456A2-85EE-420F-B3B9-E3D36BA0B953}"/>
+              </a:ext>
+            </a:extLst>
+          </p:cNvPr>
+          <p:cNvSpPr/>
+          <p:nvPr/>
+        </p:nvSpPr>
+        <p:spPr>
+          <a:xfrm>
+            <a:off x="5847999" y="2109614"/>
+            <a:ext cx="1065320" cy="549281"/>
+          </a:xfrm>
+          <a:prstGeom prst="rect">
+            <a:avLst/>
+          </a:prstGeom>
+        </p:spPr>
+        <p:style>
+          <a:lnRef idx="2">
+            <a:schemeClr val="accent4">
+              <a:shade val="50000"/>
+            </a:schemeClr>
+          </a:lnRef>
+          <a:fillRef idx="1">
+            <a:schemeClr val="accent4"/>
+          </a:fillRef>
+          <a:effectRef idx="0">
+            <a:schemeClr val="accent4"/>
+          </a:effectRef>
+          <a:fontRef idx="minor">
+            <a:schemeClr val="lt1"/>
+          </a:fontRef>
+        </p:style>
+        <p:txBody>
+          <a:bodyPr rtlCol="0" anchor="ctr"/>
+          <a:lstStyle/>
+          <a:p>
+            <a:pPr algn="ctr"/>
+            <a:r>
+              <a:rPr lang="de-DE" dirty="0"/>
+              <a:t>Entity-Klasse</a:t>
+            </a:r>
+          </a:p>
+        </p:txBody>
+      </p:sp>
+      <p:sp>
+        <p:nvSpPr>
+          <p:cNvPr id="14" name="Rechteck: abgerundete Ecken 13">
+            <a:extLst>
+              <a:ext uri="{FF2B5EF4-FFF2-40B4-BE49-F238E27FC236}">
+                <a16:creationId xmlns:a16="http://schemas.microsoft.com/office/drawing/2014/main" id="{5AFC7E1A-8918-4D50-BA93-7DAD79D043C1}"/>
+              </a:ext>
+            </a:extLst>
+          </p:cNvPr>
+          <p:cNvSpPr/>
+          <p:nvPr/>
+        </p:nvSpPr>
+        <p:spPr>
+          <a:xfrm>
+            <a:off x="4692772" y="3813546"/>
+            <a:ext cx="3610465" cy="1833896"/>
+          </a:xfrm>
+          <a:prstGeom prst="roundRect">
+            <a:avLst/>
+          </a:prstGeom>
+        </p:spPr>
+        <p:style>
+          <a:lnRef idx="2">
+            <a:schemeClr val="accent4"/>
+          </a:lnRef>
+          <a:fillRef idx="1">
+            <a:schemeClr val="lt1"/>
+          </a:fillRef>
+          <a:effectRef idx="0">
+            <a:schemeClr val="accent4"/>
+          </a:effectRef>
+          <a:fontRef idx="minor">
+            <a:schemeClr val="dk1"/>
+          </a:fontRef>
+        </p:style>
+        <p:txBody>
+          <a:bodyPr rtlCol="0" anchor="t"/>
+          <a:lstStyle/>
+          <a:p>
+            <a:r>
+              <a:rPr lang="de-DE" dirty="0">
+                <a:solidFill>
+                  <a:srgbClr val="6D8B00"/>
+                </a:solidFill>
+              </a:rPr>
+              <a:t>Persistenzkontext</a:t>
+            </a:r>
+          </a:p>
+        </p:txBody>
+      </p:sp>
+      <p:sp>
+        <p:nvSpPr>
+          <p:cNvPr id="16" name="Rechteck: abgerundete Ecken 15">
+            <a:extLst>
+              <a:ext uri="{FF2B5EF4-FFF2-40B4-BE49-F238E27FC236}">
+                <a16:creationId xmlns:a16="http://schemas.microsoft.com/office/drawing/2014/main" id="{DD91E350-41AF-4DC0-8786-47502ADB1C38}"/>
+              </a:ext>
+            </a:extLst>
+          </p:cNvPr>
+          <p:cNvSpPr/>
+          <p:nvPr/>
+        </p:nvSpPr>
+        <p:spPr>
+          <a:xfrm>
+            <a:off x="5272493" y="4375832"/>
+            <a:ext cx="1154942" cy="595666"/>
+          </a:xfrm>
+          <a:prstGeom prst="roundRect">
+            <a:avLst/>
+          </a:prstGeom>
+        </p:spPr>
+        <p:style>
+          <a:lnRef idx="2">
+            <a:schemeClr val="accent4">
+              <a:shade val="50000"/>
+            </a:schemeClr>
+          </a:lnRef>
+          <a:fillRef idx="1">
+            <a:schemeClr val="accent4"/>
+          </a:fillRef>
+          <a:effectRef idx="0">
+            <a:schemeClr val="accent4"/>
+          </a:effectRef>
+          <a:fontRef idx="minor">
+            <a:schemeClr val="lt1"/>
+          </a:fontRef>
+        </p:style>
+        <p:txBody>
+          <a:bodyPr rtlCol="0" anchor="ctr"/>
+          <a:lstStyle/>
+          <a:p>
+            <a:pPr algn="ctr"/>
+            <a:r>
+              <a:rPr lang="de-DE" dirty="0"/>
+              <a:t>Entity-Instanz</a:t>
+            </a:r>
+          </a:p>
+        </p:txBody>
+      </p:sp>
+      <p:sp>
+        <p:nvSpPr>
+          <p:cNvPr id="18" name="Rechteck: abgerundete Ecken 17">
+            <a:extLst>
+              <a:ext uri="{FF2B5EF4-FFF2-40B4-BE49-F238E27FC236}">
+                <a16:creationId xmlns:a16="http://schemas.microsoft.com/office/drawing/2014/main" id="{F275D77B-4298-4E0F-8016-8E6EAB998B19}"/>
+              </a:ext>
+            </a:extLst>
+          </p:cNvPr>
+          <p:cNvSpPr/>
+          <p:nvPr/>
+        </p:nvSpPr>
+        <p:spPr>
+          <a:xfrm>
+            <a:off x="6732235" y="4468016"/>
+            <a:ext cx="1155600" cy="597600"/>
+          </a:xfrm>
+          <a:prstGeom prst="roundRect">
+            <a:avLst/>
+          </a:prstGeom>
+        </p:spPr>
+        <p:style>
+          <a:lnRef idx="2">
+            <a:schemeClr val="accent4">
+              <a:shade val="50000"/>
+            </a:schemeClr>
+          </a:lnRef>
+          <a:fillRef idx="1">
+            <a:schemeClr val="accent4"/>
+          </a:fillRef>
+          <a:effectRef idx="0">
+            <a:schemeClr val="accent4"/>
+          </a:effectRef>
+          <a:fontRef idx="minor">
+            <a:schemeClr val="lt1"/>
+          </a:fontRef>
+        </p:style>
+        <p:txBody>
+          <a:bodyPr rtlCol="0" anchor="ctr"/>
+          <a:lstStyle/>
+          <a:p>
+            <a:pPr algn="ctr"/>
+            <a:r>
+              <a:rPr lang="de-DE" dirty="0"/>
+              <a:t>Entity-Instanz</a:t>
+            </a:r>
+          </a:p>
+        </p:txBody>
+      </p:sp>
+      <p:sp>
+        <p:nvSpPr>
+          <p:cNvPr id="19" name="Rechteck: abgerundete Ecken 18">
+            <a:extLst>
+              <a:ext uri="{FF2B5EF4-FFF2-40B4-BE49-F238E27FC236}">
+                <a16:creationId xmlns:a16="http://schemas.microsoft.com/office/drawing/2014/main" id="{534A4C8C-E0CF-479B-A3CC-9C30E4651CEE}"/>
+              </a:ext>
+            </a:extLst>
+          </p:cNvPr>
+          <p:cNvSpPr/>
+          <p:nvPr/>
+        </p:nvSpPr>
+        <p:spPr>
+          <a:xfrm>
+            <a:off x="6042736" y="4866443"/>
+            <a:ext cx="1155600" cy="597600"/>
+          </a:xfrm>
+          <a:prstGeom prst="roundRect">
+            <a:avLst/>
+          </a:prstGeom>
+        </p:spPr>
+        <p:style>
+          <a:lnRef idx="2">
+            <a:schemeClr val="accent4">
+              <a:shade val="50000"/>
+            </a:schemeClr>
+          </a:lnRef>
+          <a:fillRef idx="1">
+            <a:schemeClr val="accent4"/>
+          </a:fillRef>
+          <a:effectRef idx="0">
+            <a:schemeClr val="accent4"/>
+          </a:effectRef>
+          <a:fontRef idx="minor">
+            <a:schemeClr val="lt1"/>
+          </a:fontRef>
+        </p:style>
+        <p:txBody>
+          <a:bodyPr rtlCol="0" anchor="ctr"/>
+          <a:lstStyle/>
+          <a:p>
+            <a:pPr algn="ctr"/>
+            <a:r>
+              <a:rPr lang="de-DE" dirty="0"/>
+              <a:t>Entity-Instanz</a:t>
+            </a:r>
+          </a:p>
+        </p:txBody>
+      </p:sp>
+      <p:sp>
+        <p:nvSpPr>
+          <p:cNvPr id="24" name="Rechteck 23">
+            <a:extLst>
+              <a:ext uri="{FF2B5EF4-FFF2-40B4-BE49-F238E27FC236}">
+                <a16:creationId xmlns:a16="http://schemas.microsoft.com/office/drawing/2014/main" id="{6773C0D5-CA28-4D76-92DD-3FF3092DD609}"/>
+              </a:ext>
+            </a:extLst>
+          </p:cNvPr>
+          <p:cNvSpPr/>
+          <p:nvPr/>
+        </p:nvSpPr>
+        <p:spPr>
+          <a:xfrm>
+            <a:off x="540270" y="4391868"/>
+            <a:ext cx="2299317" cy="677251"/>
+          </a:xfrm>
+          <a:prstGeom prst="rect">
+            <a:avLst/>
+          </a:prstGeom>
+        </p:spPr>
+        <p:style>
+          <a:lnRef idx="2">
+            <a:schemeClr val="accent4">
+              <a:shade val="50000"/>
+            </a:schemeClr>
+          </a:lnRef>
+          <a:fillRef idx="1">
+            <a:schemeClr val="accent4"/>
+          </a:fillRef>
+          <a:effectRef idx="0">
+            <a:schemeClr val="accent4"/>
+          </a:effectRef>
+          <a:fontRef idx="minor">
+            <a:schemeClr val="lt1"/>
+          </a:fontRef>
+        </p:style>
+        <p:txBody>
+          <a:bodyPr rtlCol="0" anchor="ctr"/>
+          <a:lstStyle/>
+          <a:p>
+            <a:pPr algn="ctr"/>
+            <a:r>
+              <a:rPr lang="de-DE" dirty="0"/>
+              <a:t>Entity-Manager</a:t>
+            </a:r>
+          </a:p>
+        </p:txBody>
+      </p:sp>
+      <p:grpSp>
+        <p:nvGrpSpPr>
+          <p:cNvPr id="62" name="Gruppieren 61">
+            <a:extLst>
+              <a:ext uri="{FF2B5EF4-FFF2-40B4-BE49-F238E27FC236}">
+                <a16:creationId xmlns:a16="http://schemas.microsoft.com/office/drawing/2014/main" id="{55712512-D110-4F01-9DC2-C667C7E910C3}"/>
+              </a:ext>
+            </a:extLst>
+          </p:cNvPr>
+          <p:cNvGrpSpPr/>
+          <p:nvPr/>
+        </p:nvGrpSpPr>
+        <p:grpSpPr>
+          <a:xfrm>
+            <a:off x="2839574" y="4391868"/>
+            <a:ext cx="1853198" cy="697856"/>
+            <a:chOff x="2839574" y="4391868"/>
+            <a:chExt cx="1853198" cy="697856"/>
+          </a:xfrm>
+        </p:grpSpPr>
+        <p:cxnSp>
+          <p:nvCxnSpPr>
+            <p:cNvPr id="26" name="Gerade Verbindung mit Pfeil 25">
+              <a:extLst>
+                <a:ext uri="{FF2B5EF4-FFF2-40B4-BE49-F238E27FC236}">
+                  <a16:creationId xmlns:a16="http://schemas.microsoft.com/office/drawing/2014/main" id="{FA94A5AA-A86D-467C-9060-99535B8E6A36}"/>
+                </a:ext>
+              </a:extLst>
+            </p:cNvPr>
+            <p:cNvCxnSpPr>
+              <a:stCxn id="24" idx="3"/>
+              <a:endCxn id="14" idx="1"/>
+            </p:cNvCxnSpPr>
+            <p:nvPr/>
+          </p:nvCxnSpPr>
+          <p:spPr>
+            <a:xfrm>
+              <a:off x="2839587" y="4730494"/>
+              <a:ext cx="1853185" cy="0"/>
+            </a:xfrm>
+            <a:prstGeom prst="straightConnector1">
+              <a:avLst/>
+            </a:prstGeom>
+            <a:ln>
+              <a:solidFill>
+                <a:srgbClr val="6D8B00"/>
+              </a:solidFill>
+              <a:tailEnd type="triangle"/>
+            </a:ln>
+            <a:effectLst/>
+          </p:spPr>
+          <p:style>
+            <a:lnRef idx="2">
+              <a:schemeClr val="accent1"/>
+            </a:lnRef>
+            <a:fillRef idx="0">
+              <a:schemeClr val="accent1"/>
+            </a:fillRef>
+            <a:effectRef idx="1">
+              <a:schemeClr val="accent1"/>
+            </a:effectRef>
+            <a:fontRef idx="minor">
+              <a:schemeClr val="tx1"/>
+            </a:fontRef>
+          </p:style>
+        </p:cxnSp>
+        <p:sp>
+          <p:nvSpPr>
+            <p:cNvPr id="27" name="Textfeld 26">
+              <a:extLst>
+                <a:ext uri="{FF2B5EF4-FFF2-40B4-BE49-F238E27FC236}">
+                  <a16:creationId xmlns:a16="http://schemas.microsoft.com/office/drawing/2014/main" id="{E54F6C1B-5792-48C3-8210-331045AD4A74}"/>
+                </a:ext>
+              </a:extLst>
+            </p:cNvPr>
+            <p:cNvSpPr txBox="1"/>
+            <p:nvPr/>
+          </p:nvSpPr>
+          <p:spPr>
+            <a:xfrm>
+              <a:off x="3183178" y="4720392"/>
+              <a:ext cx="1107996" cy="369332"/>
+            </a:xfrm>
+            <a:prstGeom prst="rect">
+              <a:avLst/>
+            </a:prstGeom>
+            <a:noFill/>
+          </p:spPr>
+          <p:txBody>
+            <a:bodyPr wrap="none" rtlCol="0">
+              <a:spAutoFit/>
+            </a:bodyPr>
+            <a:lstStyle/>
+            <a:p>
+              <a:r>
+                <a:rPr lang="de-DE" dirty="0">
+                  <a:solidFill>
+                    <a:srgbClr val="6D8B00"/>
+                  </a:solidFill>
+                </a:rPr>
+                <a:t>verwaltet</a:t>
+              </a:r>
+            </a:p>
+          </p:txBody>
+        </p:sp>
+        <p:sp>
+          <p:nvSpPr>
+            <p:cNvPr id="28" name="Textfeld 27">
+              <a:extLst>
+                <a:ext uri="{FF2B5EF4-FFF2-40B4-BE49-F238E27FC236}">
+                  <a16:creationId xmlns:a16="http://schemas.microsoft.com/office/drawing/2014/main" id="{C4D15E50-BE1C-4DA9-B335-ECCF44206325}"/>
+                </a:ext>
+              </a:extLst>
+            </p:cNvPr>
+            <p:cNvSpPr txBox="1"/>
+            <p:nvPr/>
+          </p:nvSpPr>
+          <p:spPr>
+            <a:xfrm>
+              <a:off x="2839574" y="4397484"/>
+              <a:ext cx="312906" cy="369332"/>
+            </a:xfrm>
+            <a:prstGeom prst="rect">
+              <a:avLst/>
+            </a:prstGeom>
+            <a:noFill/>
+          </p:spPr>
+          <p:txBody>
+            <a:bodyPr wrap="none" rtlCol="0">
+              <a:spAutoFit/>
+            </a:bodyPr>
+            <a:lstStyle/>
+            <a:p>
+              <a:r>
+                <a:rPr lang="de-DE" dirty="0">
+                  <a:solidFill>
+                    <a:srgbClr val="6D8B00"/>
+                  </a:solidFill>
+                </a:rPr>
+                <a:t>1</a:t>
+              </a:r>
+            </a:p>
+          </p:txBody>
+        </p:sp>
+        <p:sp>
+          <p:nvSpPr>
+            <p:cNvPr id="29" name="Textfeld 28">
+              <a:extLst>
+                <a:ext uri="{FF2B5EF4-FFF2-40B4-BE49-F238E27FC236}">
+                  <a16:creationId xmlns:a16="http://schemas.microsoft.com/office/drawing/2014/main" id="{D7BED014-7D28-47DC-8AF4-266CB9869DA7}"/>
+                </a:ext>
+              </a:extLst>
+            </p:cNvPr>
+            <p:cNvSpPr txBox="1"/>
+            <p:nvPr/>
+          </p:nvSpPr>
+          <p:spPr>
+            <a:xfrm>
+              <a:off x="4375813" y="4391868"/>
+              <a:ext cx="312906" cy="369332"/>
+            </a:xfrm>
+            <a:prstGeom prst="rect">
+              <a:avLst/>
+            </a:prstGeom>
+            <a:noFill/>
+          </p:spPr>
+          <p:txBody>
+            <a:bodyPr wrap="none" rtlCol="0">
+              <a:spAutoFit/>
+            </a:bodyPr>
+            <a:lstStyle/>
+            <a:p>
+              <a:r>
+                <a:rPr lang="de-DE" dirty="0">
+                  <a:solidFill>
+                    <a:srgbClr val="6D8B00"/>
+                  </a:solidFill>
+                </a:rPr>
+                <a:t>1</a:t>
+              </a:r>
+            </a:p>
+          </p:txBody>
+        </p:sp>
+      </p:grpSp>
+      <p:grpSp>
+        <p:nvGrpSpPr>
+          <p:cNvPr id="63" name="Gruppieren 62">
+            <a:extLst>
+              <a:ext uri="{FF2B5EF4-FFF2-40B4-BE49-F238E27FC236}">
+                <a16:creationId xmlns:a16="http://schemas.microsoft.com/office/drawing/2014/main" id="{A6B2BD0F-E624-48F2-AFC0-1C1F236706C2}"/>
+              </a:ext>
+            </a:extLst>
+          </p:cNvPr>
+          <p:cNvGrpSpPr/>
+          <p:nvPr/>
+        </p:nvGrpSpPr>
+        <p:grpSpPr>
+          <a:xfrm>
+            <a:off x="5565682" y="2867482"/>
+            <a:ext cx="1228928" cy="970866"/>
+            <a:chOff x="5565682" y="2867482"/>
+            <a:chExt cx="1228928" cy="970866"/>
+          </a:xfrm>
+        </p:grpSpPr>
+        <p:cxnSp>
+          <p:nvCxnSpPr>
+            <p:cNvPr id="21" name="Gerade Verbindung mit Pfeil 20">
+              <a:extLst>
+                <a:ext uri="{FF2B5EF4-FFF2-40B4-BE49-F238E27FC236}">
+                  <a16:creationId xmlns:a16="http://schemas.microsoft.com/office/drawing/2014/main" id="{8C3A4228-2278-4A4C-9ECF-4ACE18CA3E86}"/>
+                </a:ext>
+              </a:extLst>
+            </p:cNvPr>
+            <p:cNvCxnSpPr>
+              <a:stCxn id="9" idx="0"/>
+              <a:endCxn id="14" idx="0"/>
+            </p:cNvCxnSpPr>
+            <p:nvPr/>
+          </p:nvCxnSpPr>
+          <p:spPr>
+            <a:xfrm flipH="1">
+              <a:off x="6498005" y="2867482"/>
+              <a:ext cx="6264" cy="946064"/>
+            </a:xfrm>
+            <a:prstGeom prst="straightConnector1">
+              <a:avLst/>
+            </a:prstGeom>
+            <a:ln>
+              <a:solidFill>
+                <a:srgbClr val="6D8B00"/>
+              </a:solidFill>
+              <a:tailEnd type="triangle"/>
+            </a:ln>
+            <a:effectLst/>
+          </p:spPr>
+          <p:style>
+            <a:lnRef idx="2">
+              <a:schemeClr val="accent1"/>
+            </a:lnRef>
+            <a:fillRef idx="0">
+              <a:schemeClr val="accent1"/>
+            </a:fillRef>
+            <a:effectRef idx="1">
+              <a:schemeClr val="accent1"/>
+            </a:effectRef>
+            <a:fontRef idx="minor">
+              <a:schemeClr val="tx1"/>
+            </a:fontRef>
+          </p:style>
+        </p:cxnSp>
+        <p:sp>
+          <p:nvSpPr>
+            <p:cNvPr id="22" name="Textfeld 21">
+              <a:extLst>
+                <a:ext uri="{FF2B5EF4-FFF2-40B4-BE49-F238E27FC236}">
+                  <a16:creationId xmlns:a16="http://schemas.microsoft.com/office/drawing/2014/main" id="{D9CBC8F4-ADE5-4DB9-9BA4-065F965EB9C4}"/>
+                </a:ext>
+              </a:extLst>
+            </p:cNvPr>
+            <p:cNvSpPr txBox="1"/>
+            <p:nvPr/>
+          </p:nvSpPr>
+          <p:spPr>
+            <a:xfrm>
+              <a:off x="5565682" y="3155255"/>
+              <a:ext cx="954107" cy="369332"/>
+            </a:xfrm>
+            <a:prstGeom prst="rect">
+              <a:avLst/>
+            </a:prstGeom>
+            <a:noFill/>
+          </p:spPr>
+          <p:txBody>
+            <a:bodyPr wrap="none" rtlCol="0">
+              <a:spAutoFit/>
+            </a:bodyPr>
+            <a:lstStyle/>
+            <a:p>
+              <a:r>
+                <a:rPr lang="de-DE" dirty="0">
+                  <a:solidFill>
+                    <a:srgbClr val="6D8B00"/>
+                  </a:solidFill>
+                </a:rPr>
+                <a:t>erzeugt</a:t>
+              </a:r>
+            </a:p>
+          </p:txBody>
+        </p:sp>
+        <p:sp>
+          <p:nvSpPr>
+            <p:cNvPr id="31" name="Textfeld 30">
+              <a:extLst>
+                <a:ext uri="{FF2B5EF4-FFF2-40B4-BE49-F238E27FC236}">
+                  <a16:creationId xmlns:a16="http://schemas.microsoft.com/office/drawing/2014/main" id="{969AAA3D-3A15-4B58-A78B-77F8A9BA00DB}"/>
+                </a:ext>
+              </a:extLst>
+            </p:cNvPr>
+            <p:cNvSpPr txBox="1"/>
+            <p:nvPr/>
+          </p:nvSpPr>
+          <p:spPr>
+            <a:xfrm>
+              <a:off x="6481704" y="2891403"/>
+              <a:ext cx="312906" cy="369332"/>
+            </a:xfrm>
+            <a:prstGeom prst="rect">
+              <a:avLst/>
+            </a:prstGeom>
+            <a:noFill/>
+          </p:spPr>
+          <p:txBody>
+            <a:bodyPr wrap="none" rtlCol="0">
+              <a:spAutoFit/>
+            </a:bodyPr>
+            <a:lstStyle/>
+            <a:p>
+              <a:r>
+                <a:rPr lang="de-DE" dirty="0">
+                  <a:solidFill>
+                    <a:srgbClr val="6D8B00"/>
+                  </a:solidFill>
+                </a:rPr>
+                <a:t>1</a:t>
+              </a:r>
+            </a:p>
+          </p:txBody>
+        </p:sp>
+        <p:sp>
+          <p:nvSpPr>
+            <p:cNvPr id="32" name="Textfeld 31">
+              <a:extLst>
+                <a:ext uri="{FF2B5EF4-FFF2-40B4-BE49-F238E27FC236}">
+                  <a16:creationId xmlns:a16="http://schemas.microsoft.com/office/drawing/2014/main" id="{5307DC9C-8FCC-4AB4-A6CC-CB9D6C2A2D24}"/>
+                </a:ext>
+              </a:extLst>
+            </p:cNvPr>
+            <p:cNvSpPr txBox="1"/>
+            <p:nvPr/>
+          </p:nvSpPr>
+          <p:spPr>
+            <a:xfrm>
+              <a:off x="6498004" y="3469016"/>
+              <a:ext cx="274434" cy="369332"/>
+            </a:xfrm>
+            <a:prstGeom prst="rect">
+              <a:avLst/>
+            </a:prstGeom>
+            <a:noFill/>
+          </p:spPr>
+          <p:txBody>
+            <a:bodyPr wrap="none" rtlCol="0">
+              <a:spAutoFit/>
+            </a:bodyPr>
+            <a:lstStyle/>
+            <a:p>
+              <a:r>
+                <a:rPr lang="de-DE" dirty="0">
+                  <a:solidFill>
+                    <a:srgbClr val="6D8B00"/>
+                  </a:solidFill>
+                </a:rPr>
+                <a:t>*</a:t>
+              </a:r>
+            </a:p>
+          </p:txBody>
+        </p:sp>
+      </p:grpSp>
+      <p:sp>
+        <p:nvSpPr>
+          <p:cNvPr id="33" name="Flussdiagramm: Magnetplattenspeicher 32">
+            <a:extLst>
+              <a:ext uri="{FF2B5EF4-FFF2-40B4-BE49-F238E27FC236}">
+                <a16:creationId xmlns:a16="http://schemas.microsoft.com/office/drawing/2014/main" id="{F1DDA473-9EBF-470B-8DF7-4A9C5D3C1D6C}"/>
+              </a:ext>
+            </a:extLst>
+          </p:cNvPr>
+          <p:cNvSpPr/>
+          <p:nvPr/>
+        </p:nvSpPr>
+        <p:spPr>
+          <a:xfrm>
+            <a:off x="1010787" y="5460760"/>
+            <a:ext cx="1358284" cy="939554"/>
+          </a:xfrm>
+          <a:prstGeom prst="flowChartMagneticDisk">
+            <a:avLst/>
+          </a:prstGeom>
+        </p:spPr>
+        <p:style>
+          <a:lnRef idx="2">
+            <a:schemeClr val="accent4">
+              <a:shade val="50000"/>
+            </a:schemeClr>
+          </a:lnRef>
+          <a:fillRef idx="1">
+            <a:schemeClr val="accent4"/>
+          </a:fillRef>
+          <a:effectRef idx="0">
+            <a:schemeClr val="accent4"/>
+          </a:effectRef>
+          <a:fontRef idx="minor">
+            <a:schemeClr val="lt1"/>
+          </a:fontRef>
+        </p:style>
+        <p:txBody>
+          <a:bodyPr rtlCol="0" anchor="ctr"/>
+          <a:lstStyle/>
+          <a:p>
+            <a:pPr algn="ctr"/>
+            <a:r>
+              <a:rPr lang="de-DE" dirty="0"/>
+              <a:t>DB</a:t>
+            </a:r>
+          </a:p>
+        </p:txBody>
+      </p:sp>
+      <p:cxnSp>
+        <p:nvCxnSpPr>
+          <p:cNvPr id="35" name="Gerade Verbindung mit Pfeil 34">
+            <a:extLst>
+              <a:ext uri="{FF2B5EF4-FFF2-40B4-BE49-F238E27FC236}">
+                <a16:creationId xmlns:a16="http://schemas.microsoft.com/office/drawing/2014/main" id="{B86A4F70-B82C-4232-A178-402D71237D00}"/>
+              </a:ext>
+            </a:extLst>
+          </p:cNvPr>
+          <p:cNvCxnSpPr>
+            <a:cxnSpLocks/>
+            <a:stCxn id="24" idx="2"/>
+            <a:endCxn id="33" idx="1"/>
+          </p:cNvCxnSpPr>
+          <p:nvPr/>
+        </p:nvCxnSpPr>
+        <p:spPr>
+          <a:xfrm>
+            <a:off x="1689929" y="5069119"/>
+            <a:ext cx="0" cy="391641"/>
+          </a:xfrm>
+          <a:prstGeom prst="straightConnector1">
+            <a:avLst/>
+          </a:prstGeom>
+          <a:ln>
+            <a:solidFill>
+              <a:srgbClr val="6D8B00"/>
+            </a:solidFill>
+            <a:tailEnd type="triangle"/>
+          </a:ln>
+          <a:effectLst/>
+        </p:spPr>
+        <p:style>
+          <a:lnRef idx="2">
+            <a:schemeClr val="accent1"/>
+          </a:lnRef>
+          <a:fillRef idx="0">
+            <a:schemeClr val="accent1"/>
+          </a:fillRef>
+          <a:effectRef idx="1">
+            <a:schemeClr val="accent1"/>
+          </a:effectRef>
+          <a:fontRef idx="minor">
+            <a:schemeClr val="tx1"/>
+          </a:fontRef>
+        </p:style>
+      </p:cxnSp>
+      <p:sp>
+        <p:nvSpPr>
+          <p:cNvPr id="38" name="Rechteck 37">
+            <a:extLst>
+              <a:ext uri="{FF2B5EF4-FFF2-40B4-BE49-F238E27FC236}">
+                <a16:creationId xmlns:a16="http://schemas.microsoft.com/office/drawing/2014/main" id="{1EA8D63A-1512-4014-800F-29B1F7330E55}"/>
+              </a:ext>
+            </a:extLst>
+          </p:cNvPr>
+          <p:cNvSpPr/>
+          <p:nvPr/>
+        </p:nvSpPr>
+        <p:spPr>
+          <a:xfrm>
+            <a:off x="540270" y="1617210"/>
+            <a:ext cx="2299304" cy="677251"/>
+          </a:xfrm>
+          <a:prstGeom prst="rect">
+            <a:avLst/>
+          </a:prstGeom>
+        </p:spPr>
+        <p:style>
+          <a:lnRef idx="2">
+            <a:schemeClr val="accent4">
+              <a:shade val="50000"/>
+            </a:schemeClr>
+          </a:lnRef>
+          <a:fillRef idx="1">
+            <a:schemeClr val="accent4"/>
+          </a:fillRef>
+          <a:effectRef idx="0">
+            <a:schemeClr val="accent4"/>
+          </a:effectRef>
+          <a:fontRef idx="minor">
+            <a:schemeClr val="lt1"/>
+          </a:fontRef>
+        </p:style>
+        <p:txBody>
+          <a:bodyPr rtlCol="0" anchor="ctr"/>
+          <a:lstStyle/>
+          <a:p>
+            <a:pPr algn="ctr"/>
+            <a:r>
+              <a:rPr lang="de-DE" dirty="0"/>
+              <a:t>Entity-Manager-Factory</a:t>
+            </a:r>
+          </a:p>
+        </p:txBody>
+      </p:sp>
+      <p:grpSp>
+        <p:nvGrpSpPr>
+          <p:cNvPr id="58" name="Gruppieren 57">
+            <a:extLst>
+              <a:ext uri="{FF2B5EF4-FFF2-40B4-BE49-F238E27FC236}">
+                <a16:creationId xmlns:a16="http://schemas.microsoft.com/office/drawing/2014/main" id="{949AC87A-960A-455E-AB01-4D9362E24A48}"/>
+              </a:ext>
+            </a:extLst>
+          </p:cNvPr>
+          <p:cNvGrpSpPr/>
+          <p:nvPr/>
+        </p:nvGrpSpPr>
+        <p:grpSpPr>
+          <a:xfrm>
+            <a:off x="1359821" y="2294461"/>
+            <a:ext cx="1274624" cy="2097407"/>
+            <a:chOff x="1901357" y="2294461"/>
+            <a:chExt cx="1274624" cy="2097407"/>
+          </a:xfrm>
+        </p:grpSpPr>
+        <p:sp>
+          <p:nvSpPr>
+            <p:cNvPr id="30" name="Textfeld 29">
+              <a:extLst>
+                <a:ext uri="{FF2B5EF4-FFF2-40B4-BE49-F238E27FC236}">
+                  <a16:creationId xmlns:a16="http://schemas.microsoft.com/office/drawing/2014/main" id="{3BA1264D-4EBE-43CC-AA53-DC3D21254B22}"/>
+                </a:ext>
+              </a:extLst>
+            </p:cNvPr>
+            <p:cNvSpPr txBox="1"/>
+            <p:nvPr/>
+          </p:nvSpPr>
+          <p:spPr>
+            <a:xfrm>
+              <a:off x="1901357" y="2316770"/>
+              <a:ext cx="312906" cy="369332"/>
+            </a:xfrm>
+            <a:prstGeom prst="rect">
+              <a:avLst/>
+            </a:prstGeom>
+            <a:noFill/>
+          </p:spPr>
+          <p:txBody>
+            <a:bodyPr wrap="none" rtlCol="0">
+              <a:spAutoFit/>
+            </a:bodyPr>
+            <a:lstStyle/>
+            <a:p>
+              <a:r>
+                <a:rPr lang="de-DE" dirty="0">
+                  <a:solidFill>
+                    <a:srgbClr val="6D8B00"/>
+                  </a:solidFill>
+                </a:rPr>
+                <a:t>1</a:t>
+              </a:r>
+            </a:p>
+          </p:txBody>
+        </p:sp>
+        <p:cxnSp>
+          <p:nvCxnSpPr>
+            <p:cNvPr id="40" name="Gerade Verbindung mit Pfeil 39">
+              <a:extLst>
+                <a:ext uri="{FF2B5EF4-FFF2-40B4-BE49-F238E27FC236}">
+                  <a16:creationId xmlns:a16="http://schemas.microsoft.com/office/drawing/2014/main" id="{8E0C90A6-4707-4DB3-BD71-FF7854239ABA}"/>
+                </a:ext>
+              </a:extLst>
+            </p:cNvPr>
+            <p:cNvCxnSpPr>
+              <a:stCxn id="38" idx="2"/>
+              <a:endCxn id="24" idx="0"/>
+            </p:cNvCxnSpPr>
+            <p:nvPr/>
+          </p:nvCxnSpPr>
+          <p:spPr>
+            <a:xfrm>
+              <a:off x="2231458" y="2294461"/>
+              <a:ext cx="7" cy="2097407"/>
+            </a:xfrm>
+            <a:prstGeom prst="straightConnector1">
+              <a:avLst/>
+            </a:prstGeom>
+            <a:ln>
+              <a:solidFill>
+                <a:srgbClr val="6D8B00"/>
+              </a:solidFill>
+              <a:tailEnd type="triangle"/>
+            </a:ln>
+            <a:effectLst/>
+          </p:spPr>
+          <p:style>
+            <a:lnRef idx="2">
+              <a:schemeClr val="accent1"/>
+            </a:lnRef>
+            <a:fillRef idx="0">
+              <a:schemeClr val="accent1"/>
+            </a:fillRef>
+            <a:effectRef idx="1">
+              <a:schemeClr val="accent1"/>
+            </a:effectRef>
+            <a:fontRef idx="minor">
+              <a:schemeClr val="tx1"/>
+            </a:fontRef>
+          </p:style>
+        </p:cxnSp>
+        <p:sp>
+          <p:nvSpPr>
+            <p:cNvPr id="42" name="Textfeld 41">
+              <a:extLst>
+                <a:ext uri="{FF2B5EF4-FFF2-40B4-BE49-F238E27FC236}">
+                  <a16:creationId xmlns:a16="http://schemas.microsoft.com/office/drawing/2014/main" id="{C7861A9D-774D-46AA-AD25-18F473AEE183}"/>
+                </a:ext>
+              </a:extLst>
+            </p:cNvPr>
+            <p:cNvSpPr txBox="1"/>
+            <p:nvPr/>
+          </p:nvSpPr>
+          <p:spPr>
+            <a:xfrm>
+              <a:off x="1939829" y="4022536"/>
+              <a:ext cx="274434" cy="369332"/>
+            </a:xfrm>
+            <a:prstGeom prst="rect">
+              <a:avLst/>
+            </a:prstGeom>
+            <a:noFill/>
+          </p:spPr>
+          <p:txBody>
+            <a:bodyPr wrap="none" rtlCol="0">
+              <a:spAutoFit/>
+            </a:bodyPr>
+            <a:lstStyle/>
+            <a:p>
+              <a:r>
+                <a:rPr lang="de-DE" dirty="0">
+                  <a:solidFill>
+                    <a:srgbClr val="6D8B00"/>
+                  </a:solidFill>
+                </a:rPr>
+                <a:t>*</a:t>
+              </a:r>
+            </a:p>
+          </p:txBody>
+        </p:sp>
+        <p:sp>
+          <p:nvSpPr>
+            <p:cNvPr id="47" name="Textfeld 46">
+              <a:extLst>
+                <a:ext uri="{FF2B5EF4-FFF2-40B4-BE49-F238E27FC236}">
+                  <a16:creationId xmlns:a16="http://schemas.microsoft.com/office/drawing/2014/main" id="{ED5DB970-75D1-47F4-851E-69E68015B82C}"/>
+                </a:ext>
+              </a:extLst>
+            </p:cNvPr>
+            <p:cNvSpPr txBox="1"/>
+            <p:nvPr/>
+          </p:nvSpPr>
+          <p:spPr>
+            <a:xfrm>
+              <a:off x="2221874" y="3155920"/>
+              <a:ext cx="954107" cy="369332"/>
+            </a:xfrm>
+            <a:prstGeom prst="rect">
+              <a:avLst/>
+            </a:prstGeom>
+            <a:noFill/>
+          </p:spPr>
+          <p:txBody>
+            <a:bodyPr wrap="none" rtlCol="0">
+              <a:spAutoFit/>
+            </a:bodyPr>
+            <a:lstStyle/>
+            <a:p>
+              <a:r>
+                <a:rPr lang="de-DE" dirty="0">
+                  <a:solidFill>
+                    <a:srgbClr val="6D8B00"/>
+                  </a:solidFill>
+                </a:rPr>
+                <a:t>erzeugt</a:t>
+              </a:r>
+            </a:p>
+          </p:txBody>
+        </p:sp>
+      </p:grpSp>
+      <p:grpSp>
+        <p:nvGrpSpPr>
+          <p:cNvPr id="57" name="Gruppieren 56">
+            <a:extLst>
+              <a:ext uri="{FF2B5EF4-FFF2-40B4-BE49-F238E27FC236}">
+                <a16:creationId xmlns:a16="http://schemas.microsoft.com/office/drawing/2014/main" id="{4C785FA6-7F50-4CDF-9FC1-CD087ECC35BA}"/>
+              </a:ext>
+            </a:extLst>
+          </p:cNvPr>
+          <p:cNvGrpSpPr/>
+          <p:nvPr/>
+        </p:nvGrpSpPr>
+        <p:grpSpPr>
+          <a:xfrm>
+            <a:off x="2839574" y="1623687"/>
+            <a:ext cx="2015393" cy="646331"/>
+            <a:chOff x="2839574" y="1881144"/>
+            <a:chExt cx="2015393" cy="646331"/>
+          </a:xfrm>
+        </p:grpSpPr>
+        <p:cxnSp>
+          <p:nvCxnSpPr>
+            <p:cNvPr id="67" name="Gerade Verbindung mit Pfeil 66">
+              <a:extLst>
+                <a:ext uri="{FF2B5EF4-FFF2-40B4-BE49-F238E27FC236}">
+                  <a16:creationId xmlns:a16="http://schemas.microsoft.com/office/drawing/2014/main" id="{F97A06AE-E51C-4C4F-82B2-F110AB95768F}"/>
+                </a:ext>
+              </a:extLst>
+            </p:cNvPr>
+            <p:cNvCxnSpPr>
+              <a:stCxn id="38" idx="3"/>
+              <a:endCxn id="9" idx="1"/>
+            </p:cNvCxnSpPr>
+            <p:nvPr/>
+          </p:nvCxnSpPr>
+          <p:spPr>
+            <a:xfrm flipV="1">
+              <a:off x="2839574" y="2213188"/>
+              <a:ext cx="2015393" cy="8983"/>
+            </a:xfrm>
+            <a:prstGeom prst="straightConnector1">
+              <a:avLst/>
+            </a:prstGeom>
+            <a:ln>
+              <a:solidFill>
+                <a:srgbClr val="6D8B00"/>
+              </a:solidFill>
+              <a:tailEnd type="triangle"/>
+            </a:ln>
+            <a:effectLst/>
+          </p:spPr>
+          <p:style>
+            <a:lnRef idx="2">
+              <a:schemeClr val="accent1"/>
+            </a:lnRef>
+            <a:fillRef idx="0">
+              <a:schemeClr val="accent1"/>
+            </a:fillRef>
+            <a:effectRef idx="1">
+              <a:schemeClr val="accent1"/>
+            </a:effectRef>
+            <a:fontRef idx="minor">
+              <a:schemeClr val="tx1"/>
+            </a:fontRef>
+          </p:style>
+        </p:cxnSp>
+        <p:sp>
+          <p:nvSpPr>
+            <p:cNvPr id="68" name="Textfeld 67">
+              <a:extLst>
+                <a:ext uri="{FF2B5EF4-FFF2-40B4-BE49-F238E27FC236}">
+                  <a16:creationId xmlns:a16="http://schemas.microsoft.com/office/drawing/2014/main" id="{50B5F9A2-21F5-4DCB-80EE-04F25CF8E166}"/>
+                </a:ext>
+              </a:extLst>
+            </p:cNvPr>
+            <p:cNvSpPr txBox="1"/>
+            <p:nvPr/>
+          </p:nvSpPr>
+          <p:spPr>
+            <a:xfrm>
+              <a:off x="3110331" y="1881144"/>
+              <a:ext cx="1411555" cy="646331"/>
+            </a:xfrm>
+            <a:prstGeom prst="rect">
+              <a:avLst/>
+            </a:prstGeom>
+            <a:noFill/>
+          </p:spPr>
+          <p:txBody>
+            <a:bodyPr wrap="square" rtlCol="0">
+              <a:spAutoFit/>
+            </a:bodyPr>
+            <a:lstStyle/>
+            <a:p>
+              <a:pPr algn="ctr"/>
+              <a:r>
+                <a:rPr lang="de-DE" dirty="0">
+                  <a:solidFill>
+                    <a:srgbClr val="6D8B00"/>
+                  </a:solidFill>
+                </a:rPr>
+                <a:t>Konfiguriert durch</a:t>
+              </a:r>
+            </a:p>
+          </p:txBody>
+        </p:sp>
+      </p:grpSp>
+    </p:spTree>
+    <p:extLst>
+      <p:ext uri="{BB962C8B-B14F-4D97-AF65-F5344CB8AC3E}">
+        <p14:creationId xmlns:p14="http://schemas.microsoft.com/office/powerpoint/2010/main" val="3600066435"/>
+      </p:ext>
+    </p:extLst>
+  </p:cSld>
+  <p:clrMapOvr>
+    <a:masterClrMapping/>
+  </p:clrMapOvr>
+  <p:timing>
+    <p:tnLst>
+      <p:par>
+        <p:cTn id="1" dur="indefinite" restart="never" nodeType="tmRoot">
+          <p:childTnLst>
+            <p:seq concurrent="1" nextAc="seek">
+              <p:cTn id="2" dur="indefinite" nodeType="mainSeq">
+                <p:childTnLst>
+                  <p:par>
+                    <p:cTn id="3" fill="hold">
+                      <p:stCondLst>
+                        <p:cond delay="indefinite"/>
+                      </p:stCondLst>
+                      <p:childTnLst>
+                        <p:par>
+                          <p:cTn id="4" fill="hold">
+                            <p:stCondLst>
+                              <p:cond delay="0"/>
+                            </p:stCondLst>
+                            <p:childTnLst>
+                              <p:par>
+                                <p:cTn id="5" presetID="1" presetClass="entr" presetSubtype="0" fill="hold" nodeType="clickEffect">
+                                  <p:stCondLst>
+                                    <p:cond delay="0"/>
+                                  </p:stCondLst>
+                                  <p:childTnLst>
+                                    <p:set>
+                                      <p:cBhvr>
+                                        <p:cTn id="6" dur="1" fill="hold">
+                                          <p:stCondLst>
+                                            <p:cond delay="0"/>
+                                          </p:stCondLst>
+                                        </p:cTn>
+                                        <p:tgtEl>
+                                          <p:spTgt spid="7"/>
+                                        </p:tgtEl>
+                                        <p:attrNameLst>
+                                          <p:attrName>style.visibility</p:attrName>
+                                        </p:attrNameLst>
+                                      </p:cBhvr>
+                                      <p:to>
+                                        <p:strVal val="visible"/>
+                                      </p:to>
+                                    </p:set>
+                                  </p:childTnLst>
+                                </p:cTn>
+                              </p:par>
+                            </p:childTnLst>
+                          </p:cTn>
+                        </p:par>
+                      </p:childTnLst>
+                    </p:cTn>
+                  </p:par>
+                  <p:par>
+                    <p:cTn id="7" fill="hold">
+                      <p:stCondLst>
+                        <p:cond delay="indefinite"/>
+                      </p:stCondLst>
+                      <p:childTnLst>
+                        <p:par>
+                          <p:cTn id="8" fill="hold">
+                            <p:stCondLst>
+                              <p:cond delay="0"/>
+                            </p:stCondLst>
+                            <p:childTnLst>
+                              <p:par>
+                                <p:cTn id="9" presetID="1" presetClass="entr" presetSubtype="0" fill="hold" grpId="0" nodeType="clickEffect">
+                                  <p:stCondLst>
+                                    <p:cond delay="0"/>
+                                  </p:stCondLst>
+                                  <p:childTnLst>
+                                    <p:set>
+                                      <p:cBhvr>
+                                        <p:cTn id="10" dur="1" fill="hold">
+                                          <p:stCondLst>
+                                            <p:cond delay="0"/>
+                                          </p:stCondLst>
+                                        </p:cTn>
+                                        <p:tgtEl>
+                                          <p:spTgt spid="24"/>
+                                        </p:tgtEl>
+                                        <p:attrNameLst>
+                                          <p:attrName>style.visibility</p:attrName>
+                                        </p:attrNameLst>
+                                      </p:cBhvr>
+                                      <p:to>
+                                        <p:strVal val="visible"/>
+                                      </p:to>
+                                    </p:set>
+                                  </p:childTnLst>
+                                </p:cTn>
+                              </p:par>
+                              <p:par>
+                                <p:cTn id="11" presetID="1" presetClass="entr" presetSubtype="0" fill="hold" nodeType="withEffect">
+                                  <p:stCondLst>
+                                    <p:cond delay="0"/>
+                                  </p:stCondLst>
+                                  <p:childTnLst>
+                                    <p:set>
+                                      <p:cBhvr>
+                                        <p:cTn id="12" dur="1" fill="hold">
+                                          <p:stCondLst>
+                                            <p:cond delay="0"/>
+                                          </p:stCondLst>
+                                        </p:cTn>
+                                        <p:tgtEl>
+                                          <p:spTgt spid="35"/>
+                                        </p:tgtEl>
+                                        <p:attrNameLst>
+                                          <p:attrName>style.visibility</p:attrName>
+                                        </p:attrNameLst>
+                                      </p:cBhvr>
+                                      <p:to>
+                                        <p:strVal val="visible"/>
+                                      </p:to>
+                                    </p:set>
+                                  </p:childTnLst>
+                                </p:cTn>
+                              </p:par>
+                              <p:par>
+                                <p:cTn id="13" presetID="1" presetClass="entr" presetSubtype="0" fill="hold" grpId="0" nodeType="withEffect">
+                                  <p:stCondLst>
+                                    <p:cond delay="0"/>
+                                  </p:stCondLst>
+                                  <p:childTnLst>
+                                    <p:set>
+                                      <p:cBhvr>
+                                        <p:cTn id="14" dur="1" fill="hold">
+                                          <p:stCondLst>
+                                            <p:cond delay="0"/>
+                                          </p:stCondLst>
+                                        </p:cTn>
+                                        <p:tgtEl>
+                                          <p:spTgt spid="33"/>
+                                        </p:tgtEl>
+                                        <p:attrNameLst>
+                                          <p:attrName>style.visibility</p:attrName>
+                                        </p:attrNameLst>
+                                      </p:cBhvr>
+                                      <p:to>
+                                        <p:strVal val="visible"/>
+                                      </p:to>
+                                    </p:set>
+                                  </p:childTnLst>
+                                </p:cTn>
+                              </p:par>
+                              <p:par>
+                                <p:cTn id="15" presetID="1" presetClass="entr" presetSubtype="0" fill="hold" grpId="0" nodeType="withEffect">
+                                  <p:stCondLst>
+                                    <p:cond delay="0"/>
+                                  </p:stCondLst>
+                                  <p:childTnLst>
+                                    <p:set>
+                                      <p:cBhvr>
+                                        <p:cTn id="16" dur="1" fill="hold">
+                                          <p:stCondLst>
+                                            <p:cond delay="0"/>
+                                          </p:stCondLst>
+                                        </p:cTn>
+                                        <p:tgtEl>
+                                          <p:spTgt spid="38"/>
+                                        </p:tgtEl>
+                                        <p:attrNameLst>
+                                          <p:attrName>style.visibility</p:attrName>
+                                        </p:attrNameLst>
+                                      </p:cBhvr>
+                                      <p:to>
+                                        <p:strVal val="visible"/>
+                                      </p:to>
+                                    </p:set>
+                                  </p:childTnLst>
+                                </p:cTn>
+                              </p:par>
+                              <p:par>
+                                <p:cTn id="17" presetID="1" presetClass="entr" presetSubtype="0" fill="hold" nodeType="withEffect">
+                                  <p:stCondLst>
+                                    <p:cond delay="0"/>
+                                  </p:stCondLst>
+                                  <p:childTnLst>
+                                    <p:set>
+                                      <p:cBhvr>
+                                        <p:cTn id="18" dur="1" fill="hold">
+                                          <p:stCondLst>
+                                            <p:cond delay="0"/>
+                                          </p:stCondLst>
+                                        </p:cTn>
+                                        <p:tgtEl>
+                                          <p:spTgt spid="58"/>
+                                        </p:tgtEl>
+                                        <p:attrNameLst>
+                                          <p:attrName>style.visibility</p:attrName>
+                                        </p:attrNameLst>
+                                      </p:cBhvr>
+                                      <p:to>
+                                        <p:strVal val="visible"/>
+                                      </p:to>
+                                    </p:set>
+                                  </p:childTnLst>
+                                </p:cTn>
+                              </p:par>
+                              <p:par>
+                                <p:cTn id="19" presetID="1" presetClass="entr" presetSubtype="0" fill="hold" nodeType="withEffect">
+                                  <p:stCondLst>
+                                    <p:cond delay="0"/>
+                                  </p:stCondLst>
+                                  <p:childTnLst>
+                                    <p:set>
+                                      <p:cBhvr>
+                                        <p:cTn id="20" dur="1" fill="hold">
+                                          <p:stCondLst>
+                                            <p:cond delay="0"/>
+                                          </p:stCondLst>
+                                        </p:cTn>
+                                        <p:tgtEl>
+                                          <p:spTgt spid="57"/>
+                                        </p:tgtEl>
+                                        <p:attrNameLst>
+                                          <p:attrName>style.visibility</p:attrName>
+                                        </p:attrNameLst>
+                                      </p:cBhvr>
+                                      <p:to>
+                                        <p:strVal val="visible"/>
+                                      </p:to>
+                                    </p:set>
+                                  </p:childTnLst>
+                                </p:cTn>
+                              </p:par>
+                            </p:childTnLst>
+                          </p:cTn>
+                        </p:par>
+                      </p:childTnLst>
+                    </p:cTn>
+                  </p:par>
+                  <p:par>
+                    <p:cTn id="21" fill="hold">
+                      <p:stCondLst>
+                        <p:cond delay="indefinite"/>
+                      </p:stCondLst>
+                      <p:childTnLst>
+                        <p:par>
+                          <p:cTn id="22" fill="hold">
+                            <p:stCondLst>
+                              <p:cond delay="0"/>
+                            </p:stCondLst>
+                            <p:childTnLst>
+                              <p:par>
+                                <p:cTn id="23" presetID="1" presetClass="entr" presetSubtype="0" fill="hold" nodeType="clickEffect">
+                                  <p:stCondLst>
+                                    <p:cond delay="0"/>
+                                  </p:stCondLst>
+                                  <p:childTnLst>
+                                    <p:set>
+                                      <p:cBhvr>
+                                        <p:cTn id="24" dur="1" fill="hold">
+                                          <p:stCondLst>
+                                            <p:cond delay="0"/>
+                                          </p:stCondLst>
+                                        </p:cTn>
+                                        <p:tgtEl>
+                                          <p:spTgt spid="63"/>
+                                        </p:tgtEl>
+                                        <p:attrNameLst>
+                                          <p:attrName>style.visibility</p:attrName>
+                                        </p:attrNameLst>
+                                      </p:cBhvr>
+                                      <p:to>
+                                        <p:strVal val="visible"/>
+                                      </p:to>
+                                    </p:set>
+                                  </p:childTnLst>
+                                </p:cTn>
+                              </p:par>
+                              <p:par>
+                                <p:cTn id="25" presetID="1" presetClass="entr" presetSubtype="0" fill="hold" grpId="0" nodeType="withEffect">
+                                  <p:stCondLst>
+                                    <p:cond delay="0"/>
+                                  </p:stCondLst>
+                                  <p:childTnLst>
+                                    <p:set>
+                                      <p:cBhvr>
+                                        <p:cTn id="26" dur="1" fill="hold">
+                                          <p:stCondLst>
+                                            <p:cond delay="0"/>
+                                          </p:stCondLst>
+                                        </p:cTn>
+                                        <p:tgtEl>
+                                          <p:spTgt spid="14"/>
+                                        </p:tgtEl>
+                                        <p:attrNameLst>
+                                          <p:attrName>style.visibility</p:attrName>
+                                        </p:attrNameLst>
+                                      </p:cBhvr>
+                                      <p:to>
+                                        <p:strVal val="visible"/>
+                                      </p:to>
+                                    </p:set>
+                                  </p:childTnLst>
+                                </p:cTn>
+                              </p:par>
+                              <p:par>
+                                <p:cTn id="27" presetID="1" presetClass="entr" presetSubtype="0" fill="hold" grpId="0" nodeType="withEffect">
+                                  <p:stCondLst>
+                                    <p:cond delay="0"/>
+                                  </p:stCondLst>
+                                  <p:childTnLst>
+                                    <p:set>
+                                      <p:cBhvr>
+                                        <p:cTn id="28" dur="1" fill="hold">
+                                          <p:stCondLst>
+                                            <p:cond delay="0"/>
+                                          </p:stCondLst>
+                                        </p:cTn>
+                                        <p:tgtEl>
+                                          <p:spTgt spid="16"/>
+                                        </p:tgtEl>
+                                        <p:attrNameLst>
+                                          <p:attrName>style.visibility</p:attrName>
+                                        </p:attrNameLst>
+                                      </p:cBhvr>
+                                      <p:to>
+                                        <p:strVal val="visible"/>
+                                      </p:to>
+                                    </p:set>
+                                  </p:childTnLst>
+                                </p:cTn>
+                              </p:par>
+                              <p:par>
+                                <p:cTn id="29" presetID="1" presetClass="entr" presetSubtype="0" fill="hold" grpId="0" nodeType="withEffect">
+                                  <p:stCondLst>
+                                    <p:cond delay="0"/>
+                                  </p:stCondLst>
+                                  <p:childTnLst>
+                                    <p:set>
+                                      <p:cBhvr>
+                                        <p:cTn id="30" dur="1" fill="hold">
+                                          <p:stCondLst>
+                                            <p:cond delay="0"/>
+                                          </p:stCondLst>
+                                        </p:cTn>
+                                        <p:tgtEl>
+                                          <p:spTgt spid="19"/>
+                                        </p:tgtEl>
+                                        <p:attrNameLst>
+                                          <p:attrName>style.visibility</p:attrName>
+                                        </p:attrNameLst>
+                                      </p:cBhvr>
+                                      <p:to>
+                                        <p:strVal val="visible"/>
+                                      </p:to>
+                                    </p:set>
+                                  </p:childTnLst>
+                                </p:cTn>
+                              </p:par>
+                              <p:par>
+                                <p:cTn id="31" presetID="1" presetClass="entr" presetSubtype="0" fill="hold" grpId="0" nodeType="withEffect">
+                                  <p:stCondLst>
+                                    <p:cond delay="0"/>
+                                  </p:stCondLst>
+                                  <p:childTnLst>
+                                    <p:set>
+                                      <p:cBhvr>
+                                        <p:cTn id="32" dur="1" fill="hold">
+                                          <p:stCondLst>
+                                            <p:cond delay="0"/>
+                                          </p:stCondLst>
+                                        </p:cTn>
+                                        <p:tgtEl>
+                                          <p:spTgt spid="18"/>
+                                        </p:tgtEl>
+                                        <p:attrNameLst>
+                                          <p:attrName>style.visibility</p:attrName>
+                                        </p:attrNameLst>
+                                      </p:cBhvr>
+                                      <p:to>
+                                        <p:strVal val="visible"/>
+                                      </p:to>
+                                    </p:set>
+                                  </p:childTnLst>
+                                </p:cTn>
+                              </p:par>
+                              <p:par>
+                                <p:cTn id="33" presetID="1" presetClass="entr" presetSubtype="0" fill="hold" nodeType="withEffect">
+                                  <p:stCondLst>
+                                    <p:cond delay="0"/>
+                                  </p:stCondLst>
+                                  <p:childTnLst>
+                                    <p:set>
+                                      <p:cBhvr>
+                                        <p:cTn id="34" dur="1" fill="hold">
+                                          <p:stCondLst>
+                                            <p:cond delay="0"/>
+                                          </p:stCondLst>
+                                        </p:cTn>
+                                        <p:tgtEl>
+                                          <p:spTgt spid="62"/>
+                                        </p:tgtEl>
+                                        <p:attrNameLst>
+                                          <p:attrName>style.visibility</p:attrName>
+                                        </p:attrNameLst>
+                                      </p:cBhvr>
+                                      <p:to>
+                                        <p:strVal val="visible"/>
+                                      </p:to>
+                                    </p:set>
+                                  </p:childTnLst>
+                                </p:cTn>
+                              </p:par>
+                            </p:childTnLst>
+                          </p:cTn>
+                        </p:par>
+                      </p:childTnLst>
+                    </p:cTn>
+                  </p:par>
+                </p:childTnLst>
+              </p:cTn>
+              <p:prevCondLst>
+                <p:cond evt="onPrev" delay="0">
+                  <p:tgtEl>
+                    <p:sldTgt/>
+                  </p:tgtEl>
+                </p:cond>
+              </p:prevCondLst>
+              <p:nextCondLst>
+                <p:cond evt="onNext" delay="0">
+                  <p:tgtEl>
+                    <p:sldTgt/>
+                  </p:tgtEl>
+                </p:cond>
+              </p:nextCondLst>
+            </p:seq>
+          </p:childTnLst>
+        </p:cTn>
+      </p:par>
+    </p:tnLst>
+    <p:bldLst>
+      <p:bldP spid="14" grpId="0" animBg="1"/>
+      <p:bldP spid="16" grpId="0" animBg="1"/>
+      <p:bldP spid="18" grpId="0" animBg="1"/>
+      <p:bldP spid="19" grpId="0" animBg="1"/>
+      <p:bldP spid="24" grpId="0" animBg="1"/>
+      <p:bldP spid="33" grpId="0" animBg="1"/>
+      <p:bldP spid="38" grpId="0" animBg="1"/>
     </p:bldLst>
   </p:timing>
 </p:sld>
